--- a/b609/lec01.pptx
+++ b/b609/lec01.pptx
@@ -24,17 +24,23 @@
     <p:sldId id="274" r:id="rId18"/>
     <p:sldId id="275" r:id="rId19"/>
     <p:sldId id="276" r:id="rId20"/>
-    <p:sldId id="279" r:id="rId21"/>
-    <p:sldId id="280" r:id="rId22"/>
-    <p:sldId id="281" r:id="rId23"/>
-    <p:sldId id="282" r:id="rId24"/>
-    <p:sldId id="283" r:id="rId25"/>
-    <p:sldId id="284" r:id="rId26"/>
-    <p:sldId id="285" r:id="rId27"/>
-    <p:sldId id="286" r:id="rId28"/>
-    <p:sldId id="287" r:id="rId29"/>
-    <p:sldId id="288" r:id="rId30"/>
-    <p:sldId id="289" r:id="rId31"/>
+    <p:sldId id="291" r:id="rId21"/>
+    <p:sldId id="292" r:id="rId22"/>
+    <p:sldId id="293" r:id="rId23"/>
+    <p:sldId id="294" r:id="rId24"/>
+    <p:sldId id="295" r:id="rId25"/>
+    <p:sldId id="296" r:id="rId26"/>
+    <p:sldId id="279" r:id="rId27"/>
+    <p:sldId id="280" r:id="rId28"/>
+    <p:sldId id="281" r:id="rId29"/>
+    <p:sldId id="282" r:id="rId30"/>
+    <p:sldId id="283" r:id="rId31"/>
+    <p:sldId id="284" r:id="rId32"/>
+    <p:sldId id="285" r:id="rId33"/>
+    <p:sldId id="286" r:id="rId34"/>
+    <p:sldId id="287" r:id="rId35"/>
+    <p:sldId id="288" r:id="rId36"/>
+    <p:sldId id="289" r:id="rId37"/>
   </p:sldIdLst>
   <p:sldSz cx="9144000" cy="6858000" type="screen4x3"/>
   <p:notesSz cx="6858000" cy="9144000"/>
@@ -3278,7 +3284,15 @@
             <a:pPr algn="ctr"/>
             <a:r>
               <a:rPr lang="en-US" sz="4800" b="1" dirty="0" smtClean="0"/>
-              <a:t>Lecture 1: Intro</a:t>
+              <a:t>Lecture </a:t>
+            </a:r>
+            <a:r>
+              <a:rPr lang="en-US" sz="4800" b="1" dirty="0" smtClean="0"/>
+              <a:t>1 &amp; 2: </a:t>
+            </a:r>
+            <a:r>
+              <a:rPr lang="en-US" sz="4800" b="1" dirty="0" smtClean="0"/>
+              <a:t>Intro</a:t>
             </a:r>
             <a:endParaRPr lang="en-US" sz="4800" b="1" dirty="0"/>
           </a:p>
@@ -15465,6 +15479,3214 @@
           <a:lstStyle/>
           <a:p>
             <a:r>
+              <a:rPr lang="en-US" dirty="0" smtClean="0">
+                <a:solidFill>
+                  <a:srgbClr val="0070C0"/>
+                </a:solidFill>
+              </a:rPr>
+              <a:t>Quiz analysis: P1, part 1</a:t>
+            </a:r>
+            <a:endParaRPr lang="en-US" dirty="0">
+              <a:solidFill>
+                <a:srgbClr val="0070C0"/>
+              </a:solidFill>
+            </a:endParaRPr>
+          </a:p>
+        </p:txBody>
+      </p:sp>
+      <mc:AlternateContent xmlns:mc="http://schemas.openxmlformats.org/markup-compatibility/2006">
+        <mc:Choice xmlns:a14="http://schemas.microsoft.com/office/drawing/2010/main" Requires="a14">
+          <p:sp>
+            <p:nvSpPr>
+              <p:cNvPr id="3" name="Content Placeholder 2"/>
+              <p:cNvSpPr>
+                <a:spLocks noGrp="1"/>
+              </p:cNvSpPr>
+              <p:nvPr>
+                <p:ph idx="1"/>
+              </p:nvPr>
+            </p:nvSpPr>
+            <p:spPr/>
+            <p:txBody>
+              <a:bodyPr>
+                <a:normAutofit fontScale="92500" lnSpcReduction="20000"/>
+              </a:bodyPr>
+              <a:lstStyle/>
+              <a:p>
+                <a:pPr marL="0" indent="0">
+                  <a:buNone/>
+                </a:pPr>
+                <a14:m>
+                  <m:oMath xmlns:m="http://schemas.openxmlformats.org/officeDocument/2006/math">
+                    <m:r>
+                      <a:rPr lang="en-US" i="1" dirty="0" smtClean="0">
+                        <a:latin typeface="Cambria Math"/>
+                        <a:ea typeface="Cambria Math"/>
+                      </a:rPr>
+                      <m:t>𝑥</m:t>
+                    </m:r>
+                    <m:r>
+                      <a:rPr lang="en-US" b="0" i="1" dirty="0" smtClean="0">
+                        <a:latin typeface="Cambria Math"/>
+                        <a:ea typeface="Cambria Math"/>
+                      </a:rPr>
+                      <m:t>,</m:t>
+                    </m:r>
+                    <m:r>
+                      <a:rPr lang="en-US" b="0" i="1" dirty="0" smtClean="0">
+                        <a:latin typeface="Cambria Math"/>
+                        <a:ea typeface="Cambria Math"/>
+                      </a:rPr>
+                      <m:t>𝑦</m:t>
+                    </m:r>
+                  </m:oMath>
+                </a14:m>
+                <a:r>
+                  <a:rPr lang="en-US" dirty="0" smtClean="0">
+                    <a:latin typeface="Cambria Math"/>
+                    <a:ea typeface="Cambria Math"/>
+                  </a:rPr>
+                  <a:t> are independent variables with uniform distribution over [0,1]</a:t>
+                </a:r>
+              </a:p>
+              <a:p>
+                <a:r>
+                  <a:rPr lang="en-US" dirty="0" smtClean="0">
+                    <a:latin typeface="Cambria Math"/>
+                    <a:ea typeface="Cambria Math"/>
+                  </a:rPr>
+                  <a:t>𝔼[x] = ½</a:t>
+                </a:r>
+              </a:p>
+              <a:p>
+                <a:r>
+                  <a:rPr lang="en-US" dirty="0" smtClean="0">
+                    <a:latin typeface="Cambria Math"/>
+                    <a:ea typeface="Cambria Math"/>
+                  </a:rPr>
+                  <a:t>𝔼[</a:t>
+                </a:r>
+                <a14:m>
+                  <m:oMath xmlns:m="http://schemas.openxmlformats.org/officeDocument/2006/math">
+                    <m:sSup>
+                      <m:sSupPr>
+                        <m:ctrlPr>
+                          <a:rPr lang="en-US" b="0" i="1" smtClean="0">
+                            <a:latin typeface="Cambria Math"/>
+                            <a:ea typeface="Cambria Math"/>
+                          </a:rPr>
+                        </m:ctrlPr>
+                      </m:sSupPr>
+                      <m:e>
+                        <m:r>
+                          <a:rPr lang="en-US" b="0" i="1" smtClean="0">
+                            <a:latin typeface="Cambria Math"/>
+                            <a:ea typeface="Cambria Math"/>
+                          </a:rPr>
+                          <m:t>𝑥</m:t>
+                        </m:r>
+                      </m:e>
+                      <m:sup>
+                        <m:r>
+                          <a:rPr lang="en-US" b="0" i="1" smtClean="0">
+                            <a:latin typeface="Cambria Math"/>
+                            <a:ea typeface="Cambria Math"/>
+                          </a:rPr>
+                          <m:t>2</m:t>
+                        </m:r>
+                      </m:sup>
+                    </m:sSup>
+                  </m:oMath>
+                </a14:m>
+                <a:r>
+                  <a:rPr lang="en-US" dirty="0" smtClean="0">
+                    <a:latin typeface="Cambria Math"/>
+                    <a:ea typeface="Cambria Math"/>
+                  </a:rPr>
+                  <a:t>] = </a:t>
+                </a:r>
+                <a14:m>
+                  <m:oMath xmlns:m="http://schemas.openxmlformats.org/officeDocument/2006/math">
+                    <m:nary>
+                      <m:naryPr>
+                        <m:ctrlPr>
+                          <a:rPr lang="en-US" b="0" i="1" smtClean="0">
+                            <a:latin typeface="Cambria Math"/>
+                            <a:ea typeface="Cambria Math"/>
+                          </a:rPr>
+                        </m:ctrlPr>
+                      </m:naryPr>
+                      <m:sub>
+                        <m:r>
+                          <a:rPr lang="en-US" b="0" i="1" smtClean="0">
+                            <a:latin typeface="Cambria Math"/>
+                            <a:ea typeface="Cambria Math"/>
+                          </a:rPr>
+                          <m:t>0</m:t>
+                        </m:r>
+                      </m:sub>
+                      <m:sup>
+                        <m:r>
+                          <a:rPr lang="en-US" b="0" i="1" smtClean="0">
+                            <a:latin typeface="Cambria Math"/>
+                            <a:ea typeface="Cambria Math"/>
+                          </a:rPr>
+                          <m:t>1</m:t>
+                        </m:r>
+                      </m:sup>
+                      <m:e>
+                        <m:sSup>
+                          <m:sSupPr>
+                            <m:ctrlPr>
+                              <a:rPr lang="en-US" b="0" i="1" smtClean="0">
+                                <a:latin typeface="Cambria Math"/>
+                                <a:ea typeface="Cambria Math"/>
+                              </a:rPr>
+                            </m:ctrlPr>
+                          </m:sSupPr>
+                          <m:e>
+                            <m:r>
+                              <a:rPr lang="en-US" b="0" i="1" smtClean="0">
+                                <a:latin typeface="Cambria Math"/>
+                                <a:ea typeface="Cambria Math"/>
+                              </a:rPr>
+                              <m:t>𝑥</m:t>
+                            </m:r>
+                          </m:e>
+                          <m:sup>
+                            <m:r>
+                              <a:rPr lang="en-US" b="0" i="1" smtClean="0">
+                                <a:latin typeface="Cambria Math"/>
+                                <a:ea typeface="Cambria Math"/>
+                              </a:rPr>
+                              <m:t>2</m:t>
+                            </m:r>
+                          </m:sup>
+                        </m:sSup>
+                        <m:r>
+                          <a:rPr lang="en-US" b="0" i="1" smtClean="0">
+                            <a:latin typeface="Cambria Math"/>
+                            <a:ea typeface="Cambria Math"/>
+                          </a:rPr>
+                          <m:t>𝑑𝑥</m:t>
+                        </m:r>
+                      </m:e>
+                    </m:nary>
+                    <m:r>
+                      <a:rPr lang="en-US" b="0" i="1" smtClean="0">
+                        <a:latin typeface="Cambria Math"/>
+                        <a:ea typeface="Cambria Math"/>
+                      </a:rPr>
+                      <m:t>=</m:t>
+                    </m:r>
+                    <m:f>
+                      <m:fPr>
+                        <m:ctrlPr>
+                          <a:rPr lang="en-US" b="0" i="1" smtClean="0">
+                            <a:latin typeface="Cambria Math"/>
+                            <a:ea typeface="Cambria Math"/>
+                          </a:rPr>
+                        </m:ctrlPr>
+                      </m:fPr>
+                      <m:num>
+                        <m:r>
+                          <a:rPr lang="en-US" b="0" i="1" smtClean="0">
+                            <a:latin typeface="Cambria Math"/>
+                            <a:ea typeface="Cambria Math"/>
+                          </a:rPr>
+                          <m:t>1</m:t>
+                        </m:r>
+                      </m:num>
+                      <m:den>
+                        <m:r>
+                          <a:rPr lang="en-US" b="0" i="1" smtClean="0">
+                            <a:latin typeface="Cambria Math"/>
+                            <a:ea typeface="Cambria Math"/>
+                          </a:rPr>
+                          <m:t>3</m:t>
+                        </m:r>
+                      </m:den>
+                    </m:f>
+                  </m:oMath>
+                </a14:m>
+                <a:endParaRPr lang="en-US" b="0" dirty="0" smtClean="0">
+                  <a:latin typeface="Cambria Math"/>
+                  <a:ea typeface="Cambria Math"/>
+                </a:endParaRPr>
+              </a:p>
+              <a:p>
+                <a14:m>
+                  <m:oMath xmlns:m="http://schemas.openxmlformats.org/officeDocument/2006/math">
+                    <m:r>
+                      <m:rPr>
+                        <m:nor/>
+                      </m:rPr>
+                      <a:rPr lang="en-US" dirty="0" smtClean="0">
+                        <a:latin typeface="Cambria Math"/>
+                        <a:ea typeface="Cambria Math"/>
+                      </a:rPr>
+                      <m:t>𝔼</m:t>
+                    </m:r>
+                    <m:r>
+                      <m:rPr>
+                        <m:nor/>
+                      </m:rPr>
+                      <a:rPr lang="en-US" dirty="0" smtClean="0">
+                        <a:latin typeface="Cambria Math"/>
+                        <a:ea typeface="Cambria Math"/>
+                      </a:rPr>
+                      <m:t>[</m:t>
+                    </m:r>
+                    <m:r>
+                      <a:rPr lang="en-US" b="0" i="1" smtClean="0">
+                        <a:latin typeface="Cambria Math"/>
+                        <a:ea typeface="Cambria Math"/>
+                      </a:rPr>
+                      <m:t>𝑥</m:t>
+                    </m:r>
+                    <m:r>
+                      <a:rPr lang="en-US" b="0" i="1" smtClean="0">
+                        <a:latin typeface="Cambria Math"/>
+                        <a:ea typeface="Cambria Math"/>
+                      </a:rPr>
+                      <m:t>−</m:t>
+                    </m:r>
+                    <m:r>
+                      <a:rPr lang="en-US" b="0" i="1" smtClean="0">
+                        <a:latin typeface="Cambria Math"/>
+                        <a:ea typeface="Cambria Math"/>
+                      </a:rPr>
+                      <m:t>𝑦</m:t>
+                    </m:r>
+                    <m:r>
+                      <m:rPr>
+                        <m:nor/>
+                      </m:rPr>
+                      <a:rPr lang="en-US" dirty="0" smtClean="0">
+                        <a:latin typeface="Cambria Math"/>
+                        <a:ea typeface="Cambria Math"/>
+                      </a:rPr>
+                      <m:t>]</m:t>
+                    </m:r>
+                  </m:oMath>
+                </a14:m>
+                <a:r>
+                  <a:rPr lang="en-US" dirty="0" smtClean="0">
+                    <a:latin typeface="Cambria Math"/>
+                    <a:ea typeface="Cambria Math"/>
+                  </a:rPr>
+                  <a:t> = </a:t>
+                </a:r>
+                <a14:m>
+                  <m:oMath xmlns:m="http://schemas.openxmlformats.org/officeDocument/2006/math">
+                    <m:r>
+                      <m:rPr>
+                        <m:nor/>
+                      </m:rPr>
+                      <a:rPr lang="en-US" dirty="0" smtClean="0">
+                        <a:latin typeface="Cambria Math"/>
+                        <a:ea typeface="Cambria Math"/>
+                      </a:rPr>
+                      <m:t>𝔼</m:t>
+                    </m:r>
+                    <m:r>
+                      <m:rPr>
+                        <m:nor/>
+                      </m:rPr>
+                      <a:rPr lang="en-US" dirty="0" smtClean="0">
+                        <a:latin typeface="Cambria Math"/>
+                        <a:ea typeface="Cambria Math"/>
+                      </a:rPr>
+                      <m:t>[</m:t>
+                    </m:r>
+                    <m:r>
+                      <a:rPr lang="en-US" b="0" i="1" smtClean="0">
+                        <a:latin typeface="Cambria Math"/>
+                        <a:ea typeface="Cambria Math"/>
+                      </a:rPr>
+                      <m:t>𝑥</m:t>
+                    </m:r>
+                    <m:r>
+                      <a:rPr lang="en-US" b="0" i="1" smtClean="0">
+                        <a:latin typeface="Cambria Math"/>
+                        <a:ea typeface="Cambria Math"/>
+                      </a:rPr>
+                      <m:t>]−</m:t>
+                    </m:r>
+                    <m:r>
+                      <m:rPr>
+                        <m:nor/>
+                      </m:rPr>
+                      <a:rPr lang="en-US" dirty="0" smtClean="0">
+                        <a:latin typeface="Cambria Math"/>
+                        <a:ea typeface="Cambria Math"/>
+                      </a:rPr>
+                      <m:t>𝔼</m:t>
+                    </m:r>
+                    <m:r>
+                      <a:rPr lang="en-US" b="0" i="1" smtClean="0">
+                        <a:latin typeface="Cambria Math"/>
+                        <a:ea typeface="Cambria Math"/>
+                      </a:rPr>
+                      <m:t>[</m:t>
+                    </m:r>
+                    <m:r>
+                      <a:rPr lang="en-US" b="0" i="1" smtClean="0">
+                        <a:latin typeface="Cambria Math"/>
+                        <a:ea typeface="Cambria Math"/>
+                      </a:rPr>
+                      <m:t>𝑦</m:t>
+                    </m:r>
+                    <m:r>
+                      <m:rPr>
+                        <m:nor/>
+                      </m:rPr>
+                      <a:rPr lang="en-US" dirty="0" smtClean="0">
+                        <a:latin typeface="Cambria Math"/>
+                        <a:ea typeface="Cambria Math"/>
+                      </a:rPr>
+                      <m:t>]</m:t>
+                    </m:r>
+                    <m:r>
+                      <m:rPr>
+                        <m:nor/>
+                      </m:rPr>
+                      <a:rPr lang="en-US" b="0" i="0" dirty="0" smtClean="0">
+                        <a:latin typeface="Cambria Math"/>
+                        <a:ea typeface="Cambria Math"/>
+                      </a:rPr>
+                      <m:t>=1/2 - 1/2 = 0</m:t>
+                    </m:r>
+                  </m:oMath>
+                </a14:m>
+                <a:endParaRPr lang="en-US" dirty="0" smtClean="0">
+                  <a:latin typeface="Cambria Math"/>
+                  <a:ea typeface="Cambria Math"/>
+                </a:endParaRPr>
+              </a:p>
+              <a:p>
+                <a:r>
+                  <a:rPr lang="en-US" dirty="0" smtClean="0">
+                    <a:latin typeface="Cambria Math"/>
+                    <a:ea typeface="Cambria Math"/>
+                  </a:rPr>
+                  <a:t>𝔼[</a:t>
+                </a:r>
+                <a14:m>
+                  <m:oMath xmlns:m="http://schemas.openxmlformats.org/officeDocument/2006/math">
+                    <m:r>
+                      <a:rPr lang="en-US" b="0" i="1" smtClean="0">
+                        <a:latin typeface="Cambria Math"/>
+                        <a:ea typeface="Cambria Math"/>
+                      </a:rPr>
+                      <m:t>𝑥𝑦</m:t>
+                    </m:r>
+                  </m:oMath>
+                </a14:m>
+                <a:r>
+                  <a:rPr lang="en-US" dirty="0" smtClean="0">
+                    <a:latin typeface="Cambria Math"/>
+                    <a:ea typeface="Cambria Math"/>
+                  </a:rPr>
+                  <a:t>]= </a:t>
+                </a:r>
+                <a14:m>
+                  <m:oMath xmlns:m="http://schemas.openxmlformats.org/officeDocument/2006/math">
+                    <m:r>
+                      <m:rPr>
+                        <m:nor/>
+                      </m:rPr>
+                      <a:rPr lang="en-US" dirty="0" smtClean="0">
+                        <a:latin typeface="Cambria Math"/>
+                        <a:ea typeface="Cambria Math"/>
+                      </a:rPr>
+                      <m:t>𝔼</m:t>
+                    </m:r>
+                    <m:r>
+                      <m:rPr>
+                        <m:nor/>
+                      </m:rPr>
+                      <a:rPr lang="en-US" dirty="0" smtClean="0">
+                        <a:latin typeface="Cambria Math"/>
+                        <a:ea typeface="Cambria Math"/>
+                      </a:rPr>
+                      <m:t>[</m:t>
+                    </m:r>
+                    <m:r>
+                      <a:rPr lang="en-US" b="0" i="1" smtClean="0">
+                        <a:latin typeface="Cambria Math"/>
+                        <a:ea typeface="Cambria Math"/>
+                      </a:rPr>
+                      <m:t>𝑥</m:t>
+                    </m:r>
+                    <m:r>
+                      <a:rPr lang="en-US" b="0" i="1" smtClean="0">
+                        <a:latin typeface="Cambria Math"/>
+                        <a:ea typeface="Cambria Math"/>
+                      </a:rPr>
+                      <m:t>]</m:t>
+                    </m:r>
+                  </m:oMath>
+                </a14:m>
+                <a:r>
+                  <a:rPr lang="en-US" dirty="0" smtClean="0">
+                    <a:ea typeface="Cambria Math"/>
+                  </a:rPr>
+                  <a:t> </a:t>
+                </a:r>
+                <a14:m>
+                  <m:oMath xmlns:m="http://schemas.openxmlformats.org/officeDocument/2006/math">
+                    <m:r>
+                      <m:rPr>
+                        <m:nor/>
+                      </m:rPr>
+                      <a:rPr lang="en-US" dirty="0" smtClean="0">
+                        <a:latin typeface="Cambria Math"/>
+                        <a:ea typeface="Cambria Math"/>
+                      </a:rPr>
+                      <m:t>𝔼</m:t>
+                    </m:r>
+                    <m:r>
+                      <m:rPr>
+                        <m:nor/>
+                      </m:rPr>
+                      <a:rPr lang="en-US" dirty="0" smtClean="0">
+                        <a:latin typeface="Cambria Math"/>
+                        <a:ea typeface="Cambria Math"/>
+                      </a:rPr>
+                      <m:t>[</m:t>
+                    </m:r>
+                    <m:r>
+                      <a:rPr lang="en-US" b="0" i="1" dirty="0" smtClean="0">
+                        <a:latin typeface="Cambria Math"/>
+                        <a:ea typeface="Cambria Math"/>
+                      </a:rPr>
+                      <m:t>𝑦</m:t>
+                    </m:r>
+                    <m:r>
+                      <a:rPr lang="en-US" b="0" i="1" smtClean="0">
+                        <a:latin typeface="Cambria Math"/>
+                        <a:ea typeface="Cambria Math"/>
+                      </a:rPr>
+                      <m:t>]</m:t>
+                    </m:r>
+                    <m:r>
+                      <a:rPr lang="en-US" b="0" i="1" smtClean="0">
+                        <a:latin typeface="Cambria Math"/>
+                        <a:ea typeface="Cambria Math"/>
+                      </a:rPr>
+                      <m:t>=</m:t>
+                    </m:r>
+                    <m:f>
+                      <m:fPr>
+                        <m:ctrlPr>
+                          <a:rPr lang="en-US" b="0" i="1" smtClean="0">
+                            <a:latin typeface="Cambria Math"/>
+                            <a:ea typeface="Cambria Math"/>
+                          </a:rPr>
+                        </m:ctrlPr>
+                      </m:fPr>
+                      <m:num>
+                        <m:r>
+                          <a:rPr lang="en-US" b="0" i="1" smtClean="0">
+                            <a:latin typeface="Cambria Math"/>
+                            <a:ea typeface="Cambria Math"/>
+                          </a:rPr>
+                          <m:t>1</m:t>
+                        </m:r>
+                      </m:num>
+                      <m:den>
+                        <m:r>
+                          <a:rPr lang="en-US" b="0" i="1" smtClean="0">
+                            <a:latin typeface="Cambria Math"/>
+                            <a:ea typeface="Cambria Math"/>
+                          </a:rPr>
+                          <m:t>2</m:t>
+                        </m:r>
+                      </m:den>
+                    </m:f>
+                    <m:r>
+                      <a:rPr lang="en-US" b="0" i="1" smtClean="0">
+                        <a:latin typeface="Cambria Math"/>
+                        <a:ea typeface="Cambria Math"/>
+                      </a:rPr>
+                      <m:t>×</m:t>
+                    </m:r>
+                    <m:f>
+                      <m:fPr>
+                        <m:ctrlPr>
+                          <a:rPr lang="en-US" b="0" i="1" smtClean="0">
+                            <a:latin typeface="Cambria Math"/>
+                            <a:ea typeface="Cambria Math"/>
+                          </a:rPr>
+                        </m:ctrlPr>
+                      </m:fPr>
+                      <m:num>
+                        <m:r>
+                          <a:rPr lang="en-US" b="0" i="1" smtClean="0">
+                            <a:latin typeface="Cambria Math"/>
+                            <a:ea typeface="Cambria Math"/>
+                          </a:rPr>
+                          <m:t>1</m:t>
+                        </m:r>
+                      </m:num>
+                      <m:den>
+                        <m:r>
+                          <a:rPr lang="en-US" b="0" i="1" smtClean="0">
+                            <a:latin typeface="Cambria Math"/>
+                            <a:ea typeface="Cambria Math"/>
+                          </a:rPr>
+                          <m:t>2</m:t>
+                        </m:r>
+                      </m:den>
+                    </m:f>
+                    <m:r>
+                      <a:rPr lang="en-US" b="0" i="1" smtClean="0">
+                        <a:latin typeface="Cambria Math"/>
+                        <a:ea typeface="Cambria Math"/>
+                      </a:rPr>
+                      <m:t>=</m:t>
+                    </m:r>
+                    <m:f>
+                      <m:fPr>
+                        <m:ctrlPr>
+                          <a:rPr lang="en-US" b="0" i="1" smtClean="0">
+                            <a:latin typeface="Cambria Math"/>
+                            <a:ea typeface="Cambria Math"/>
+                          </a:rPr>
+                        </m:ctrlPr>
+                      </m:fPr>
+                      <m:num>
+                        <m:r>
+                          <a:rPr lang="en-US" b="0" i="1" smtClean="0">
+                            <a:latin typeface="Cambria Math"/>
+                            <a:ea typeface="Cambria Math"/>
+                          </a:rPr>
+                          <m:t>1</m:t>
+                        </m:r>
+                      </m:num>
+                      <m:den>
+                        <m:r>
+                          <a:rPr lang="en-US" b="0" i="1" smtClean="0">
+                            <a:latin typeface="Cambria Math"/>
+                            <a:ea typeface="Cambria Math"/>
+                          </a:rPr>
+                          <m:t>4</m:t>
+                        </m:r>
+                      </m:den>
+                    </m:f>
+                  </m:oMath>
+                </a14:m>
+                <a:endParaRPr lang="en-US" dirty="0" smtClean="0">
+                  <a:latin typeface="Cambria Math"/>
+                  <a:ea typeface="Cambria Math"/>
+                </a:endParaRPr>
+              </a:p>
+              <a:p>
+                <a:r>
+                  <a:rPr lang="en-US" dirty="0" smtClean="0">
+                    <a:latin typeface="Cambria Math"/>
+                    <a:ea typeface="Cambria Math"/>
+                  </a:rPr>
+                  <a:t>𝔼[</a:t>
+                </a:r>
+                <a14:m>
+                  <m:oMath xmlns:m="http://schemas.openxmlformats.org/officeDocument/2006/math">
+                    <m:sSup>
+                      <m:sSupPr>
+                        <m:ctrlPr>
+                          <a:rPr lang="en-US" b="0" i="1" smtClean="0">
+                            <a:latin typeface="Cambria Math"/>
+                            <a:ea typeface="Cambria Math"/>
+                          </a:rPr>
+                        </m:ctrlPr>
+                      </m:sSupPr>
+                      <m:e>
+                        <m:d>
+                          <m:dPr>
+                            <m:ctrlPr>
+                              <a:rPr lang="en-US" b="0" i="0" smtClean="0">
+                                <a:latin typeface="Cambria Math"/>
+                                <a:ea typeface="Cambria Math"/>
+                              </a:rPr>
+                            </m:ctrlPr>
+                          </m:dPr>
+                          <m:e>
+                            <m:r>
+                              <a:rPr lang="en-US" b="0" i="1" smtClean="0">
+                                <a:latin typeface="Cambria Math"/>
+                                <a:ea typeface="Cambria Math"/>
+                              </a:rPr>
+                              <m:t>𝑥</m:t>
+                            </m:r>
+                            <m:r>
+                              <a:rPr lang="en-US" b="0" i="1" smtClean="0">
+                                <a:latin typeface="Cambria Math"/>
+                                <a:ea typeface="Cambria Math"/>
+                              </a:rPr>
+                              <m:t>−</m:t>
+                            </m:r>
+                            <m:r>
+                              <a:rPr lang="en-US" b="0" i="1" smtClean="0">
+                                <a:latin typeface="Cambria Math"/>
+                                <a:ea typeface="Cambria Math"/>
+                              </a:rPr>
+                              <m:t>𝑦</m:t>
+                            </m:r>
+                          </m:e>
+                        </m:d>
+                      </m:e>
+                      <m:sup>
+                        <m:r>
+                          <a:rPr lang="en-US" b="0" i="1" smtClean="0">
+                            <a:latin typeface="Cambria Math"/>
+                            <a:ea typeface="Cambria Math"/>
+                          </a:rPr>
+                          <m:t>2</m:t>
+                        </m:r>
+                      </m:sup>
+                    </m:sSup>
+                  </m:oMath>
+                </a14:m>
+                <a:r>
+                  <a:rPr lang="en-US" dirty="0" smtClean="0">
+                    <a:latin typeface="Cambria Math"/>
+                    <a:ea typeface="Cambria Math"/>
+                  </a:rPr>
+                  <a:t>]</a:t>
+                </a:r>
+                <a:r>
+                  <a:rPr lang="en-US" dirty="0" smtClean="0">
+                    <a:latin typeface="Cambria Math"/>
+                    <a:ea typeface="Cambria Math"/>
+                  </a:rPr>
+                  <a:t>= 𝔼[</a:t>
+                </a:r>
+                <a14:m>
+                  <m:oMath xmlns:m="http://schemas.openxmlformats.org/officeDocument/2006/math">
+                    <m:sSup>
+                      <m:sSupPr>
+                        <m:ctrlPr>
+                          <a:rPr lang="en-US" b="0" i="1" smtClean="0">
+                            <a:latin typeface="Cambria Math"/>
+                            <a:ea typeface="Cambria Math"/>
+                          </a:rPr>
+                        </m:ctrlPr>
+                      </m:sSupPr>
+                      <m:e>
+                        <m:r>
+                          <a:rPr lang="en-US" b="0" i="1" smtClean="0">
+                            <a:latin typeface="Cambria Math"/>
+                            <a:ea typeface="Cambria Math"/>
+                          </a:rPr>
+                          <m:t>𝑥</m:t>
+                        </m:r>
+                      </m:e>
+                      <m:sup>
+                        <m:r>
+                          <a:rPr lang="en-US" b="0" i="1" smtClean="0">
+                            <a:latin typeface="Cambria Math"/>
+                            <a:ea typeface="Cambria Math"/>
+                          </a:rPr>
+                          <m:t>2</m:t>
+                        </m:r>
+                      </m:sup>
+                    </m:sSup>
+                    <m:r>
+                      <a:rPr lang="en-US" b="0" i="1" smtClean="0">
+                        <a:latin typeface="Cambria Math"/>
+                        <a:ea typeface="Cambria Math"/>
+                      </a:rPr>
+                      <m:t>]</m:t>
+                    </m:r>
+                    <m:r>
+                      <m:rPr>
+                        <m:nor/>
+                      </m:rPr>
+                      <a:rPr lang="en-US" b="0" i="0" smtClean="0">
+                        <a:latin typeface="Cambria Math"/>
+                        <a:ea typeface="Cambria Math"/>
+                      </a:rPr>
+                      <m:t>-2</m:t>
+                    </m:r>
+                    <m:r>
+                      <m:rPr>
+                        <m:nor/>
+                      </m:rPr>
+                      <a:rPr lang="en-US" dirty="0" smtClean="0">
+                        <a:latin typeface="Cambria Math"/>
+                        <a:ea typeface="Cambria Math"/>
+                      </a:rPr>
+                      <m:t>𝔼</m:t>
+                    </m:r>
+                    <m:r>
+                      <m:rPr>
+                        <m:nor/>
+                      </m:rPr>
+                      <a:rPr lang="en-US" dirty="0" smtClean="0">
+                        <a:latin typeface="Cambria Math"/>
+                        <a:ea typeface="Cambria Math"/>
+                      </a:rPr>
+                      <m:t>[</m:t>
+                    </m:r>
+                    <m:r>
+                      <a:rPr lang="en-US" b="0" i="1" smtClean="0">
+                        <a:latin typeface="Cambria Math"/>
+                        <a:ea typeface="Cambria Math"/>
+                      </a:rPr>
+                      <m:t>𝑥𝑦</m:t>
+                    </m:r>
+                    <m:r>
+                      <a:rPr lang="en-US" b="0" i="1" smtClean="0">
+                        <a:latin typeface="Cambria Math"/>
+                        <a:ea typeface="Cambria Math"/>
+                      </a:rPr>
+                      <m:t>]</m:t>
+                    </m:r>
+                    <m:r>
+                      <m:rPr>
+                        <m:nor/>
+                      </m:rPr>
+                      <a:rPr lang="en-US" b="0" i="0" smtClean="0">
+                        <a:latin typeface="Cambria Math"/>
+                        <a:ea typeface="Cambria Math"/>
+                      </a:rPr>
+                      <m:t>+</m:t>
+                    </m:r>
+                    <m:r>
+                      <m:rPr>
+                        <m:nor/>
+                      </m:rPr>
+                      <a:rPr lang="en-US" dirty="0" smtClean="0">
+                        <a:latin typeface="Cambria Math"/>
+                        <a:ea typeface="Cambria Math"/>
+                      </a:rPr>
+                      <m:t>𝔼</m:t>
+                    </m:r>
+                    <m:r>
+                      <m:rPr>
+                        <m:nor/>
+                      </m:rPr>
+                      <a:rPr lang="en-US" dirty="0" smtClean="0">
+                        <a:latin typeface="Cambria Math"/>
+                        <a:ea typeface="Cambria Math"/>
+                      </a:rPr>
+                      <m:t>[</m:t>
+                    </m:r>
+                    <m:sSup>
+                      <m:sSupPr>
+                        <m:ctrlPr>
+                          <a:rPr lang="en-US" b="0" i="1" smtClean="0">
+                            <a:latin typeface="Cambria Math"/>
+                            <a:ea typeface="Cambria Math"/>
+                          </a:rPr>
+                        </m:ctrlPr>
+                      </m:sSupPr>
+                      <m:e>
+                        <m:r>
+                          <a:rPr lang="en-US" b="0" i="1" smtClean="0">
+                            <a:latin typeface="Cambria Math"/>
+                            <a:ea typeface="Cambria Math"/>
+                          </a:rPr>
+                          <m:t>𝑦</m:t>
+                        </m:r>
+                      </m:e>
+                      <m:sup>
+                        <m:r>
+                          <a:rPr lang="en-US" b="0" i="1" smtClean="0">
+                            <a:latin typeface="Cambria Math"/>
+                            <a:ea typeface="Cambria Math"/>
+                          </a:rPr>
+                          <m:t>2</m:t>
+                        </m:r>
+                      </m:sup>
+                    </m:sSup>
+                    <m:r>
+                      <a:rPr lang="en-US" b="0" i="1" smtClean="0">
+                        <a:latin typeface="Cambria Math"/>
+                        <a:ea typeface="Cambria Math"/>
+                      </a:rPr>
+                      <m:t>]</m:t>
+                    </m:r>
+                  </m:oMath>
+                </a14:m>
+                <a:endParaRPr lang="en-US" b="0" i="1" dirty="0" smtClean="0">
+                  <a:latin typeface="Cambria Math"/>
+                  <a:ea typeface="Cambria Math"/>
+                </a:endParaRPr>
+              </a:p>
+              <a:p>
+                <a:pPr marL="0" indent="0">
+                  <a:buNone/>
+                </a:pPr>
+                <a14:m>
+                  <m:oMathPara xmlns:m="http://schemas.openxmlformats.org/officeDocument/2006/math">
+                    <m:oMathParaPr>
+                      <m:jc m:val="centerGroup"/>
+                    </m:oMathParaPr>
+                    <m:oMath xmlns:m="http://schemas.openxmlformats.org/officeDocument/2006/math">
+                      <m:r>
+                        <a:rPr lang="en-US" b="0" i="1" smtClean="0">
+                          <a:latin typeface="Cambria Math"/>
+                          <a:ea typeface="Cambria Math"/>
+                        </a:rPr>
+                        <m:t>=</m:t>
+                      </m:r>
+                      <m:f>
+                        <m:fPr>
+                          <m:ctrlPr>
+                            <a:rPr lang="en-US" b="0" i="1" smtClean="0">
+                              <a:latin typeface="Cambria Math"/>
+                              <a:ea typeface="Cambria Math"/>
+                            </a:rPr>
+                          </m:ctrlPr>
+                        </m:fPr>
+                        <m:num>
+                          <m:r>
+                            <a:rPr lang="en-US" b="0" i="1" smtClean="0">
+                              <a:latin typeface="Cambria Math"/>
+                              <a:ea typeface="Cambria Math"/>
+                            </a:rPr>
+                            <m:t>1</m:t>
+                          </m:r>
+                        </m:num>
+                        <m:den>
+                          <m:r>
+                            <a:rPr lang="en-US" b="0" i="1" smtClean="0">
+                              <a:latin typeface="Cambria Math"/>
+                              <a:ea typeface="Cambria Math"/>
+                            </a:rPr>
+                            <m:t>3</m:t>
+                          </m:r>
+                        </m:den>
+                      </m:f>
+                      <m:r>
+                        <a:rPr lang="en-US" b="0" i="1" smtClean="0">
+                          <a:latin typeface="Cambria Math"/>
+                          <a:ea typeface="Cambria Math"/>
+                        </a:rPr>
+                        <m:t>−2×</m:t>
+                      </m:r>
+                      <m:f>
+                        <m:fPr>
+                          <m:ctrlPr>
+                            <a:rPr lang="en-US" b="0" i="1" smtClean="0">
+                              <a:latin typeface="Cambria Math"/>
+                              <a:ea typeface="Cambria Math"/>
+                            </a:rPr>
+                          </m:ctrlPr>
+                        </m:fPr>
+                        <m:num>
+                          <m:r>
+                            <a:rPr lang="en-US" b="0" i="1" smtClean="0">
+                              <a:latin typeface="Cambria Math"/>
+                              <a:ea typeface="Cambria Math"/>
+                            </a:rPr>
+                            <m:t>1</m:t>
+                          </m:r>
+                        </m:num>
+                        <m:den>
+                          <m:r>
+                            <a:rPr lang="en-US" b="0" i="1" smtClean="0">
+                              <a:latin typeface="Cambria Math"/>
+                              <a:ea typeface="Cambria Math"/>
+                            </a:rPr>
+                            <m:t>4</m:t>
+                          </m:r>
+                        </m:den>
+                      </m:f>
+                      <m:r>
+                        <a:rPr lang="en-US" b="0" i="1" smtClean="0">
+                          <a:latin typeface="Cambria Math"/>
+                          <a:ea typeface="Cambria Math"/>
+                        </a:rPr>
+                        <m:t>+</m:t>
+                      </m:r>
+                      <m:f>
+                        <m:fPr>
+                          <m:ctrlPr>
+                            <a:rPr lang="en-US" b="0" i="1" smtClean="0">
+                              <a:latin typeface="Cambria Math"/>
+                              <a:ea typeface="Cambria Math"/>
+                            </a:rPr>
+                          </m:ctrlPr>
+                        </m:fPr>
+                        <m:num>
+                          <m:r>
+                            <a:rPr lang="en-US" b="0" i="1" smtClean="0">
+                              <a:latin typeface="Cambria Math"/>
+                              <a:ea typeface="Cambria Math"/>
+                            </a:rPr>
+                            <m:t>1</m:t>
+                          </m:r>
+                        </m:num>
+                        <m:den>
+                          <m:r>
+                            <a:rPr lang="en-US" b="0" i="1" smtClean="0">
+                              <a:latin typeface="Cambria Math"/>
+                              <a:ea typeface="Cambria Math"/>
+                            </a:rPr>
+                            <m:t>3</m:t>
+                          </m:r>
+                        </m:den>
+                      </m:f>
+                      <m:r>
+                        <a:rPr lang="en-US" b="0" i="1" smtClean="0">
+                          <a:latin typeface="Cambria Math"/>
+                          <a:ea typeface="Cambria Math"/>
+                        </a:rPr>
+                        <m:t>=1/6</m:t>
+                      </m:r>
+                    </m:oMath>
+                  </m:oMathPara>
+                </a14:m>
+                <a:endParaRPr lang="en-US" dirty="0" smtClean="0">
+                  <a:latin typeface="Cambria Math"/>
+                  <a:ea typeface="Cambria Math"/>
+                </a:endParaRPr>
+              </a:p>
+              <a:p>
+                <a:endParaRPr lang="en-US" dirty="0"/>
+              </a:p>
+            </p:txBody>
+          </p:sp>
+        </mc:Choice>
+        <mc:Fallback>
+          <p:sp>
+            <p:nvSpPr>
+              <p:cNvPr id="3" name="Content Placeholder 2"/>
+              <p:cNvSpPr>
+                <a:spLocks noGrp="1" noRot="1" noChangeAspect="1" noMove="1" noResize="1" noEditPoints="1" noAdjustHandles="1" noChangeArrowheads="1" noChangeShapeType="1" noTextEdit="1"/>
+              </p:cNvSpPr>
+              <p:nvPr>
+                <p:ph idx="1"/>
+              </p:nvPr>
+            </p:nvSpPr>
+            <p:spPr>
+              <a:blipFill rotWithShape="1">
+                <a:blip r:embed="rId2"/>
+                <a:stretch>
+                  <a:fillRect l="-1704" t="-3774"/>
+                </a:stretch>
+              </a:blipFill>
+            </p:spPr>
+            <p:txBody>
+              <a:bodyPr/>
+              <a:lstStyle/>
+              <a:p>
+                <a:r>
+                  <a:rPr lang="en-US">
+                    <a:noFill/>
+                  </a:rPr>
+                  <a:t> </a:t>
+                </a:r>
+              </a:p>
+            </p:txBody>
+          </p:sp>
+        </mc:Fallback>
+      </mc:AlternateContent>
+    </p:spTree>
+    <p:extLst>
+      <p:ext uri="{BB962C8B-B14F-4D97-AF65-F5344CB8AC3E}">
+        <p14:creationId xmlns:p14="http://schemas.microsoft.com/office/powerpoint/2010/main" val="3047543609"/>
+      </p:ext>
+    </p:extLst>
+  </p:cSld>
+  <p:clrMapOvr>
+    <a:masterClrMapping/>
+  </p:clrMapOvr>
+  <p:timing>
+    <p:tnLst>
+      <p:par>
+        <p:cTn id="1" dur="indefinite" restart="never" nodeType="tmRoot"/>
+      </p:par>
+    </p:tnLst>
+  </p:timing>
+</p:sld>
+</file>
+
+<file path=ppt/slides/slide21.xml><?xml version="1.0" encoding="utf-8"?>
+<p:sld xmlns:a="http://schemas.openxmlformats.org/drawingml/2006/main" xmlns:r="http://schemas.openxmlformats.org/officeDocument/2006/relationships" xmlns:p="http://schemas.openxmlformats.org/presentationml/2006/main">
+  <p:cSld>
+    <p:spTree>
+      <p:nvGrpSpPr>
+        <p:cNvPr id="1" name=""/>
+        <p:cNvGrpSpPr/>
+        <p:nvPr/>
+      </p:nvGrpSpPr>
+      <p:grpSpPr>
+        <a:xfrm>
+          <a:off x="0" y="0"/>
+          <a:ext cx="0" cy="0"/>
+          <a:chOff x="0" y="0"/>
+          <a:chExt cx="0" cy="0"/>
+        </a:xfrm>
+      </p:grpSpPr>
+      <p:sp>
+        <p:nvSpPr>
+          <p:cNvPr id="2" name="Title 1"/>
+          <p:cNvSpPr>
+            <a:spLocks noGrp="1"/>
+          </p:cNvSpPr>
+          <p:nvPr>
+            <p:ph type="title"/>
+          </p:nvPr>
+        </p:nvSpPr>
+        <p:spPr/>
+        <p:txBody>
+          <a:bodyPr/>
+          <a:lstStyle/>
+          <a:p>
+            <a:r>
+              <a:rPr lang="en-US" dirty="0" smtClean="0">
+                <a:solidFill>
+                  <a:srgbClr val="0070C0"/>
+                </a:solidFill>
+              </a:rPr>
+              <a:t>Quiz analysis: P1, part 2</a:t>
+            </a:r>
+            <a:endParaRPr lang="en-US" dirty="0"/>
+          </a:p>
+        </p:txBody>
+      </p:sp>
+      <mc:AlternateContent xmlns:mc="http://schemas.openxmlformats.org/markup-compatibility/2006">
+        <mc:Choice xmlns:a14="http://schemas.microsoft.com/office/drawing/2010/main" Requires="a14">
+          <p:sp>
+            <p:nvSpPr>
+              <p:cNvPr id="3" name="Content Placeholder 2"/>
+              <p:cNvSpPr>
+                <a:spLocks noGrp="1"/>
+              </p:cNvSpPr>
+              <p:nvPr>
+                <p:ph idx="1"/>
+              </p:nvPr>
+            </p:nvSpPr>
+            <p:spPr>
+              <a:xfrm>
+                <a:off x="304800" y="1524000"/>
+                <a:ext cx="8686800" cy="4525963"/>
+              </a:xfrm>
+            </p:spPr>
+            <p:txBody>
+              <a:bodyPr/>
+              <a:lstStyle/>
+              <a:p>
+                <a:r>
+                  <a:rPr lang="en-US" dirty="0" smtClean="0"/>
+                  <a:t>What is the expected squared distance between two points generated uniformly at random inside a d-dimensional hypercube </a:t>
+                </a:r>
+                <a14:m>
+                  <m:oMath xmlns:m="http://schemas.openxmlformats.org/officeDocument/2006/math">
+                    <m:sSup>
+                      <m:sSupPr>
+                        <m:ctrlPr>
+                          <a:rPr lang="en-US" b="0" i="1" smtClean="0">
+                            <a:latin typeface="Cambria Math"/>
+                          </a:rPr>
+                        </m:ctrlPr>
+                      </m:sSupPr>
+                      <m:e>
+                        <m:d>
+                          <m:dPr>
+                            <m:begChr m:val="["/>
+                            <m:endChr m:val="]"/>
+                            <m:ctrlPr>
+                              <a:rPr lang="en-US" b="0" i="1" smtClean="0">
+                                <a:latin typeface="Cambria Math"/>
+                              </a:rPr>
+                            </m:ctrlPr>
+                          </m:dPr>
+                          <m:e>
+                            <m:r>
+                              <a:rPr lang="en-US" b="0" i="1" smtClean="0">
+                                <a:latin typeface="Cambria Math"/>
+                              </a:rPr>
+                              <m:t>0,1</m:t>
+                            </m:r>
+                          </m:e>
+                        </m:d>
+                      </m:e>
+                      <m:sup>
+                        <m:r>
+                          <a:rPr lang="en-US" b="0" i="1" smtClean="0">
+                            <a:latin typeface="Cambria Math"/>
+                          </a:rPr>
+                          <m:t>𝑑</m:t>
+                        </m:r>
+                      </m:sup>
+                    </m:sSup>
+                  </m:oMath>
+                </a14:m>
+                <a:r>
+                  <a:rPr lang="en-US" dirty="0" smtClean="0"/>
+                  <a:t>?</a:t>
+                </a:r>
+              </a:p>
+              <a:p>
+                <a14:m>
+                  <m:oMath xmlns:m="http://schemas.openxmlformats.org/officeDocument/2006/math">
+                    <m:r>
+                      <a:rPr lang="en-US" i="1" smtClean="0">
+                        <a:latin typeface="Cambria Math"/>
+                        <a:ea typeface="Cambria Math"/>
+                      </a:rPr>
+                      <m:t>𝔼</m:t>
+                    </m:r>
+                    <m:d>
+                      <m:dPr>
+                        <m:begChr m:val="["/>
+                        <m:endChr m:val="]"/>
+                        <m:ctrlPr>
+                          <a:rPr lang="en-US" b="0" i="1" smtClean="0">
+                            <a:latin typeface="Cambria Math"/>
+                            <a:ea typeface="Cambria Math"/>
+                          </a:rPr>
+                        </m:ctrlPr>
+                      </m:dPr>
+                      <m:e>
+                        <m:nary>
+                          <m:naryPr>
+                            <m:chr m:val="∑"/>
+                            <m:ctrlPr>
+                              <a:rPr lang="en-US" b="0" i="1" smtClean="0">
+                                <a:latin typeface="Cambria Math"/>
+                                <a:ea typeface="Cambria Math"/>
+                              </a:rPr>
+                            </m:ctrlPr>
+                          </m:naryPr>
+                          <m:sub>
+                            <m:r>
+                              <a:rPr lang="en-US" b="0" i="1" smtClean="0">
+                                <a:latin typeface="Cambria Math"/>
+                                <a:ea typeface="Cambria Math"/>
+                              </a:rPr>
+                              <m:t>𝑖</m:t>
+                            </m:r>
+                            <m:r>
+                              <a:rPr lang="en-US" b="0" i="1" smtClean="0">
+                                <a:latin typeface="Cambria Math"/>
+                                <a:ea typeface="Cambria Math"/>
+                              </a:rPr>
+                              <m:t>=1</m:t>
+                            </m:r>
+                          </m:sub>
+                          <m:sup>
+                            <m:r>
+                              <a:rPr lang="en-US" b="0" i="1" smtClean="0">
+                                <a:latin typeface="Cambria Math"/>
+                                <a:ea typeface="Cambria Math"/>
+                              </a:rPr>
+                              <m:t>𝑑</m:t>
+                            </m:r>
+                          </m:sup>
+                          <m:e>
+                            <m:sSup>
+                              <m:sSupPr>
+                                <m:ctrlPr>
+                                  <a:rPr lang="en-US" b="0" i="1" smtClean="0">
+                                    <a:latin typeface="Cambria Math"/>
+                                    <a:ea typeface="Cambria Math"/>
+                                  </a:rPr>
+                                </m:ctrlPr>
+                              </m:sSupPr>
+                              <m:e>
+                                <m:d>
+                                  <m:dPr>
+                                    <m:ctrlPr>
+                                      <a:rPr lang="en-US" b="0" i="1" smtClean="0">
+                                        <a:latin typeface="Cambria Math"/>
+                                        <a:ea typeface="Cambria Math"/>
+                                      </a:rPr>
+                                    </m:ctrlPr>
+                                  </m:dPr>
+                                  <m:e>
+                                    <m:sSub>
+                                      <m:sSubPr>
+                                        <m:ctrlPr>
+                                          <a:rPr lang="en-US" b="0" i="1" smtClean="0">
+                                            <a:latin typeface="Cambria Math"/>
+                                            <a:ea typeface="Cambria Math"/>
+                                          </a:rPr>
+                                        </m:ctrlPr>
+                                      </m:sSubPr>
+                                      <m:e>
+                                        <m:r>
+                                          <a:rPr lang="en-US" b="0" i="1" smtClean="0">
+                                            <a:latin typeface="Cambria Math"/>
+                                            <a:ea typeface="Cambria Math"/>
+                                          </a:rPr>
+                                          <m:t>𝑥</m:t>
+                                        </m:r>
+                                      </m:e>
+                                      <m:sub>
+                                        <m:r>
+                                          <a:rPr lang="en-US" b="0" i="1" smtClean="0">
+                                            <a:latin typeface="Cambria Math"/>
+                                            <a:ea typeface="Cambria Math"/>
+                                          </a:rPr>
+                                          <m:t>𝑖</m:t>
+                                        </m:r>
+                                      </m:sub>
+                                    </m:sSub>
+                                    <m:r>
+                                      <a:rPr lang="en-US" b="0" i="1" smtClean="0">
+                                        <a:latin typeface="Cambria Math"/>
+                                        <a:ea typeface="Cambria Math"/>
+                                      </a:rPr>
+                                      <m:t>−</m:t>
+                                    </m:r>
+                                    <m:sSub>
+                                      <m:sSubPr>
+                                        <m:ctrlPr>
+                                          <a:rPr lang="en-US" b="0" i="1" smtClean="0">
+                                            <a:latin typeface="Cambria Math"/>
+                                            <a:ea typeface="Cambria Math"/>
+                                          </a:rPr>
+                                        </m:ctrlPr>
+                                      </m:sSubPr>
+                                      <m:e>
+                                        <m:r>
+                                          <a:rPr lang="en-US" b="0" i="1" smtClean="0">
+                                            <a:latin typeface="Cambria Math"/>
+                                            <a:ea typeface="Cambria Math"/>
+                                          </a:rPr>
+                                          <m:t>𝑦</m:t>
+                                        </m:r>
+                                      </m:e>
+                                      <m:sub>
+                                        <m:r>
+                                          <a:rPr lang="en-US" b="0" i="1" smtClean="0">
+                                            <a:latin typeface="Cambria Math"/>
+                                            <a:ea typeface="Cambria Math"/>
+                                          </a:rPr>
+                                          <m:t>𝑖</m:t>
+                                        </m:r>
+                                      </m:sub>
+                                    </m:sSub>
+                                  </m:e>
+                                </m:d>
+                              </m:e>
+                              <m:sup>
+                                <m:r>
+                                  <a:rPr lang="en-US" b="0" i="1" smtClean="0">
+                                    <a:latin typeface="Cambria Math"/>
+                                    <a:ea typeface="Cambria Math"/>
+                                  </a:rPr>
+                                  <m:t>2</m:t>
+                                </m:r>
+                              </m:sup>
+                            </m:sSup>
+                          </m:e>
+                        </m:nary>
+                      </m:e>
+                    </m:d>
+                    <m:r>
+                      <a:rPr lang="en-US" b="0" i="1" smtClean="0">
+                        <a:latin typeface="Cambria Math"/>
+                        <a:ea typeface="Cambria Math"/>
+                      </a:rPr>
+                      <m:t>=</m:t>
+                    </m:r>
+                    <m:r>
+                      <a:rPr lang="en-US" b="0" i="1" smtClean="0">
+                        <a:latin typeface="Cambria Math"/>
+                        <a:ea typeface="Cambria Math"/>
+                      </a:rPr>
+                      <m:t>𝑑</m:t>
+                    </m:r>
+                    <m:r>
+                      <a:rPr lang="en-US" b="0" i="1" smtClean="0">
+                        <a:latin typeface="Cambria Math"/>
+                        <a:ea typeface="Cambria Math"/>
+                      </a:rPr>
+                      <m:t>×</m:t>
+                    </m:r>
+                    <m:r>
+                      <a:rPr lang="en-US" i="1" smtClean="0">
+                        <a:latin typeface="Cambria Math"/>
+                        <a:ea typeface="Cambria Math"/>
+                      </a:rPr>
+                      <m:t>𝔼</m:t>
+                    </m:r>
+                    <m:d>
+                      <m:dPr>
+                        <m:begChr m:val="["/>
+                        <m:endChr m:val="]"/>
+                        <m:ctrlPr>
+                          <a:rPr lang="en-US" b="0" i="1" smtClean="0">
+                            <a:latin typeface="Cambria Math"/>
+                            <a:ea typeface="Cambria Math"/>
+                          </a:rPr>
+                        </m:ctrlPr>
+                      </m:dPr>
+                      <m:e>
+                        <m:sSup>
+                          <m:sSupPr>
+                            <m:ctrlPr>
+                              <a:rPr lang="en-US" b="0" i="1" smtClean="0">
+                                <a:latin typeface="Cambria Math"/>
+                                <a:ea typeface="Cambria Math"/>
+                              </a:rPr>
+                            </m:ctrlPr>
+                          </m:sSupPr>
+                          <m:e>
+                            <m:d>
+                              <m:dPr>
+                                <m:ctrlPr>
+                                  <a:rPr lang="en-US" b="0" i="1" smtClean="0">
+                                    <a:latin typeface="Cambria Math"/>
+                                    <a:ea typeface="Cambria Math"/>
+                                  </a:rPr>
+                                </m:ctrlPr>
+                              </m:dPr>
+                              <m:e>
+                                <m:sSub>
+                                  <m:sSubPr>
+                                    <m:ctrlPr>
+                                      <a:rPr lang="en-US" b="0" i="1" smtClean="0">
+                                        <a:latin typeface="Cambria Math"/>
+                                        <a:ea typeface="Cambria Math"/>
+                                      </a:rPr>
+                                    </m:ctrlPr>
+                                  </m:sSubPr>
+                                  <m:e>
+                                    <m:r>
+                                      <a:rPr lang="en-US" b="0" i="1" smtClean="0">
+                                        <a:latin typeface="Cambria Math"/>
+                                        <a:ea typeface="Cambria Math"/>
+                                      </a:rPr>
+                                      <m:t>𝑥</m:t>
+                                    </m:r>
+                                  </m:e>
+                                  <m:sub>
+                                    <m:r>
+                                      <a:rPr lang="en-US" b="0" i="1" smtClean="0">
+                                        <a:latin typeface="Cambria Math"/>
+                                        <a:ea typeface="Cambria Math"/>
+                                      </a:rPr>
+                                      <m:t>𝑖</m:t>
+                                    </m:r>
+                                  </m:sub>
+                                </m:sSub>
+                                <m:r>
+                                  <a:rPr lang="en-US" b="0" i="1" smtClean="0">
+                                    <a:latin typeface="Cambria Math"/>
+                                    <a:ea typeface="Cambria Math"/>
+                                  </a:rPr>
+                                  <m:t>−</m:t>
+                                </m:r>
+                                <m:sSub>
+                                  <m:sSubPr>
+                                    <m:ctrlPr>
+                                      <a:rPr lang="en-US" b="0" i="1" smtClean="0">
+                                        <a:latin typeface="Cambria Math"/>
+                                        <a:ea typeface="Cambria Math"/>
+                                      </a:rPr>
+                                    </m:ctrlPr>
+                                  </m:sSubPr>
+                                  <m:e>
+                                    <m:r>
+                                      <a:rPr lang="en-US" b="0" i="1" smtClean="0">
+                                        <a:latin typeface="Cambria Math"/>
+                                        <a:ea typeface="Cambria Math"/>
+                                      </a:rPr>
+                                      <m:t>𝑦</m:t>
+                                    </m:r>
+                                  </m:e>
+                                  <m:sub>
+                                    <m:r>
+                                      <a:rPr lang="en-US" b="0" i="1" smtClean="0">
+                                        <a:latin typeface="Cambria Math"/>
+                                        <a:ea typeface="Cambria Math"/>
+                                      </a:rPr>
+                                      <m:t>𝑖</m:t>
+                                    </m:r>
+                                  </m:sub>
+                                </m:sSub>
+                              </m:e>
+                            </m:d>
+                          </m:e>
+                          <m:sup>
+                            <m:r>
+                              <a:rPr lang="en-US" b="0" i="1" smtClean="0">
+                                <a:latin typeface="Cambria Math"/>
+                                <a:ea typeface="Cambria Math"/>
+                              </a:rPr>
+                              <m:t>2</m:t>
+                            </m:r>
+                          </m:sup>
+                        </m:sSup>
+                      </m:e>
+                    </m:d>
+                    <m:r>
+                      <a:rPr lang="en-US" b="0" i="1" smtClean="0">
+                        <a:latin typeface="Cambria Math"/>
+                        <a:ea typeface="Cambria Math"/>
+                      </a:rPr>
+                      <m:t>=</m:t>
+                    </m:r>
+                    <m:f>
+                      <m:fPr>
+                        <m:ctrlPr>
+                          <a:rPr lang="en-US" b="0" i="1" smtClean="0">
+                            <a:latin typeface="Cambria Math"/>
+                            <a:ea typeface="Cambria Math"/>
+                          </a:rPr>
+                        </m:ctrlPr>
+                      </m:fPr>
+                      <m:num>
+                        <m:r>
+                          <a:rPr lang="en-US" b="0" i="1" smtClean="0">
+                            <a:latin typeface="Cambria Math"/>
+                            <a:ea typeface="Cambria Math"/>
+                          </a:rPr>
+                          <m:t>𝑑</m:t>
+                        </m:r>
+                      </m:num>
+                      <m:den>
+                        <m:r>
+                          <a:rPr lang="en-US" b="0" i="1" smtClean="0">
+                            <a:latin typeface="Cambria Math"/>
+                            <a:ea typeface="Cambria Math"/>
+                          </a:rPr>
+                          <m:t>6</m:t>
+                        </m:r>
+                      </m:den>
+                    </m:f>
+                  </m:oMath>
+                </a14:m>
+                <a:endParaRPr lang="en-US" dirty="0" smtClean="0"/>
+              </a:p>
+              <a:p>
+                <a:endParaRPr lang="en-US" dirty="0"/>
+              </a:p>
+            </p:txBody>
+          </p:sp>
+        </mc:Choice>
+        <mc:Fallback>
+          <p:sp>
+            <p:nvSpPr>
+              <p:cNvPr id="3" name="Content Placeholder 2"/>
+              <p:cNvSpPr>
+                <a:spLocks noGrp="1" noRot="1" noChangeAspect="1" noMove="1" noResize="1" noEditPoints="1" noAdjustHandles="1" noChangeArrowheads="1" noChangeShapeType="1" noTextEdit="1"/>
+              </p:cNvSpPr>
+              <p:nvPr>
+                <p:ph idx="1"/>
+              </p:nvPr>
+            </p:nvSpPr>
+            <p:spPr>
+              <a:xfrm>
+                <a:off x="304800" y="1524000"/>
+                <a:ext cx="8686800" cy="4525963"/>
+              </a:xfrm>
+              <a:blipFill rotWithShape="1">
+                <a:blip r:embed="rId2"/>
+                <a:stretch>
+                  <a:fillRect l="-1544" t="-1752" r="-2035"/>
+                </a:stretch>
+              </a:blipFill>
+            </p:spPr>
+            <p:txBody>
+              <a:bodyPr/>
+              <a:lstStyle/>
+              <a:p>
+                <a:r>
+                  <a:rPr lang="en-US">
+                    <a:noFill/>
+                  </a:rPr>
+                  <a:t> </a:t>
+                </a:r>
+              </a:p>
+            </p:txBody>
+          </p:sp>
+        </mc:Fallback>
+      </mc:AlternateContent>
+    </p:spTree>
+    <p:extLst>
+      <p:ext uri="{BB962C8B-B14F-4D97-AF65-F5344CB8AC3E}">
+        <p14:creationId xmlns:p14="http://schemas.microsoft.com/office/powerpoint/2010/main" val="3875365795"/>
+      </p:ext>
+    </p:extLst>
+  </p:cSld>
+  <p:clrMapOvr>
+    <a:masterClrMapping/>
+  </p:clrMapOvr>
+  <p:timing>
+    <p:tnLst>
+      <p:par>
+        <p:cTn id="1" dur="indefinite" restart="never" nodeType="tmRoot"/>
+      </p:par>
+    </p:tnLst>
+  </p:timing>
+</p:sld>
+</file>
+
+<file path=ppt/slides/slide22.xml><?xml version="1.0" encoding="utf-8"?>
+<p:sld xmlns:a="http://schemas.openxmlformats.org/drawingml/2006/main" xmlns:r="http://schemas.openxmlformats.org/officeDocument/2006/relationships" xmlns:p="http://schemas.openxmlformats.org/presentationml/2006/main">
+  <p:cSld>
+    <p:spTree>
+      <p:nvGrpSpPr>
+        <p:cNvPr id="1" name=""/>
+        <p:cNvGrpSpPr/>
+        <p:nvPr/>
+      </p:nvGrpSpPr>
+      <p:grpSpPr>
+        <a:xfrm>
+          <a:off x="0" y="0"/>
+          <a:ext cx="0" cy="0"/>
+          <a:chOff x="0" y="0"/>
+          <a:chExt cx="0" cy="0"/>
+        </a:xfrm>
+      </p:grpSpPr>
+      <p:sp>
+        <p:nvSpPr>
+          <p:cNvPr id="2" name="Title 1"/>
+          <p:cNvSpPr>
+            <a:spLocks noGrp="1"/>
+          </p:cNvSpPr>
+          <p:nvPr>
+            <p:ph type="title"/>
+          </p:nvPr>
+        </p:nvSpPr>
+        <p:spPr/>
+        <p:txBody>
+          <a:bodyPr/>
+          <a:lstStyle/>
+          <a:p>
+            <a:r>
+              <a:rPr lang="en-US" dirty="0" smtClean="0">
+                <a:solidFill>
+                  <a:srgbClr val="0070C0"/>
+                </a:solidFill>
+              </a:rPr>
+              <a:t>Quiz analysis: P2</a:t>
+            </a:r>
+            <a:endParaRPr lang="en-US" dirty="0"/>
+          </a:p>
+        </p:txBody>
+      </p:sp>
+      <mc:AlternateContent xmlns:mc="http://schemas.openxmlformats.org/markup-compatibility/2006">
+        <mc:Choice xmlns:a14="http://schemas.microsoft.com/office/drawing/2010/main" Requires="a14">
+          <p:sp>
+            <p:nvSpPr>
+              <p:cNvPr id="3" name="Content Placeholder 2"/>
+              <p:cNvSpPr>
+                <a:spLocks noGrp="1"/>
+              </p:cNvSpPr>
+              <p:nvPr>
+                <p:ph idx="1"/>
+              </p:nvPr>
+            </p:nvSpPr>
+            <p:spPr/>
+            <p:txBody>
+              <a:bodyPr/>
+              <a:lstStyle/>
+              <a:p>
+                <a:r>
+                  <a:rPr lang="en-US" dirty="0" smtClean="0"/>
+                  <a:t>For fixed </a:t>
+                </a:r>
+                <a14:m>
+                  <m:oMath xmlns:m="http://schemas.openxmlformats.org/officeDocument/2006/math">
+                    <m:r>
+                      <a:rPr lang="en-US" i="1" dirty="0" smtClean="0">
+                        <a:latin typeface="Cambria Math"/>
+                      </a:rPr>
+                      <m:t>𝑎</m:t>
+                    </m:r>
+                    <m:r>
+                      <a:rPr lang="en-US" i="1" dirty="0" smtClean="0">
+                        <a:latin typeface="Cambria Math"/>
+                      </a:rPr>
+                      <m:t>≥1</m:t>
+                    </m:r>
+                  </m:oMath>
+                </a14:m>
+                <a:r>
+                  <a:rPr lang="en-US" dirty="0" smtClean="0"/>
+                  <a:t> show an example when Markov’s inequality is tight, i.e. </a:t>
+                </a:r>
+                <a:endParaRPr lang="en-US" dirty="0" smtClean="0">
+                  <a:latin typeface="Cambria Math"/>
+                  <a:ea typeface="Cambria Math"/>
+                </a:endParaRPr>
+              </a:p>
+              <a:p>
+                <a:pPr marL="0" indent="0">
+                  <a:buNone/>
+                </a:pPr>
+                <a14:m>
+                  <m:oMathPara xmlns:m="http://schemas.openxmlformats.org/officeDocument/2006/math">
+                    <m:oMathParaPr>
+                      <m:jc m:val="centerGroup"/>
+                    </m:oMathParaPr>
+                    <m:oMath xmlns:m="http://schemas.openxmlformats.org/officeDocument/2006/math">
+                      <m:r>
+                        <m:rPr>
+                          <m:sty m:val="p"/>
+                        </m:rPr>
+                        <a:rPr lang="en-US">
+                          <a:latin typeface="Cambria Math"/>
+                          <a:ea typeface="Cambria Math"/>
+                        </a:rPr>
+                        <m:t>P</m:t>
+                      </m:r>
+                      <m:r>
+                        <m:rPr>
+                          <m:sty m:val="p"/>
+                        </m:rPr>
+                        <a:rPr lang="en-US" b="0" i="0" smtClean="0">
+                          <a:latin typeface="Cambria Math"/>
+                          <a:ea typeface="Cambria Math"/>
+                        </a:rPr>
+                        <m:t>r</m:t>
+                      </m:r>
+                      <m:d>
+                        <m:dPr>
+                          <m:begChr m:val="["/>
+                          <m:endChr m:val="]"/>
+                          <m:ctrlPr>
+                            <a:rPr lang="en-US" b="0" i="0" smtClean="0">
+                              <a:latin typeface="Cambria Math"/>
+                              <a:ea typeface="Cambria Math"/>
+                            </a:rPr>
+                          </m:ctrlPr>
+                        </m:dPr>
+                        <m:e>
+                          <m:r>
+                            <m:rPr>
+                              <m:sty m:val="p"/>
+                            </m:rPr>
+                            <a:rPr lang="en-US" b="0" i="0" smtClean="0">
+                              <a:latin typeface="Cambria Math"/>
+                              <a:ea typeface="Cambria Math"/>
+                            </a:rPr>
+                            <m:t>X</m:t>
+                          </m:r>
+                          <m:r>
+                            <a:rPr lang="en-US" b="0" i="1" smtClean="0">
+                              <a:latin typeface="Cambria Math"/>
+                              <a:ea typeface="Cambria Math"/>
+                            </a:rPr>
+                            <m:t>≥</m:t>
+                          </m:r>
+                          <m:r>
+                            <a:rPr lang="en-US" b="0" i="1" smtClean="0">
+                              <a:latin typeface="Cambria Math"/>
+                              <a:ea typeface="Cambria Math"/>
+                            </a:rPr>
+                            <m:t>𝑎</m:t>
+                          </m:r>
+                        </m:e>
+                      </m:d>
+                      <m:r>
+                        <a:rPr lang="en-US" b="0" i="0" smtClean="0">
+                          <a:latin typeface="Cambria Math"/>
+                          <a:ea typeface="Cambria Math"/>
+                        </a:rPr>
+                        <m:t>=</m:t>
+                      </m:r>
+                      <m:f>
+                        <m:fPr>
+                          <m:ctrlPr>
+                            <a:rPr lang="en-US" b="0" i="1" smtClean="0">
+                              <a:latin typeface="Cambria Math"/>
+                              <a:ea typeface="Cambria Math"/>
+                            </a:rPr>
+                          </m:ctrlPr>
+                        </m:fPr>
+                        <m:num>
+                          <m:r>
+                            <a:rPr lang="en-US" i="1" smtClean="0">
+                              <a:latin typeface="Cambria Math"/>
+                              <a:ea typeface="Cambria Math"/>
+                            </a:rPr>
+                            <m:t>𝔼</m:t>
+                          </m:r>
+                          <m:d>
+                            <m:dPr>
+                              <m:begChr m:val="["/>
+                              <m:endChr m:val="]"/>
+                              <m:ctrlPr>
+                                <a:rPr lang="en-US" b="0" i="1" smtClean="0">
+                                  <a:latin typeface="Cambria Math"/>
+                                  <a:ea typeface="Cambria Math"/>
+                                </a:rPr>
+                              </m:ctrlPr>
+                            </m:dPr>
+                            <m:e>
+                              <m:r>
+                                <a:rPr lang="en-US" b="0" i="1" smtClean="0">
+                                  <a:latin typeface="Cambria Math"/>
+                                  <a:ea typeface="Cambria Math"/>
+                                </a:rPr>
+                                <m:t>𝑋</m:t>
+                              </m:r>
+                            </m:e>
+                          </m:d>
+                        </m:num>
+                        <m:den>
+                          <m:r>
+                            <a:rPr lang="en-US" b="0" i="1" smtClean="0">
+                              <a:latin typeface="Cambria Math"/>
+                              <a:ea typeface="Cambria Math"/>
+                            </a:rPr>
+                            <m:t>𝑎</m:t>
+                          </m:r>
+                        </m:den>
+                      </m:f>
+                    </m:oMath>
+                  </m:oMathPara>
+                </a14:m>
+                <a:endParaRPr lang="en-US" b="0" dirty="0" smtClean="0">
+                  <a:ea typeface="Cambria Math"/>
+                </a:endParaRPr>
+              </a:p>
+              <a:p>
+                <a:r>
+                  <a:rPr lang="en-US" b="0" dirty="0" smtClean="0"/>
+                  <a:t>Example: </a:t>
+                </a:r>
+                <a14:m>
+                  <m:oMath xmlns:m="http://schemas.openxmlformats.org/officeDocument/2006/math">
+                    <m:r>
+                      <a:rPr lang="en-US" b="0" i="1" smtClean="0">
+                        <a:latin typeface="Cambria Math"/>
+                      </a:rPr>
+                      <m:t>𝑋</m:t>
+                    </m:r>
+                    <m:r>
+                      <a:rPr lang="en-US" b="0" i="1" smtClean="0">
+                        <a:latin typeface="Cambria Math"/>
+                      </a:rPr>
+                      <m:t>=</m:t>
+                    </m:r>
+                    <m:r>
+                      <a:rPr lang="en-US" b="0" i="1" smtClean="0">
+                        <a:latin typeface="Cambria Math"/>
+                      </a:rPr>
+                      <m:t>𝑎</m:t>
+                    </m:r>
+                  </m:oMath>
+                </a14:m>
+                <a:r>
+                  <a:rPr lang="en-US" dirty="0" smtClean="0"/>
+                  <a:t> (with probability 1)</a:t>
+                </a:r>
+              </a:p>
+              <a:p>
+                <a14:m>
+                  <m:oMath xmlns:m="http://schemas.openxmlformats.org/officeDocument/2006/math">
+                    <m:r>
+                      <a:rPr lang="en-US" i="1" smtClean="0">
+                        <a:latin typeface="Cambria Math"/>
+                        <a:ea typeface="Cambria Math"/>
+                      </a:rPr>
+                      <m:t>𝔼</m:t>
+                    </m:r>
+                    <m:d>
+                      <m:dPr>
+                        <m:begChr m:val="["/>
+                        <m:endChr m:val="]"/>
+                        <m:ctrlPr>
+                          <a:rPr lang="en-US" b="0" i="1" smtClean="0">
+                            <a:latin typeface="Cambria Math"/>
+                            <a:ea typeface="Cambria Math"/>
+                          </a:rPr>
+                        </m:ctrlPr>
+                      </m:dPr>
+                      <m:e>
+                        <m:r>
+                          <a:rPr lang="en-US" b="0" i="1" smtClean="0">
+                            <a:latin typeface="Cambria Math"/>
+                            <a:ea typeface="Cambria Math"/>
+                          </a:rPr>
+                          <m:t>𝑋</m:t>
+                        </m:r>
+                      </m:e>
+                    </m:d>
+                    <m:r>
+                      <a:rPr lang="en-US" b="0" i="1" smtClean="0">
+                        <a:latin typeface="Cambria Math"/>
+                        <a:ea typeface="Cambria Math"/>
+                      </a:rPr>
+                      <m:t>=</m:t>
+                    </m:r>
+                    <m:r>
+                      <a:rPr lang="en-US" b="0" i="1" smtClean="0">
+                        <a:latin typeface="Cambria Math"/>
+                        <a:ea typeface="Cambria Math"/>
+                      </a:rPr>
+                      <m:t>𝑎</m:t>
+                    </m:r>
+                    <m:r>
+                      <a:rPr lang="en-US" b="0" i="1" smtClean="0">
+                        <a:latin typeface="Cambria Math"/>
+                        <a:ea typeface="Cambria Math"/>
+                      </a:rPr>
+                      <m:t>, </m:t>
+                    </m:r>
+                    <m:r>
+                      <m:rPr>
+                        <m:sty m:val="p"/>
+                      </m:rPr>
+                      <a:rPr lang="en-US" smtClean="0">
+                        <a:latin typeface="Cambria Math"/>
+                        <a:ea typeface="Cambria Math"/>
+                      </a:rPr>
+                      <m:t>P</m:t>
+                    </m:r>
+                    <m:r>
+                      <m:rPr>
+                        <m:sty m:val="p"/>
+                      </m:rPr>
+                      <a:rPr lang="en-US" b="0" i="0" smtClean="0">
+                        <a:latin typeface="Cambria Math"/>
+                        <a:ea typeface="Cambria Math"/>
+                      </a:rPr>
+                      <m:t>r</m:t>
+                    </m:r>
+                    <m:d>
+                      <m:dPr>
+                        <m:begChr m:val="["/>
+                        <m:endChr m:val="]"/>
+                        <m:ctrlPr>
+                          <a:rPr lang="en-US" b="0" i="1" smtClean="0">
+                            <a:latin typeface="Cambria Math"/>
+                            <a:ea typeface="Cambria Math"/>
+                          </a:rPr>
+                        </m:ctrlPr>
+                      </m:dPr>
+                      <m:e>
+                        <m:r>
+                          <m:rPr>
+                            <m:sty m:val="p"/>
+                          </m:rPr>
+                          <a:rPr lang="en-US" b="0" i="0" smtClean="0">
+                            <a:latin typeface="Cambria Math"/>
+                            <a:ea typeface="Cambria Math"/>
+                          </a:rPr>
+                          <m:t>X</m:t>
+                        </m:r>
+                        <m:r>
+                          <a:rPr lang="en-US" b="0" i="1" smtClean="0">
+                            <a:latin typeface="Cambria Math"/>
+                            <a:ea typeface="Cambria Math"/>
+                          </a:rPr>
+                          <m:t>≥</m:t>
+                        </m:r>
+                        <m:r>
+                          <a:rPr lang="en-US" b="0" i="1" smtClean="0">
+                            <a:latin typeface="Cambria Math"/>
+                            <a:ea typeface="Cambria Math"/>
+                          </a:rPr>
+                          <m:t>𝑎</m:t>
+                        </m:r>
+                      </m:e>
+                    </m:d>
+                    <m:r>
+                      <a:rPr lang="en-US" b="0" i="1" smtClean="0">
+                        <a:latin typeface="Cambria Math"/>
+                        <a:ea typeface="Cambria Math"/>
+                      </a:rPr>
+                      <m:t>=</m:t>
+                    </m:r>
+                    <m:f>
+                      <m:fPr>
+                        <m:ctrlPr>
+                          <a:rPr lang="en-US" b="0" i="1" smtClean="0">
+                            <a:latin typeface="Cambria Math"/>
+                            <a:ea typeface="Cambria Math"/>
+                          </a:rPr>
+                        </m:ctrlPr>
+                      </m:fPr>
+                      <m:num>
+                        <m:r>
+                          <a:rPr lang="en-US" i="1" smtClean="0">
+                            <a:latin typeface="Cambria Math"/>
+                            <a:ea typeface="Cambria Math"/>
+                          </a:rPr>
+                          <m:t>𝔼</m:t>
+                        </m:r>
+                        <m:d>
+                          <m:dPr>
+                            <m:begChr m:val="["/>
+                            <m:endChr m:val="]"/>
+                            <m:ctrlPr>
+                              <a:rPr lang="en-US" b="0" i="1" smtClean="0">
+                                <a:latin typeface="Cambria Math"/>
+                                <a:ea typeface="Cambria Math"/>
+                              </a:rPr>
+                            </m:ctrlPr>
+                          </m:dPr>
+                          <m:e>
+                            <m:r>
+                              <a:rPr lang="en-US" b="0" i="1" smtClean="0">
+                                <a:latin typeface="Cambria Math"/>
+                                <a:ea typeface="Cambria Math"/>
+                              </a:rPr>
+                              <m:t>𝑋</m:t>
+                            </m:r>
+                          </m:e>
+                        </m:d>
+                      </m:num>
+                      <m:den>
+                        <m:r>
+                          <a:rPr lang="en-US" b="0" i="1" smtClean="0">
+                            <a:latin typeface="Cambria Math"/>
+                            <a:ea typeface="Cambria Math"/>
+                          </a:rPr>
+                          <m:t>𝑎</m:t>
+                        </m:r>
+                      </m:den>
+                    </m:f>
+                    <m:r>
+                      <a:rPr lang="en-US" b="0" i="1" smtClean="0">
+                        <a:latin typeface="Cambria Math"/>
+                        <a:ea typeface="Cambria Math"/>
+                      </a:rPr>
+                      <m:t>=1</m:t>
+                    </m:r>
+                  </m:oMath>
+                </a14:m>
+                <a:endParaRPr lang="en-US" dirty="0"/>
+              </a:p>
+            </p:txBody>
+          </p:sp>
+        </mc:Choice>
+        <mc:Fallback>
+          <p:sp>
+            <p:nvSpPr>
+              <p:cNvPr id="3" name="Content Placeholder 2"/>
+              <p:cNvSpPr>
+                <a:spLocks noGrp="1" noRot="1" noChangeAspect="1" noMove="1" noResize="1" noEditPoints="1" noAdjustHandles="1" noChangeArrowheads="1" noChangeShapeType="1" noTextEdit="1"/>
+              </p:cNvSpPr>
+              <p:nvPr>
+                <p:ph idx="1"/>
+              </p:nvPr>
+            </p:nvSpPr>
+            <p:spPr>
+              <a:blipFill rotWithShape="1">
+                <a:blip r:embed="rId2"/>
+                <a:stretch>
+                  <a:fillRect l="-1630" t="-1617"/>
+                </a:stretch>
+              </a:blipFill>
+            </p:spPr>
+            <p:txBody>
+              <a:bodyPr/>
+              <a:lstStyle/>
+              <a:p>
+                <a:r>
+                  <a:rPr lang="en-US">
+                    <a:noFill/>
+                  </a:rPr>
+                  <a:t> </a:t>
+                </a:r>
+              </a:p>
+            </p:txBody>
+          </p:sp>
+        </mc:Fallback>
+      </mc:AlternateContent>
+    </p:spTree>
+    <p:extLst>
+      <p:ext uri="{BB962C8B-B14F-4D97-AF65-F5344CB8AC3E}">
+        <p14:creationId xmlns:p14="http://schemas.microsoft.com/office/powerpoint/2010/main" val="922531091"/>
+      </p:ext>
+    </p:extLst>
+  </p:cSld>
+  <p:clrMapOvr>
+    <a:masterClrMapping/>
+  </p:clrMapOvr>
+  <p:timing>
+    <p:tnLst>
+      <p:par>
+        <p:cTn id="1" dur="indefinite" restart="never" nodeType="tmRoot"/>
+      </p:par>
+    </p:tnLst>
+  </p:timing>
+</p:sld>
+</file>
+
+<file path=ppt/slides/slide23.xml><?xml version="1.0" encoding="utf-8"?>
+<p:sld xmlns:a="http://schemas.openxmlformats.org/drawingml/2006/main" xmlns:r="http://schemas.openxmlformats.org/officeDocument/2006/relationships" xmlns:p="http://schemas.openxmlformats.org/presentationml/2006/main">
+  <p:cSld>
+    <p:spTree>
+      <p:nvGrpSpPr>
+        <p:cNvPr id="1" name=""/>
+        <p:cNvGrpSpPr/>
+        <p:nvPr/>
+      </p:nvGrpSpPr>
+      <p:grpSpPr>
+        <a:xfrm>
+          <a:off x="0" y="0"/>
+          <a:ext cx="0" cy="0"/>
+          <a:chOff x="0" y="0"/>
+          <a:chExt cx="0" cy="0"/>
+        </a:xfrm>
+      </p:grpSpPr>
+      <p:sp>
+        <p:nvSpPr>
+          <p:cNvPr id="2" name="Title 1"/>
+          <p:cNvSpPr>
+            <a:spLocks noGrp="1"/>
+          </p:cNvSpPr>
+          <p:nvPr>
+            <p:ph type="title"/>
+          </p:nvPr>
+        </p:nvSpPr>
+        <p:spPr/>
+        <p:txBody>
+          <a:bodyPr/>
+          <a:lstStyle/>
+          <a:p>
+            <a:r>
+              <a:rPr lang="en-US" dirty="0" smtClean="0">
+                <a:solidFill>
+                  <a:srgbClr val="0070C0"/>
+                </a:solidFill>
+              </a:rPr>
+              <a:t>Quiz analysis: P3</a:t>
+            </a:r>
+            <a:endParaRPr lang="en-US" dirty="0">
+              <a:solidFill>
+                <a:srgbClr val="0070C0"/>
+              </a:solidFill>
+            </a:endParaRPr>
+          </a:p>
+        </p:txBody>
+      </p:sp>
+      <mc:AlternateContent xmlns:mc="http://schemas.openxmlformats.org/markup-compatibility/2006">
+        <mc:Choice xmlns:a14="http://schemas.microsoft.com/office/drawing/2010/main" Requires="a14">
+          <p:sp>
+            <p:nvSpPr>
+              <p:cNvPr id="3" name="Content Placeholder 2"/>
+              <p:cNvSpPr>
+                <a:spLocks noGrp="1"/>
+              </p:cNvSpPr>
+              <p:nvPr>
+                <p:ph idx="1"/>
+              </p:nvPr>
+            </p:nvSpPr>
+            <p:spPr/>
+            <p:txBody>
+              <a:bodyPr/>
+              <a:lstStyle/>
+              <a:p>
+                <a:r>
+                  <a:rPr lang="en-US" dirty="0" smtClean="0"/>
+                  <a:t>What is the variance of the first coordinate </a:t>
+                </a:r>
+                <a14:m>
+                  <m:oMath xmlns:m="http://schemas.openxmlformats.org/officeDocument/2006/math">
+                    <m:sSub>
+                      <m:sSubPr>
+                        <m:ctrlPr>
+                          <a:rPr lang="en-US" b="0" i="1" smtClean="0">
+                            <a:latin typeface="Cambria Math"/>
+                          </a:rPr>
+                        </m:ctrlPr>
+                      </m:sSubPr>
+                      <m:e>
+                        <m:r>
+                          <a:rPr lang="en-US" b="0" i="1" smtClean="0">
+                            <a:latin typeface="Cambria Math"/>
+                          </a:rPr>
+                          <m:t>𝑥</m:t>
+                        </m:r>
+                      </m:e>
+                      <m:sub>
+                        <m:r>
+                          <a:rPr lang="en-US" b="0" i="1" smtClean="0">
+                            <a:latin typeface="Cambria Math"/>
+                          </a:rPr>
+                          <m:t>1</m:t>
+                        </m:r>
+                      </m:sub>
+                    </m:sSub>
+                  </m:oMath>
+                </a14:m>
+                <a:r>
+                  <a:rPr lang="en-US" dirty="0" smtClean="0"/>
+                  <a:t> of a vector </a:t>
+                </a:r>
+                <a14:m>
+                  <m:oMath xmlns:m="http://schemas.openxmlformats.org/officeDocument/2006/math">
+                    <m:r>
+                      <a:rPr lang="en-US" b="0" i="1" smtClean="0">
+                        <a:latin typeface="Cambria Math"/>
+                      </a:rPr>
+                      <m:t>𝑥</m:t>
+                    </m:r>
+                  </m:oMath>
+                </a14:m>
+                <a:r>
+                  <a:rPr lang="en-US" dirty="0" smtClean="0"/>
+                  <a:t> drawn from a uniform distribution over a unit </a:t>
+                </a:r>
+                <a:r>
+                  <a:rPr lang="en-US" b="1" dirty="0" smtClean="0"/>
+                  <a:t>d</a:t>
+                </a:r>
+                <a:r>
+                  <a:rPr lang="en-US" dirty="0" smtClean="0"/>
+                  <a:t>-dimensional sphere (set of points such that </a:t>
+                </a:r>
+                <a14:m>
+                  <m:oMath xmlns:m="http://schemas.openxmlformats.org/officeDocument/2006/math">
+                    <m:sSub>
+                      <m:sSubPr>
+                        <m:ctrlPr>
+                          <a:rPr lang="en-US" b="0" i="1" smtClean="0">
+                            <a:latin typeface="Cambria Math"/>
+                          </a:rPr>
+                        </m:ctrlPr>
+                      </m:sSubPr>
+                      <m:e>
+                        <m:d>
+                          <m:dPr>
+                            <m:begChr m:val="|"/>
+                            <m:endChr m:val="|"/>
+                            <m:ctrlPr>
+                              <a:rPr lang="en-US" b="0" i="1" smtClean="0">
+                                <a:latin typeface="Cambria Math"/>
+                              </a:rPr>
+                            </m:ctrlPr>
+                          </m:dPr>
+                          <m:e>
+                            <m:d>
+                              <m:dPr>
+                                <m:begChr m:val="|"/>
+                                <m:endChr m:val="|"/>
+                                <m:ctrlPr>
+                                  <a:rPr lang="en-US" b="0" i="1" smtClean="0">
+                                    <a:latin typeface="Cambria Math"/>
+                                  </a:rPr>
+                                </m:ctrlPr>
+                              </m:dPr>
+                              <m:e>
+                                <m:r>
+                                  <a:rPr lang="en-US" b="0" i="1" smtClean="0">
+                                    <a:latin typeface="Cambria Math"/>
+                                  </a:rPr>
+                                  <m:t>𝑥</m:t>
+                                </m:r>
+                              </m:e>
+                            </m:d>
+                          </m:e>
+                        </m:d>
+                      </m:e>
+                      <m:sub>
+                        <m:r>
+                          <a:rPr lang="en-US" b="0" i="1" smtClean="0">
+                            <a:latin typeface="Cambria Math"/>
+                          </a:rPr>
+                          <m:t>2</m:t>
+                        </m:r>
+                      </m:sub>
+                    </m:sSub>
+                    <m:r>
+                      <a:rPr lang="en-US" b="0" i="1" smtClean="0">
+                        <a:latin typeface="Cambria Math"/>
+                      </a:rPr>
+                      <m:t>=1</m:t>
+                    </m:r>
+                  </m:oMath>
+                </a14:m>
+                <a:r>
+                  <a:rPr lang="en-US" dirty="0" smtClean="0"/>
+                  <a:t>)?</a:t>
+                </a:r>
+              </a:p>
+              <a:p>
+                <a:r>
+                  <a:rPr lang="en-US" dirty="0" err="1" smtClean="0"/>
+                  <a:t>Var</a:t>
+                </a:r>
+                <a:r>
+                  <a:rPr lang="en-US" dirty="0" smtClean="0"/>
+                  <a:t>[</a:t>
+                </a:r>
+                <a14:m>
+                  <m:oMath xmlns:m="http://schemas.openxmlformats.org/officeDocument/2006/math">
+                    <m:sSub>
+                      <m:sSubPr>
+                        <m:ctrlPr>
+                          <a:rPr lang="en-US" b="0" i="1" smtClean="0">
+                            <a:latin typeface="Cambria Math"/>
+                          </a:rPr>
+                        </m:ctrlPr>
+                      </m:sSubPr>
+                      <m:e>
+                        <m:r>
+                          <a:rPr lang="en-US" b="0" i="1" smtClean="0">
+                            <a:latin typeface="Cambria Math"/>
+                          </a:rPr>
+                          <m:t>𝑥</m:t>
+                        </m:r>
+                      </m:e>
+                      <m:sub>
+                        <m:r>
+                          <a:rPr lang="en-US" b="0" i="1" smtClean="0">
+                            <a:latin typeface="Cambria Math"/>
+                          </a:rPr>
+                          <m:t>1</m:t>
+                        </m:r>
+                      </m:sub>
+                    </m:sSub>
+                  </m:oMath>
+                </a14:m>
+                <a:r>
+                  <a:rPr lang="en-US" dirty="0" smtClean="0"/>
+                  <a:t>] = </a:t>
+                </a:r>
+                <a:r>
+                  <a:rPr lang="en-US" dirty="0" smtClean="0">
+                    <a:latin typeface="Cambria Math"/>
+                    <a:ea typeface="Cambria Math"/>
+                  </a:rPr>
+                  <a:t>𝔼[</a:t>
+                </a:r>
+                <a14:m>
+                  <m:oMath xmlns:m="http://schemas.openxmlformats.org/officeDocument/2006/math">
+                    <m:sSubSup>
+                      <m:sSubSupPr>
+                        <m:ctrlPr>
+                          <a:rPr lang="en-US" b="0" i="1" smtClean="0">
+                            <a:latin typeface="Cambria Math"/>
+                            <a:ea typeface="Cambria Math"/>
+                          </a:rPr>
+                        </m:ctrlPr>
+                      </m:sSubSupPr>
+                      <m:e>
+                        <m:r>
+                          <a:rPr lang="en-US" b="0" i="1" smtClean="0">
+                            <a:latin typeface="Cambria Math"/>
+                            <a:ea typeface="Cambria Math"/>
+                          </a:rPr>
+                          <m:t>𝑥</m:t>
+                        </m:r>
+                      </m:e>
+                      <m:sub>
+                        <m:r>
+                          <a:rPr lang="en-US" b="0" i="1" smtClean="0">
+                            <a:latin typeface="Cambria Math"/>
+                            <a:ea typeface="Cambria Math"/>
+                          </a:rPr>
+                          <m:t>1</m:t>
+                        </m:r>
+                      </m:sub>
+                      <m:sup>
+                        <m:r>
+                          <a:rPr lang="en-US" b="0" i="1" smtClean="0">
+                            <a:latin typeface="Cambria Math"/>
+                            <a:ea typeface="Cambria Math"/>
+                          </a:rPr>
+                          <m:t>2</m:t>
+                        </m:r>
+                      </m:sup>
+                    </m:sSubSup>
+                  </m:oMath>
+                </a14:m>
+                <a:r>
+                  <a:rPr lang="en-US" dirty="0" smtClean="0">
+                    <a:latin typeface="Cambria Math"/>
+                    <a:ea typeface="Cambria Math"/>
+                  </a:rPr>
+                  <a:t>]</a:t>
+                </a:r>
+                <a14:m>
+                  <m:oMath xmlns:m="http://schemas.openxmlformats.org/officeDocument/2006/math">
+                    <m:r>
+                      <a:rPr lang="en-US" b="0" i="1" dirty="0" smtClean="0">
+                        <a:latin typeface="Cambria Math"/>
+                        <a:ea typeface="Cambria Math"/>
+                      </a:rPr>
+                      <m:t>−</m:t>
+                    </m:r>
+                    <m:sSup>
+                      <m:sSupPr>
+                        <m:ctrlPr>
+                          <a:rPr lang="en-US" b="0" i="1" dirty="0" smtClean="0">
+                            <a:latin typeface="Cambria Math"/>
+                            <a:ea typeface="Cambria Math"/>
+                          </a:rPr>
+                        </m:ctrlPr>
+                      </m:sSupPr>
+                      <m:e>
+                        <m:r>
+                          <m:rPr>
+                            <m:nor/>
+                          </m:rPr>
+                          <a:rPr lang="en-US" dirty="0" smtClean="0">
+                            <a:latin typeface="Cambria Math"/>
+                            <a:ea typeface="Cambria Math"/>
+                          </a:rPr>
+                          <m:t>𝔼</m:t>
+                        </m:r>
+                      </m:e>
+                      <m:sup>
+                        <m:r>
+                          <a:rPr lang="en-US" b="0" i="1" dirty="0" smtClean="0">
+                            <a:latin typeface="Cambria Math"/>
+                            <a:ea typeface="Cambria Math"/>
+                          </a:rPr>
+                          <m:t>2</m:t>
+                        </m:r>
+                      </m:sup>
+                    </m:sSup>
+                  </m:oMath>
+                </a14:m>
+                <a:r>
+                  <a:rPr lang="en-US" dirty="0" smtClean="0">
+                    <a:latin typeface="Cambria Math"/>
+                    <a:ea typeface="Cambria Math"/>
+                  </a:rPr>
+                  <a:t>[</a:t>
+                </a:r>
+                <a14:m>
+                  <m:oMath xmlns:m="http://schemas.openxmlformats.org/officeDocument/2006/math">
+                    <m:sSub>
+                      <m:sSubPr>
+                        <m:ctrlPr>
+                          <a:rPr lang="en-US" b="0" i="1" smtClean="0">
+                            <a:latin typeface="Cambria Math"/>
+                            <a:ea typeface="Cambria Math"/>
+                          </a:rPr>
+                        </m:ctrlPr>
+                      </m:sSubPr>
+                      <m:e>
+                        <m:r>
+                          <a:rPr lang="en-US" b="0" i="1" smtClean="0">
+                            <a:latin typeface="Cambria Math"/>
+                            <a:ea typeface="Cambria Math"/>
+                          </a:rPr>
+                          <m:t>𝑥</m:t>
+                        </m:r>
+                      </m:e>
+                      <m:sub>
+                        <m:r>
+                          <a:rPr lang="en-US" b="0" i="1" smtClean="0">
+                            <a:latin typeface="Cambria Math"/>
+                            <a:ea typeface="Cambria Math"/>
+                          </a:rPr>
+                          <m:t>1</m:t>
+                        </m:r>
+                      </m:sub>
+                    </m:sSub>
+                  </m:oMath>
+                </a14:m>
+                <a:r>
+                  <a:rPr lang="en-US" dirty="0" smtClean="0">
+                    <a:latin typeface="Cambria Math"/>
+                    <a:ea typeface="Cambria Math"/>
+                  </a:rPr>
+                  <a:t>]</a:t>
+                </a:r>
+                <a:endParaRPr lang="en-US" b="0" i="1" dirty="0" smtClean="0">
+                  <a:latin typeface="Cambria Math"/>
+                  <a:ea typeface="Cambria Math"/>
+                </a:endParaRPr>
+              </a:p>
+              <a:p>
+                <a:r>
+                  <a:rPr lang="en-US" dirty="0" smtClean="0">
+                    <a:latin typeface="Cambria Math"/>
+                    <a:ea typeface="Cambria Math"/>
+                  </a:rPr>
+                  <a:t>𝔼[</a:t>
+                </a:r>
+                <a14:m>
+                  <m:oMath xmlns:m="http://schemas.openxmlformats.org/officeDocument/2006/math">
+                    <m:sSub>
+                      <m:sSubPr>
+                        <m:ctrlPr>
+                          <a:rPr lang="en-US" b="0" i="1" smtClean="0">
+                            <a:latin typeface="Cambria Math"/>
+                            <a:ea typeface="Cambria Math"/>
+                          </a:rPr>
+                        </m:ctrlPr>
+                      </m:sSubPr>
+                      <m:e>
+                        <m:r>
+                          <a:rPr lang="en-US" b="0" i="1" smtClean="0">
+                            <a:latin typeface="Cambria Math"/>
+                            <a:ea typeface="Cambria Math"/>
+                          </a:rPr>
+                          <m:t>𝑥</m:t>
+                        </m:r>
+                      </m:e>
+                      <m:sub>
+                        <m:r>
+                          <a:rPr lang="en-US" b="0" i="1" smtClean="0">
+                            <a:latin typeface="Cambria Math"/>
+                            <a:ea typeface="Cambria Math"/>
+                          </a:rPr>
+                          <m:t>1</m:t>
+                        </m:r>
+                      </m:sub>
+                    </m:sSub>
+                  </m:oMath>
+                </a14:m>
+                <a:r>
+                  <a:rPr lang="en-US" dirty="0" smtClean="0">
+                    <a:latin typeface="Cambria Math"/>
+                    <a:ea typeface="Cambria Math"/>
+                  </a:rPr>
+                  <a:t>]</a:t>
+                </a:r>
+                <a:r>
+                  <a:rPr lang="en-US" dirty="0" smtClean="0">
+                    <a:latin typeface="Cambria Math"/>
+                    <a:ea typeface="Cambria Math"/>
+                  </a:rPr>
+                  <a:t>=0 (by symmetry)</a:t>
+                </a:r>
+              </a:p>
+              <a:p>
+                <a:r>
+                  <a:rPr lang="en-US" dirty="0" smtClean="0">
+                    <a:latin typeface="Cambria Math"/>
+                    <a:ea typeface="Cambria Math"/>
+                  </a:rPr>
+                  <a:t>𝔼[</a:t>
+                </a:r>
+                <a14:m>
+                  <m:oMath xmlns:m="http://schemas.openxmlformats.org/officeDocument/2006/math">
+                    <m:sSubSup>
+                      <m:sSubSupPr>
+                        <m:ctrlPr>
+                          <a:rPr lang="en-US" b="0" i="1" smtClean="0">
+                            <a:latin typeface="Cambria Math"/>
+                            <a:ea typeface="Cambria Math"/>
+                          </a:rPr>
+                        </m:ctrlPr>
+                      </m:sSubSupPr>
+                      <m:e>
+                        <m:r>
+                          <a:rPr lang="en-US" b="0" i="1" smtClean="0">
+                            <a:latin typeface="Cambria Math"/>
+                            <a:ea typeface="Cambria Math"/>
+                          </a:rPr>
+                          <m:t>𝑥</m:t>
+                        </m:r>
+                      </m:e>
+                      <m:sub>
+                        <m:r>
+                          <a:rPr lang="en-US" b="0" i="1" smtClean="0">
+                            <a:latin typeface="Cambria Math"/>
+                            <a:ea typeface="Cambria Math"/>
+                          </a:rPr>
+                          <m:t>1</m:t>
+                        </m:r>
+                      </m:sub>
+                      <m:sup>
+                        <m:r>
+                          <a:rPr lang="en-US" b="0" i="1" smtClean="0">
+                            <a:latin typeface="Cambria Math"/>
+                            <a:ea typeface="Cambria Math"/>
+                          </a:rPr>
+                          <m:t>2</m:t>
+                        </m:r>
+                      </m:sup>
+                    </m:sSubSup>
+                  </m:oMath>
+                </a14:m>
+                <a:r>
+                  <a:rPr lang="en-US" dirty="0" smtClean="0">
+                    <a:latin typeface="Cambria Math"/>
+                    <a:ea typeface="Cambria Math"/>
+                  </a:rPr>
+                  <a:t>]</a:t>
+                </a:r>
+                <a:r>
+                  <a:rPr lang="en-US" dirty="0" smtClean="0">
+                    <a:latin typeface="Cambria Math"/>
+                    <a:ea typeface="Cambria Math"/>
+                  </a:rPr>
+                  <a:t> = </a:t>
+                </a:r>
+                <a14:m>
+                  <m:oMath xmlns:m="http://schemas.openxmlformats.org/officeDocument/2006/math">
+                    <m:f>
+                      <m:fPr>
+                        <m:ctrlPr>
+                          <a:rPr lang="en-US" i="1" dirty="0" smtClean="0">
+                            <a:latin typeface="Cambria Math"/>
+                            <a:ea typeface="Cambria Math"/>
+                          </a:rPr>
+                        </m:ctrlPr>
+                      </m:fPr>
+                      <m:num>
+                        <m:r>
+                          <a:rPr lang="en-US" i="1" dirty="0" smtClean="0">
+                            <a:latin typeface="Cambria Math"/>
+                            <a:ea typeface="Cambria Math"/>
+                          </a:rPr>
+                          <m:t>1</m:t>
+                        </m:r>
+                      </m:num>
+                      <m:den>
+                        <m:r>
+                          <a:rPr lang="en-US" i="1" dirty="0" smtClean="0">
+                            <a:latin typeface="Cambria Math"/>
+                            <a:ea typeface="Cambria Math"/>
+                          </a:rPr>
+                          <m:t>𝑑</m:t>
+                        </m:r>
+                      </m:den>
+                    </m:f>
+                  </m:oMath>
+                </a14:m>
+                <a:r>
+                  <a:rPr lang="en-US" dirty="0" smtClean="0">
+                    <a:latin typeface="Cambria Math"/>
+                    <a:ea typeface="Cambria Math"/>
+                  </a:rPr>
+                  <a:t> 𝔼[</a:t>
+                </a:r>
+                <a14:m>
+                  <m:oMath xmlns:m="http://schemas.openxmlformats.org/officeDocument/2006/math">
+                    <m:nary>
+                      <m:naryPr>
+                        <m:chr m:val="∑"/>
+                        <m:ctrlPr>
+                          <a:rPr lang="en-US" b="0" i="1" smtClean="0">
+                            <a:latin typeface="Cambria Math"/>
+                            <a:ea typeface="Cambria Math"/>
+                          </a:rPr>
+                        </m:ctrlPr>
+                      </m:naryPr>
+                      <m:sub>
+                        <m:r>
+                          <a:rPr lang="en-US" b="0" i="1" smtClean="0">
+                            <a:latin typeface="Cambria Math"/>
+                            <a:ea typeface="Cambria Math"/>
+                          </a:rPr>
+                          <m:t>𝑖</m:t>
+                        </m:r>
+                        <m:r>
+                          <a:rPr lang="en-US" b="0" i="1" smtClean="0">
+                            <a:latin typeface="Cambria Math"/>
+                            <a:ea typeface="Cambria Math"/>
+                          </a:rPr>
+                          <m:t>=1</m:t>
+                        </m:r>
+                      </m:sub>
+                      <m:sup>
+                        <m:r>
+                          <a:rPr lang="en-US" b="0" i="1" smtClean="0">
+                            <a:latin typeface="Cambria Math"/>
+                            <a:ea typeface="Cambria Math"/>
+                          </a:rPr>
+                          <m:t>𝑑</m:t>
+                        </m:r>
+                      </m:sup>
+                      <m:e>
+                        <m:sSubSup>
+                          <m:sSubSupPr>
+                            <m:ctrlPr>
+                              <a:rPr lang="en-US" b="0" i="1" smtClean="0">
+                                <a:latin typeface="Cambria Math"/>
+                                <a:ea typeface="Cambria Math"/>
+                              </a:rPr>
+                            </m:ctrlPr>
+                          </m:sSubSupPr>
+                          <m:e>
+                            <m:r>
+                              <a:rPr lang="en-US" b="0" i="1" smtClean="0">
+                                <a:latin typeface="Cambria Math"/>
+                                <a:ea typeface="Cambria Math"/>
+                              </a:rPr>
+                              <m:t>𝑥</m:t>
+                            </m:r>
+                          </m:e>
+                          <m:sub>
+                            <m:r>
+                              <a:rPr lang="en-US" b="0" i="1" smtClean="0">
+                                <a:latin typeface="Cambria Math"/>
+                                <a:ea typeface="Cambria Math"/>
+                              </a:rPr>
+                              <m:t>𝑖</m:t>
+                            </m:r>
+                          </m:sub>
+                          <m:sup>
+                            <m:r>
+                              <a:rPr lang="en-US" b="0" i="1" smtClean="0">
+                                <a:latin typeface="Cambria Math"/>
+                                <a:ea typeface="Cambria Math"/>
+                              </a:rPr>
+                              <m:t>2</m:t>
+                            </m:r>
+                          </m:sup>
+                        </m:sSubSup>
+                      </m:e>
+                    </m:nary>
+                  </m:oMath>
+                </a14:m>
+                <a:r>
+                  <a:rPr lang="en-US" dirty="0" smtClean="0">
+                    <a:latin typeface="Cambria Math"/>
+                    <a:ea typeface="Cambria Math"/>
+                  </a:rPr>
+                  <a:t>]</a:t>
+                </a:r>
+                <a:r>
+                  <a:rPr lang="en-US" dirty="0">
+                    <a:latin typeface="Cambria Math"/>
+                    <a:ea typeface="Cambria Math"/>
+                  </a:rPr>
+                  <a:t> </a:t>
+                </a:r>
+                <a14:m>
+                  <m:oMath xmlns:m="http://schemas.openxmlformats.org/officeDocument/2006/math">
+                    <m:r>
+                      <a:rPr lang="en-US" b="0" i="1" dirty="0" smtClean="0">
+                        <a:latin typeface="Cambria Math"/>
+                        <a:ea typeface="Cambria Math"/>
+                      </a:rPr>
+                      <m:t>=</m:t>
+                    </m:r>
+                    <m:f>
+                      <m:fPr>
+                        <m:ctrlPr>
+                          <a:rPr lang="en-US" b="0" i="1" dirty="0" smtClean="0">
+                            <a:latin typeface="Cambria Math"/>
+                            <a:ea typeface="Cambria Math"/>
+                          </a:rPr>
+                        </m:ctrlPr>
+                      </m:fPr>
+                      <m:num>
+                        <m:r>
+                          <a:rPr lang="en-US" b="0" i="1" dirty="0" smtClean="0">
+                            <a:latin typeface="Cambria Math"/>
+                            <a:ea typeface="Cambria Math"/>
+                          </a:rPr>
+                          <m:t>1</m:t>
+                        </m:r>
+                      </m:num>
+                      <m:den>
+                        <m:r>
+                          <a:rPr lang="en-US" b="0" i="1" dirty="0" smtClean="0">
+                            <a:latin typeface="Cambria Math"/>
+                            <a:ea typeface="Cambria Math"/>
+                          </a:rPr>
+                          <m:t>𝑑</m:t>
+                        </m:r>
+                      </m:den>
+                    </m:f>
+                    <m:r>
+                      <a:rPr lang="en-US" b="0" i="1" dirty="0" smtClean="0">
+                        <a:latin typeface="Cambria Math"/>
+                        <a:ea typeface="Cambria Math"/>
+                      </a:rPr>
+                      <m:t> </m:t>
+                    </m:r>
+                  </m:oMath>
+                </a14:m>
+                <a:r>
+                  <a:rPr lang="en-US" dirty="0" smtClean="0">
+                    <a:latin typeface="Cambria Math"/>
+                    <a:ea typeface="Cambria Math"/>
+                  </a:rPr>
+                  <a:t> </a:t>
+                </a:r>
+                <a:endParaRPr lang="en-US" dirty="0"/>
+              </a:p>
+            </p:txBody>
+          </p:sp>
+        </mc:Choice>
+        <mc:Fallback>
+          <p:sp>
+            <p:nvSpPr>
+              <p:cNvPr id="3" name="Content Placeholder 2"/>
+              <p:cNvSpPr>
+                <a:spLocks noGrp="1" noRot="1" noChangeAspect="1" noMove="1" noResize="1" noEditPoints="1" noAdjustHandles="1" noChangeArrowheads="1" noChangeShapeType="1" noTextEdit="1"/>
+              </p:cNvSpPr>
+              <p:nvPr>
+                <p:ph idx="1"/>
+              </p:nvPr>
+            </p:nvSpPr>
+            <p:spPr>
+              <a:blipFill rotWithShape="1">
+                <a:blip r:embed="rId2"/>
+                <a:stretch>
+                  <a:fillRect l="-1630" t="-1617"/>
+                </a:stretch>
+              </a:blipFill>
+            </p:spPr>
+            <p:txBody>
+              <a:bodyPr/>
+              <a:lstStyle/>
+              <a:p>
+                <a:r>
+                  <a:rPr lang="en-US">
+                    <a:noFill/>
+                  </a:rPr>
+                  <a:t> </a:t>
+                </a:r>
+              </a:p>
+            </p:txBody>
+          </p:sp>
+        </mc:Fallback>
+      </mc:AlternateContent>
+    </p:spTree>
+    <p:extLst>
+      <p:ext uri="{BB962C8B-B14F-4D97-AF65-F5344CB8AC3E}">
+        <p14:creationId xmlns:p14="http://schemas.microsoft.com/office/powerpoint/2010/main" val="3371612707"/>
+      </p:ext>
+    </p:extLst>
+  </p:cSld>
+  <p:clrMapOvr>
+    <a:masterClrMapping/>
+  </p:clrMapOvr>
+  <p:timing>
+    <p:tnLst>
+      <p:par>
+        <p:cTn id="1" dur="indefinite" restart="never" nodeType="tmRoot"/>
+      </p:par>
+    </p:tnLst>
+  </p:timing>
+</p:sld>
+</file>
+
+<file path=ppt/slides/slide24.xml><?xml version="1.0" encoding="utf-8"?>
+<p:sld xmlns:a="http://schemas.openxmlformats.org/drawingml/2006/main" xmlns:r="http://schemas.openxmlformats.org/officeDocument/2006/relationships" xmlns:p="http://schemas.openxmlformats.org/presentationml/2006/main">
+  <p:cSld>
+    <p:spTree>
+      <p:nvGrpSpPr>
+        <p:cNvPr id="1" name=""/>
+        <p:cNvGrpSpPr/>
+        <p:nvPr/>
+      </p:nvGrpSpPr>
+      <p:grpSpPr>
+        <a:xfrm>
+          <a:off x="0" y="0"/>
+          <a:ext cx="0" cy="0"/>
+          <a:chOff x="0" y="0"/>
+          <a:chExt cx="0" cy="0"/>
+        </a:xfrm>
+      </p:grpSpPr>
+      <p:sp>
+        <p:nvSpPr>
+          <p:cNvPr id="2" name="Title 1"/>
+          <p:cNvSpPr>
+            <a:spLocks noGrp="1"/>
+          </p:cNvSpPr>
+          <p:nvPr>
+            <p:ph type="title"/>
+          </p:nvPr>
+        </p:nvSpPr>
+        <p:spPr/>
+        <p:txBody>
+          <a:bodyPr/>
+          <a:lstStyle/>
+          <a:p>
+            <a:r>
+              <a:rPr lang="en-US" dirty="0" smtClean="0">
+                <a:solidFill>
+                  <a:srgbClr val="0070C0"/>
+                </a:solidFill>
+              </a:rPr>
+              <a:t>Quiz analysis: P4</a:t>
+            </a:r>
+            <a:endParaRPr lang="en-US" dirty="0">
+              <a:solidFill>
+                <a:srgbClr val="0070C0"/>
+              </a:solidFill>
+            </a:endParaRPr>
+          </a:p>
+        </p:txBody>
+      </p:sp>
+      <mc:AlternateContent xmlns:mc="http://schemas.openxmlformats.org/markup-compatibility/2006">
+        <mc:Choice xmlns:a14="http://schemas.microsoft.com/office/drawing/2010/main" Requires="a14">
+          <p:sp>
+            <p:nvSpPr>
+              <p:cNvPr id="3" name="Content Placeholder 2"/>
+              <p:cNvSpPr>
+                <a:spLocks noGrp="1"/>
+              </p:cNvSpPr>
+              <p:nvPr>
+                <p:ph idx="1"/>
+              </p:nvPr>
+            </p:nvSpPr>
+            <p:spPr/>
+            <p:txBody>
+              <a:bodyPr/>
+              <a:lstStyle/>
+              <a:p>
+                <a:r>
+                  <a:rPr lang="en-US" dirty="0" smtClean="0"/>
+                  <a:t>Sort a sequence of integers in </a:t>
+                </a:r>
+                <a14:m>
+                  <m:oMath xmlns:m="http://schemas.openxmlformats.org/officeDocument/2006/math">
+                    <m:r>
+                      <a:rPr lang="en-US" i="1" dirty="0" smtClean="0">
+                        <a:latin typeface="Cambria Math"/>
+                      </a:rPr>
+                      <m:t>𝑂</m:t>
+                    </m:r>
+                    <m:r>
+                      <a:rPr lang="en-US" i="1" dirty="0" smtClean="0">
+                        <a:latin typeface="Cambria Math"/>
+                      </a:rPr>
+                      <m:t>(</m:t>
+                    </m:r>
+                    <m:sSup>
+                      <m:sSupPr>
+                        <m:ctrlPr>
+                          <a:rPr lang="en-US" i="1" dirty="0" smtClean="0">
+                            <a:latin typeface="Cambria Math"/>
+                          </a:rPr>
+                        </m:ctrlPr>
+                      </m:sSupPr>
+                      <m:e>
+                        <m:r>
+                          <a:rPr lang="en-US" i="1" dirty="0" smtClean="0">
+                            <a:latin typeface="Cambria Math"/>
+                          </a:rPr>
+                          <m:t>𝑛</m:t>
+                        </m:r>
+                      </m:e>
+                      <m:sup>
+                        <m:r>
+                          <a:rPr lang="en-US" b="0" i="1" dirty="0" smtClean="0">
+                            <a:latin typeface="Cambria Math"/>
+                          </a:rPr>
+                          <m:t>2</m:t>
+                        </m:r>
+                      </m:sup>
+                    </m:sSup>
+                    <m:r>
+                      <a:rPr lang="en-US" i="1" dirty="0" smtClean="0">
+                        <a:latin typeface="Cambria Math"/>
+                      </a:rPr>
+                      <m:t>)</m:t>
+                    </m:r>
+                  </m:oMath>
+                </a14:m>
+                <a:r>
+                  <a:rPr lang="en-US" dirty="0" smtClean="0"/>
+                  <a:t> time</a:t>
+                </a:r>
+              </a:p>
+              <a:p>
+                <a:pPr lvl="1"/>
+                <a:r>
+                  <a:rPr lang="en-US" dirty="0" smtClean="0"/>
+                  <a:t>Expected solution: </a:t>
+                </a:r>
+                <a:r>
+                  <a:rPr lang="en-US" dirty="0" err="1" smtClean="0"/>
+                  <a:t>Bubblesort</a:t>
+                </a:r>
+                <a:r>
+                  <a:rPr lang="en-US" dirty="0" smtClean="0"/>
+                  <a:t>, </a:t>
+                </a:r>
+                <a:r>
+                  <a:rPr lang="en-US" dirty="0" err="1" smtClean="0"/>
+                  <a:t>Insertionsort</a:t>
+                </a:r>
+                <a:r>
+                  <a:rPr lang="en-US" dirty="0" smtClean="0"/>
+                  <a:t>, etc.</a:t>
+                </a:r>
+              </a:p>
+              <a:p>
+                <a:r>
+                  <a:rPr lang="en-US" dirty="0" smtClean="0"/>
+                  <a:t>Sort a sequence of integers in </a:t>
+                </a:r>
+                <a14:m>
+                  <m:oMath xmlns:m="http://schemas.openxmlformats.org/officeDocument/2006/math">
+                    <m:r>
+                      <a:rPr lang="en-US" b="0" i="1" smtClean="0">
+                        <a:latin typeface="Cambria Math"/>
+                      </a:rPr>
+                      <m:t>𝑂</m:t>
+                    </m:r>
+                    <m:d>
+                      <m:dPr>
+                        <m:ctrlPr>
+                          <a:rPr lang="en-US" b="0" i="1" smtClean="0">
+                            <a:latin typeface="Cambria Math"/>
+                          </a:rPr>
+                        </m:ctrlPr>
+                      </m:dPr>
+                      <m:e>
+                        <m:r>
+                          <a:rPr lang="en-US" b="0" i="1" smtClean="0">
+                            <a:latin typeface="Cambria Math"/>
+                          </a:rPr>
+                          <m:t>𝑛</m:t>
+                        </m:r>
+                        <m:func>
+                          <m:funcPr>
+                            <m:ctrlPr>
+                              <a:rPr lang="en-US" b="0" i="1" smtClean="0">
+                                <a:latin typeface="Cambria Math"/>
+                              </a:rPr>
+                            </m:ctrlPr>
+                          </m:funcPr>
+                          <m:fName>
+                            <m:r>
+                              <m:rPr>
+                                <m:sty m:val="p"/>
+                              </m:rPr>
+                              <a:rPr lang="en-US" b="0" i="0" smtClean="0">
+                                <a:latin typeface="Cambria Math"/>
+                              </a:rPr>
+                              <m:t>log</m:t>
+                            </m:r>
+                          </m:fName>
+                          <m:e>
+                            <m:r>
+                              <a:rPr lang="en-US" b="0" i="1" smtClean="0">
+                                <a:latin typeface="Cambria Math"/>
+                              </a:rPr>
+                              <m:t>𝑛</m:t>
+                            </m:r>
+                          </m:e>
+                        </m:func>
+                      </m:e>
+                    </m:d>
+                  </m:oMath>
+                </a14:m>
+                <a:r>
+                  <a:rPr lang="en-US" dirty="0" smtClean="0"/>
+                  <a:t> time</a:t>
+                </a:r>
+              </a:p>
+              <a:p>
+                <a:pPr lvl="1"/>
+                <a:r>
+                  <a:rPr lang="en-US" dirty="0" smtClean="0"/>
+                  <a:t>Expected solution: Quicksort (in expectation), </a:t>
+                </a:r>
+                <a:r>
+                  <a:rPr lang="en-US" dirty="0" err="1" smtClean="0"/>
+                  <a:t>Mergesort</a:t>
+                </a:r>
+                <a:r>
+                  <a:rPr lang="en-US" dirty="0" smtClean="0"/>
+                  <a:t> (worst-case)</a:t>
+                </a:r>
+              </a:p>
+              <a:p>
+                <a:endParaRPr lang="en-US" dirty="0" smtClean="0"/>
+              </a:p>
+              <a:p>
+                <a:endParaRPr lang="en-US" dirty="0"/>
+              </a:p>
+            </p:txBody>
+          </p:sp>
+        </mc:Choice>
+        <mc:Fallback>
+          <p:sp>
+            <p:nvSpPr>
+              <p:cNvPr id="3" name="Content Placeholder 2"/>
+              <p:cNvSpPr>
+                <a:spLocks noGrp="1" noRot="1" noChangeAspect="1" noMove="1" noResize="1" noEditPoints="1" noAdjustHandles="1" noChangeArrowheads="1" noChangeShapeType="1" noTextEdit="1"/>
+              </p:cNvSpPr>
+              <p:nvPr>
+                <p:ph idx="1"/>
+              </p:nvPr>
+            </p:nvSpPr>
+            <p:spPr>
+              <a:blipFill rotWithShape="1">
+                <a:blip r:embed="rId2"/>
+                <a:stretch>
+                  <a:fillRect l="-1630" t="-1617" r="-444"/>
+                </a:stretch>
+              </a:blipFill>
+            </p:spPr>
+            <p:txBody>
+              <a:bodyPr/>
+              <a:lstStyle/>
+              <a:p>
+                <a:r>
+                  <a:rPr lang="en-US">
+                    <a:noFill/>
+                  </a:rPr>
+                  <a:t> </a:t>
+                </a:r>
+              </a:p>
+            </p:txBody>
+          </p:sp>
+        </mc:Fallback>
+      </mc:AlternateContent>
+    </p:spTree>
+    <p:extLst>
+      <p:ext uri="{BB962C8B-B14F-4D97-AF65-F5344CB8AC3E}">
+        <p14:creationId xmlns:p14="http://schemas.microsoft.com/office/powerpoint/2010/main" val="3981578525"/>
+      </p:ext>
+    </p:extLst>
+  </p:cSld>
+  <p:clrMapOvr>
+    <a:masterClrMapping/>
+  </p:clrMapOvr>
+  <p:timing>
+    <p:tnLst>
+      <p:par>
+        <p:cTn id="1" dur="indefinite" restart="never" nodeType="tmRoot"/>
+      </p:par>
+    </p:tnLst>
+  </p:timing>
+</p:sld>
+</file>
+
+<file path=ppt/slides/slide25.xml><?xml version="1.0" encoding="utf-8"?>
+<p:sld xmlns:a="http://schemas.openxmlformats.org/drawingml/2006/main" xmlns:r="http://schemas.openxmlformats.org/officeDocument/2006/relationships" xmlns:p="http://schemas.openxmlformats.org/presentationml/2006/main">
+  <p:cSld>
+    <p:spTree>
+      <p:nvGrpSpPr>
+        <p:cNvPr id="1" name=""/>
+        <p:cNvGrpSpPr/>
+        <p:nvPr/>
+      </p:nvGrpSpPr>
+      <p:grpSpPr>
+        <a:xfrm>
+          <a:off x="0" y="0"/>
+          <a:ext cx="0" cy="0"/>
+          <a:chOff x="0" y="0"/>
+          <a:chExt cx="0" cy="0"/>
+        </a:xfrm>
+      </p:grpSpPr>
+      <p:sp>
+        <p:nvSpPr>
+          <p:cNvPr id="2" name="Title 1"/>
+          <p:cNvSpPr>
+            <a:spLocks noGrp="1"/>
+          </p:cNvSpPr>
+          <p:nvPr>
+            <p:ph type="title"/>
+          </p:nvPr>
+        </p:nvSpPr>
+        <p:spPr/>
+        <p:txBody>
+          <a:bodyPr/>
+          <a:lstStyle/>
+          <a:p>
+            <a:r>
+              <a:rPr lang="en-US" dirty="0" smtClean="0">
+                <a:solidFill>
+                  <a:srgbClr val="0070C0"/>
+                </a:solidFill>
+              </a:rPr>
+              <a:t>Core Classes to Take</a:t>
+            </a:r>
+            <a:endParaRPr lang="en-US" dirty="0">
+              <a:solidFill>
+                <a:srgbClr val="0070C0"/>
+              </a:solidFill>
+            </a:endParaRPr>
+          </a:p>
+        </p:txBody>
+      </p:sp>
+      <p:sp>
+        <p:nvSpPr>
+          <p:cNvPr id="3" name="Content Placeholder 2"/>
+          <p:cNvSpPr>
+            <a:spLocks noGrp="1"/>
+          </p:cNvSpPr>
+          <p:nvPr>
+            <p:ph idx="1"/>
+          </p:nvPr>
+        </p:nvSpPr>
+        <p:spPr/>
+        <p:txBody>
+          <a:bodyPr/>
+          <a:lstStyle/>
+          <a:p>
+            <a:r>
+              <a:rPr lang="en-US" b="1" dirty="0" smtClean="0"/>
+              <a:t>B503 (Algorithms), MW + TR</a:t>
+            </a:r>
+          </a:p>
+          <a:p>
+            <a:r>
+              <a:rPr lang="en-US" b="1" dirty="0" smtClean="0"/>
+              <a:t>B551 (Elements of Artificial Intelligence), TR</a:t>
+            </a:r>
+          </a:p>
+          <a:p>
+            <a:r>
+              <a:rPr lang="en-US" b="1" dirty="0" smtClean="0"/>
+              <a:t>B555 (Machine Learning), MW, this time</a:t>
+            </a:r>
+          </a:p>
+          <a:p>
+            <a:r>
+              <a:rPr lang="en-US" b="1" dirty="0" smtClean="0"/>
+              <a:t>B561 (Databases), MW + TR</a:t>
+            </a:r>
+          </a:p>
+          <a:p>
+            <a:r>
+              <a:rPr lang="en-US" b="1" dirty="0" smtClean="0"/>
+              <a:t>B565 (Data Mining), TR</a:t>
+            </a:r>
+          </a:p>
+          <a:p>
+            <a:endParaRPr lang="en-US" b="1" dirty="0"/>
+          </a:p>
+        </p:txBody>
+      </p:sp>
+    </p:spTree>
+    <p:extLst>
+      <p:ext uri="{BB962C8B-B14F-4D97-AF65-F5344CB8AC3E}">
+        <p14:creationId xmlns:p14="http://schemas.microsoft.com/office/powerpoint/2010/main" val="3266898135"/>
+      </p:ext>
+    </p:extLst>
+  </p:cSld>
+  <p:clrMapOvr>
+    <a:masterClrMapping/>
+  </p:clrMapOvr>
+  <p:timing>
+    <p:tnLst>
+      <p:par>
+        <p:cTn id="1" dur="indefinite" restart="never" nodeType="tmRoot"/>
+      </p:par>
+    </p:tnLst>
+  </p:timing>
+</p:sld>
+</file>
+
+<file path=ppt/slides/slide26.xml><?xml version="1.0" encoding="utf-8"?>
+<p:sld xmlns:a="http://schemas.openxmlformats.org/drawingml/2006/main" xmlns:r="http://schemas.openxmlformats.org/officeDocument/2006/relationships" xmlns:p="http://schemas.openxmlformats.org/presentationml/2006/main">
+  <p:cSld>
+    <p:spTree>
+      <p:nvGrpSpPr>
+        <p:cNvPr id="1" name=""/>
+        <p:cNvGrpSpPr/>
+        <p:nvPr/>
+      </p:nvGrpSpPr>
+      <p:grpSpPr>
+        <a:xfrm>
+          <a:off x="0" y="0"/>
+          <a:ext cx="0" cy="0"/>
+          <a:chOff x="0" y="0"/>
+          <a:chExt cx="0" cy="0"/>
+        </a:xfrm>
+      </p:grpSpPr>
+      <p:sp>
+        <p:nvSpPr>
+          <p:cNvPr id="2" name="Title 1"/>
+          <p:cNvSpPr>
+            <a:spLocks noGrp="1"/>
+          </p:cNvSpPr>
+          <p:nvPr>
+            <p:ph type="title"/>
+          </p:nvPr>
+        </p:nvSpPr>
+        <p:spPr/>
+        <p:txBody>
+          <a:bodyPr/>
+          <a:lstStyle/>
+          <a:p>
+            <a:r>
               <a:rPr lang="en-US" dirty="0" err="1" smtClean="0">
                 <a:solidFill>
                   <a:srgbClr val="0070C0"/>
@@ -16963,7 +20185,7 @@
 </p:sld>
 </file>
 
-<file path=ppt/slides/slide21.xml><?xml version="1.0" encoding="utf-8"?>
+<file path=ppt/slides/slide27.xml><?xml version="1.0" encoding="utf-8"?>
 <p:sld xmlns:a="http://schemas.openxmlformats.org/drawingml/2006/main" xmlns:r="http://schemas.openxmlformats.org/officeDocument/2006/relationships" xmlns:p="http://schemas.openxmlformats.org/presentationml/2006/main">
   <p:cSld>
     <p:spTree>
@@ -17934,7 +21156,7 @@
 </p:sld>
 </file>
 
-<file path=ppt/slides/slide22.xml><?xml version="1.0" encoding="utf-8"?>
+<file path=ppt/slides/slide28.xml><?xml version="1.0" encoding="utf-8"?>
 <p:sld xmlns:a="http://schemas.openxmlformats.org/drawingml/2006/main" xmlns:r="http://schemas.openxmlformats.org/officeDocument/2006/relationships" xmlns:p="http://schemas.openxmlformats.org/presentationml/2006/main">
   <p:cSld>
     <p:spTree>
@@ -19292,7 +22514,7 @@
 </p:sld>
 </file>
 
-<file path=ppt/slides/slide23.xml><?xml version="1.0" encoding="utf-8"?>
+<file path=ppt/slides/slide29.xml><?xml version="1.0" encoding="utf-8"?>
 <p:sld xmlns:a="http://schemas.openxmlformats.org/drawingml/2006/main" xmlns:r="http://schemas.openxmlformats.org/officeDocument/2006/relationships" xmlns:p="http://schemas.openxmlformats.org/presentationml/2006/main">
   <p:cSld>
     <p:spTree>
@@ -20588,7 +23810,252 @@
 </p:sld>
 </file>
 
-<file path=ppt/slides/slide24.xml><?xml version="1.0" encoding="utf-8"?>
+<file path=ppt/slides/slide3.xml><?xml version="1.0" encoding="utf-8"?>
+<p:sld xmlns:a="http://schemas.openxmlformats.org/drawingml/2006/main" xmlns:r="http://schemas.openxmlformats.org/officeDocument/2006/relationships" xmlns:p="http://schemas.openxmlformats.org/presentationml/2006/main">
+  <p:cSld>
+    <p:spTree>
+      <p:nvGrpSpPr>
+        <p:cNvPr id="1" name=""/>
+        <p:cNvGrpSpPr/>
+        <p:nvPr/>
+      </p:nvGrpSpPr>
+      <p:grpSpPr>
+        <a:xfrm>
+          <a:off x="0" y="0"/>
+          <a:ext cx="0" cy="0"/>
+          <a:chOff x="0" y="0"/>
+          <a:chExt cx="0" cy="0"/>
+        </a:xfrm>
+      </p:grpSpPr>
+      <p:sp>
+        <p:nvSpPr>
+          <p:cNvPr id="2" name="Title 1"/>
+          <p:cNvSpPr>
+            <a:spLocks noGrp="1"/>
+          </p:cNvSpPr>
+          <p:nvPr>
+            <p:ph type="title"/>
+          </p:nvPr>
+        </p:nvSpPr>
+        <p:spPr/>
+        <p:txBody>
+          <a:bodyPr/>
+          <a:lstStyle/>
+          <a:p>
+            <a:r>
+              <a:rPr lang="en-US" dirty="0" smtClean="0">
+                <a:solidFill>
+                  <a:srgbClr val="0070C0"/>
+                </a:solidFill>
+              </a:rPr>
+              <a:t>Disclaimers</a:t>
+            </a:r>
+            <a:endParaRPr lang="en-US" dirty="0">
+              <a:solidFill>
+                <a:srgbClr val="0070C0"/>
+              </a:solidFill>
+            </a:endParaRPr>
+          </a:p>
+        </p:txBody>
+      </p:sp>
+      <p:sp>
+        <p:nvSpPr>
+          <p:cNvPr id="3" name="Content Placeholder 2"/>
+          <p:cNvSpPr>
+            <a:spLocks noGrp="1"/>
+          </p:cNvSpPr>
+          <p:nvPr>
+            <p:ph idx="1"/>
+          </p:nvPr>
+        </p:nvSpPr>
+        <p:spPr/>
+        <p:txBody>
+          <a:bodyPr/>
+          <a:lstStyle/>
+          <a:p>
+            <a:r>
+              <a:rPr lang="en-US" dirty="0" smtClean="0"/>
+              <a:t>No </a:t>
+            </a:r>
+            <a:r>
+              <a:rPr lang="en-US" dirty="0" smtClean="0"/>
+              <a:t>programming!</a:t>
+            </a:r>
+            <a:endParaRPr lang="en-US" dirty="0"/>
+          </a:p>
+        </p:txBody>
+      </p:sp>
+      <p:pic>
+        <p:nvPicPr>
+          <p:cNvPr id="4" name="Picture 3"/>
+          <p:cNvPicPr>
+            <a:picLocks noChangeAspect="1"/>
+          </p:cNvPicPr>
+          <p:nvPr/>
+        </p:nvPicPr>
+        <p:blipFill>
+          <a:blip r:embed="rId2">
+            <a:extLst>
+              <a:ext uri="{28A0092B-C50C-407E-A947-70E740481C1C}">
+                <a14:useLocalDpi xmlns:a14="http://schemas.microsoft.com/office/drawing/2010/main" val="0"/>
+              </a:ext>
+            </a:extLst>
+          </a:blip>
+          <a:stretch>
+            <a:fillRect/>
+          </a:stretch>
+        </p:blipFill>
+        <p:spPr>
+          <a:xfrm>
+            <a:off x="2438400" y="2177143"/>
+            <a:ext cx="4195763" cy="4450052"/>
+          </a:xfrm>
+          <a:prstGeom prst="rect">
+            <a:avLst/>
+          </a:prstGeom>
+        </p:spPr>
+      </p:pic>
+    </p:spTree>
+    <p:extLst>
+      <p:ext uri="{BB962C8B-B14F-4D97-AF65-F5344CB8AC3E}">
+        <p14:creationId xmlns:p14="http://schemas.microsoft.com/office/powerpoint/2010/main" val="3339970648"/>
+      </p:ext>
+    </p:extLst>
+  </p:cSld>
+  <p:clrMapOvr>
+    <a:masterClrMapping/>
+  </p:clrMapOvr>
+  <p:timing>
+    <p:tnLst>
+      <p:par>
+        <p:cTn id="1" dur="indefinite" restart="never" nodeType="tmRoot">
+          <p:childTnLst>
+            <p:seq concurrent="1" nextAc="seek">
+              <p:cTn id="2" dur="indefinite" nodeType="mainSeq">
+                <p:childTnLst>
+                  <p:par>
+                    <p:cTn id="3" fill="hold">
+                      <p:stCondLst>
+                        <p:cond delay="indefinite"/>
+                      </p:stCondLst>
+                      <p:childTnLst>
+                        <p:par>
+                          <p:cTn id="4" fill="hold">
+                            <p:stCondLst>
+                              <p:cond delay="0"/>
+                            </p:stCondLst>
+                            <p:childTnLst>
+                              <p:par>
+                                <p:cTn id="5" presetID="1" presetClass="entr" presetSubtype="0" fill="hold" grpId="0" nodeType="clickEffect">
+                                  <p:stCondLst>
+                                    <p:cond delay="0"/>
+                                  </p:stCondLst>
+                                  <p:childTnLst>
+                                    <p:set>
+                                      <p:cBhvr>
+                                        <p:cTn id="6" dur="1" fill="hold">
+                                          <p:stCondLst>
+                                            <p:cond delay="0"/>
+                                          </p:stCondLst>
+                                        </p:cTn>
+                                        <p:tgtEl>
+                                          <p:spTgt spid="3">
+                                            <p:txEl>
+                                              <p:pRg st="0" end="0"/>
+                                            </p:txEl>
+                                          </p:spTgt>
+                                        </p:tgtEl>
+                                        <p:attrNameLst>
+                                          <p:attrName>style.visibility</p:attrName>
+                                        </p:attrNameLst>
+                                      </p:cBhvr>
+                                      <p:to>
+                                        <p:strVal val="visible"/>
+                                      </p:to>
+                                    </p:set>
+                                  </p:childTnLst>
+                                </p:cTn>
+                              </p:par>
+                            </p:childTnLst>
+                          </p:cTn>
+                        </p:par>
+                      </p:childTnLst>
+                    </p:cTn>
+                  </p:par>
+                  <p:par>
+                    <p:cTn id="7" fill="hold">
+                      <p:stCondLst>
+                        <p:cond delay="indefinite"/>
+                      </p:stCondLst>
+                      <p:childTnLst>
+                        <p:par>
+                          <p:cTn id="8" fill="hold">
+                            <p:stCondLst>
+                              <p:cond delay="0"/>
+                            </p:stCondLst>
+                            <p:childTnLst>
+                              <p:par>
+                                <p:cTn id="9" presetID="1" presetClass="entr" presetSubtype="0" fill="hold" nodeType="clickEffect">
+                                  <p:stCondLst>
+                                    <p:cond delay="0"/>
+                                  </p:stCondLst>
+                                  <p:childTnLst>
+                                    <p:set>
+                                      <p:cBhvr>
+                                        <p:cTn id="10" dur="1" fill="hold">
+                                          <p:stCondLst>
+                                            <p:cond delay="0"/>
+                                          </p:stCondLst>
+                                        </p:cTn>
+                                        <p:tgtEl>
+                                          <p:spTgt spid="4"/>
+                                        </p:tgtEl>
+                                        <p:attrNameLst>
+                                          <p:attrName>style.visibility</p:attrName>
+                                        </p:attrNameLst>
+                                      </p:cBhvr>
+                                      <p:to>
+                                        <p:strVal val="visible"/>
+                                      </p:to>
+                                    </p:set>
+                                  </p:childTnLst>
+                                </p:cTn>
+                              </p:par>
+                            </p:childTnLst>
+                          </p:cTn>
+                        </p:par>
+                      </p:childTnLst>
+                    </p:cTn>
+                  </p:par>
+                </p:childTnLst>
+              </p:cTn>
+              <p:prevCondLst>
+                <p:cond evt="onPrev" delay="0">
+                  <p:tgtEl>
+                    <p:sldTgt/>
+                  </p:tgtEl>
+                </p:cond>
+              </p:prevCondLst>
+              <p:nextCondLst>
+                <p:cond evt="onNext" delay="0">
+                  <p:tgtEl>
+                    <p:sldTgt/>
+                  </p:tgtEl>
+                </p:cond>
+              </p:nextCondLst>
+            </p:seq>
+          </p:childTnLst>
+        </p:cTn>
+      </p:par>
+    </p:tnLst>
+    <p:bldLst>
+      <p:bldP spid="3" grpId="0" build="p"/>
+    </p:bldLst>
+  </p:timing>
+</p:sld>
+</file>
+
+<file path=ppt/slides/slide30.xml><?xml version="1.0" encoding="utf-8"?>
 <p:sld xmlns:a="http://schemas.openxmlformats.org/drawingml/2006/main" xmlns:r="http://schemas.openxmlformats.org/officeDocument/2006/relationships" xmlns:p="http://schemas.openxmlformats.org/presentationml/2006/main">
   <p:cSld>
     <p:spTree>
@@ -21731,7 +25198,7 @@
 </p:sld>
 </file>
 
-<file path=ppt/slides/slide25.xml><?xml version="1.0" encoding="utf-8"?>
+<file path=ppt/slides/slide31.xml><?xml version="1.0" encoding="utf-8"?>
 <p:sld xmlns:a="http://schemas.openxmlformats.org/drawingml/2006/main" xmlns:r="http://schemas.openxmlformats.org/officeDocument/2006/relationships" xmlns:p="http://schemas.openxmlformats.org/presentationml/2006/main">
   <p:cSld>
     <p:spTree>
@@ -22446,7 +25913,7 @@
 </p:sld>
 </file>
 
-<file path=ppt/slides/slide26.xml><?xml version="1.0" encoding="utf-8"?>
+<file path=ppt/slides/slide32.xml><?xml version="1.0" encoding="utf-8"?>
 <p:sld xmlns:a="http://schemas.openxmlformats.org/drawingml/2006/main" xmlns:r="http://schemas.openxmlformats.org/officeDocument/2006/relationships" xmlns:p="http://schemas.openxmlformats.org/presentationml/2006/main">
   <p:cSld>
     <p:spTree>
@@ -23182,7 +26649,7 @@
 </p:sld>
 </file>
 
-<file path=ppt/slides/slide27.xml><?xml version="1.0" encoding="utf-8"?>
+<file path=ppt/slides/slide33.xml><?xml version="1.0" encoding="utf-8"?>
 <p:sld xmlns:a="http://schemas.openxmlformats.org/drawingml/2006/main" xmlns:r="http://schemas.openxmlformats.org/officeDocument/2006/relationships" xmlns:p="http://schemas.openxmlformats.org/presentationml/2006/main">
   <p:cSld>
     <p:spTree>
@@ -24646,7 +28113,7 @@
 </p:sld>
 </file>
 
-<file path=ppt/slides/slide28.xml><?xml version="1.0" encoding="utf-8"?>
+<file path=ppt/slides/slide34.xml><?xml version="1.0" encoding="utf-8"?>
 <p:sld xmlns:a="http://schemas.openxmlformats.org/drawingml/2006/main" xmlns:r="http://schemas.openxmlformats.org/officeDocument/2006/relationships" xmlns:p="http://schemas.openxmlformats.org/presentationml/2006/main">
   <p:cSld>
     <p:spTree>
@@ -26161,7 +29628,7 @@
 </p:sld>
 </file>
 
-<file path=ppt/slides/slide29.xml><?xml version="1.0" encoding="utf-8"?>
+<file path=ppt/slides/slide35.xml><?xml version="1.0" encoding="utf-8"?>
 <p:sld xmlns:a="http://schemas.openxmlformats.org/drawingml/2006/main" xmlns:r="http://schemas.openxmlformats.org/officeDocument/2006/relationships" xmlns:p="http://schemas.openxmlformats.org/presentationml/2006/main">
   <p:cSld>
     <p:spTree>
@@ -27626,252 +31093,7 @@
 </p:sld>
 </file>
 
-<file path=ppt/slides/slide3.xml><?xml version="1.0" encoding="utf-8"?>
-<p:sld xmlns:a="http://schemas.openxmlformats.org/drawingml/2006/main" xmlns:r="http://schemas.openxmlformats.org/officeDocument/2006/relationships" xmlns:p="http://schemas.openxmlformats.org/presentationml/2006/main">
-  <p:cSld>
-    <p:spTree>
-      <p:nvGrpSpPr>
-        <p:cNvPr id="1" name=""/>
-        <p:cNvGrpSpPr/>
-        <p:nvPr/>
-      </p:nvGrpSpPr>
-      <p:grpSpPr>
-        <a:xfrm>
-          <a:off x="0" y="0"/>
-          <a:ext cx="0" cy="0"/>
-          <a:chOff x="0" y="0"/>
-          <a:chExt cx="0" cy="0"/>
-        </a:xfrm>
-      </p:grpSpPr>
-      <p:sp>
-        <p:nvSpPr>
-          <p:cNvPr id="2" name="Title 1"/>
-          <p:cNvSpPr>
-            <a:spLocks noGrp="1"/>
-          </p:cNvSpPr>
-          <p:nvPr>
-            <p:ph type="title"/>
-          </p:nvPr>
-        </p:nvSpPr>
-        <p:spPr/>
-        <p:txBody>
-          <a:bodyPr/>
-          <a:lstStyle/>
-          <a:p>
-            <a:r>
-              <a:rPr lang="en-US" dirty="0" smtClean="0">
-                <a:solidFill>
-                  <a:srgbClr val="0070C0"/>
-                </a:solidFill>
-              </a:rPr>
-              <a:t>Disclaimers</a:t>
-            </a:r>
-            <a:endParaRPr lang="en-US" dirty="0">
-              <a:solidFill>
-                <a:srgbClr val="0070C0"/>
-              </a:solidFill>
-            </a:endParaRPr>
-          </a:p>
-        </p:txBody>
-      </p:sp>
-      <p:sp>
-        <p:nvSpPr>
-          <p:cNvPr id="3" name="Content Placeholder 2"/>
-          <p:cNvSpPr>
-            <a:spLocks noGrp="1"/>
-          </p:cNvSpPr>
-          <p:nvPr>
-            <p:ph idx="1"/>
-          </p:nvPr>
-        </p:nvSpPr>
-        <p:spPr/>
-        <p:txBody>
-          <a:bodyPr/>
-          <a:lstStyle/>
-          <a:p>
-            <a:r>
-              <a:rPr lang="en-US" dirty="0" smtClean="0"/>
-              <a:t>No </a:t>
-            </a:r>
-            <a:r>
-              <a:rPr lang="en-US" dirty="0" smtClean="0"/>
-              <a:t>programming!</a:t>
-            </a:r>
-            <a:endParaRPr lang="en-US" dirty="0"/>
-          </a:p>
-        </p:txBody>
-      </p:sp>
-      <p:pic>
-        <p:nvPicPr>
-          <p:cNvPr id="4" name="Picture 3"/>
-          <p:cNvPicPr>
-            <a:picLocks noChangeAspect="1"/>
-          </p:cNvPicPr>
-          <p:nvPr/>
-        </p:nvPicPr>
-        <p:blipFill>
-          <a:blip r:embed="rId2">
-            <a:extLst>
-              <a:ext uri="{28A0092B-C50C-407E-A947-70E740481C1C}">
-                <a14:useLocalDpi xmlns:a14="http://schemas.microsoft.com/office/drawing/2010/main" val="0"/>
-              </a:ext>
-            </a:extLst>
-          </a:blip>
-          <a:stretch>
-            <a:fillRect/>
-          </a:stretch>
-        </p:blipFill>
-        <p:spPr>
-          <a:xfrm>
-            <a:off x="2438400" y="2177143"/>
-            <a:ext cx="4195763" cy="4450052"/>
-          </a:xfrm>
-          <a:prstGeom prst="rect">
-            <a:avLst/>
-          </a:prstGeom>
-        </p:spPr>
-      </p:pic>
-    </p:spTree>
-    <p:extLst>
-      <p:ext uri="{BB962C8B-B14F-4D97-AF65-F5344CB8AC3E}">
-        <p14:creationId xmlns:p14="http://schemas.microsoft.com/office/powerpoint/2010/main" val="3339970648"/>
-      </p:ext>
-    </p:extLst>
-  </p:cSld>
-  <p:clrMapOvr>
-    <a:masterClrMapping/>
-  </p:clrMapOvr>
-  <p:timing>
-    <p:tnLst>
-      <p:par>
-        <p:cTn id="1" dur="indefinite" restart="never" nodeType="tmRoot">
-          <p:childTnLst>
-            <p:seq concurrent="1" nextAc="seek">
-              <p:cTn id="2" dur="indefinite" nodeType="mainSeq">
-                <p:childTnLst>
-                  <p:par>
-                    <p:cTn id="3" fill="hold">
-                      <p:stCondLst>
-                        <p:cond delay="indefinite"/>
-                      </p:stCondLst>
-                      <p:childTnLst>
-                        <p:par>
-                          <p:cTn id="4" fill="hold">
-                            <p:stCondLst>
-                              <p:cond delay="0"/>
-                            </p:stCondLst>
-                            <p:childTnLst>
-                              <p:par>
-                                <p:cTn id="5" presetID="1" presetClass="entr" presetSubtype="0" fill="hold" grpId="0" nodeType="clickEffect">
-                                  <p:stCondLst>
-                                    <p:cond delay="0"/>
-                                  </p:stCondLst>
-                                  <p:childTnLst>
-                                    <p:set>
-                                      <p:cBhvr>
-                                        <p:cTn id="6" dur="1" fill="hold">
-                                          <p:stCondLst>
-                                            <p:cond delay="0"/>
-                                          </p:stCondLst>
-                                        </p:cTn>
-                                        <p:tgtEl>
-                                          <p:spTgt spid="3">
-                                            <p:txEl>
-                                              <p:pRg st="0" end="0"/>
-                                            </p:txEl>
-                                          </p:spTgt>
-                                        </p:tgtEl>
-                                        <p:attrNameLst>
-                                          <p:attrName>style.visibility</p:attrName>
-                                        </p:attrNameLst>
-                                      </p:cBhvr>
-                                      <p:to>
-                                        <p:strVal val="visible"/>
-                                      </p:to>
-                                    </p:set>
-                                  </p:childTnLst>
-                                </p:cTn>
-                              </p:par>
-                            </p:childTnLst>
-                          </p:cTn>
-                        </p:par>
-                      </p:childTnLst>
-                    </p:cTn>
-                  </p:par>
-                  <p:par>
-                    <p:cTn id="7" fill="hold">
-                      <p:stCondLst>
-                        <p:cond delay="indefinite"/>
-                      </p:stCondLst>
-                      <p:childTnLst>
-                        <p:par>
-                          <p:cTn id="8" fill="hold">
-                            <p:stCondLst>
-                              <p:cond delay="0"/>
-                            </p:stCondLst>
-                            <p:childTnLst>
-                              <p:par>
-                                <p:cTn id="9" presetID="1" presetClass="entr" presetSubtype="0" fill="hold" nodeType="clickEffect">
-                                  <p:stCondLst>
-                                    <p:cond delay="0"/>
-                                  </p:stCondLst>
-                                  <p:childTnLst>
-                                    <p:set>
-                                      <p:cBhvr>
-                                        <p:cTn id="10" dur="1" fill="hold">
-                                          <p:stCondLst>
-                                            <p:cond delay="0"/>
-                                          </p:stCondLst>
-                                        </p:cTn>
-                                        <p:tgtEl>
-                                          <p:spTgt spid="4"/>
-                                        </p:tgtEl>
-                                        <p:attrNameLst>
-                                          <p:attrName>style.visibility</p:attrName>
-                                        </p:attrNameLst>
-                                      </p:cBhvr>
-                                      <p:to>
-                                        <p:strVal val="visible"/>
-                                      </p:to>
-                                    </p:set>
-                                  </p:childTnLst>
-                                </p:cTn>
-                              </p:par>
-                            </p:childTnLst>
-                          </p:cTn>
-                        </p:par>
-                      </p:childTnLst>
-                    </p:cTn>
-                  </p:par>
-                </p:childTnLst>
-              </p:cTn>
-              <p:prevCondLst>
-                <p:cond evt="onPrev" delay="0">
-                  <p:tgtEl>
-                    <p:sldTgt/>
-                  </p:tgtEl>
-                </p:cond>
-              </p:prevCondLst>
-              <p:nextCondLst>
-                <p:cond evt="onNext" delay="0">
-                  <p:tgtEl>
-                    <p:sldTgt/>
-                  </p:tgtEl>
-                </p:cond>
-              </p:nextCondLst>
-            </p:seq>
-          </p:childTnLst>
-        </p:cTn>
-      </p:par>
-    </p:tnLst>
-    <p:bldLst>
-      <p:bldP spid="3" grpId="0" build="p"/>
-    </p:bldLst>
-  </p:timing>
-</p:sld>
-</file>
-
-<file path=ppt/slides/slide30.xml><?xml version="1.0" encoding="utf-8"?>
+<file path=ppt/slides/slide36.xml><?xml version="1.0" encoding="utf-8"?>
 <p:sld xmlns:a="http://schemas.openxmlformats.org/drawingml/2006/main" xmlns:r="http://schemas.openxmlformats.org/officeDocument/2006/relationships" xmlns:p="http://schemas.openxmlformats.org/presentationml/2006/main">
   <p:cSld>
     <p:spTree>

--- a/b609/lec01.pptx
+++ b/b609/lec01.pptx
@@ -139,6 +139,22 @@
       </a:defRPr>
     </a:lvl9pPr>
   </p:defaultTextStyle>
+  <p:extLst>
+    <p:ext uri="{EFAFB233-063F-42B5-8137-9DF3F51BA10A}">
+      <p15:sldGuideLst xmlns:p15="http://schemas.microsoft.com/office/powerpoint/2012/main">
+        <p15:guide id="1" orient="horz" pos="2160">
+          <p15:clr>
+            <a:srgbClr val="A4A3A4"/>
+          </p15:clr>
+        </p15:guide>
+        <p15:guide id="2" pos="2880">
+          <p15:clr>
+            <a:srgbClr val="A4A3A4"/>
+          </p15:clr>
+        </p15:guide>
+      </p15:sldGuideLst>
+    </p:ext>
+  </p:extLst>
 </p:presentation>
 </file>
 
@@ -323,7 +339,7 @@
           <a:p>
             <a:fld id="{2254D56F-A9E0-4E7F-9E74-43323E6A9DA3}" type="datetimeFigureOut">
               <a:rPr lang="en-US" smtClean="0"/>
-              <a:t>8/22/2016</a:t>
+              <a:t>8/24/2016</a:t>
             </a:fld>
             <a:endParaRPr lang="en-US"/>
           </a:p>
@@ -493,7 +509,7 @@
           <a:p>
             <a:fld id="{2254D56F-A9E0-4E7F-9E74-43323E6A9DA3}" type="datetimeFigureOut">
               <a:rPr lang="en-US" smtClean="0"/>
-              <a:t>8/22/2016</a:t>
+              <a:t>8/24/2016</a:t>
             </a:fld>
             <a:endParaRPr lang="en-US"/>
           </a:p>
@@ -673,7 +689,7 @@
           <a:p>
             <a:fld id="{2254D56F-A9E0-4E7F-9E74-43323E6A9DA3}" type="datetimeFigureOut">
               <a:rPr lang="en-US" smtClean="0"/>
-              <a:t>8/22/2016</a:t>
+              <a:t>8/24/2016</a:t>
             </a:fld>
             <a:endParaRPr lang="en-US"/>
           </a:p>
@@ -843,7 +859,7 @@
           <a:p>
             <a:fld id="{2254D56F-A9E0-4E7F-9E74-43323E6A9DA3}" type="datetimeFigureOut">
               <a:rPr lang="en-US" smtClean="0"/>
-              <a:t>8/22/2016</a:t>
+              <a:t>8/24/2016</a:t>
             </a:fld>
             <a:endParaRPr lang="en-US"/>
           </a:p>
@@ -1089,7 +1105,7 @@
           <a:p>
             <a:fld id="{2254D56F-A9E0-4E7F-9E74-43323E6A9DA3}" type="datetimeFigureOut">
               <a:rPr lang="en-US" smtClean="0"/>
-              <a:t>8/22/2016</a:t>
+              <a:t>8/24/2016</a:t>
             </a:fld>
             <a:endParaRPr lang="en-US"/>
           </a:p>
@@ -1377,7 +1393,7 @@
           <a:p>
             <a:fld id="{2254D56F-A9E0-4E7F-9E74-43323E6A9DA3}" type="datetimeFigureOut">
               <a:rPr lang="en-US" smtClean="0"/>
-              <a:t>8/22/2016</a:t>
+              <a:t>8/24/2016</a:t>
             </a:fld>
             <a:endParaRPr lang="en-US"/>
           </a:p>
@@ -1799,7 +1815,7 @@
           <a:p>
             <a:fld id="{2254D56F-A9E0-4E7F-9E74-43323E6A9DA3}" type="datetimeFigureOut">
               <a:rPr lang="en-US" smtClean="0"/>
-              <a:t>8/22/2016</a:t>
+              <a:t>8/24/2016</a:t>
             </a:fld>
             <a:endParaRPr lang="en-US"/>
           </a:p>
@@ -1917,7 +1933,7 @@
           <a:p>
             <a:fld id="{2254D56F-A9E0-4E7F-9E74-43323E6A9DA3}" type="datetimeFigureOut">
               <a:rPr lang="en-US" smtClean="0"/>
-              <a:t>8/22/2016</a:t>
+              <a:t>8/24/2016</a:t>
             </a:fld>
             <a:endParaRPr lang="en-US"/>
           </a:p>
@@ -2012,7 +2028,7 @@
           <a:p>
             <a:fld id="{2254D56F-A9E0-4E7F-9E74-43323E6A9DA3}" type="datetimeFigureOut">
               <a:rPr lang="en-US" smtClean="0"/>
-              <a:t>8/22/2016</a:t>
+              <a:t>8/24/2016</a:t>
             </a:fld>
             <a:endParaRPr lang="en-US"/>
           </a:p>
@@ -2289,7 +2305,7 @@
           <a:p>
             <a:fld id="{2254D56F-A9E0-4E7F-9E74-43323E6A9DA3}" type="datetimeFigureOut">
               <a:rPr lang="en-US" smtClean="0"/>
-              <a:t>8/22/2016</a:t>
+              <a:t>8/24/2016</a:t>
             </a:fld>
             <a:endParaRPr lang="en-US"/>
           </a:p>
@@ -2542,7 +2558,7 @@
           <a:p>
             <a:fld id="{2254D56F-A9E0-4E7F-9E74-43323E6A9DA3}" type="datetimeFigureOut">
               <a:rPr lang="en-US" smtClean="0"/>
-              <a:t>8/22/2016</a:t>
+              <a:t>8/24/2016</a:t>
             </a:fld>
             <a:endParaRPr lang="en-US"/>
           </a:p>
@@ -2755,7 +2771,7 @@
           <a:p>
             <a:fld id="{2254D56F-A9E0-4E7F-9E74-43323E6A9DA3}" type="datetimeFigureOut">
               <a:rPr lang="en-US" smtClean="0"/>
-              <a:t>8/22/2016</a:t>
+              <a:t>8/24/2016</a:t>
             </a:fld>
             <a:endParaRPr lang="en-US"/>
           </a:p>
@@ -3160,14 +3176,6 @@
               </a:rPr>
               <a:t>CSCI B609: </a:t>
             </a:r>
-            <a:r>
-              <a:rPr lang="en-US" sz="4800" b="1" dirty="0" smtClean="0">
-                <a:solidFill>
-                  <a:srgbClr val="0070C0"/>
-                </a:solidFill>
-              </a:rPr>
-              <a:t/>
-            </a:r>
             <a:br>
               <a:rPr lang="en-US" sz="4800" b="1" dirty="0" smtClean="0">
                 <a:solidFill>
@@ -3284,15 +3292,7 @@
             <a:pPr algn="ctr"/>
             <a:r>
               <a:rPr lang="en-US" sz="4800" b="1" dirty="0" smtClean="0"/>
-              <a:t>Lecture </a:t>
-            </a:r>
-            <a:r>
-              <a:rPr lang="en-US" sz="4800" b="1" dirty="0" smtClean="0"/>
-              <a:t>1 &amp; 2: </a:t>
-            </a:r>
-            <a:r>
-              <a:rPr lang="en-US" sz="4800" b="1" dirty="0" smtClean="0"/>
-              <a:t>Intro</a:t>
+              <a:t>Lecture 1 &amp; 2: Intro</a:t>
             </a:r>
             <a:endParaRPr lang="en-US" sz="4800" b="1" dirty="0"/>
           </a:p>
@@ -3329,13 +3329,7 @@
               <a:rPr lang="en-US" sz="2800" dirty="0" smtClean="0">
                 <a:hlinkClick r:id="rId3"/>
               </a:rPr>
-              <a:t>http://</a:t>
-            </a:r>
-            <a:r>
-              <a:rPr lang="en-US" sz="2800" dirty="0" smtClean="0">
-                <a:hlinkClick r:id="rId3"/>
-              </a:rPr>
-              <a:t>grigory.us/data-science-class.html</a:t>
+              <a:t>http://grigory.us/data-science-class.html</a:t>
             </a:r>
             <a:endParaRPr lang="en-US" sz="2800" dirty="0"/>
           </a:p>
@@ -3411,8 +3405,8 @@
           </a:p>
         </p:txBody>
       </p:sp>
-      <mc:AlternateContent xmlns:mc="http://schemas.openxmlformats.org/markup-compatibility/2006">
-        <mc:Choice xmlns:a14="http://schemas.microsoft.com/office/drawing/2010/main" Requires="a14">
+      <mc:AlternateContent xmlns:mc="http://schemas.openxmlformats.org/markup-compatibility/2006" xmlns:a14="http://schemas.microsoft.com/office/drawing/2010/main">
+        <mc:Choice Requires="a14">
           <p:sp>
             <p:nvSpPr>
               <p:cNvPr id="3" name="Content Placeholder 2"/>
@@ -3540,7 +3534,7 @@
                         <m:funcPr>
                           <m:ctrlPr>
                             <a:rPr lang="en-US" b="0" i="1" smtClean="0">
-                              <a:latin typeface="Cambria Math"/>
+                              <a:latin typeface="Cambria Math" panose="02040503050406030204" pitchFamily="18" charset="0"/>
                             </a:rPr>
                           </m:ctrlPr>
                         </m:funcPr>
@@ -3562,7 +3556,7 @@
                               <m:endChr m:val="]"/>
                               <m:ctrlPr>
                                 <a:rPr lang="en-US" b="0" i="1" smtClean="0">
-                                  <a:latin typeface="Cambria Math"/>
+                                  <a:latin typeface="Cambria Math" panose="02040503050406030204" pitchFamily="18" charset="0"/>
                                 </a:rPr>
                               </m:ctrlPr>
                             </m:dPr>
@@ -3623,7 +3617,7 @@
                         <m:funcPr>
                           <m:ctrlPr>
                             <a:rPr lang="en-US" b="0" i="1" smtClean="0">
-                              <a:latin typeface="Cambria Math"/>
+                              <a:latin typeface="Cambria Math" panose="02040503050406030204" pitchFamily="18" charset="0"/>
                             </a:rPr>
                           </m:ctrlPr>
                         </m:funcPr>
@@ -3645,7 +3639,7 @@
                               <m:endChr m:val="]"/>
                               <m:ctrlPr>
                                 <a:rPr lang="en-US" b="0" i="1" smtClean="0">
-                                  <a:latin typeface="Cambria Math"/>
+                                  <a:latin typeface="Cambria Math" panose="02040503050406030204" pitchFamily="18" charset="0"/>
                                 </a:rPr>
                               </m:ctrlPr>
                             </m:dPr>
@@ -3733,7 +3727,7 @@
                       <m:sSubPr>
                         <m:ctrlPr>
                           <a:rPr lang="en-US" b="0" i="1" smtClean="0">
-                            <a:latin typeface="Cambria Math"/>
+                            <a:latin typeface="Cambria Math" panose="02040503050406030204" pitchFamily="18" charset="0"/>
                           </a:rPr>
                         </m:ctrlPr>
                       </m:sSubPr>
@@ -3764,7 +3758,7 @@
                       <m:sSubPr>
                         <m:ctrlPr>
                           <a:rPr lang="en-US" b="0" i="1" smtClean="0">
-                            <a:latin typeface="Cambria Math"/>
+                            <a:latin typeface="Cambria Math" panose="02040503050406030204" pitchFamily="18" charset="0"/>
                           </a:rPr>
                         </m:ctrlPr>
                       </m:sSubPr>
@@ -3823,7 +3817,7 @@
                         <m:funcPr>
                           <m:ctrlPr>
                             <a:rPr lang="en-US" b="0" i="1" smtClean="0">
-                              <a:latin typeface="Cambria Math"/>
+                              <a:latin typeface="Cambria Math" panose="02040503050406030204" pitchFamily="18" charset="0"/>
                             </a:rPr>
                           </m:ctrlPr>
                         </m:funcPr>
@@ -3845,7 +3839,7 @@
                               <m:endChr m:val="]"/>
                               <m:ctrlPr>
                                 <a:rPr lang="en-US" b="0" i="1" smtClean="0">
-                                  <a:latin typeface="Cambria Math"/>
+                                  <a:latin typeface="Cambria Math" panose="02040503050406030204" pitchFamily="18" charset="0"/>
                                 </a:rPr>
                               </m:ctrlPr>
                             </m:dPr>
@@ -3854,7 +3848,7 @@
                                 <m:sSubPr>
                                   <m:ctrlPr>
                                     <a:rPr lang="en-US" b="1" i="1" smtClean="0">
-                                      <a:latin typeface="Cambria Math"/>
+                                      <a:latin typeface="Cambria Math" panose="02040503050406030204" pitchFamily="18" charset="0"/>
                                     </a:rPr>
                                   </m:ctrlPr>
                                 </m:sSubPr>
@@ -3885,7 +3879,7 @@
                                 <m:sSubPr>
                                   <m:ctrlPr>
                                     <a:rPr lang="en-US" b="0" i="1" smtClean="0">
-                                      <a:latin typeface="Cambria Math"/>
+                                      <a:latin typeface="Cambria Math" panose="02040503050406030204" pitchFamily="18" charset="0"/>
                                     </a:rPr>
                                   </m:ctrlPr>
                                 </m:sSubPr>
@@ -3922,7 +3916,7 @@
                                 <m:sSubPr>
                                   <m:ctrlPr>
                                     <a:rPr lang="en-US" b="0" i="1" smtClean="0">
-                                      <a:latin typeface="Cambria Math"/>
+                                      <a:latin typeface="Cambria Math" panose="02040503050406030204" pitchFamily="18" charset="0"/>
                                     </a:rPr>
                                   </m:ctrlPr>
                                 </m:sSubPr>
@@ -3953,7 +3947,7 @@
                                 <m:sSubPr>
                                   <m:ctrlPr>
                                     <a:rPr lang="en-US" b="0" i="1" smtClean="0">
-                                      <a:latin typeface="Cambria Math"/>
+                                      <a:latin typeface="Cambria Math" panose="02040503050406030204" pitchFamily="18" charset="0"/>
                                     </a:rPr>
                                   </m:ctrlPr>
                                 </m:sSubPr>
@@ -3989,7 +3983,7 @@
                           <m:chr m:val="∏"/>
                           <m:ctrlPr>
                             <a:rPr lang="en-US" b="0" i="1" smtClean="0">
-                              <a:latin typeface="Cambria Math"/>
+                              <a:latin typeface="Cambria Math" panose="02040503050406030204" pitchFamily="18" charset="0"/>
                             </a:rPr>
                           </m:ctrlPr>
                         </m:naryPr>
@@ -4020,7 +4014,7 @@
                             <m:funcPr>
                               <m:ctrlPr>
                                 <a:rPr lang="en-US" b="0" i="1" smtClean="0">
-                                  <a:latin typeface="Cambria Math"/>
+                                  <a:latin typeface="Cambria Math" panose="02040503050406030204" pitchFamily="18" charset="0"/>
                                 </a:rPr>
                               </m:ctrlPr>
                             </m:funcPr>
@@ -4042,7 +4036,7 @@
                                   <m:endChr m:val="]"/>
                                   <m:ctrlPr>
                                     <a:rPr lang="en-US" b="0" i="1" smtClean="0">
-                                      <a:latin typeface="Cambria Math"/>
+                                      <a:latin typeface="Cambria Math" panose="02040503050406030204" pitchFamily="18" charset="0"/>
                                     </a:rPr>
                                   </m:ctrlPr>
                                 </m:dPr>
@@ -4051,7 +4045,7 @@
                                     <m:sSubPr>
                                       <m:ctrlPr>
                                         <a:rPr lang="en-US" b="1" i="1" smtClean="0">
-                                          <a:latin typeface="Cambria Math"/>
+                                          <a:latin typeface="Cambria Math" panose="02040503050406030204" pitchFamily="18" charset="0"/>
                                         </a:rPr>
                                       </m:ctrlPr>
                                     </m:sSubPr>
@@ -4082,7 +4076,7 @@
                                     <m:sSubPr>
                                       <m:ctrlPr>
                                         <a:rPr lang="en-US" b="0" i="1" smtClean="0">
-                                          <a:latin typeface="Cambria Math"/>
+                                          <a:latin typeface="Cambria Math" panose="02040503050406030204" pitchFamily="18" charset="0"/>
                                         </a:rPr>
                                       </m:ctrlPr>
                                     </m:sSubPr>
@@ -4125,7 +4119,7 @@
                       <m:sSubPr>
                         <m:ctrlPr>
                           <a:rPr lang="en-US" b="0" i="1" smtClean="0">
-                            <a:latin typeface="Cambria Math"/>
+                            <a:latin typeface="Cambria Math" panose="02040503050406030204" pitchFamily="18" charset="0"/>
                           </a:rPr>
                         </m:ctrlPr>
                       </m:sSubPr>
@@ -4156,7 +4150,7 @@
                       <m:sSubPr>
                         <m:ctrlPr>
                           <a:rPr lang="en-US" b="0" i="1" smtClean="0">
-                            <a:latin typeface="Cambria Math"/>
+                            <a:latin typeface="Cambria Math" panose="02040503050406030204" pitchFamily="18" charset="0"/>
                           </a:rPr>
                         </m:ctrlPr>
                       </m:sSubPr>
@@ -4223,7 +4217,7 @@
                         <m:funcPr>
                           <m:ctrlPr>
                             <a:rPr lang="en-US" b="0" i="1" smtClean="0">
-                              <a:latin typeface="Cambria Math"/>
+                              <a:latin typeface="Cambria Math" panose="02040503050406030204" pitchFamily="18" charset="0"/>
                             </a:rPr>
                           </m:ctrlPr>
                         </m:funcPr>
@@ -4245,7 +4239,7 @@
                               <m:endChr m:val="]"/>
                               <m:ctrlPr>
                                 <a:rPr lang="en-US" b="0" i="1" smtClean="0">
-                                  <a:latin typeface="Cambria Math"/>
+                                  <a:latin typeface="Cambria Math" panose="02040503050406030204" pitchFamily="18" charset="0"/>
                                 </a:rPr>
                               </m:ctrlPr>
                             </m:dPr>
@@ -4254,7 +4248,7 @@
                                 <m:sSubPr>
                                   <m:ctrlPr>
                                     <a:rPr lang="en-US" b="1" i="1" smtClean="0">
-                                      <a:latin typeface="Cambria Math"/>
+                                      <a:latin typeface="Cambria Math" panose="02040503050406030204" pitchFamily="18" charset="0"/>
                                     </a:rPr>
                                   </m:ctrlPr>
                                 </m:sSubPr>
@@ -4285,7 +4279,7 @@
                                 <m:sSubPr>
                                   <m:ctrlPr>
                                     <a:rPr lang="en-US" b="0" i="1" smtClean="0">
-                                      <a:latin typeface="Cambria Math"/>
+                                      <a:latin typeface="Cambria Math" panose="02040503050406030204" pitchFamily="18" charset="0"/>
                                     </a:rPr>
                                   </m:ctrlPr>
                                 </m:sSubPr>
@@ -4316,7 +4310,7 @@
                                 <m:sSubPr>
                                   <m:ctrlPr>
                                     <a:rPr lang="en-US" b="0" i="1" smtClean="0">
-                                      <a:latin typeface="Cambria Math"/>
+                                      <a:latin typeface="Cambria Math" panose="02040503050406030204" pitchFamily="18" charset="0"/>
                                     </a:rPr>
                                   </m:ctrlPr>
                                 </m:sSubPr>
@@ -4347,7 +4341,7 @@
                                 <m:sSubPr>
                                   <m:ctrlPr>
                                     <a:rPr lang="en-US" b="0" i="1" smtClean="0">
-                                      <a:latin typeface="Cambria Math"/>
+                                      <a:latin typeface="Cambria Math" panose="02040503050406030204" pitchFamily="18" charset="0"/>
                                     </a:rPr>
                                   </m:ctrlPr>
                                 </m:sSubPr>
@@ -4382,7 +4376,7 @@
                         <m:funcPr>
                           <m:ctrlPr>
                             <a:rPr lang="en-US" b="0" i="1" smtClean="0">
-                              <a:latin typeface="Cambria Math"/>
+                              <a:latin typeface="Cambria Math" panose="02040503050406030204" pitchFamily="18" charset="0"/>
                             </a:rPr>
                           </m:ctrlPr>
                         </m:funcPr>
@@ -4404,7 +4398,7 @@
                               <m:endChr m:val="]"/>
                               <m:ctrlPr>
                                 <a:rPr lang="en-US" b="0" i="1" smtClean="0">
-                                  <a:latin typeface="Cambria Math"/>
+                                  <a:latin typeface="Cambria Math" panose="02040503050406030204" pitchFamily="18" charset="0"/>
                                 </a:rPr>
                               </m:ctrlPr>
                             </m:dPr>
@@ -4413,7 +4407,7 @@
                                 <m:sSubPr>
                                   <m:ctrlPr>
                                     <a:rPr lang="en-US" b="1" i="1" smtClean="0">
-                                      <a:latin typeface="Cambria Math"/>
+                                      <a:latin typeface="Cambria Math" panose="02040503050406030204" pitchFamily="18" charset="0"/>
                                     </a:rPr>
                                   </m:ctrlPr>
                                 </m:sSubPr>
@@ -4444,7 +4438,7 @@
                                 <m:sSubPr>
                                   <m:ctrlPr>
                                     <a:rPr lang="en-US" b="0" i="1" smtClean="0">
-                                      <a:latin typeface="Cambria Math"/>
+                                      <a:latin typeface="Cambria Math" panose="02040503050406030204" pitchFamily="18" charset="0"/>
                                     </a:rPr>
                                   </m:ctrlPr>
                                 </m:sSubPr>
@@ -4473,7 +4467,7 @@
                         <m:funcPr>
                           <m:ctrlPr>
                             <a:rPr lang="en-US" b="0" i="1" smtClean="0">
-                              <a:latin typeface="Cambria Math"/>
+                              <a:latin typeface="Cambria Math" panose="02040503050406030204" pitchFamily="18" charset="0"/>
                             </a:rPr>
                           </m:ctrlPr>
                         </m:funcPr>
@@ -4495,7 +4489,7 @@
                               <m:endChr m:val="]"/>
                               <m:ctrlPr>
                                 <a:rPr lang="en-US" b="0" i="1" smtClean="0">
-                                  <a:latin typeface="Cambria Math"/>
+                                  <a:latin typeface="Cambria Math" panose="02040503050406030204" pitchFamily="18" charset="0"/>
                                 </a:rPr>
                               </m:ctrlPr>
                             </m:dPr>
@@ -4504,7 +4498,7 @@
                                 <m:sSubPr>
                                   <m:ctrlPr>
                                     <a:rPr lang="en-US" b="1" i="1" smtClean="0">
-                                      <a:latin typeface="Cambria Math"/>
+                                      <a:latin typeface="Cambria Math" panose="02040503050406030204" pitchFamily="18" charset="0"/>
                                     </a:rPr>
                                   </m:ctrlPr>
                                 </m:sSubPr>
@@ -4535,7 +4529,7 @@
                                 <m:sSubPr>
                                   <m:ctrlPr>
                                     <a:rPr lang="en-US" b="0" i="1" smtClean="0">
-                                      <a:latin typeface="Cambria Math"/>
+                                      <a:latin typeface="Cambria Math" panose="02040503050406030204" pitchFamily="18" charset="0"/>
                                     </a:rPr>
                                   </m:ctrlPr>
                                 </m:sSubPr>
@@ -4571,7 +4565,7 @@
             </p:txBody>
           </p:sp>
         </mc:Choice>
-        <mc:Fallback>
+        <mc:Fallback xmlns="">
           <p:sp>
             <p:nvSpPr>
               <p:cNvPr id="3" name="Content Placeholder 2"/>
@@ -4993,8 +4987,8 @@
           </a:p>
         </p:txBody>
       </p:sp>
-      <mc:AlternateContent xmlns:mc="http://schemas.openxmlformats.org/markup-compatibility/2006">
-        <mc:Choice xmlns:a14="http://schemas.microsoft.com/office/drawing/2010/main" Requires="a14">
+      <mc:AlternateContent xmlns:mc="http://schemas.openxmlformats.org/markup-compatibility/2006" xmlns:a14="http://schemas.microsoft.com/office/drawing/2010/main">
+        <mc:Choice Requires="a14">
           <p:sp>
             <p:nvSpPr>
               <p:cNvPr id="3" name="Content Placeholder 2"/>
@@ -5081,19 +5075,7 @@
                 <a:pPr lvl="1"/>
                 <a:r>
                   <a:rPr lang="en-US" dirty="0" smtClean="0"/>
-                  <a:t>Is </a:t>
-                </a:r>
-                <a:r>
-                  <a:rPr lang="en-US" dirty="0" smtClean="0"/>
-                  <a:t>probability </a:t>
-                </a:r>
-                <a:r>
-                  <a:rPr lang="en-US" dirty="0" smtClean="0"/>
-                  <a:t>of </a:t>
-                </a:r>
-                <a:r>
-                  <a:rPr lang="en-US" dirty="0" smtClean="0"/>
-                  <a:t>all defaulting </a:t>
+                  <a:t>Is probability of all defaulting </a:t>
                 </a:r>
                 <a14:m>
                   <m:oMath xmlns:m="http://schemas.openxmlformats.org/officeDocument/2006/math">
@@ -5101,7 +5083,7 @@
                       <m:sSupPr>
                         <m:ctrlPr>
                           <a:rPr lang="en-US" i="1" dirty="0" smtClean="0">
-                            <a:latin typeface="Cambria Math"/>
+                            <a:latin typeface="Cambria Math" panose="02040503050406030204" pitchFamily="18" charset="0"/>
                           </a:rPr>
                         </m:ctrlPr>
                       </m:sSupPr>
@@ -5110,7 +5092,7 @@
                           <m:dPr>
                             <m:ctrlPr>
                               <a:rPr lang="en-US" i="1" dirty="0" smtClean="0">
-                                <a:latin typeface="Cambria Math"/>
+                                <a:latin typeface="Cambria Math" panose="02040503050406030204" pitchFamily="18" charset="0"/>
                               </a:rPr>
                             </m:ctrlPr>
                           </m:dPr>
@@ -5143,7 +5125,7 @@
                       <m:sSupPr>
                         <m:ctrlPr>
                           <a:rPr lang="en-US" b="0" i="1" dirty="0" smtClean="0">
-                            <a:latin typeface="Cambria Math"/>
+                            <a:latin typeface="Cambria Math" panose="02040503050406030204" pitchFamily="18" charset="0"/>
                           </a:rPr>
                         </m:ctrlPr>
                       </m:sSupPr>
@@ -5189,7 +5171,7 @@
             </p:txBody>
           </p:sp>
         </mc:Choice>
-        <mc:Fallback>
+        <mc:Fallback xmlns="">
           <p:sp>
             <p:nvSpPr>
               <p:cNvPr id="3" name="Content Placeholder 2"/>
@@ -5845,7 +5827,7 @@
                       <m:sSubPr>
                         <m:ctrlPr>
                           <a:rPr lang="en-US" b="0" i="1" smtClean="0">
-                            <a:latin typeface="Cambria Math"/>
+                            <a:latin typeface="Cambria Math" panose="02040503050406030204" pitchFamily="18" charset="0"/>
                           </a:rPr>
                         </m:ctrlPr>
                       </m:sSubPr>
@@ -5878,7 +5860,7 @@
                       <m:sSubPr>
                         <m:ctrlPr>
                           <a:rPr lang="en-US" b="0" i="1" smtClean="0">
-                            <a:latin typeface="Cambria Math"/>
+                            <a:latin typeface="Cambria Math" panose="02040503050406030204" pitchFamily="18" charset="0"/>
                           </a:rPr>
                         </m:ctrlPr>
                       </m:sSubPr>
@@ -5920,7 +5902,7 @@
                         <m:funcPr>
                           <m:ctrlPr>
                             <a:rPr lang="en-US" b="0" i="1" smtClean="0">
-                              <a:latin typeface="Cambria Math"/>
+                              <a:latin typeface="Cambria Math" panose="02040503050406030204" pitchFamily="18" charset="0"/>
                             </a:rPr>
                           </m:ctrlPr>
                         </m:funcPr>
@@ -5942,7 +5924,7 @@
                               <m:endChr m:val="]"/>
                               <m:ctrlPr>
                                 <a:rPr lang="en-US" b="0" i="1" smtClean="0">
-                                  <a:latin typeface="Cambria Math"/>
+                                  <a:latin typeface="Cambria Math" panose="02040503050406030204" pitchFamily="18" charset="0"/>
                                 </a:rPr>
                               </m:ctrlPr>
                             </m:dPr>
@@ -5951,7 +5933,7 @@
                                 <m:sSubPr>
                                   <m:ctrlPr>
                                     <a:rPr lang="en-US" b="0" i="1" smtClean="0">
-                                      <a:latin typeface="Cambria Math"/>
+                                      <a:latin typeface="Cambria Math" panose="02040503050406030204" pitchFamily="18" charset="0"/>
                                     </a:rPr>
                                   </m:ctrlPr>
                                 </m:sSubPr>
@@ -5978,7 +5960,7 @@
                                 <m:sSubPr>
                                   <m:ctrlPr>
                                     <a:rPr lang="en-US" b="0" i="1" smtClean="0">
-                                      <a:latin typeface="Cambria Math"/>
+                                      <a:latin typeface="Cambria Math" panose="02040503050406030204" pitchFamily="18" charset="0"/>
                                     </a:rPr>
                                   </m:ctrlPr>
                                 </m:sSubPr>
@@ -6013,7 +5995,7 @@
                         <m:fPr>
                           <m:ctrlPr>
                             <a:rPr lang="en-US" b="0" i="1" smtClean="0">
-                              <a:latin typeface="Cambria Math"/>
+                              <a:latin typeface="Cambria Math" panose="02040503050406030204" pitchFamily="18" charset="0"/>
                             </a:rPr>
                           </m:ctrlPr>
                         </m:fPr>
@@ -6037,7 +6019,7 @@
                             <m:sSubPr>
                               <m:ctrlPr>
                                 <a:rPr lang="en-US" b="0" i="1" smtClean="0">
-                                  <a:latin typeface="Cambria Math"/>
+                                  <a:latin typeface="Cambria Math" panose="02040503050406030204" pitchFamily="18" charset="0"/>
                                 </a:rPr>
                               </m:ctrlPr>
                             </m:sSubPr>
@@ -6080,7 +6062,7 @@
                             <m:sSubPr>
                               <m:ctrlPr>
                                 <a:rPr lang="en-US" b="0" i="1" smtClean="0">
-                                  <a:latin typeface="Cambria Math"/>
+                                  <a:latin typeface="Cambria Math" panose="02040503050406030204" pitchFamily="18" charset="0"/>
                                 </a:rPr>
                               </m:ctrlPr>
                             </m:sSubPr>
@@ -6128,7 +6110,7 @@
                             <m:sSubPr>
                               <m:ctrlPr>
                                 <a:rPr lang="en-US" b="0" i="1" smtClean="0">
-                                  <a:latin typeface="Cambria Math"/>
+                                  <a:latin typeface="Cambria Math" panose="02040503050406030204" pitchFamily="18" charset="0"/>
                                 </a:rPr>
                               </m:ctrlPr>
                             </m:sSubPr>
@@ -6190,7 +6172,7 @@
                         <m:funcPr>
                           <m:ctrlPr>
                             <a:rPr lang="en-US" b="0" i="1" smtClean="0">
-                              <a:latin typeface="Cambria Math"/>
+                              <a:latin typeface="Cambria Math" panose="02040503050406030204" pitchFamily="18" charset="0"/>
                             </a:rPr>
                           </m:ctrlPr>
                         </m:funcPr>
@@ -6212,7 +6194,7 @@
                               <m:endChr m:val="]"/>
                               <m:ctrlPr>
                                 <a:rPr lang="en-US" b="0" i="1" smtClean="0">
-                                  <a:latin typeface="Cambria Math"/>
+                                  <a:latin typeface="Cambria Math" panose="02040503050406030204" pitchFamily="18" charset="0"/>
                                 </a:rPr>
                               </m:ctrlPr>
                             </m:dPr>
@@ -6221,7 +6203,7 @@
                                 <m:sSubPr>
                                   <m:ctrlPr>
                                     <a:rPr lang="en-US" b="0" i="1" smtClean="0">
-                                      <a:latin typeface="Cambria Math"/>
+                                      <a:latin typeface="Cambria Math" panose="02040503050406030204" pitchFamily="18" charset="0"/>
                                     </a:rPr>
                                   </m:ctrlPr>
                                 </m:sSubPr>
@@ -6252,7 +6234,7 @@
                                 <m:sSubPr>
                                   <m:ctrlPr>
                                     <a:rPr lang="en-US" b="0" i="1" smtClean="0">
-                                      <a:latin typeface="Cambria Math"/>
+                                      <a:latin typeface="Cambria Math" panose="02040503050406030204" pitchFamily="18" charset="0"/>
                                     </a:rPr>
                                   </m:ctrlPr>
                                 </m:sSubPr>
@@ -6283,7 +6265,7 @@
                                 <m:sSubPr>
                                   <m:ctrlPr>
                                     <a:rPr lang="en-US" b="0" i="1" smtClean="0">
-                                      <a:latin typeface="Cambria Math"/>
+                                      <a:latin typeface="Cambria Math" panose="02040503050406030204" pitchFamily="18" charset="0"/>
                                     </a:rPr>
                                   </m:ctrlPr>
                                 </m:sSubPr>
@@ -6314,7 +6296,7 @@
                                 <m:sSubPr>
                                   <m:ctrlPr>
                                     <a:rPr lang="en-US" b="0" i="1" smtClean="0">
-                                      <a:latin typeface="Cambria Math"/>
+                                      <a:latin typeface="Cambria Math" panose="02040503050406030204" pitchFamily="18" charset="0"/>
                                     </a:rPr>
                                   </m:ctrlPr>
                                 </m:sSubPr>
@@ -6362,7 +6344,7 @@
                       <m:fPr>
                         <m:ctrlPr>
                           <a:rPr lang="en-US" b="0" i="1" smtClean="0">
-                            <a:latin typeface="Cambria Math"/>
+                            <a:latin typeface="Cambria Math" panose="02040503050406030204" pitchFamily="18" charset="0"/>
                           </a:rPr>
                         </m:ctrlPr>
                       </m:fPr>
@@ -6386,7 +6368,7 @@
                           <m:sSubPr>
                             <m:ctrlPr>
                               <a:rPr lang="en-US" b="0" i="1" smtClean="0">
-                                <a:latin typeface="Cambria Math"/>
+                                <a:latin typeface="Cambria Math" panose="02040503050406030204" pitchFamily="18" charset="0"/>
                               </a:rPr>
                             </m:ctrlPr>
                           </m:sSubPr>
@@ -6417,7 +6399,7 @@
                           <m:sSubPr>
                             <m:ctrlPr>
                               <a:rPr lang="en-US" b="0" i="1" smtClean="0">
-                                <a:latin typeface="Cambria Math"/>
+                                <a:latin typeface="Cambria Math" panose="02040503050406030204" pitchFamily="18" charset="0"/>
                               </a:rPr>
                             </m:ctrlPr>
                           </m:sSubPr>
@@ -6460,7 +6442,7 @@
                           <m:sSubPr>
                             <m:ctrlPr>
                               <a:rPr lang="en-US" b="0" i="1" smtClean="0">
-                                <a:latin typeface="Cambria Math"/>
+                                <a:latin typeface="Cambria Math" panose="02040503050406030204" pitchFamily="18" charset="0"/>
                               </a:rPr>
                             </m:ctrlPr>
                           </m:sSubPr>
@@ -6491,7 +6473,7 @@
                           <m:sSubPr>
                             <m:ctrlPr>
                               <a:rPr lang="en-US" b="0" i="1" smtClean="0">
-                                <a:latin typeface="Cambria Math"/>
+                                <a:latin typeface="Cambria Math" panose="02040503050406030204" pitchFamily="18" charset="0"/>
                               </a:rPr>
                             </m:ctrlPr>
                           </m:sSubPr>
@@ -6524,7 +6506,7 @@
                           <m:funcPr>
                             <m:ctrlPr>
                               <a:rPr lang="en-US" b="0" i="1" smtClean="0">
-                                <a:latin typeface="Cambria Math"/>
+                                <a:latin typeface="Cambria Math" panose="02040503050406030204" pitchFamily="18" charset="0"/>
                               </a:rPr>
                             </m:ctrlPr>
                           </m:funcPr>
@@ -6546,7 +6528,7 @@
                                 <m:endChr m:val="]"/>
                                 <m:ctrlPr>
                                   <a:rPr lang="en-US" b="0" i="1" smtClean="0">
-                                    <a:latin typeface="Cambria Math"/>
+                                    <a:latin typeface="Cambria Math" panose="02040503050406030204" pitchFamily="18" charset="0"/>
                                   </a:rPr>
                                 </m:ctrlPr>
                               </m:dPr>
@@ -6555,7 +6537,7 @@
                                   <m:sSubPr>
                                     <m:ctrlPr>
                                       <a:rPr lang="en-US" b="0" i="1" smtClean="0">
-                                        <a:latin typeface="Cambria Math"/>
+                                        <a:latin typeface="Cambria Math" panose="02040503050406030204" pitchFamily="18" charset="0"/>
                                       </a:rPr>
                                     </m:ctrlPr>
                                   </m:sSubPr>
@@ -6586,7 +6568,7 @@
                                   <m:sSubPr>
                                     <m:ctrlPr>
                                       <a:rPr lang="en-US" b="0" i="1" smtClean="0">
-                                        <a:latin typeface="Cambria Math"/>
+                                        <a:latin typeface="Cambria Math" panose="02040503050406030204" pitchFamily="18" charset="0"/>
                                       </a:rPr>
                                     </m:ctrlPr>
                                   </m:sSubPr>
@@ -6650,7 +6632,7 @@
                       <m:fPr>
                         <m:ctrlPr>
                           <a:rPr lang="en-US" b="0" i="1" smtClean="0">
-                            <a:latin typeface="Cambria Math"/>
+                            <a:latin typeface="Cambria Math" panose="02040503050406030204" pitchFamily="18" charset="0"/>
                           </a:rPr>
                         </m:ctrlPr>
                       </m:fPr>
@@ -6659,7 +6641,7 @@
                           <m:funcPr>
                             <m:ctrlPr>
                               <a:rPr lang="en-US" b="0" i="1" smtClean="0">
-                                <a:latin typeface="Cambria Math"/>
+                                <a:latin typeface="Cambria Math" panose="02040503050406030204" pitchFamily="18" charset="0"/>
                               </a:rPr>
                             </m:ctrlPr>
                           </m:funcPr>
@@ -6681,7 +6663,7 @@
                                 <m:endChr m:val="]"/>
                                 <m:ctrlPr>
                                   <a:rPr lang="en-US" b="0" i="1" smtClean="0">
-                                    <a:latin typeface="Cambria Math"/>
+                                    <a:latin typeface="Cambria Math" panose="02040503050406030204" pitchFamily="18" charset="0"/>
                                   </a:rPr>
                                 </m:ctrlPr>
                               </m:dPr>
@@ -6690,7 +6672,7 @@
                                   <m:sSubPr>
                                     <m:ctrlPr>
                                       <a:rPr lang="en-US" b="0" i="1" smtClean="0">
-                                        <a:latin typeface="Cambria Math"/>
+                                        <a:latin typeface="Cambria Math" panose="02040503050406030204" pitchFamily="18" charset="0"/>
                                       </a:rPr>
                                     </m:ctrlPr>
                                   </m:sSubPr>
@@ -6721,7 +6703,7 @@
                                   <m:sSubPr>
                                     <m:ctrlPr>
                                       <a:rPr lang="en-US" b="0" i="1" smtClean="0">
-                                        <a:latin typeface="Cambria Math"/>
+                                        <a:latin typeface="Cambria Math" panose="02040503050406030204" pitchFamily="18" charset="0"/>
                                       </a:rPr>
                                     </m:ctrlPr>
                                   </m:sSubPr>
@@ -6756,7 +6738,7 @@
                                 <m:endChr m:val="]"/>
                                 <m:ctrlPr>
                                   <a:rPr lang="en-US" b="0" i="1" smtClean="0">
-                                    <a:latin typeface="Cambria Math"/>
+                                    <a:latin typeface="Cambria Math" panose="02040503050406030204" pitchFamily="18" charset="0"/>
                                   </a:rPr>
                                 </m:ctrlPr>
                               </m:dPr>
@@ -6765,7 +6747,7 @@
                                   <m:sSubPr>
                                     <m:ctrlPr>
                                       <a:rPr lang="en-US" b="0" i="1" smtClean="0">
-                                        <a:latin typeface="Cambria Math"/>
+                                        <a:latin typeface="Cambria Math" panose="02040503050406030204" pitchFamily="18" charset="0"/>
                                       </a:rPr>
                                     </m:ctrlPr>
                                   </m:sSubPr>
@@ -6796,7 +6778,7 @@
                                   <m:sSubPr>
                                     <m:ctrlPr>
                                       <a:rPr lang="en-US" b="0" i="1" smtClean="0">
-                                        <a:latin typeface="Cambria Math"/>
+                                        <a:latin typeface="Cambria Math" panose="02040503050406030204" pitchFamily="18" charset="0"/>
                                       </a:rPr>
                                     </m:ctrlPr>
                                   </m:sSubPr>
@@ -6842,7 +6824,7 @@
                           <m:sSubPr>
                             <m:ctrlPr>
                               <a:rPr lang="en-US" b="0" i="1" smtClean="0">
-                                <a:latin typeface="Cambria Math"/>
+                                <a:latin typeface="Cambria Math" panose="02040503050406030204" pitchFamily="18" charset="0"/>
                               </a:rPr>
                             </m:ctrlPr>
                           </m:sSubPr>
@@ -6873,7 +6855,7 @@
                           <m:sSubPr>
                             <m:ctrlPr>
                               <a:rPr lang="en-US" b="0" i="1" smtClean="0">
-                                <a:latin typeface="Cambria Math"/>
+                                <a:latin typeface="Cambria Math" panose="02040503050406030204" pitchFamily="18" charset="0"/>
                               </a:rPr>
                             </m:ctrlPr>
                           </m:sSubPr>
@@ -6946,7 +6928,7 @@
                       <m:sSubPr>
                         <m:ctrlPr>
                           <a:rPr lang="en-US" b="0" i="1" dirty="0" smtClean="0">
-                            <a:latin typeface="Cambria Math"/>
+                            <a:latin typeface="Cambria Math" panose="02040503050406030204" pitchFamily="18" charset="0"/>
                           </a:rPr>
                         </m:ctrlPr>
                       </m:sSubPr>
@@ -6977,7 +6959,7 @@
                       <m:sSubPr>
                         <m:ctrlPr>
                           <a:rPr lang="en-US" b="0" i="1" dirty="0" smtClean="0">
-                            <a:latin typeface="Cambria Math"/>
+                            <a:latin typeface="Cambria Math" panose="02040503050406030204" pitchFamily="18" charset="0"/>
                           </a:rPr>
                         </m:ctrlPr>
                       </m:sSubPr>
@@ -7586,7 +7568,7 @@
                       <m:sSubPr>
                         <m:ctrlPr>
                           <a:rPr lang="en-US" b="0" i="1" smtClean="0">
-                            <a:latin typeface="Cambria Math"/>
+                            <a:latin typeface="Cambria Math" panose="02040503050406030204" pitchFamily="18" charset="0"/>
                           </a:rPr>
                         </m:ctrlPr>
                       </m:sSubPr>
@@ -7617,7 +7599,7 @@
                       <m:sSubPr>
                         <m:ctrlPr>
                           <a:rPr lang="en-US" b="0" i="1" smtClean="0">
-                            <a:latin typeface="Cambria Math"/>
+                            <a:latin typeface="Cambria Math" panose="02040503050406030204" pitchFamily="18" charset="0"/>
                           </a:rPr>
                         </m:ctrlPr>
                       </m:sSubPr>
@@ -7659,7 +7641,7 @@
                         <m:funcPr>
                           <m:ctrlPr>
                             <a:rPr lang="en-US" b="0" i="1" smtClean="0">
-                              <a:latin typeface="Cambria Math"/>
+                              <a:latin typeface="Cambria Math" panose="02040503050406030204" pitchFamily="18" charset="0"/>
                             </a:rPr>
                           </m:ctrlPr>
                         </m:funcPr>
@@ -7681,7 +7663,7 @@
                               <m:endChr m:val="]"/>
                               <m:ctrlPr>
                                 <a:rPr lang="en-US" b="0" i="1" smtClean="0">
-                                  <a:latin typeface="Cambria Math"/>
+                                  <a:latin typeface="Cambria Math" panose="02040503050406030204" pitchFamily="18" charset="0"/>
                                 </a:rPr>
                               </m:ctrlPr>
                             </m:dPr>
@@ -7690,7 +7672,7 @@
                                 <m:sSubPr>
                                   <m:ctrlPr>
                                     <a:rPr lang="en-US" b="0" i="1" smtClean="0">
-                                      <a:latin typeface="Cambria Math"/>
+                                      <a:latin typeface="Cambria Math" panose="02040503050406030204" pitchFamily="18" charset="0"/>
                                     </a:rPr>
                                   </m:ctrlPr>
                                 </m:sSubPr>
@@ -7727,7 +7709,7 @@
                                 <m:sSubPr>
                                   <m:ctrlPr>
                                     <a:rPr lang="en-US" b="0" i="1" smtClean="0">
-                                      <a:latin typeface="Cambria Math"/>
+                                      <a:latin typeface="Cambria Math" panose="02040503050406030204" pitchFamily="18" charset="0"/>
                                     </a:rPr>
                                   </m:ctrlPr>
                                 </m:sSubPr>
@@ -7776,7 +7758,7 @@
                                 <m:sSubPr>
                                   <m:ctrlPr>
                                     <a:rPr lang="en-US" b="0" i="1" smtClean="0">
-                                      <a:latin typeface="Cambria Math"/>
+                                      <a:latin typeface="Cambria Math" panose="02040503050406030204" pitchFamily="18" charset="0"/>
                                     </a:rPr>
                                   </m:ctrlPr>
                                 </m:sSubPr>
@@ -7817,7 +7799,7 @@
                         <m:funcPr>
                           <m:ctrlPr>
                             <a:rPr lang="en-US" b="0" i="1" smtClean="0">
-                              <a:latin typeface="Cambria Math"/>
+                              <a:latin typeface="Cambria Math" panose="02040503050406030204" pitchFamily="18" charset="0"/>
                             </a:rPr>
                           </m:ctrlPr>
                         </m:funcPr>
@@ -7839,7 +7821,7 @@
                               <m:endChr m:val="]"/>
                               <m:ctrlPr>
                                 <a:rPr lang="en-US" b="0" i="1" smtClean="0">
-                                  <a:latin typeface="Cambria Math"/>
+                                  <a:latin typeface="Cambria Math" panose="02040503050406030204" pitchFamily="18" charset="0"/>
                                 </a:rPr>
                               </m:ctrlPr>
                             </m:dPr>
@@ -7848,7 +7830,7 @@
                                 <m:sSubPr>
                                   <m:ctrlPr>
                                     <a:rPr lang="en-US" b="0" i="1" smtClean="0">
-                                      <a:latin typeface="Cambria Math"/>
+                                      <a:latin typeface="Cambria Math" panose="02040503050406030204" pitchFamily="18" charset="0"/>
                                     </a:rPr>
                                   </m:ctrlPr>
                                 </m:sSubPr>
@@ -7883,7 +7865,7 @@
                         <m:funcPr>
                           <m:ctrlPr>
                             <a:rPr lang="en-US" b="0" i="1" smtClean="0">
-                              <a:latin typeface="Cambria Math"/>
+                              <a:latin typeface="Cambria Math" panose="02040503050406030204" pitchFamily="18" charset="0"/>
                             </a:rPr>
                           </m:ctrlPr>
                         </m:funcPr>
@@ -7905,7 +7887,7 @@
                               <m:endChr m:val="]"/>
                               <m:ctrlPr>
                                 <a:rPr lang="en-US" b="0" i="1" smtClean="0">
-                                  <a:latin typeface="Cambria Math"/>
+                                  <a:latin typeface="Cambria Math" panose="02040503050406030204" pitchFamily="18" charset="0"/>
                                 </a:rPr>
                               </m:ctrlPr>
                             </m:dPr>
@@ -7914,7 +7896,7 @@
                                 <m:sSubPr>
                                   <m:ctrlPr>
                                     <a:rPr lang="en-US" b="0" i="1" smtClean="0">
-                                      <a:latin typeface="Cambria Math"/>
+                                      <a:latin typeface="Cambria Math" panose="02040503050406030204" pitchFamily="18" charset="0"/>
                                     </a:rPr>
                                   </m:ctrlPr>
                                 </m:sSubPr>
@@ -7976,7 +7958,7 @@
                         <m:sSubPr>
                           <m:ctrlPr>
                             <a:rPr lang="en-US" b="0" i="1" smtClean="0">
-                              <a:latin typeface="Cambria Math"/>
+                              <a:latin typeface="Cambria Math" panose="02040503050406030204" pitchFamily="18" charset="0"/>
                             </a:rPr>
                           </m:ctrlPr>
                         </m:sSubPr>
@@ -8047,7 +8029,7 @@
                       <m:funcPr>
                         <m:ctrlPr>
                           <a:rPr lang="en-US" b="0" i="1" smtClean="0">
-                            <a:latin typeface="Cambria Math"/>
+                            <a:latin typeface="Cambria Math" panose="02040503050406030204" pitchFamily="18" charset="0"/>
                           </a:rPr>
                         </m:ctrlPr>
                       </m:funcPr>
@@ -8069,7 +8051,7 @@
                             <m:endChr m:val="]"/>
                             <m:ctrlPr>
                               <a:rPr lang="en-US" b="0" i="1" smtClean="0">
-                                <a:latin typeface="Cambria Math"/>
+                                <a:latin typeface="Cambria Math" panose="02040503050406030204" pitchFamily="18" charset="0"/>
                               </a:rPr>
                             </m:ctrlPr>
                           </m:dPr>
@@ -8078,7 +8060,7 @@
                               <m:sSubPr>
                                 <m:ctrlPr>
                                   <a:rPr lang="en-US" b="0" i="1" smtClean="0">
-                                    <a:latin typeface="Cambria Math"/>
+                                    <a:latin typeface="Cambria Math" panose="02040503050406030204" pitchFamily="18" charset="0"/>
                                   </a:rPr>
                                 </m:ctrlPr>
                               </m:sSubPr>
@@ -8121,7 +8103,7 @@
                               <m:sSubPr>
                                 <m:ctrlPr>
                                   <a:rPr lang="en-US" b="0" i="1" smtClean="0">
-                                    <a:latin typeface="Cambria Math"/>
+                                    <a:latin typeface="Cambria Math" panose="02040503050406030204" pitchFamily="18" charset="0"/>
                                   </a:rPr>
                                 </m:ctrlPr>
                               </m:sSubPr>
@@ -8170,7 +8152,7 @@
                               <m:sSubPr>
                                 <m:ctrlPr>
                                   <a:rPr lang="en-US" b="0" i="1" smtClean="0">
-                                    <a:latin typeface="Cambria Math"/>
+                                    <a:latin typeface="Cambria Math" panose="02040503050406030204" pitchFamily="18" charset="0"/>
                                   </a:rPr>
                                 </m:ctrlPr>
                               </m:sSubPr>
@@ -8210,7 +8192,7 @@
                             <m:chr m:val="∏"/>
                             <m:ctrlPr>
                               <a:rPr lang="en-US" b="0" i="1" smtClean="0">
-                                <a:latin typeface="Cambria Math"/>
+                                <a:latin typeface="Cambria Math" panose="02040503050406030204" pitchFamily="18" charset="0"/>
                               </a:rPr>
                             </m:ctrlPr>
                           </m:naryPr>
@@ -8247,7 +8229,7 @@
                               <m:funcPr>
                                 <m:ctrlPr>
                                   <a:rPr lang="en-US" b="0" i="1" smtClean="0">
-                                    <a:latin typeface="Cambria Math"/>
+                                    <a:latin typeface="Cambria Math" panose="02040503050406030204" pitchFamily="18" charset="0"/>
                                   </a:rPr>
                                 </m:ctrlPr>
                               </m:funcPr>
@@ -8269,7 +8251,7 @@
                                     <m:endChr m:val="]"/>
                                     <m:ctrlPr>
                                       <a:rPr lang="en-US" b="0" i="1" smtClean="0">
-                                        <a:latin typeface="Cambria Math"/>
+                                        <a:latin typeface="Cambria Math" panose="02040503050406030204" pitchFamily="18" charset="0"/>
                                       </a:rPr>
                                     </m:ctrlPr>
                                   </m:dPr>
@@ -8278,7 +8260,7 @@
                                       <m:sSubPr>
                                         <m:ctrlPr>
                                           <a:rPr lang="en-US" b="0" i="1" smtClean="0">
-                                            <a:latin typeface="Cambria Math"/>
+                                            <a:latin typeface="Cambria Math" panose="02040503050406030204" pitchFamily="18" charset="0"/>
                                           </a:rPr>
                                         </m:ctrlPr>
                                       </m:sSubPr>
@@ -8700,7 +8682,7 @@
                           <m:endChr m:val="]"/>
                           <m:ctrlPr>
                             <a:rPr lang="en-US" b="0" i="1" smtClean="0">
-                              <a:latin typeface="Cambria Math"/>
+                              <a:latin typeface="Cambria Math" panose="02040503050406030204" pitchFamily="18" charset="0"/>
                             </a:rPr>
                           </m:ctrlPr>
                         </m:dPr>
@@ -8710,7 +8692,7 @@
                               <m:chr m:val="∑"/>
                               <m:ctrlPr>
                                 <a:rPr lang="en-US" b="0" i="1" smtClean="0">
-                                  <a:latin typeface="Cambria Math"/>
+                                  <a:latin typeface="Cambria Math" panose="02040503050406030204" pitchFamily="18" charset="0"/>
                                 </a:rPr>
                               </m:ctrlPr>
                             </m:naryPr>
@@ -8741,7 +8723,7 @@
                                 <m:sSubPr>
                                   <m:ctrlPr>
                                     <a:rPr lang="en-US" b="0" i="1" smtClean="0">
-                                      <a:latin typeface="Cambria Math"/>
+                                      <a:latin typeface="Cambria Math" panose="02040503050406030204" pitchFamily="18" charset="0"/>
                                     </a:rPr>
                                   </m:ctrlPr>
                                 </m:sSubPr>
@@ -8777,7 +8759,7 @@
                           <m:chr m:val="∑"/>
                           <m:ctrlPr>
                             <a:rPr lang="en-US" b="0" i="1" smtClean="0">
-                              <a:latin typeface="Cambria Math"/>
+                              <a:latin typeface="Cambria Math" panose="02040503050406030204" pitchFamily="18" charset="0"/>
                             </a:rPr>
                           </m:ctrlPr>
                         </m:naryPr>
@@ -8825,7 +8807,7 @@
                             <m:sSubPr>
                               <m:ctrlPr>
                                 <a:rPr lang="en-US" b="0" i="1" dirty="0" smtClean="0">
-                                  <a:latin typeface="Cambria Math"/>
+                                  <a:latin typeface="Cambria Math" panose="02040503050406030204" pitchFamily="18" charset="0"/>
                                   <a:ea typeface="Cambria Math"/>
                                 </a:rPr>
                               </m:ctrlPr>
@@ -8914,7 +8896,7 @@
                           <m:endChr m:val="]"/>
                           <m:ctrlPr>
                             <a:rPr lang="en-US" b="0" i="1" smtClean="0">
-                              <a:latin typeface="Cambria Math"/>
+                              <a:latin typeface="Cambria Math" panose="02040503050406030204" pitchFamily="18" charset="0"/>
                               <a:ea typeface="Cambria Math" panose="02040503050406030204" pitchFamily="18" charset="0"/>
                             </a:rPr>
                           </m:ctrlPr>
@@ -8925,7 +8907,7 @@
                               <m:chr m:val="∑"/>
                               <m:ctrlPr>
                                 <a:rPr lang="en-US" b="0" i="1" smtClean="0">
-                                  <a:latin typeface="Cambria Math"/>
+                                  <a:latin typeface="Cambria Math" panose="02040503050406030204" pitchFamily="18" charset="0"/>
                                   <a:ea typeface="Cambria Math" panose="02040503050406030204" pitchFamily="18" charset="0"/>
                                 </a:rPr>
                               </m:ctrlPr>
@@ -8960,7 +8942,7 @@
                                 <m:sSubPr>
                                   <m:ctrlPr>
                                     <a:rPr lang="en-US" b="0" i="1" smtClean="0">
-                                      <a:latin typeface="Cambria Math"/>
+                                      <a:latin typeface="Cambria Math" panose="02040503050406030204" pitchFamily="18" charset="0"/>
                                       <a:ea typeface="Cambria Math" panose="02040503050406030204" pitchFamily="18" charset="0"/>
                                     </a:rPr>
                                   </m:ctrlPr>
@@ -9000,7 +8982,7 @@
                           <m:chr m:val="∑"/>
                           <m:ctrlPr>
                             <a:rPr lang="en-US" b="0" i="1" smtClean="0">
-                              <a:latin typeface="Cambria Math"/>
+                              <a:latin typeface="Cambria Math" panose="02040503050406030204" pitchFamily="18" charset="0"/>
                               <a:ea typeface="Cambria Math" panose="02040503050406030204" pitchFamily="18" charset="0"/>
                             </a:rPr>
                           </m:ctrlPr>
@@ -9063,7 +9045,7 @@
                             <m:sSubPr>
                               <m:ctrlPr>
                                 <a:rPr lang="en-US" b="0" i="1" dirty="0" smtClean="0">
-                                  <a:latin typeface="Cambria Math"/>
+                                  <a:latin typeface="Cambria Math" panose="02040503050406030204" pitchFamily="18" charset="0"/>
                                   <a:ea typeface="Cambria Math" panose="02040503050406030204" pitchFamily="18" charset="0"/>
                                 </a:rPr>
                               </m:ctrlPr>
@@ -9820,8 +9802,8 @@
           </a:p>
         </p:txBody>
       </p:sp>
-      <mc:AlternateContent xmlns:mc="http://schemas.openxmlformats.org/markup-compatibility/2006">
-        <mc:Choice xmlns:a14="http://schemas.microsoft.com/office/drawing/2010/main" Requires="a14">
+      <mc:AlternateContent xmlns:mc="http://schemas.openxmlformats.org/markup-compatibility/2006" xmlns:a14="http://schemas.microsoft.com/office/drawing/2010/main">
+        <mc:Choice Requires="a14">
           <p:sp>
             <p:nvSpPr>
               <p:cNvPr id="3" name="Content Placeholder 2"/>
@@ -9925,7 +9907,7 @@
                           <m:endChr m:val="]"/>
                           <m:ctrlPr>
                             <a:rPr lang="en-US" sz="2800" b="0" i="1" smtClean="0">
-                              <a:latin typeface="Cambria Math"/>
+                              <a:latin typeface="Cambria Math" panose="02040503050406030204" pitchFamily="18" charset="0"/>
                             </a:rPr>
                           </m:ctrlPr>
                         </m:dPr>
@@ -9966,7 +9948,7 @@
                               <m:endChr m:val="]"/>
                               <m:ctrlPr>
                                 <a:rPr lang="en-US" sz="2800" b="0" i="1" smtClean="0">
-                                  <a:latin typeface="Cambria Math"/>
+                                  <a:latin typeface="Cambria Math" panose="02040503050406030204" pitchFamily="18" charset="0"/>
                                 </a:rPr>
                               </m:ctrlPr>
                             </m:dPr>
@@ -9991,7 +9973,7 @@
                         <m:fPr>
                           <m:ctrlPr>
                             <a:rPr lang="en-US" sz="2800" b="0" i="1" smtClean="0">
-                              <a:latin typeface="Cambria Math"/>
+                              <a:latin typeface="Cambria Math" panose="02040503050406030204" pitchFamily="18" charset="0"/>
                             </a:rPr>
                           </m:ctrlPr>
                         </m:fPr>
@@ -10044,7 +10026,7 @@
                         <m:endChr m:val="]"/>
                         <m:ctrlPr>
                           <a:rPr lang="en-US" sz="2800" b="0" i="1" smtClean="0">
-                            <a:latin typeface="Cambria Math"/>
+                            <a:latin typeface="Cambria Math" panose="02040503050406030204" pitchFamily="18" charset="0"/>
                           </a:rPr>
                         </m:ctrlPr>
                       </m:dPr>
@@ -10069,7 +10051,7 @@
                         <m:supHide m:val="on"/>
                         <m:ctrlPr>
                           <a:rPr lang="en-US" sz="2800" b="0" i="1" dirty="0" smtClean="0">
-                            <a:latin typeface="Cambria Math"/>
+                            <a:latin typeface="Cambria Math" panose="02040503050406030204" pitchFamily="18" charset="0"/>
                             <a:ea typeface="Cambria Math"/>
                           </a:rPr>
                         </m:ctrlPr>
@@ -10192,7 +10174,7 @@
                         <m:chr m:val="∑"/>
                         <m:ctrlPr>
                           <a:rPr lang="en-US" sz="2800" b="0" i="1" dirty="0" smtClean="0">
-                            <a:latin typeface="Cambria Math"/>
+                            <a:latin typeface="Cambria Math" panose="02040503050406030204" pitchFamily="18" charset="0"/>
                             <a:ea typeface="Cambria Math"/>
                           </a:rPr>
                         </m:ctrlPr>
@@ -10231,7 +10213,7 @@
                             <m:endChr m:val="]"/>
                             <m:ctrlPr>
                               <a:rPr lang="en-US" sz="2800" b="0" i="1" smtClean="0">
-                                <a:latin typeface="Cambria Math"/>
+                                <a:latin typeface="Cambria Math" panose="02040503050406030204" pitchFamily="18" charset="0"/>
                               </a:rPr>
                             </m:ctrlPr>
                           </m:dPr>
@@ -10273,7 +10255,7 @@
                           <m:funcPr>
                             <m:ctrlPr>
                               <a:rPr lang="en-US" sz="2800" b="0" i="1" dirty="0" smtClean="0">
-                                <a:latin typeface="Cambria Math"/>
+                                <a:latin typeface="Cambria Math" panose="02040503050406030204" pitchFamily="18" charset="0"/>
                                 <a:ea typeface="Cambria Math"/>
                               </a:rPr>
                             </m:ctrlPr>
@@ -10297,7 +10279,7 @@
                                 <m:endChr m:val="]"/>
                                 <m:ctrlPr>
                                   <a:rPr lang="en-US" sz="2800" b="0" i="1" dirty="0" smtClean="0">
-                                    <a:latin typeface="Cambria Math"/>
+                                    <a:latin typeface="Cambria Math" panose="02040503050406030204" pitchFamily="18" charset="0"/>
                                     <a:ea typeface="Cambria Math"/>
                                   </a:rPr>
                                 </m:ctrlPr>
@@ -10357,7 +10339,7 @@
                         <m:chr m:val="∑"/>
                         <m:ctrlPr>
                           <a:rPr lang="en-US" sz="2800" b="0" i="1" dirty="0" smtClean="0">
-                            <a:latin typeface="Cambria Math"/>
+                            <a:latin typeface="Cambria Math" panose="02040503050406030204" pitchFamily="18" charset="0"/>
                             <a:ea typeface="Cambria Math"/>
                           </a:rPr>
                         </m:ctrlPr>
@@ -10396,7 +10378,7 @@
                             <m:endChr m:val="]"/>
                             <m:ctrlPr>
                               <a:rPr lang="en-US" sz="2800" b="0" i="1" smtClean="0">
-                                <a:latin typeface="Cambria Math"/>
+                                <a:latin typeface="Cambria Math" panose="02040503050406030204" pitchFamily="18" charset="0"/>
                               </a:rPr>
                             </m:ctrlPr>
                           </m:dPr>
@@ -10439,7 +10421,7 @@
                             <m:endChr m:val="]"/>
                             <m:ctrlPr>
                               <a:rPr lang="en-US" sz="2800" b="0" i="1" smtClean="0">
-                                <a:latin typeface="Cambria Math"/>
+                                <a:latin typeface="Cambria Math" panose="02040503050406030204" pitchFamily="18" charset="0"/>
                               </a:rPr>
                             </m:ctrlPr>
                           </m:dPr>
@@ -10463,7 +10445,7 @@
                           <m:funcPr>
                             <m:ctrlPr>
                               <a:rPr lang="en-US" sz="2800" b="0" i="1" dirty="0" smtClean="0">
-                                <a:latin typeface="Cambria Math"/>
+                                <a:latin typeface="Cambria Math" panose="02040503050406030204" pitchFamily="18" charset="0"/>
                                 <a:ea typeface="Cambria Math"/>
                               </a:rPr>
                             </m:ctrlPr>
@@ -10487,7 +10469,7 @@
                                 <m:endChr m:val="]"/>
                                 <m:ctrlPr>
                                   <a:rPr lang="en-US" sz="2800" b="0" i="1" dirty="0" smtClean="0">
-                                    <a:latin typeface="Cambria Math"/>
+                                    <a:latin typeface="Cambria Math" panose="02040503050406030204" pitchFamily="18" charset="0"/>
                                     <a:ea typeface="Cambria Math"/>
                                   </a:rPr>
                                 </m:ctrlPr>
@@ -10578,7 +10560,7 @@
                         <m:endChr m:val="]"/>
                         <m:ctrlPr>
                           <a:rPr lang="en-US" sz="2800" b="0" i="1" smtClean="0">
-                            <a:latin typeface="Cambria Math"/>
+                            <a:latin typeface="Cambria Math" panose="02040503050406030204" pitchFamily="18" charset="0"/>
                           </a:rPr>
                         </m:ctrlPr>
                       </m:dPr>
@@ -10635,7 +10617,7 @@
                         <m:endChr m:val="]"/>
                         <m:ctrlPr>
                           <a:rPr lang="en-US" sz="2800" b="0" i="1" smtClean="0">
-                            <a:latin typeface="Cambria Math"/>
+                            <a:latin typeface="Cambria Math" panose="02040503050406030204" pitchFamily="18" charset="0"/>
                           </a:rPr>
                         </m:ctrlPr>
                       </m:dPr>
@@ -10653,7 +10635,7 @@
                         <m:chr m:val="∑"/>
                         <m:ctrlPr>
                           <a:rPr lang="en-US" sz="2800" b="0" i="1" dirty="0" smtClean="0">
-                            <a:latin typeface="Cambria Math"/>
+                            <a:latin typeface="Cambria Math" panose="02040503050406030204" pitchFamily="18" charset="0"/>
                             <a:ea typeface="Cambria Math"/>
                           </a:rPr>
                         </m:ctrlPr>
@@ -10692,7 +10674,7 @@
                             <m:endChr m:val="]"/>
                             <m:ctrlPr>
                               <a:rPr lang="en-US" sz="2800" b="0" i="1" smtClean="0">
-                                <a:latin typeface="Cambria Math"/>
+                                <a:latin typeface="Cambria Math" panose="02040503050406030204" pitchFamily="18" charset="0"/>
                               </a:rPr>
                             </m:ctrlPr>
                           </m:dPr>
@@ -10720,7 +10702,7 @@
                           <m:funcPr>
                             <m:ctrlPr>
                               <a:rPr lang="en-US" sz="2800" b="0" i="1" dirty="0" smtClean="0">
-                                <a:latin typeface="Cambria Math"/>
+                                <a:latin typeface="Cambria Math" panose="02040503050406030204" pitchFamily="18" charset="0"/>
                                 <a:ea typeface="Cambria Math"/>
                               </a:rPr>
                             </m:ctrlPr>
@@ -10744,7 +10726,7 @@
                                 <m:endChr m:val="]"/>
                                 <m:ctrlPr>
                                   <a:rPr lang="en-US" sz="2800" b="0" i="1" dirty="0" smtClean="0">
-                                    <a:latin typeface="Cambria Math"/>
+                                    <a:latin typeface="Cambria Math" panose="02040503050406030204" pitchFamily="18" charset="0"/>
                                     <a:ea typeface="Cambria Math"/>
                                   </a:rPr>
                                 </m:ctrlPr>
@@ -10871,7 +10853,7 @@
                         <m:endChr m:val="]"/>
                         <m:ctrlPr>
                           <a:rPr lang="en-US" sz="2800" b="0" i="1" smtClean="0">
-                            <a:latin typeface="Cambria Math"/>
+                            <a:latin typeface="Cambria Math" panose="02040503050406030204" pitchFamily="18" charset="0"/>
                           </a:rPr>
                         </m:ctrlPr>
                       </m:dPr>
@@ -10888,7 +10870,7 @@
                       <m:funcPr>
                         <m:ctrlPr>
                           <a:rPr lang="en-US" sz="2800" b="0" i="1" dirty="0" smtClean="0">
-                            <a:latin typeface="Cambria Math"/>
+                            <a:latin typeface="Cambria Math" panose="02040503050406030204" pitchFamily="18" charset="0"/>
                             <a:ea typeface="Cambria Math"/>
                           </a:rPr>
                         </m:ctrlPr>
@@ -10912,7 +10894,7 @@
                             <m:endChr m:val="]"/>
                             <m:ctrlPr>
                               <a:rPr lang="en-US" sz="2800" b="0" i="1" dirty="0" smtClean="0">
-                                <a:latin typeface="Cambria Math"/>
+                                <a:latin typeface="Cambria Math" panose="02040503050406030204" pitchFamily="18" charset="0"/>
                                 <a:ea typeface="Cambria Math"/>
                               </a:rPr>
                             </m:ctrlPr>
@@ -10956,7 +10938,7 @@
                                 <m:endChr m:val="]"/>
                                 <m:ctrlPr>
                                   <a:rPr lang="en-US" sz="2800" b="0" i="1" smtClean="0">
-                                    <a:latin typeface="Cambria Math"/>
+                                    <a:latin typeface="Cambria Math" panose="02040503050406030204" pitchFamily="18" charset="0"/>
                                   </a:rPr>
                                 </m:ctrlPr>
                               </m:dPr>
@@ -10987,8 +10969,8 @@
                     <m:d>
                       <m:dPr>
                         <m:ctrlPr>
-                          <a:rPr lang="en-US" sz="2800" b="0" i="0" dirty="0" smtClean="0">
-                            <a:latin typeface="Cambria Math"/>
+                          <a:rPr lang="en-US" sz="2800" b="0" i="1" dirty="0" smtClean="0">
+                            <a:latin typeface="Cambria Math" panose="02040503050406030204" pitchFamily="18" charset="0"/>
                             <a:ea typeface="Cambria Math"/>
                           </a:rPr>
                         </m:ctrlPr>
@@ -11087,7 +11069,7 @@
                           <m:endChr m:val="]"/>
                           <m:ctrlPr>
                             <a:rPr lang="en-US" sz="2800" b="0" i="1" smtClean="0">
-                              <a:latin typeface="Cambria Math"/>
+                              <a:latin typeface="Cambria Math" panose="02040503050406030204" pitchFamily="18" charset="0"/>
                             </a:rPr>
                           </m:ctrlPr>
                         </m:dPr>
@@ -11128,7 +11110,7 @@
                               <m:endChr m:val="]"/>
                               <m:ctrlPr>
                                 <a:rPr lang="en-US" sz="2800" b="0" i="1" smtClean="0">
-                                  <a:latin typeface="Cambria Math"/>
+                                  <a:latin typeface="Cambria Math" panose="02040503050406030204" pitchFamily="18" charset="0"/>
                                 </a:rPr>
                               </m:ctrlPr>
                             </m:dPr>
@@ -11153,7 +11135,7 @@
                         <m:fPr>
                           <m:ctrlPr>
                             <a:rPr lang="en-US" sz="2800" b="0" i="1" smtClean="0">
-                              <a:latin typeface="Cambria Math"/>
+                              <a:latin typeface="Cambria Math" panose="02040503050406030204" pitchFamily="18" charset="0"/>
                             </a:rPr>
                           </m:ctrlPr>
                         </m:fPr>
@@ -11182,7 +11164,7 @@
             </p:txBody>
           </p:sp>
         </mc:Choice>
-        <mc:Fallback>
+        <mc:Fallback xmlns="">
           <p:sp>
             <p:nvSpPr>
               <p:cNvPr id="3" name="Content Placeholder 2"/>
@@ -11754,7 +11736,7 @@
                         <m:endChr m:val="]"/>
                         <m:ctrlPr>
                           <a:rPr lang="en-US" b="0" i="1" smtClean="0">
-                            <a:latin typeface="Cambria Math"/>
+                            <a:latin typeface="Cambria Math" panose="02040503050406030204" pitchFamily="18" charset="0"/>
                           </a:rPr>
                         </m:ctrlPr>
                       </m:dPr>
@@ -11795,7 +11777,7 @@
                             <m:endChr m:val="]"/>
                             <m:ctrlPr>
                               <a:rPr lang="en-US" b="0" i="1" smtClean="0">
-                                <a:latin typeface="Cambria Math"/>
+                                <a:latin typeface="Cambria Math" panose="02040503050406030204" pitchFamily="18" charset="0"/>
                               </a:rPr>
                             </m:ctrlPr>
                           </m:dPr>
@@ -11820,7 +11802,7 @@
                       <m:fPr>
                         <m:ctrlPr>
                           <a:rPr lang="en-US" b="0" i="1" smtClean="0">
-                            <a:latin typeface="Cambria Math"/>
+                            <a:latin typeface="Cambria Math" panose="02040503050406030204" pitchFamily="18" charset="0"/>
                           </a:rPr>
                         </m:ctrlPr>
                       </m:fPr>
@@ -11862,7 +11844,7 @@
                       <m:sSupPr>
                         <m:ctrlPr>
                           <a:rPr lang="en-US" i="1" smtClean="0">
-                            <a:latin typeface="Cambria Math"/>
+                            <a:latin typeface="Cambria Math" panose="02040503050406030204" pitchFamily="18" charset="0"/>
                           </a:rPr>
                         </m:ctrlPr>
                       </m:sSupPr>
@@ -11916,7 +11898,7 @@
                         <m:endChr m:val="]"/>
                         <m:ctrlPr>
                           <a:rPr lang="en-US" b="0" i="1" smtClean="0">
-                            <a:latin typeface="Cambria Math"/>
+                            <a:latin typeface="Cambria Math" panose="02040503050406030204" pitchFamily="18" charset="0"/>
                           </a:rPr>
                         </m:ctrlPr>
                       </m:dPr>
@@ -11988,7 +11970,7 @@
                         <m:endChr m:val="]"/>
                         <m:ctrlPr>
                           <a:rPr lang="en-US" b="0" i="1" smtClean="0">
-                            <a:latin typeface="Cambria Math"/>
+                            <a:latin typeface="Cambria Math" panose="02040503050406030204" pitchFamily="18" charset="0"/>
                           </a:rPr>
                         </m:ctrlPr>
                       </m:dPr>
@@ -12029,7 +12011,7 @@
                       <m:fPr>
                         <m:ctrlPr>
                           <a:rPr lang="en-US" b="0" i="1" smtClean="0">
-                            <a:latin typeface="Cambria Math"/>
+                            <a:latin typeface="Cambria Math" panose="02040503050406030204" pitchFamily="18" charset="0"/>
                           </a:rPr>
                         </m:ctrlPr>
                       </m:fPr>
@@ -12046,7 +12028,7 @@
                             <m:endChr m:val="]"/>
                             <m:ctrlPr>
                               <a:rPr lang="en-US" b="0" i="1" smtClean="0">
-                                <a:latin typeface="Cambria Math"/>
+                                <a:latin typeface="Cambria Math" panose="02040503050406030204" pitchFamily="18" charset="0"/>
                               </a:rPr>
                             </m:ctrlPr>
                           </m:dPr>
@@ -12132,7 +12114,7 @@
                         <m:endChr m:val="]"/>
                         <m:ctrlPr>
                           <a:rPr lang="en-US" b="0" i="1" smtClean="0">
-                            <a:latin typeface="Cambria Math"/>
+                            <a:latin typeface="Cambria Math" panose="02040503050406030204" pitchFamily="18" charset="0"/>
                           </a:rPr>
                         </m:ctrlPr>
                       </m:dPr>
@@ -12173,7 +12155,7 @@
                             <m:endChr m:val="]"/>
                             <m:ctrlPr>
                               <a:rPr lang="en-US" b="0" i="1" smtClean="0">
-                                <a:latin typeface="Cambria Math"/>
+                                <a:latin typeface="Cambria Math" panose="02040503050406030204" pitchFamily="18" charset="0"/>
                               </a:rPr>
                             </m:ctrlPr>
                           </m:dPr>
@@ -12715,7 +12697,7 @@
                           <m:endChr m:val="]"/>
                           <m:ctrlPr>
                             <a:rPr lang="en-US" b="0" i="1" smtClean="0">
-                              <a:latin typeface="Cambria Math"/>
+                              <a:latin typeface="Cambria Math" panose="02040503050406030204" pitchFamily="18" charset="0"/>
                             </a:rPr>
                           </m:ctrlPr>
                         </m:dPr>
@@ -12756,7 +12738,7 @@
                               <m:endChr m:val="]"/>
                               <m:ctrlPr>
                                 <a:rPr lang="en-US" b="0" i="1" smtClean="0">
-                                  <a:latin typeface="Cambria Math"/>
+                                  <a:latin typeface="Cambria Math" panose="02040503050406030204" pitchFamily="18" charset="0"/>
                                 </a:rPr>
                               </m:ctrlPr>
                             </m:dPr>
@@ -12781,7 +12763,7 @@
                         <m:fPr>
                           <m:ctrlPr>
                             <a:rPr lang="en-US" b="0" i="1" smtClean="0">
-                              <a:latin typeface="Cambria Math"/>
+                              <a:latin typeface="Cambria Math" panose="02040503050406030204" pitchFamily="18" charset="0"/>
                             </a:rPr>
                           </m:ctrlPr>
                         </m:fPr>
@@ -12823,7 +12805,7 @@
                       <m:funcPr>
                         <m:ctrlPr>
                           <a:rPr lang="en-US" b="0" i="1" smtClean="0">
-                            <a:latin typeface="Cambria Math"/>
+                            <a:latin typeface="Cambria Math" panose="02040503050406030204" pitchFamily="18" charset="0"/>
                           </a:rPr>
                         </m:ctrlPr>
                       </m:funcPr>
@@ -12845,7 +12827,7 @@
                             <m:endChr m:val="]"/>
                             <m:ctrlPr>
                               <a:rPr lang="en-US" b="0" i="1" smtClean="0">
-                                <a:latin typeface="Cambria Math"/>
+                                <a:latin typeface="Cambria Math" panose="02040503050406030204" pitchFamily="18" charset="0"/>
                               </a:rPr>
                             </m:ctrlPr>
                           </m:dPr>
@@ -12874,7 +12856,7 @@
                                 <m:endChr m:val="]"/>
                                 <m:ctrlPr>
                                   <a:rPr lang="en-US" b="0" i="1" smtClean="0">
-                                    <a:latin typeface="Cambria Math"/>
+                                    <a:latin typeface="Cambria Math" panose="02040503050406030204" pitchFamily="18" charset="0"/>
                                   </a:rPr>
                                 </m:ctrlPr>
                               </m:dPr>
@@ -12901,7 +12883,7 @@
                       <m:funcPr>
                         <m:ctrlPr>
                           <a:rPr lang="en-US" b="0" i="1" smtClean="0">
-                            <a:latin typeface="Cambria Math"/>
+                            <a:latin typeface="Cambria Math" panose="02040503050406030204" pitchFamily="18" charset="0"/>
                           </a:rPr>
                         </m:ctrlPr>
                       </m:funcPr>
@@ -12923,7 +12905,7 @@
                             <m:endChr m:val="]"/>
                             <m:ctrlPr>
                               <a:rPr lang="en-US" b="0" i="1" smtClean="0">
-                                <a:latin typeface="Cambria Math"/>
+                                <a:latin typeface="Cambria Math" panose="02040503050406030204" pitchFamily="18" charset="0"/>
                               </a:rPr>
                             </m:ctrlPr>
                           </m:dPr>
@@ -12954,7 +12936,7 @@
                       <m:funcPr>
                         <m:ctrlPr>
                           <a:rPr lang="en-US" b="0" i="1" smtClean="0">
-                            <a:latin typeface="Cambria Math"/>
+                            <a:latin typeface="Cambria Math" panose="02040503050406030204" pitchFamily="18" charset="0"/>
                           </a:rPr>
                         </m:ctrlPr>
                       </m:funcPr>
@@ -12976,7 +12958,7 @@
                             <m:endChr m:val="]"/>
                             <m:ctrlPr>
                               <a:rPr lang="en-US" b="0" i="1" smtClean="0">
-                                <a:latin typeface="Cambria Math"/>
+                                <a:latin typeface="Cambria Math" panose="02040503050406030204" pitchFamily="18" charset="0"/>
                               </a:rPr>
                             </m:ctrlPr>
                           </m:dPr>
@@ -13007,7 +12989,7 @@
                       <m:fPr>
                         <m:ctrlPr>
                           <a:rPr lang="en-US" b="0" i="1" smtClean="0">
-                            <a:latin typeface="Cambria Math"/>
+                            <a:latin typeface="Cambria Math" panose="02040503050406030204" pitchFamily="18" charset="0"/>
                           </a:rPr>
                         </m:ctrlPr>
                       </m:fPr>
@@ -13038,7 +13020,7 @@
                       <m:fPr>
                         <m:ctrlPr>
                           <a:rPr lang="en-US" b="0" i="1" smtClean="0">
-                            <a:latin typeface="Cambria Math"/>
+                            <a:latin typeface="Cambria Math" panose="02040503050406030204" pitchFamily="18" charset="0"/>
                           </a:rPr>
                         </m:ctrlPr>
                       </m:fPr>
@@ -13088,7 +13070,7 @@
                         <m:funcPr>
                           <m:ctrlPr>
                             <a:rPr lang="en-US" b="0" i="1" smtClean="0">
-                              <a:latin typeface="Cambria Math"/>
+                              <a:latin typeface="Cambria Math" panose="02040503050406030204" pitchFamily="18" charset="0"/>
                             </a:rPr>
                           </m:ctrlPr>
                         </m:funcPr>
@@ -13110,7 +13092,7 @@
                               <m:endChr m:val="]"/>
                               <m:ctrlPr>
                                 <a:rPr lang="en-US" b="0" i="1" smtClean="0">
-                                  <a:latin typeface="Cambria Math"/>
+                                  <a:latin typeface="Cambria Math" panose="02040503050406030204" pitchFamily="18" charset="0"/>
                                 </a:rPr>
                               </m:ctrlPr>
                             </m:dPr>
@@ -13139,7 +13121,7 @@
                                   <m:endChr m:val="]"/>
                                   <m:ctrlPr>
                                     <a:rPr lang="en-US" b="0" i="1" smtClean="0">
-                                      <a:latin typeface="Cambria Math"/>
+                                      <a:latin typeface="Cambria Math" panose="02040503050406030204" pitchFamily="18" charset="0"/>
                                     </a:rPr>
                                   </m:ctrlPr>
                                 </m:dPr>
@@ -13166,7 +13148,7 @@
                         <m:funcPr>
                           <m:ctrlPr>
                             <a:rPr lang="en-US" b="0" i="1" smtClean="0">
-                              <a:latin typeface="Cambria Math"/>
+                              <a:latin typeface="Cambria Math" panose="02040503050406030204" pitchFamily="18" charset="0"/>
                             </a:rPr>
                           </m:ctrlPr>
                         </m:funcPr>
@@ -13188,7 +13170,7 @@
                               <m:endChr m:val="]"/>
                               <m:ctrlPr>
                                 <a:rPr lang="en-US" b="0" i="1" smtClean="0">
-                                  <a:latin typeface="Cambria Math"/>
+                                  <a:latin typeface="Cambria Math" panose="02040503050406030204" pitchFamily="18" charset="0"/>
                                 </a:rPr>
                               </m:ctrlPr>
                             </m:dPr>
@@ -13236,7 +13218,7 @@
                         <m:funcPr>
                           <m:ctrlPr>
                             <a:rPr lang="en-US" b="0" i="1" smtClean="0">
-                              <a:latin typeface="Cambria Math"/>
+                              <a:latin typeface="Cambria Math" panose="02040503050406030204" pitchFamily="18" charset="0"/>
                             </a:rPr>
                           </m:ctrlPr>
                         </m:funcPr>
@@ -13258,7 +13240,7 @@
                               <m:endChr m:val="]"/>
                               <m:ctrlPr>
                                 <a:rPr lang="en-US" b="0" i="1" smtClean="0">
-                                  <a:latin typeface="Cambria Math"/>
+                                  <a:latin typeface="Cambria Math" panose="02040503050406030204" pitchFamily="18" charset="0"/>
                                 </a:rPr>
                               </m:ctrlPr>
                             </m:dPr>
@@ -13289,7 +13271,7 @@
                         <m:fPr>
                           <m:ctrlPr>
                             <a:rPr lang="en-US" b="0" i="1" smtClean="0">
-                              <a:latin typeface="Cambria Math"/>
+                              <a:latin typeface="Cambria Math" panose="02040503050406030204" pitchFamily="18" charset="0"/>
                             </a:rPr>
                           </m:ctrlPr>
                         </m:fPr>
@@ -13777,8 +13759,8 @@
           </a:p>
         </p:txBody>
       </p:sp>
-      <mc:AlternateContent xmlns:mc="http://schemas.openxmlformats.org/markup-compatibility/2006">
-        <mc:Choice xmlns:a14="http://schemas.microsoft.com/office/drawing/2010/main" Requires="a14">
+      <mc:AlternateContent xmlns:mc="http://schemas.openxmlformats.org/markup-compatibility/2006" xmlns:a14="http://schemas.microsoft.com/office/drawing/2010/main">
+        <mc:Choice Requires="a14">
           <p:sp>
             <p:nvSpPr>
               <p:cNvPr id="3" name="Content Placeholder 2"/>
@@ -13853,7 +13835,7 @@
                           <m:endChr m:val="]"/>
                           <m:ctrlPr>
                             <a:rPr lang="en-US" b="0" i="1" smtClean="0">
-                              <a:latin typeface="Cambria Math"/>
+                              <a:latin typeface="Cambria Math" panose="02040503050406030204" pitchFamily="18" charset="0"/>
                             </a:rPr>
                           </m:ctrlPr>
                         </m:dPr>
@@ -13894,7 +13876,7 @@
                         <m:fPr>
                           <m:ctrlPr>
                             <a:rPr lang="en-US" b="0" i="1" smtClean="0">
-                              <a:latin typeface="Cambria Math"/>
+                              <a:latin typeface="Cambria Math" panose="02040503050406030204" pitchFamily="18" charset="0"/>
                             </a:rPr>
                           </m:ctrlPr>
                         </m:fPr>
@@ -13911,7 +13893,7 @@
                               <m:endChr m:val="]"/>
                               <m:ctrlPr>
                                 <a:rPr lang="en-US" b="0" i="1" smtClean="0">
-                                  <a:latin typeface="Cambria Math"/>
+                                  <a:latin typeface="Cambria Math" panose="02040503050406030204" pitchFamily="18" charset="0"/>
                                 </a:rPr>
                               </m:ctrlPr>
                             </m:dPr>
@@ -13961,7 +13943,7 @@
                       <m:funcPr>
                         <m:ctrlPr>
                           <a:rPr lang="en-US" b="0" i="1" smtClean="0">
-                            <a:latin typeface="Cambria Math"/>
+                            <a:latin typeface="Cambria Math" panose="02040503050406030204" pitchFamily="18" charset="0"/>
                           </a:rPr>
                         </m:ctrlPr>
                       </m:funcPr>
@@ -13983,7 +13965,7 @@
                             <m:endChr m:val="]"/>
                             <m:ctrlPr>
                               <a:rPr lang="en-US" b="0" i="1" smtClean="0">
-                                <a:latin typeface="Cambria Math"/>
+                                <a:latin typeface="Cambria Math" panose="02040503050406030204" pitchFamily="18" charset="0"/>
                               </a:rPr>
                             </m:ctrlPr>
                           </m:dPr>
@@ -14014,7 +13996,7 @@
                       <m:fPr>
                         <m:ctrlPr>
                           <a:rPr lang="en-US" b="0" i="1" smtClean="0">
-                            <a:latin typeface="Cambria Math"/>
+                            <a:latin typeface="Cambria Math" panose="02040503050406030204" pitchFamily="18" charset="0"/>
                           </a:rPr>
                         </m:ctrlPr>
                       </m:fPr>
@@ -14031,7 +14013,7 @@
                             <m:endChr m:val="]"/>
                             <m:ctrlPr>
                               <a:rPr lang="en-US" b="0" i="1" smtClean="0">
-                                <a:latin typeface="Cambria Math"/>
+                                <a:latin typeface="Cambria Math" panose="02040503050406030204" pitchFamily="18" charset="0"/>
                               </a:rPr>
                             </m:ctrlPr>
                           </m:dPr>
@@ -14064,7 +14046,7 @@
                       <m:fPr>
                         <m:ctrlPr>
                           <a:rPr lang="en-US" b="0" i="1" smtClean="0">
-                            <a:latin typeface="Cambria Math"/>
+                            <a:latin typeface="Cambria Math" panose="02040503050406030204" pitchFamily="18" charset="0"/>
                           </a:rPr>
                         </m:ctrlPr>
                       </m:fPr>
@@ -14163,7 +14145,7 @@
                       <m:funcPr>
                         <m:ctrlPr>
                           <a:rPr lang="en-US" b="0" i="1" smtClean="0">
-                            <a:latin typeface="Cambria Math"/>
+                            <a:latin typeface="Cambria Math" panose="02040503050406030204" pitchFamily="18" charset="0"/>
                           </a:rPr>
                         </m:ctrlPr>
                       </m:funcPr>
@@ -14185,7 +14167,7 @@
                             <m:endChr m:val="]"/>
                             <m:ctrlPr>
                               <a:rPr lang="en-US" b="0" i="1" smtClean="0">
-                                <a:latin typeface="Cambria Math"/>
+                                <a:latin typeface="Cambria Math" panose="02040503050406030204" pitchFamily="18" charset="0"/>
                               </a:rPr>
                             </m:ctrlPr>
                           </m:dPr>
@@ -14216,7 +14198,7 @@
                       <m:fPr>
                         <m:ctrlPr>
                           <a:rPr lang="en-US" b="0" i="1" smtClean="0">
-                            <a:latin typeface="Cambria Math"/>
+                            <a:latin typeface="Cambria Math" panose="02040503050406030204" pitchFamily="18" charset="0"/>
                           </a:rPr>
                         </m:ctrlPr>
                       </m:fPr>
@@ -14233,7 +14215,7 @@
                             <m:endChr m:val="]"/>
                             <m:ctrlPr>
                               <a:rPr lang="en-US" b="0" i="1" smtClean="0">
-                                <a:latin typeface="Cambria Math"/>
+                                <a:latin typeface="Cambria Math" panose="02040503050406030204" pitchFamily="18" charset="0"/>
                               </a:rPr>
                             </m:ctrlPr>
                           </m:dPr>
@@ -14266,7 +14248,7 @@
                       <m:fPr>
                         <m:ctrlPr>
                           <a:rPr lang="en-US" b="0" i="1" smtClean="0">
-                            <a:latin typeface="Cambria Math"/>
+                            <a:latin typeface="Cambria Math" panose="02040503050406030204" pitchFamily="18" charset="0"/>
                           </a:rPr>
                         </m:ctrlPr>
                       </m:fPr>
@@ -14305,7 +14287,7 @@
                       <m:dPr>
                         <m:ctrlPr>
                           <a:rPr lang="en-US" b="0" i="1" dirty="0" smtClean="0">
-                            <a:latin typeface="Cambria Math"/>
+                            <a:latin typeface="Cambria Math" panose="02040503050406030204" pitchFamily="18" charset="0"/>
                           </a:rPr>
                         </m:ctrlPr>
                       </m:dPr>
@@ -14350,7 +14332,7 @@
                       <m:funcPr>
                         <m:ctrlPr>
                           <a:rPr lang="en-US" b="0" i="1" smtClean="0">
-                            <a:latin typeface="Cambria Math"/>
+                            <a:latin typeface="Cambria Math" panose="02040503050406030204" pitchFamily="18" charset="0"/>
                           </a:rPr>
                         </m:ctrlPr>
                       </m:funcPr>
@@ -14372,7 +14354,7 @@
                             <m:endChr m:val="]"/>
                             <m:ctrlPr>
                               <a:rPr lang="en-US" b="0" i="1" smtClean="0">
-                                <a:latin typeface="Cambria Math"/>
+                                <a:latin typeface="Cambria Math" panose="02040503050406030204" pitchFamily="18" charset="0"/>
                               </a:rPr>
                             </m:ctrlPr>
                           </m:dPr>
@@ -14403,7 +14385,7 @@
                       <m:fPr>
                         <m:ctrlPr>
                           <a:rPr lang="en-US" b="0" i="1" smtClean="0">
-                            <a:latin typeface="Cambria Math"/>
+                            <a:latin typeface="Cambria Math" panose="02040503050406030204" pitchFamily="18" charset="0"/>
                           </a:rPr>
                         </m:ctrlPr>
                       </m:fPr>
@@ -14420,7 +14402,7 @@
                             <m:endChr m:val="]"/>
                             <m:ctrlPr>
                               <a:rPr lang="en-US" b="0" i="1" smtClean="0">
-                                <a:latin typeface="Cambria Math"/>
+                                <a:latin typeface="Cambria Math" panose="02040503050406030204" pitchFamily="18" charset="0"/>
                               </a:rPr>
                             </m:ctrlPr>
                           </m:dPr>
@@ -14453,7 +14435,7 @@
                       <m:fPr>
                         <m:ctrlPr>
                           <a:rPr lang="en-US" b="0" i="1" smtClean="0">
-                            <a:latin typeface="Cambria Math"/>
+                            <a:latin typeface="Cambria Math" panose="02040503050406030204" pitchFamily="18" charset="0"/>
                           </a:rPr>
                         </m:ctrlPr>
                       </m:fPr>
@@ -14498,7 +14480,7 @@
                       <m:dPr>
                         <m:ctrlPr>
                           <a:rPr lang="en-US" b="0" i="1" dirty="0" smtClean="0">
-                            <a:latin typeface="Cambria Math"/>
+                            <a:latin typeface="Cambria Math" panose="02040503050406030204" pitchFamily="18" charset="0"/>
                           </a:rPr>
                         </m:ctrlPr>
                       </m:dPr>
@@ -14543,7 +14525,7 @@
                       <m:funcPr>
                         <m:ctrlPr>
                           <a:rPr lang="en-US" b="0" i="1" smtClean="0">
-                            <a:latin typeface="Cambria Math"/>
+                            <a:latin typeface="Cambria Math" panose="02040503050406030204" pitchFamily="18" charset="0"/>
                           </a:rPr>
                         </m:ctrlPr>
                       </m:funcPr>
@@ -14565,7 +14547,7 @@
                             <m:endChr m:val="]"/>
                             <m:ctrlPr>
                               <a:rPr lang="en-US" b="0" i="1" smtClean="0">
-                                <a:latin typeface="Cambria Math"/>
+                                <a:latin typeface="Cambria Math" panose="02040503050406030204" pitchFamily="18" charset="0"/>
                               </a:rPr>
                             </m:ctrlPr>
                           </m:dPr>
@@ -14596,7 +14578,7 @@
                       <m:fPr>
                         <m:ctrlPr>
                           <a:rPr lang="en-US" b="0" i="1" smtClean="0">
-                            <a:latin typeface="Cambria Math"/>
+                            <a:latin typeface="Cambria Math" panose="02040503050406030204" pitchFamily="18" charset="0"/>
                           </a:rPr>
                         </m:ctrlPr>
                       </m:fPr>
@@ -14613,7 +14595,7 @@
                             <m:endChr m:val="]"/>
                             <m:ctrlPr>
                               <a:rPr lang="en-US" b="0" i="1" smtClean="0">
-                                <a:latin typeface="Cambria Math"/>
+                                <a:latin typeface="Cambria Math" panose="02040503050406030204" pitchFamily="18" charset="0"/>
                               </a:rPr>
                             </m:ctrlPr>
                           </m:dPr>
@@ -14646,7 +14628,7 @@
                       <m:fPr>
                         <m:ctrlPr>
                           <a:rPr lang="en-US" b="0" i="1" smtClean="0">
-                            <a:latin typeface="Cambria Math"/>
+                            <a:latin typeface="Cambria Math" panose="02040503050406030204" pitchFamily="18" charset="0"/>
                           </a:rPr>
                         </m:ctrlPr>
                       </m:fPr>
@@ -14685,7 +14667,7 @@
                       <m:dPr>
                         <m:ctrlPr>
                           <a:rPr lang="en-US" b="0" i="1" dirty="0" smtClean="0">
-                            <a:latin typeface="Cambria Math"/>
+                            <a:latin typeface="Cambria Math" panose="02040503050406030204" pitchFamily="18" charset="0"/>
                           </a:rPr>
                         </m:ctrlPr>
                       </m:dPr>
@@ -14752,7 +14734,7 @@
             </p:txBody>
           </p:sp>
         </mc:Choice>
-        <mc:Fallback>
+        <mc:Fallback xmlns="">
           <p:sp>
             <p:nvSpPr>
               <p:cNvPr id="3" name="Content Placeholder 2"/>
@@ -15494,8 +15476,8 @@
           </a:p>
         </p:txBody>
       </p:sp>
-      <mc:AlternateContent xmlns:mc="http://schemas.openxmlformats.org/markup-compatibility/2006">
-        <mc:Choice xmlns:a14="http://schemas.microsoft.com/office/drawing/2010/main" Requires="a14">
+      <mc:AlternateContent xmlns:mc="http://schemas.openxmlformats.org/markup-compatibility/2006" xmlns:a14="http://schemas.microsoft.com/office/drawing/2010/main">
+        <mc:Choice Requires="a14">
           <p:sp>
             <p:nvSpPr>
               <p:cNvPr id="3" name="Content Placeholder 2"/>
@@ -15572,7 +15554,7 @@
                       <m:sSupPr>
                         <m:ctrlPr>
                           <a:rPr lang="en-US" b="0" i="1" smtClean="0">
-                            <a:latin typeface="Cambria Math"/>
+                            <a:latin typeface="Cambria Math" panose="02040503050406030204" pitchFamily="18" charset="0"/>
                             <a:ea typeface="Cambria Math"/>
                           </a:rPr>
                         </m:ctrlPr>
@@ -15611,7 +15593,7 @@
                       <m:naryPr>
                         <m:ctrlPr>
                           <a:rPr lang="en-US" b="0" i="1" smtClean="0">
-                            <a:latin typeface="Cambria Math"/>
+                            <a:latin typeface="Cambria Math" panose="02040503050406030204" pitchFamily="18" charset="0"/>
                             <a:ea typeface="Cambria Math"/>
                           </a:rPr>
                         </m:ctrlPr>
@@ -15639,7 +15621,7 @@
                           <m:sSupPr>
                             <m:ctrlPr>
                               <a:rPr lang="en-US" b="0" i="1" smtClean="0">
-                                <a:latin typeface="Cambria Math"/>
+                                <a:latin typeface="Cambria Math" panose="02040503050406030204" pitchFamily="18" charset="0"/>
                                 <a:ea typeface="Cambria Math"/>
                               </a:rPr>
                             </m:ctrlPr>
@@ -15683,7 +15665,7 @@
                       <m:fPr>
                         <m:ctrlPr>
                           <a:rPr lang="en-US" b="0" i="1" smtClean="0">
-                            <a:latin typeface="Cambria Math"/>
+                            <a:latin typeface="Cambria Math" panose="02040503050406030204" pitchFamily="18" charset="0"/>
                             <a:ea typeface="Cambria Math"/>
                           </a:rPr>
                         </m:ctrlPr>
@@ -15855,7 +15837,7 @@
                         <a:latin typeface="Cambria Math"/>
                         <a:ea typeface="Cambria Math"/>
                       </a:rPr>
-                      <m:t>=1/2 - 1/2 = 0</m:t>
+                      <m:t>=1/2 − 1/2 = 0</m:t>
                     </m:r>
                   </m:oMath>
                 </a14:m>
@@ -15968,20 +15950,13 @@
                         <a:latin typeface="Cambria Math"/>
                         <a:ea typeface="Cambria Math"/>
                       </a:rPr>
-                      <m:t>]</m:t>
-                    </m:r>
-                    <m:r>
-                      <a:rPr lang="en-US" b="0" i="1" smtClean="0">
-                        <a:latin typeface="Cambria Math"/>
-                        <a:ea typeface="Cambria Math"/>
-                      </a:rPr>
-                      <m:t>=</m:t>
+                      <m:t>]=</m:t>
                     </m:r>
                     <m:f>
                       <m:fPr>
                         <m:ctrlPr>
                           <a:rPr lang="en-US" b="0" i="1" smtClean="0">
-                            <a:latin typeface="Cambria Math"/>
+                            <a:latin typeface="Cambria Math" panose="02040503050406030204" pitchFamily="18" charset="0"/>
                             <a:ea typeface="Cambria Math"/>
                           </a:rPr>
                         </m:ctrlPr>
@@ -16016,7 +15991,7 @@
                       <m:fPr>
                         <m:ctrlPr>
                           <a:rPr lang="en-US" b="0" i="1" smtClean="0">
-                            <a:latin typeface="Cambria Math"/>
+                            <a:latin typeface="Cambria Math" panose="02040503050406030204" pitchFamily="18" charset="0"/>
                             <a:ea typeface="Cambria Math"/>
                           </a:rPr>
                         </m:ctrlPr>
@@ -16051,7 +16026,7 @@
                       <m:fPr>
                         <m:ctrlPr>
                           <a:rPr lang="en-US" b="0" i="1" smtClean="0">
-                            <a:latin typeface="Cambria Math"/>
+                            <a:latin typeface="Cambria Math" panose="02040503050406030204" pitchFamily="18" charset="0"/>
                             <a:ea typeface="Cambria Math"/>
                           </a:rPr>
                         </m:ctrlPr>
@@ -16096,7 +16071,7 @@
                       <m:sSupPr>
                         <m:ctrlPr>
                           <a:rPr lang="en-US" b="0" i="1" smtClean="0">
-                            <a:latin typeface="Cambria Math"/>
+                            <a:latin typeface="Cambria Math" panose="02040503050406030204" pitchFamily="18" charset="0"/>
                             <a:ea typeface="Cambria Math"/>
                           </a:rPr>
                         </m:ctrlPr>
@@ -16105,8 +16080,8 @@
                         <m:d>
                           <m:dPr>
                             <m:ctrlPr>
-                              <a:rPr lang="en-US" b="0" i="0" smtClean="0">
-                                <a:latin typeface="Cambria Math"/>
+                              <a:rPr lang="en-US" b="0" i="1" smtClean="0">
+                                <a:latin typeface="Cambria Math" panose="02040503050406030204" pitchFamily="18" charset="0"/>
                                 <a:ea typeface="Cambria Math"/>
                               </a:rPr>
                             </m:ctrlPr>
@@ -16153,14 +16128,7 @@
                     <a:latin typeface="Cambria Math"/>
                     <a:ea typeface="Cambria Math"/>
                   </a:rPr>
-                  <a:t>]</a:t>
-                </a:r>
-                <a:r>
-                  <a:rPr lang="en-US" dirty="0" smtClean="0">
-                    <a:latin typeface="Cambria Math"/>
-                    <a:ea typeface="Cambria Math"/>
-                  </a:rPr>
-                  <a:t>= 𝔼[</a:t>
+                  <a:t>]= 𝔼[</a:t>
                 </a:r>
                 <a14:m>
                   <m:oMath xmlns:m="http://schemas.openxmlformats.org/officeDocument/2006/math">
@@ -16168,7 +16136,7 @@
                       <m:sSupPr>
                         <m:ctrlPr>
                           <a:rPr lang="en-US" b="0" i="1" smtClean="0">
-                            <a:latin typeface="Cambria Math"/>
+                            <a:latin typeface="Cambria Math" panose="02040503050406030204" pitchFamily="18" charset="0"/>
                             <a:ea typeface="Cambria Math"/>
                           </a:rPr>
                         </m:ctrlPr>
@@ -16207,7 +16175,7 @@
                         <a:latin typeface="Cambria Math"/>
                         <a:ea typeface="Cambria Math"/>
                       </a:rPr>
-                      <m:t>-2</m:t>
+                      <m:t>−2</m:t>
                     </m:r>
                     <m:r>
                       <m:rPr>
@@ -16277,7 +16245,7 @@
                       <m:sSupPr>
                         <m:ctrlPr>
                           <a:rPr lang="en-US" b="0" i="1" smtClean="0">
-                            <a:latin typeface="Cambria Math"/>
+                            <a:latin typeface="Cambria Math" panose="02040503050406030204" pitchFamily="18" charset="0"/>
                             <a:ea typeface="Cambria Math"/>
                           </a:rPr>
                         </m:ctrlPr>
@@ -16336,7 +16304,7 @@
                         <m:fPr>
                           <m:ctrlPr>
                             <a:rPr lang="en-US" b="0" i="1" smtClean="0">
-                              <a:latin typeface="Cambria Math"/>
+                              <a:latin typeface="Cambria Math" panose="02040503050406030204" pitchFamily="18" charset="0"/>
                               <a:ea typeface="Cambria Math"/>
                             </a:rPr>
                           </m:ctrlPr>
@@ -16371,7 +16339,7 @@
                         <m:fPr>
                           <m:ctrlPr>
                             <a:rPr lang="en-US" b="0" i="1" smtClean="0">
-                              <a:latin typeface="Cambria Math"/>
+                              <a:latin typeface="Cambria Math" panose="02040503050406030204" pitchFamily="18" charset="0"/>
                               <a:ea typeface="Cambria Math"/>
                             </a:rPr>
                           </m:ctrlPr>
@@ -16406,7 +16374,7 @@
                         <m:fPr>
                           <m:ctrlPr>
                             <a:rPr lang="en-US" b="0" i="1" smtClean="0">
-                              <a:latin typeface="Cambria Math"/>
+                              <a:latin typeface="Cambria Math" panose="02040503050406030204" pitchFamily="18" charset="0"/>
                               <a:ea typeface="Cambria Math"/>
                             </a:rPr>
                           </m:ctrlPr>
@@ -16451,7 +16419,7 @@
             </p:txBody>
           </p:sp>
         </mc:Choice>
-        <mc:Fallback>
+        <mc:Fallback xmlns="">
           <p:sp>
             <p:nvSpPr>
               <p:cNvPr id="3" name="Content Placeholder 2"/>
@@ -16549,8 +16517,8 @@
           </a:p>
         </p:txBody>
       </p:sp>
-      <mc:AlternateContent xmlns:mc="http://schemas.openxmlformats.org/markup-compatibility/2006">
-        <mc:Choice xmlns:a14="http://schemas.microsoft.com/office/drawing/2010/main" Requires="a14">
+      <mc:AlternateContent xmlns:mc="http://schemas.openxmlformats.org/markup-compatibility/2006" xmlns:a14="http://schemas.microsoft.com/office/drawing/2010/main">
+        <mc:Choice Requires="a14">
           <p:sp>
             <p:nvSpPr>
               <p:cNvPr id="3" name="Content Placeholder 2"/>
@@ -16581,7 +16549,7 @@
                       <m:sSupPr>
                         <m:ctrlPr>
                           <a:rPr lang="en-US" b="0" i="1" smtClean="0">
-                            <a:latin typeface="Cambria Math"/>
+                            <a:latin typeface="Cambria Math" panose="02040503050406030204" pitchFamily="18" charset="0"/>
                           </a:rPr>
                         </m:ctrlPr>
                       </m:sSupPr>
@@ -16592,7 +16560,7 @@
                             <m:endChr m:val="]"/>
                             <m:ctrlPr>
                               <a:rPr lang="en-US" b="0" i="1" smtClean="0">
-                                <a:latin typeface="Cambria Math"/>
+                                <a:latin typeface="Cambria Math" panose="02040503050406030204" pitchFamily="18" charset="0"/>
                               </a:rPr>
                             </m:ctrlPr>
                           </m:dPr>
@@ -16638,7 +16606,7 @@
                         <m:endChr m:val="]"/>
                         <m:ctrlPr>
                           <a:rPr lang="en-US" b="0" i="1" smtClean="0">
-                            <a:latin typeface="Cambria Math"/>
+                            <a:latin typeface="Cambria Math" panose="02040503050406030204" pitchFamily="18" charset="0"/>
                             <a:ea typeface="Cambria Math"/>
                           </a:rPr>
                         </m:ctrlPr>
@@ -16649,7 +16617,7 @@
                             <m:chr m:val="∑"/>
                             <m:ctrlPr>
                               <a:rPr lang="en-US" b="0" i="1" smtClean="0">
-                                <a:latin typeface="Cambria Math"/>
+                                <a:latin typeface="Cambria Math" panose="02040503050406030204" pitchFamily="18" charset="0"/>
                                 <a:ea typeface="Cambria Math"/>
                               </a:rPr>
                             </m:ctrlPr>
@@ -16684,7 +16652,7 @@
                               <m:sSupPr>
                                 <m:ctrlPr>
                                   <a:rPr lang="en-US" b="0" i="1" smtClean="0">
-                                    <a:latin typeface="Cambria Math"/>
+                                    <a:latin typeface="Cambria Math" panose="02040503050406030204" pitchFamily="18" charset="0"/>
                                     <a:ea typeface="Cambria Math"/>
                                   </a:rPr>
                                 </m:ctrlPr>
@@ -16694,7 +16662,7 @@
                                   <m:dPr>
                                     <m:ctrlPr>
                                       <a:rPr lang="en-US" b="0" i="1" smtClean="0">
-                                        <a:latin typeface="Cambria Math"/>
+                                        <a:latin typeface="Cambria Math" panose="02040503050406030204" pitchFamily="18" charset="0"/>
                                         <a:ea typeface="Cambria Math"/>
                                       </a:rPr>
                                     </m:ctrlPr>
@@ -16704,7 +16672,7 @@
                                       <m:sSubPr>
                                         <m:ctrlPr>
                                           <a:rPr lang="en-US" b="0" i="1" smtClean="0">
-                                            <a:latin typeface="Cambria Math"/>
+                                            <a:latin typeface="Cambria Math" panose="02040503050406030204" pitchFamily="18" charset="0"/>
                                             <a:ea typeface="Cambria Math"/>
                                           </a:rPr>
                                         </m:ctrlPr>
@@ -16739,7 +16707,7 @@
                                       <m:sSubPr>
                                         <m:ctrlPr>
                                           <a:rPr lang="en-US" b="0" i="1" smtClean="0">
-                                            <a:latin typeface="Cambria Math"/>
+                                            <a:latin typeface="Cambria Math" panose="02040503050406030204" pitchFamily="18" charset="0"/>
                                             <a:ea typeface="Cambria Math"/>
                                           </a:rPr>
                                         </m:ctrlPr>
@@ -16814,7 +16782,7 @@
                         <m:endChr m:val="]"/>
                         <m:ctrlPr>
                           <a:rPr lang="en-US" b="0" i="1" smtClean="0">
-                            <a:latin typeface="Cambria Math"/>
+                            <a:latin typeface="Cambria Math" panose="02040503050406030204" pitchFamily="18" charset="0"/>
                             <a:ea typeface="Cambria Math"/>
                           </a:rPr>
                         </m:ctrlPr>
@@ -16824,7 +16792,7 @@
                           <m:sSupPr>
                             <m:ctrlPr>
                               <a:rPr lang="en-US" b="0" i="1" smtClean="0">
-                                <a:latin typeface="Cambria Math"/>
+                                <a:latin typeface="Cambria Math" panose="02040503050406030204" pitchFamily="18" charset="0"/>
                                 <a:ea typeface="Cambria Math"/>
                               </a:rPr>
                             </m:ctrlPr>
@@ -16834,7 +16802,7 @@
                               <m:dPr>
                                 <m:ctrlPr>
                                   <a:rPr lang="en-US" b="0" i="1" smtClean="0">
-                                    <a:latin typeface="Cambria Math"/>
+                                    <a:latin typeface="Cambria Math" panose="02040503050406030204" pitchFamily="18" charset="0"/>
                                     <a:ea typeface="Cambria Math"/>
                                   </a:rPr>
                                 </m:ctrlPr>
@@ -16844,7 +16812,7 @@
                                   <m:sSubPr>
                                     <m:ctrlPr>
                                       <a:rPr lang="en-US" b="0" i="1" smtClean="0">
-                                        <a:latin typeface="Cambria Math"/>
+                                        <a:latin typeface="Cambria Math" panose="02040503050406030204" pitchFamily="18" charset="0"/>
                                         <a:ea typeface="Cambria Math"/>
                                       </a:rPr>
                                     </m:ctrlPr>
@@ -16879,7 +16847,7 @@
                                   <m:sSubPr>
                                     <m:ctrlPr>
                                       <a:rPr lang="en-US" b="0" i="1" smtClean="0">
-                                        <a:latin typeface="Cambria Math"/>
+                                        <a:latin typeface="Cambria Math" panose="02040503050406030204" pitchFamily="18" charset="0"/>
                                         <a:ea typeface="Cambria Math"/>
                                       </a:rPr>
                                     </m:ctrlPr>
@@ -16929,7 +16897,7 @@
                       <m:fPr>
                         <m:ctrlPr>
                           <a:rPr lang="en-US" b="0" i="1" smtClean="0">
-                            <a:latin typeface="Cambria Math"/>
+                            <a:latin typeface="Cambria Math" panose="02040503050406030204" pitchFamily="18" charset="0"/>
                             <a:ea typeface="Cambria Math"/>
                           </a:rPr>
                         </m:ctrlPr>
@@ -16963,7 +16931,7 @@
             </p:txBody>
           </p:sp>
         </mc:Choice>
-        <mc:Fallback>
+        <mc:Fallback xmlns="">
           <p:sp>
             <p:nvSpPr>
               <p:cNvPr id="3" name="Content Placeholder 2"/>
@@ -17065,8 +17033,8 @@
           </a:p>
         </p:txBody>
       </p:sp>
-      <mc:AlternateContent xmlns:mc="http://schemas.openxmlformats.org/markup-compatibility/2006">
-        <mc:Choice xmlns:a14="http://schemas.microsoft.com/office/drawing/2010/main" Requires="a14">
+      <mc:AlternateContent xmlns:mc="http://schemas.openxmlformats.org/markup-compatibility/2006" xmlns:a14="http://schemas.microsoft.com/office/drawing/2010/main">
+        <mc:Choice Requires="a14">
           <p:sp>
             <p:nvSpPr>
               <p:cNvPr id="3" name="Content Placeholder 2"/>
@@ -17146,8 +17114,8 @@
                           <m:begChr m:val="["/>
                           <m:endChr m:val="]"/>
                           <m:ctrlPr>
-                            <a:rPr lang="en-US" b="0" i="0" smtClean="0">
-                              <a:latin typeface="Cambria Math"/>
+                            <a:rPr lang="en-US" b="0" i="1" smtClean="0">
+                              <a:latin typeface="Cambria Math" panose="02040503050406030204" pitchFamily="18" charset="0"/>
                               <a:ea typeface="Cambria Math"/>
                             </a:rPr>
                           </m:ctrlPr>
@@ -17190,7 +17158,7 @@
                         <m:fPr>
                           <m:ctrlPr>
                             <a:rPr lang="en-US" b="0" i="1" smtClean="0">
-                              <a:latin typeface="Cambria Math"/>
+                              <a:latin typeface="Cambria Math" panose="02040503050406030204" pitchFamily="18" charset="0"/>
                               <a:ea typeface="Cambria Math"/>
                             </a:rPr>
                           </m:ctrlPr>
@@ -17209,7 +17177,7 @@
                               <m:endChr m:val="]"/>
                               <m:ctrlPr>
                                 <a:rPr lang="en-US" b="0" i="1" smtClean="0">
-                                  <a:latin typeface="Cambria Math"/>
+                                  <a:latin typeface="Cambria Math" panose="02040503050406030204" pitchFamily="18" charset="0"/>
                                   <a:ea typeface="Cambria Math"/>
                                 </a:rPr>
                               </m:ctrlPr>
@@ -17290,7 +17258,7 @@
                         <m:endChr m:val="]"/>
                         <m:ctrlPr>
                           <a:rPr lang="en-US" b="0" i="1" smtClean="0">
-                            <a:latin typeface="Cambria Math"/>
+                            <a:latin typeface="Cambria Math" panose="02040503050406030204" pitchFamily="18" charset="0"/>
                             <a:ea typeface="Cambria Math"/>
                           </a:rPr>
                         </m:ctrlPr>
@@ -17352,7 +17320,7 @@
                         <m:endChr m:val="]"/>
                         <m:ctrlPr>
                           <a:rPr lang="en-US" b="0" i="1" smtClean="0">
-                            <a:latin typeface="Cambria Math"/>
+                            <a:latin typeface="Cambria Math" panose="02040503050406030204" pitchFamily="18" charset="0"/>
                             <a:ea typeface="Cambria Math"/>
                           </a:rPr>
                         </m:ctrlPr>
@@ -17395,7 +17363,7 @@
                       <m:fPr>
                         <m:ctrlPr>
                           <a:rPr lang="en-US" b="0" i="1" smtClean="0">
-                            <a:latin typeface="Cambria Math"/>
+                            <a:latin typeface="Cambria Math" panose="02040503050406030204" pitchFamily="18" charset="0"/>
                             <a:ea typeface="Cambria Math"/>
                           </a:rPr>
                         </m:ctrlPr>
@@ -17414,7 +17382,7 @@
                             <m:endChr m:val="]"/>
                             <m:ctrlPr>
                               <a:rPr lang="en-US" b="0" i="1" smtClean="0">
-                                <a:latin typeface="Cambria Math"/>
+                                <a:latin typeface="Cambria Math" panose="02040503050406030204" pitchFamily="18" charset="0"/>
                                 <a:ea typeface="Cambria Math"/>
                               </a:rPr>
                             </m:ctrlPr>
@@ -17454,7 +17422,7 @@
             </p:txBody>
           </p:sp>
         </mc:Choice>
-        <mc:Fallback>
+        <mc:Fallback xmlns="">
           <p:sp>
             <p:nvSpPr>
               <p:cNvPr id="3" name="Content Placeholder 2"/>
@@ -17556,8 +17524,8 @@
           </a:p>
         </p:txBody>
       </p:sp>
-      <mc:AlternateContent xmlns:mc="http://schemas.openxmlformats.org/markup-compatibility/2006">
-        <mc:Choice xmlns:a14="http://schemas.microsoft.com/office/drawing/2010/main" Requires="a14">
+      <mc:AlternateContent xmlns:mc="http://schemas.openxmlformats.org/markup-compatibility/2006" xmlns:a14="http://schemas.microsoft.com/office/drawing/2010/main">
+        <mc:Choice Requires="a14">
           <p:sp>
             <p:nvSpPr>
               <p:cNvPr id="3" name="Content Placeholder 2"/>
@@ -17583,7 +17551,7 @@
                       <m:sSubPr>
                         <m:ctrlPr>
                           <a:rPr lang="en-US" b="0" i="1" smtClean="0">
-                            <a:latin typeface="Cambria Math"/>
+                            <a:latin typeface="Cambria Math" panose="02040503050406030204" pitchFamily="18" charset="0"/>
                           </a:rPr>
                         </m:ctrlPr>
                       </m:sSubPr>
@@ -17638,7 +17606,7 @@
                       <m:sSubPr>
                         <m:ctrlPr>
                           <a:rPr lang="en-US" b="0" i="1" smtClean="0">
-                            <a:latin typeface="Cambria Math"/>
+                            <a:latin typeface="Cambria Math" panose="02040503050406030204" pitchFamily="18" charset="0"/>
                           </a:rPr>
                         </m:ctrlPr>
                       </m:sSubPr>
@@ -17649,7 +17617,7 @@
                             <m:endChr m:val="|"/>
                             <m:ctrlPr>
                               <a:rPr lang="en-US" b="0" i="1" smtClean="0">
-                                <a:latin typeface="Cambria Math"/>
+                                <a:latin typeface="Cambria Math" panose="02040503050406030204" pitchFamily="18" charset="0"/>
                               </a:rPr>
                             </m:ctrlPr>
                           </m:dPr>
@@ -17660,7 +17628,7 @@
                                 <m:endChr m:val="|"/>
                                 <m:ctrlPr>
                                   <a:rPr lang="en-US" b="0" i="1" smtClean="0">
-                                    <a:latin typeface="Cambria Math"/>
+                                    <a:latin typeface="Cambria Math" panose="02040503050406030204" pitchFamily="18" charset="0"/>
                                   </a:rPr>
                                 </m:ctrlPr>
                               </m:dPr>
@@ -17713,7 +17681,7 @@
                       <m:sSubPr>
                         <m:ctrlPr>
                           <a:rPr lang="en-US" b="0" i="1" smtClean="0">
-                            <a:latin typeface="Cambria Math"/>
+                            <a:latin typeface="Cambria Math" panose="02040503050406030204" pitchFamily="18" charset="0"/>
                           </a:rPr>
                         </m:ctrlPr>
                       </m:sSubPr>
@@ -17753,7 +17721,7 @@
                       <m:sSubSupPr>
                         <m:ctrlPr>
                           <a:rPr lang="en-US" b="0" i="1" smtClean="0">
-                            <a:latin typeface="Cambria Math"/>
+                            <a:latin typeface="Cambria Math" panose="02040503050406030204" pitchFamily="18" charset="0"/>
                             <a:ea typeface="Cambria Math"/>
                           </a:rPr>
                         </m:ctrlPr>
@@ -17808,7 +17776,7 @@
                       <m:sSupPr>
                         <m:ctrlPr>
                           <a:rPr lang="en-US" b="0" i="1" dirty="0" smtClean="0">
-                            <a:latin typeface="Cambria Math"/>
+                            <a:latin typeface="Cambria Math" panose="02040503050406030204" pitchFamily="18" charset="0"/>
                             <a:ea typeface="Cambria Math"/>
                           </a:rPr>
                         </m:ctrlPr>
@@ -17850,7 +17818,7 @@
                       <m:sSubPr>
                         <m:ctrlPr>
                           <a:rPr lang="en-US" b="0" i="1" smtClean="0">
-                            <a:latin typeface="Cambria Math"/>
+                            <a:latin typeface="Cambria Math" panose="02040503050406030204" pitchFamily="18" charset="0"/>
                             <a:ea typeface="Cambria Math"/>
                           </a:rPr>
                         </m:ctrlPr>
@@ -17902,7 +17870,7 @@
                       <m:sSubPr>
                         <m:ctrlPr>
                           <a:rPr lang="en-US" b="0" i="1" smtClean="0">
-                            <a:latin typeface="Cambria Math"/>
+                            <a:latin typeface="Cambria Math" panose="02040503050406030204" pitchFamily="18" charset="0"/>
                             <a:ea typeface="Cambria Math"/>
                           </a:rPr>
                         </m:ctrlPr>
@@ -17933,14 +17901,7 @@
                     <a:latin typeface="Cambria Math"/>
                     <a:ea typeface="Cambria Math"/>
                   </a:rPr>
-                  <a:t>]</a:t>
-                </a:r>
-                <a:r>
-                  <a:rPr lang="en-US" dirty="0" smtClean="0">
-                    <a:latin typeface="Cambria Math"/>
-                    <a:ea typeface="Cambria Math"/>
-                  </a:rPr>
-                  <a:t>=0 (by symmetry)</a:t>
+                  <a:t>]=0 (by symmetry)</a:t>
                 </a:r>
               </a:p>
               <a:p>
@@ -17957,7 +17918,7 @@
                       <m:sSubSupPr>
                         <m:ctrlPr>
                           <a:rPr lang="en-US" b="0" i="1" smtClean="0">
-                            <a:latin typeface="Cambria Math"/>
+                            <a:latin typeface="Cambria Math" panose="02040503050406030204" pitchFamily="18" charset="0"/>
                             <a:ea typeface="Cambria Math"/>
                           </a:rPr>
                         </m:ctrlPr>
@@ -17997,14 +17958,7 @@
                     <a:latin typeface="Cambria Math"/>
                     <a:ea typeface="Cambria Math"/>
                   </a:rPr>
-                  <a:t>]</a:t>
-                </a:r>
-                <a:r>
-                  <a:rPr lang="en-US" dirty="0" smtClean="0">
-                    <a:latin typeface="Cambria Math"/>
-                    <a:ea typeface="Cambria Math"/>
-                  </a:rPr>
-                  <a:t> = </a:t>
+                  <a:t>] = </a:t>
                 </a:r>
                 <a14:m>
                   <m:oMath xmlns:m="http://schemas.openxmlformats.org/officeDocument/2006/math">
@@ -18012,7 +17966,7 @@
                       <m:fPr>
                         <m:ctrlPr>
                           <a:rPr lang="en-US" i="1" dirty="0" smtClean="0">
-                            <a:latin typeface="Cambria Math"/>
+                            <a:latin typeface="Cambria Math" panose="02040503050406030204" pitchFamily="18" charset="0"/>
                             <a:ea typeface="Cambria Math"/>
                           </a:rPr>
                         </m:ctrlPr>
@@ -18052,7 +18006,7 @@
                         <m:chr m:val="∑"/>
                         <m:ctrlPr>
                           <a:rPr lang="en-US" b="0" i="1" smtClean="0">
-                            <a:latin typeface="Cambria Math"/>
+                            <a:latin typeface="Cambria Math" panose="02040503050406030204" pitchFamily="18" charset="0"/>
                             <a:ea typeface="Cambria Math"/>
                           </a:rPr>
                         </m:ctrlPr>
@@ -18087,7 +18041,7 @@
                           <m:sSubSupPr>
                             <m:ctrlPr>
                               <a:rPr lang="en-US" b="0" i="1" smtClean="0">
-                                <a:latin typeface="Cambria Math"/>
+                                <a:latin typeface="Cambria Math" panose="02040503050406030204" pitchFamily="18" charset="0"/>
                                 <a:ea typeface="Cambria Math"/>
                               </a:rPr>
                             </m:ctrlPr>
@@ -18151,7 +18105,7 @@
                       <m:fPr>
                         <m:ctrlPr>
                           <a:rPr lang="en-US" b="0" i="1" dirty="0" smtClean="0">
-                            <a:latin typeface="Cambria Math"/>
+                            <a:latin typeface="Cambria Math" panose="02040503050406030204" pitchFamily="18" charset="0"/>
                             <a:ea typeface="Cambria Math"/>
                           </a:rPr>
                         </m:ctrlPr>
@@ -18196,7 +18150,7 @@
             </p:txBody>
           </p:sp>
         </mc:Choice>
-        <mc:Fallback>
+        <mc:Fallback xmlns="">
           <p:sp>
             <p:nvSpPr>
               <p:cNvPr id="3" name="Content Placeholder 2"/>
@@ -18298,8 +18252,8 @@
           </a:p>
         </p:txBody>
       </p:sp>
-      <mc:AlternateContent xmlns:mc="http://schemas.openxmlformats.org/markup-compatibility/2006">
-        <mc:Choice xmlns:a14="http://schemas.microsoft.com/office/drawing/2010/main" Requires="a14">
+      <mc:AlternateContent xmlns:mc="http://schemas.openxmlformats.org/markup-compatibility/2006" xmlns:a14="http://schemas.microsoft.com/office/drawing/2010/main">
+        <mc:Choice Requires="a14">
           <p:sp>
             <p:nvSpPr>
               <p:cNvPr id="3" name="Content Placeholder 2"/>
@@ -18337,7 +18291,7 @@
                       <m:sSupPr>
                         <m:ctrlPr>
                           <a:rPr lang="en-US" i="1" dirty="0" smtClean="0">
-                            <a:latin typeface="Cambria Math"/>
+                            <a:latin typeface="Cambria Math" panose="02040503050406030204" pitchFamily="18" charset="0"/>
                           </a:rPr>
                         </m:ctrlPr>
                       </m:sSupPr>
@@ -18411,7 +18365,7 @@
                       <m:dPr>
                         <m:ctrlPr>
                           <a:rPr lang="en-US" b="0" i="1" smtClean="0">
-                            <a:latin typeface="Cambria Math"/>
+                            <a:latin typeface="Cambria Math" panose="02040503050406030204" pitchFamily="18" charset="0"/>
                           </a:rPr>
                         </m:ctrlPr>
                       </m:dPr>
@@ -18426,7 +18380,7 @@
                           <m:funcPr>
                             <m:ctrlPr>
                               <a:rPr lang="en-US" b="0" i="1" smtClean="0">
-                                <a:latin typeface="Cambria Math"/>
+                                <a:latin typeface="Cambria Math" panose="02040503050406030204" pitchFamily="18" charset="0"/>
                               </a:rPr>
                             </m:ctrlPr>
                           </m:funcPr>
@@ -18483,7 +18437,7 @@
             </p:txBody>
           </p:sp>
         </mc:Choice>
-        <mc:Fallback>
+        <mc:Fallback xmlns="">
           <p:sp>
             <p:nvSpPr>
               <p:cNvPr id="3" name="Content Placeholder 2"/>
@@ -18773,7 +18727,7 @@
                         <m:funcPr>
                           <m:ctrlPr>
                             <a:rPr lang="en-US" b="0" i="1" smtClean="0">
-                              <a:latin typeface="Cambria Math"/>
+                              <a:latin typeface="Cambria Math" panose="02040503050406030204" pitchFamily="18" charset="0"/>
                             </a:rPr>
                           </m:ctrlPr>
                         </m:funcPr>
@@ -18795,7 +18749,7 @@
                               <m:endChr m:val="]"/>
                               <m:ctrlPr>
                                 <a:rPr lang="en-US" b="0" i="1" smtClean="0">
-                                  <a:latin typeface="Cambria Math"/>
+                                  <a:latin typeface="Cambria Math" panose="02040503050406030204" pitchFamily="18" charset="0"/>
                                 </a:rPr>
                               </m:ctrlPr>
                             </m:dPr>
@@ -18806,7 +18760,7 @@
                                   <m:endChr m:val="|"/>
                                   <m:ctrlPr>
                                     <a:rPr lang="en-US" b="0" i="1" smtClean="0">
-                                      <a:latin typeface="Cambria Math"/>
+                                      <a:latin typeface="Cambria Math" panose="02040503050406030204" pitchFamily="18" charset="0"/>
                                     </a:rPr>
                                   </m:ctrlPr>
                                 </m:dPr>
@@ -18836,7 +18790,7 @@
                                       <m:endChr m:val="]"/>
                                       <m:ctrlPr>
                                         <a:rPr lang="en-US" b="0" i="1" smtClean="0">
-                                          <a:latin typeface="Cambria Math"/>
+                                          <a:latin typeface="Cambria Math" panose="02040503050406030204" pitchFamily="18" charset="0"/>
                                           <a:ea typeface="Cambria Math"/>
                                         </a:rPr>
                                       </m:ctrlPr>
@@ -18879,7 +18833,7 @@
                                   <m:degHide m:val="on"/>
                                   <m:ctrlPr>
                                     <a:rPr lang="en-US" b="0" i="1" smtClean="0">
-                                      <a:latin typeface="Cambria Math"/>
+                                      <a:latin typeface="Cambria Math" panose="02040503050406030204" pitchFamily="18" charset="0"/>
                                       <a:ea typeface="Cambria Math"/>
                                     </a:rPr>
                                   </m:ctrlPr>
@@ -18899,7 +18853,7 @@
                                       <m:endChr m:val="]"/>
                                       <m:ctrlPr>
                                         <a:rPr lang="en-US" b="0" i="1" smtClean="0">
-                                          <a:latin typeface="Cambria Math"/>
+                                          <a:latin typeface="Cambria Math" panose="02040503050406030204" pitchFamily="18" charset="0"/>
                                           <a:ea typeface="Cambria Math"/>
                                         </a:rPr>
                                       </m:ctrlPr>
@@ -18930,7 +18884,7 @@
                         <m:fPr>
                           <m:ctrlPr>
                             <a:rPr lang="en-US" b="0" i="1" smtClean="0">
-                              <a:latin typeface="Cambria Math"/>
+                              <a:latin typeface="Cambria Math" panose="02040503050406030204" pitchFamily="18" charset="0"/>
                             </a:rPr>
                           </m:ctrlPr>
                         </m:fPr>
@@ -18947,7 +18901,7 @@
                             <m:sSupPr>
                               <m:ctrlPr>
                                 <a:rPr lang="en-US" b="0" i="1" smtClean="0">
-                                  <a:latin typeface="Cambria Math"/>
+                                  <a:latin typeface="Cambria Math" panose="02040503050406030204" pitchFamily="18" charset="0"/>
                                 </a:rPr>
                               </m:ctrlPr>
                             </m:sSupPr>
@@ -18991,7 +18945,7 @@
                       <m:funcPr>
                         <m:ctrlPr>
                           <a:rPr lang="en-US" b="0" i="1" smtClean="0">
-                            <a:latin typeface="Cambria Math"/>
+                            <a:latin typeface="Cambria Math" panose="02040503050406030204" pitchFamily="18" charset="0"/>
                           </a:rPr>
                         </m:ctrlPr>
                       </m:funcPr>
@@ -19013,7 +18967,7 @@
                             <m:endChr m:val="]"/>
                             <m:ctrlPr>
                               <a:rPr lang="en-US" b="0" i="1" smtClean="0">
-                                <a:latin typeface="Cambria Math"/>
+                                <a:latin typeface="Cambria Math" panose="02040503050406030204" pitchFamily="18" charset="0"/>
                               </a:rPr>
                             </m:ctrlPr>
                           </m:dPr>
@@ -19024,7 +18978,7 @@
                                 <m:endChr m:val="|"/>
                                 <m:ctrlPr>
                                   <a:rPr lang="en-US" b="0" i="1" smtClean="0">
-                                    <a:latin typeface="Cambria Math"/>
+                                    <a:latin typeface="Cambria Math" panose="02040503050406030204" pitchFamily="18" charset="0"/>
                                   </a:rPr>
                                 </m:ctrlPr>
                               </m:dPr>
@@ -19054,7 +19008,7 @@
                                     <m:endChr m:val="]"/>
                                     <m:ctrlPr>
                                       <a:rPr lang="en-US" b="0" i="1" smtClean="0">
-                                        <a:latin typeface="Cambria Math"/>
+                                        <a:latin typeface="Cambria Math" panose="02040503050406030204" pitchFamily="18" charset="0"/>
                                         <a:ea typeface="Cambria Math"/>
                                       </a:rPr>
                                     </m:ctrlPr>
@@ -19097,7 +19051,7 @@
                                 <m:degHide m:val="on"/>
                                 <m:ctrlPr>
                                   <a:rPr lang="en-US" b="0" i="1" smtClean="0">
-                                    <a:latin typeface="Cambria Math"/>
+                                    <a:latin typeface="Cambria Math" panose="02040503050406030204" pitchFamily="18" charset="0"/>
                                     <a:ea typeface="Cambria Math"/>
                                   </a:rPr>
                                 </m:ctrlPr>
@@ -19117,7 +19071,7 @@
                                     <m:endChr m:val="]"/>
                                     <m:ctrlPr>
                                       <a:rPr lang="en-US" b="0" i="1" smtClean="0">
-                                        <a:latin typeface="Cambria Math"/>
+                                        <a:latin typeface="Cambria Math" panose="02040503050406030204" pitchFamily="18" charset="0"/>
                                         <a:ea typeface="Cambria Math"/>
                                       </a:rPr>
                                     </m:ctrlPr>
@@ -19164,7 +19118,7 @@
                       <m:funcPr>
                         <m:ctrlPr>
                           <a:rPr lang="en-US" b="0" i="1" smtClean="0">
-                            <a:latin typeface="Cambria Math"/>
+                            <a:latin typeface="Cambria Math" panose="02040503050406030204" pitchFamily="18" charset="0"/>
                             <a:ea typeface="Cambria Math"/>
                           </a:rPr>
                         </m:ctrlPr>
@@ -19188,7 +19142,7 @@
                             <m:endChr m:val="]"/>
                             <m:ctrlPr>
                               <a:rPr lang="en-US" b="0" i="1" smtClean="0">
-                                <a:latin typeface="Cambria Math"/>
+                                <a:latin typeface="Cambria Math" panose="02040503050406030204" pitchFamily="18" charset="0"/>
                                 <a:ea typeface="Cambria Math"/>
                               </a:rPr>
                             </m:ctrlPr>
@@ -19198,7 +19152,7 @@
                               <m:sSupPr>
                                 <m:ctrlPr>
                                   <a:rPr lang="en-US" b="0" i="1" smtClean="0">
-                                    <a:latin typeface="Cambria Math"/>
+                                    <a:latin typeface="Cambria Math" panose="02040503050406030204" pitchFamily="18" charset="0"/>
                                     <a:ea typeface="Cambria Math"/>
                                   </a:rPr>
                                 </m:ctrlPr>
@@ -19210,7 +19164,7 @@
                                     <m:endChr m:val="|"/>
                                     <m:ctrlPr>
                                       <a:rPr lang="en-US" b="0" i="1" smtClean="0">
-                                        <a:latin typeface="Cambria Math"/>
+                                        <a:latin typeface="Cambria Math" panose="02040503050406030204" pitchFamily="18" charset="0"/>
                                       </a:rPr>
                                     </m:ctrlPr>
                                   </m:dPr>
@@ -19240,7 +19194,7 @@
                                         <m:endChr m:val="]"/>
                                         <m:ctrlPr>
                                           <a:rPr lang="en-US" b="0" i="1" smtClean="0">
-                                            <a:latin typeface="Cambria Math"/>
+                                            <a:latin typeface="Cambria Math" panose="02040503050406030204" pitchFamily="18" charset="0"/>
                                             <a:ea typeface="Cambria Math"/>
                                           </a:rPr>
                                         </m:ctrlPr>
@@ -19279,7 +19233,7 @@
                               <m:sSupPr>
                                 <m:ctrlPr>
                                   <a:rPr lang="en-US" b="0" i="1" smtClean="0">
-                                    <a:latin typeface="Cambria Math"/>
+                                    <a:latin typeface="Cambria Math" panose="02040503050406030204" pitchFamily="18" charset="0"/>
                                     <a:ea typeface="Cambria Math"/>
                                   </a:rPr>
                                 </m:ctrlPr>
@@ -19316,7 +19270,7 @@
                                 <m:endChr m:val="]"/>
                                 <m:ctrlPr>
                                   <a:rPr lang="en-US" b="0" i="1" smtClean="0">
-                                    <a:latin typeface="Cambria Math"/>
+                                    <a:latin typeface="Cambria Math" panose="02040503050406030204" pitchFamily="18" charset="0"/>
                                     <a:ea typeface="Cambria Math"/>
                                   </a:rPr>
                                 </m:ctrlPr>
@@ -19365,7 +19319,7 @@
                         <m:funcPr>
                           <m:ctrlPr>
                             <a:rPr lang="en-US" b="0" i="1" smtClean="0">
-                              <a:latin typeface="Cambria Math"/>
+                              <a:latin typeface="Cambria Math" panose="02040503050406030204" pitchFamily="18" charset="0"/>
                               <a:ea typeface="Cambria Math"/>
                             </a:rPr>
                           </m:ctrlPr>
@@ -19389,7 +19343,7 @@
                               <m:endChr m:val="]"/>
                               <m:ctrlPr>
                                 <a:rPr lang="en-US" b="0" i="1" smtClean="0">
-                                  <a:latin typeface="Cambria Math"/>
+                                  <a:latin typeface="Cambria Math" panose="02040503050406030204" pitchFamily="18" charset="0"/>
                                   <a:ea typeface="Cambria Math"/>
                                 </a:rPr>
                               </m:ctrlPr>
@@ -19399,7 +19353,7 @@
                                 <m:sSupPr>
                                   <m:ctrlPr>
                                     <a:rPr lang="en-US" b="0" i="1" smtClean="0">
-                                      <a:latin typeface="Cambria Math"/>
+                                      <a:latin typeface="Cambria Math" panose="02040503050406030204" pitchFamily="18" charset="0"/>
                                       <a:ea typeface="Cambria Math"/>
                                     </a:rPr>
                                   </m:ctrlPr>
@@ -19411,7 +19365,7 @@
                                       <m:endChr m:val="|"/>
                                       <m:ctrlPr>
                                         <a:rPr lang="en-US" b="0" i="1" smtClean="0">
-                                          <a:latin typeface="Cambria Math"/>
+                                          <a:latin typeface="Cambria Math" panose="02040503050406030204" pitchFamily="18" charset="0"/>
                                         </a:rPr>
                                       </m:ctrlPr>
                                     </m:dPr>
@@ -19441,7 +19395,7 @@
                                           <m:endChr m:val="]"/>
                                           <m:ctrlPr>
                                             <a:rPr lang="en-US" b="0" i="1" smtClean="0">
-                                              <a:latin typeface="Cambria Math"/>
+                                              <a:latin typeface="Cambria Math" panose="02040503050406030204" pitchFamily="18" charset="0"/>
                                               <a:ea typeface="Cambria Math"/>
                                             </a:rPr>
                                           </m:ctrlPr>
@@ -19480,7 +19434,7 @@
                                 <m:sSupPr>
                                   <m:ctrlPr>
                                     <a:rPr lang="en-US" b="0" i="1" smtClean="0">
-                                      <a:latin typeface="Cambria Math"/>
+                                      <a:latin typeface="Cambria Math" panose="02040503050406030204" pitchFamily="18" charset="0"/>
                                       <a:ea typeface="Cambria Math"/>
                                     </a:rPr>
                                   </m:ctrlPr>
@@ -19508,7 +19462,7 @@
                                 <m:sSupPr>
                                   <m:ctrlPr>
                                     <a:rPr lang="en-US" b="0" i="1" smtClean="0">
-                                      <a:latin typeface="Cambria Math"/>
+                                      <a:latin typeface="Cambria Math" panose="02040503050406030204" pitchFamily="18" charset="0"/>
                                       <a:ea typeface="Cambria Math"/>
                                     </a:rPr>
                                   </m:ctrlPr>
@@ -19534,7 +19488,7 @@
                                       <m:endChr m:val="|"/>
                                       <m:ctrlPr>
                                         <a:rPr lang="en-US" b="0" i="1" smtClean="0">
-                                          <a:latin typeface="Cambria Math"/>
+                                          <a:latin typeface="Cambria Math" panose="02040503050406030204" pitchFamily="18" charset="0"/>
                                         </a:rPr>
                                       </m:ctrlPr>
                                     </m:dPr>
@@ -19564,7 +19518,7 @@
                                           <m:endChr m:val="]"/>
                                           <m:ctrlPr>
                                             <a:rPr lang="en-US" b="0" i="1" smtClean="0">
-                                              <a:latin typeface="Cambria Math"/>
+                                              <a:latin typeface="Cambria Math" panose="02040503050406030204" pitchFamily="18" charset="0"/>
                                               <a:ea typeface="Cambria Math"/>
                                             </a:rPr>
                                           </m:ctrlPr>
@@ -19686,7 +19640,7 @@
                       <m:fPr>
                         <m:ctrlPr>
                           <a:rPr lang="en-US" b="0" i="1" dirty="0" smtClean="0">
-                            <a:latin typeface="Cambria Math"/>
+                            <a:latin typeface="Cambria Math" panose="02040503050406030204" pitchFamily="18" charset="0"/>
                             <a:ea typeface="Cambria Math"/>
                           </a:rPr>
                         </m:ctrlPr>
@@ -19705,7 +19659,7 @@
                           <m:sSupPr>
                             <m:ctrlPr>
                               <a:rPr lang="en-US" b="0" i="1" dirty="0" smtClean="0">
-                                <a:latin typeface="Cambria Math"/>
+                                <a:latin typeface="Cambria Math" panose="02040503050406030204" pitchFamily="18" charset="0"/>
                                 <a:ea typeface="Cambria Math"/>
                               </a:rPr>
                             </m:ctrlPr>
@@ -20293,7 +20247,7 @@
                         <m:funcPr>
                           <m:ctrlPr>
                             <a:rPr lang="en-US" b="0" i="1" smtClean="0">
-                              <a:latin typeface="Cambria Math"/>
+                              <a:latin typeface="Cambria Math" panose="02040503050406030204" pitchFamily="18" charset="0"/>
                             </a:rPr>
                           </m:ctrlPr>
                         </m:funcPr>
@@ -20315,7 +20269,7 @@
                               <m:endChr m:val="]"/>
                               <m:ctrlPr>
                                 <a:rPr lang="en-US" b="0" i="1" smtClean="0">
-                                  <a:latin typeface="Cambria Math"/>
+                                  <a:latin typeface="Cambria Math" panose="02040503050406030204" pitchFamily="18" charset="0"/>
                                 </a:rPr>
                               </m:ctrlPr>
                             </m:dPr>
@@ -20326,7 +20280,7 @@
                                   <m:endChr m:val="|"/>
                                   <m:ctrlPr>
                                     <a:rPr lang="en-US" b="0" i="1" smtClean="0">
-                                      <a:latin typeface="Cambria Math"/>
+                                      <a:latin typeface="Cambria Math" panose="02040503050406030204" pitchFamily="18" charset="0"/>
                                     </a:rPr>
                                   </m:ctrlPr>
                                 </m:dPr>
@@ -20356,7 +20310,7 @@
                                       <m:endChr m:val="]"/>
                                       <m:ctrlPr>
                                         <a:rPr lang="en-US" b="0" i="1" smtClean="0">
-                                          <a:latin typeface="Cambria Math"/>
+                                          <a:latin typeface="Cambria Math" panose="02040503050406030204" pitchFamily="18" charset="0"/>
                                           <a:ea typeface="Cambria Math"/>
                                         </a:rPr>
                                       </m:ctrlPr>
@@ -20399,7 +20353,7 @@
                                   <m:degHide m:val="on"/>
                                   <m:ctrlPr>
                                     <a:rPr lang="en-US" b="0" i="1" smtClean="0">
-                                      <a:latin typeface="Cambria Math"/>
+                                      <a:latin typeface="Cambria Math" panose="02040503050406030204" pitchFamily="18" charset="0"/>
                                       <a:ea typeface="Cambria Math"/>
                                     </a:rPr>
                                   </m:ctrlPr>
@@ -20419,7 +20373,7 @@
                                       <m:endChr m:val="]"/>
                                       <m:ctrlPr>
                                         <a:rPr lang="en-US" b="0" i="1" smtClean="0">
-                                          <a:latin typeface="Cambria Math"/>
+                                          <a:latin typeface="Cambria Math" panose="02040503050406030204" pitchFamily="18" charset="0"/>
                                           <a:ea typeface="Cambria Math"/>
                                         </a:rPr>
                                       </m:ctrlPr>
@@ -20450,7 +20404,7 @@
                         <m:fPr>
                           <m:ctrlPr>
                             <a:rPr lang="en-US" b="0" i="1" smtClean="0">
-                              <a:latin typeface="Cambria Math"/>
+                              <a:latin typeface="Cambria Math" panose="02040503050406030204" pitchFamily="18" charset="0"/>
                             </a:rPr>
                           </m:ctrlPr>
                         </m:fPr>
@@ -20467,7 +20421,7 @@
                             <m:sSupPr>
                               <m:ctrlPr>
                                 <a:rPr lang="en-US" b="0" i="1" smtClean="0">
-                                  <a:latin typeface="Cambria Math"/>
+                                  <a:latin typeface="Cambria Math" panose="02040503050406030204" pitchFamily="18" charset="0"/>
                                 </a:rPr>
                               </m:ctrlPr>
                             </m:sSupPr>
@@ -20510,7 +20464,7 @@
                       <m:sSupPr>
                         <m:ctrlPr>
                           <a:rPr lang="en-US" b="0" i="1" smtClean="0">
-                            <a:latin typeface="Cambria Math"/>
+                            <a:latin typeface="Cambria Math" panose="02040503050406030204" pitchFamily="18" charset="0"/>
                           </a:rPr>
                         </m:ctrlPr>
                       </m:sSupPr>
@@ -20556,7 +20510,7 @@
                         <m:degHide m:val="on"/>
                         <m:ctrlPr>
                           <a:rPr lang="en-US" b="0" i="1" smtClean="0">
-                            <a:latin typeface="Cambria Math"/>
+                            <a:latin typeface="Cambria Math" panose="02040503050406030204" pitchFamily="18" charset="0"/>
                             <a:ea typeface="Cambria Math"/>
                           </a:rPr>
                         </m:ctrlPr>
@@ -20576,7 +20530,7 @@
                             <m:endChr m:val="]"/>
                             <m:ctrlPr>
                               <a:rPr lang="en-US" b="0" i="1" smtClean="0">
-                                <a:latin typeface="Cambria Math"/>
+                                <a:latin typeface="Cambria Math" panose="02040503050406030204" pitchFamily="18" charset="0"/>
                                 <a:ea typeface="Cambria Math"/>
                               </a:rPr>
                             </m:ctrlPr>
@@ -20643,7 +20597,7 @@
                         <m:funcPr>
                           <m:ctrlPr>
                             <a:rPr lang="en-US" b="0" i="1" smtClean="0">
-                              <a:latin typeface="Cambria Math"/>
+                              <a:latin typeface="Cambria Math" panose="02040503050406030204" pitchFamily="18" charset="0"/>
                             </a:rPr>
                           </m:ctrlPr>
                         </m:funcPr>
@@ -20665,7 +20619,7 @@
                               <m:endChr m:val="]"/>
                               <m:ctrlPr>
                                 <a:rPr lang="en-US" b="0" i="1" smtClean="0">
-                                  <a:latin typeface="Cambria Math"/>
+                                  <a:latin typeface="Cambria Math" panose="02040503050406030204" pitchFamily="18" charset="0"/>
                                 </a:rPr>
                               </m:ctrlPr>
                             </m:dPr>
@@ -20676,7 +20630,7 @@
                                   <m:endChr m:val="|"/>
                                   <m:ctrlPr>
                                     <a:rPr lang="en-US" b="0" i="1" smtClean="0">
-                                      <a:latin typeface="Cambria Math"/>
+                                      <a:latin typeface="Cambria Math" panose="02040503050406030204" pitchFamily="18" charset="0"/>
                                     </a:rPr>
                                   </m:ctrlPr>
                                 </m:dPr>
@@ -20706,7 +20660,7 @@
                                       <m:endChr m:val="]"/>
                                       <m:ctrlPr>
                                         <a:rPr lang="en-US" b="0" i="1" smtClean="0">
-                                          <a:latin typeface="Cambria Math"/>
+                                          <a:latin typeface="Cambria Math" panose="02040503050406030204" pitchFamily="18" charset="0"/>
                                           <a:ea typeface="Cambria Math"/>
                                         </a:rPr>
                                       </m:ctrlPr>
@@ -20758,7 +20712,7 @@
                         <m:fPr>
                           <m:ctrlPr>
                             <a:rPr lang="en-US" b="0" i="1" smtClean="0">
-                              <a:latin typeface="Cambria Math"/>
+                              <a:latin typeface="Cambria Math" panose="02040503050406030204" pitchFamily="18" charset="0"/>
                             </a:rPr>
                           </m:ctrlPr>
                         </m:fPr>
@@ -20776,7 +20730,7 @@
                               <m:endChr m:val="]"/>
                               <m:ctrlPr>
                                 <a:rPr lang="en-US" b="0" i="1" smtClean="0">
-                                  <a:latin typeface="Cambria Math"/>
+                                  <a:latin typeface="Cambria Math" panose="02040503050406030204" pitchFamily="18" charset="0"/>
                                   <a:ea typeface="Cambria Math"/>
                                 </a:rPr>
                               </m:ctrlPr>
@@ -20797,7 +20751,7 @@
                             <m:sSupPr>
                               <m:ctrlPr>
                                 <a:rPr lang="en-US" b="0" i="1" smtClean="0">
-                                  <a:latin typeface="Cambria Math"/>
+                                  <a:latin typeface="Cambria Math" panose="02040503050406030204" pitchFamily="18" charset="0"/>
                                 </a:rPr>
                               </m:ctrlPr>
                             </m:sSupPr>
@@ -21208,8 +21162,8 @@
           </a:p>
         </p:txBody>
       </p:sp>
-      <mc:AlternateContent xmlns:mc="http://schemas.openxmlformats.org/markup-compatibility/2006" xmlns:a14="http://schemas.microsoft.com/office/drawing/2010/main">
-        <mc:Choice Requires="a14">
+      <mc:AlternateContent xmlns:mc="http://schemas.openxmlformats.org/markup-compatibility/2006">
+        <mc:Choice xmlns:a14="http://schemas.microsoft.com/office/drawing/2010/main" Requires="a14">
           <p:sp>
             <p:nvSpPr>
               <p:cNvPr id="3" name="Content Placeholder 2"/>
@@ -21285,7 +21239,7 @@
                       <m:funcPr>
                         <m:ctrlPr>
                           <a:rPr lang="en-US" b="0" i="1" smtClean="0">
-                            <a:latin typeface="Cambria Math"/>
+                            <a:latin typeface="Cambria Math" panose="02040503050406030204" pitchFamily="18" charset="0"/>
                           </a:rPr>
                         </m:ctrlPr>
                       </m:funcPr>
@@ -21307,7 +21261,7 @@
                             <m:endChr m:val="]"/>
                             <m:ctrlPr>
                               <a:rPr lang="en-US" b="0" i="1" smtClean="0">
-                                <a:latin typeface="Cambria Math"/>
+                                <a:latin typeface="Cambria Math" panose="02040503050406030204" pitchFamily="18" charset="0"/>
                               </a:rPr>
                             </m:ctrlPr>
                           </m:dPr>
@@ -21318,7 +21272,7 @@
                                 <m:endChr m:val="|"/>
                                 <m:ctrlPr>
                                   <a:rPr lang="en-US" b="0" i="1" smtClean="0">
-                                    <a:latin typeface="Cambria Math"/>
+                                    <a:latin typeface="Cambria Math" panose="02040503050406030204" pitchFamily="18" charset="0"/>
                                   </a:rPr>
                                 </m:ctrlPr>
                               </m:dPr>
@@ -21348,7 +21302,7 @@
                                     <m:endChr m:val="]"/>
                                     <m:ctrlPr>
                                       <a:rPr lang="en-US" b="0" i="1" smtClean="0">
-                                        <a:latin typeface="Cambria Math"/>
+                                        <a:latin typeface="Cambria Math" panose="02040503050406030204" pitchFamily="18" charset="0"/>
                                         <a:ea typeface="Cambria Math"/>
                                       </a:rPr>
                                     </m:ctrlPr>
@@ -21400,7 +21354,7 @@
                       <m:fPr>
                         <m:ctrlPr>
                           <a:rPr lang="en-US" b="0" i="1" smtClean="0">
-                            <a:latin typeface="Cambria Math"/>
+                            <a:latin typeface="Cambria Math" panose="02040503050406030204" pitchFamily="18" charset="0"/>
                           </a:rPr>
                         </m:ctrlPr>
                       </m:fPr>
@@ -21418,7 +21372,7 @@
                             <m:endChr m:val="]"/>
                             <m:ctrlPr>
                               <a:rPr lang="en-US" b="0" i="1" smtClean="0">
-                                <a:latin typeface="Cambria Math"/>
+                                <a:latin typeface="Cambria Math" panose="02040503050406030204" pitchFamily="18" charset="0"/>
                                 <a:ea typeface="Cambria Math"/>
                               </a:rPr>
                             </m:ctrlPr>
@@ -21439,7 +21393,7 @@
                           <m:sSupPr>
                             <m:ctrlPr>
                               <a:rPr lang="en-US" b="0" i="1" smtClean="0">
-                                <a:latin typeface="Cambria Math"/>
+                                <a:latin typeface="Cambria Math" panose="02040503050406030204" pitchFamily="18" charset="0"/>
                               </a:rPr>
                             </m:ctrlPr>
                           </m:sSupPr>
@@ -21490,7 +21444,7 @@
                           <m:endChr m:val="]"/>
                           <m:ctrlPr>
                             <a:rPr lang="en-US" b="0" i="1" smtClean="0">
-                              <a:latin typeface="Cambria Math"/>
+                              <a:latin typeface="Cambria Math" panose="02040503050406030204" pitchFamily="18" charset="0"/>
                             </a:rPr>
                           </m:ctrlPr>
                         </m:dPr>
@@ -21527,7 +21481,7 @@
                           <m:endChr m:val="]"/>
                           <m:ctrlPr>
                             <a:rPr lang="en-US" b="0" i="1" smtClean="0">
-                              <a:latin typeface="Cambria Math"/>
+                              <a:latin typeface="Cambria Math" panose="02040503050406030204" pitchFamily="18" charset="0"/>
                             </a:rPr>
                           </m:ctrlPr>
                         </m:dPr>
@@ -21566,84 +21520,101 @@
                   <a:buNone/>
                 </a:pPr>
                 <a14:m>
+                  <m:oMathPara xmlns:m="http://schemas.openxmlformats.org/officeDocument/2006/math">
+                    <m:oMathParaPr>
+                      <m:jc m:val="centerGroup"/>
+                    </m:oMathParaPr>
+                    <m:oMath xmlns:m="http://schemas.openxmlformats.org/officeDocument/2006/math">
+                      <m:func>
+                        <m:funcPr>
+                          <m:ctrlPr>
+                            <a:rPr lang="en-US" b="0" i="1" smtClean="0">
+                              <a:latin typeface="Cambria Math" panose="02040503050406030204" pitchFamily="18" charset="0"/>
+                            </a:rPr>
+                          </m:ctrlPr>
+                        </m:funcPr>
+                        <m:fName>
+                          <m:r>
+                            <m:rPr>
+                              <m:sty m:val="p"/>
+                            </m:rPr>
+                            <a:rPr lang="en-US" b="0" i="0" smtClean="0">
+                              <a:latin typeface="Cambria Math"/>
+                            </a:rPr>
+                            <m:t>Pr</m:t>
+                          </m:r>
+                        </m:fName>
+                        <m:e>
+                          <m:d>
+                            <m:dPr>
+                              <m:begChr m:val="["/>
+                              <m:endChr m:val="]"/>
+                              <m:ctrlPr>
+                                <a:rPr lang="en-US" b="0" i="1" smtClean="0">
+                                  <a:latin typeface="Cambria Math" panose="02040503050406030204" pitchFamily="18" charset="0"/>
+                                </a:rPr>
+                              </m:ctrlPr>
+                            </m:dPr>
+                            <m:e>
+                              <m:r>
+                                <a:rPr lang="en-US" b="0" i="1" smtClean="0">
+                                  <a:latin typeface="Cambria Math"/>
+                                </a:rPr>
+                                <m:t>𝑉𝑎𝑙𝑢𝑒</m:t>
+                              </m:r>
+                              <m:r>
+                                <a:rPr lang="en-US" b="0" i="1" smtClean="0">
+                                  <a:latin typeface="Cambria Math"/>
+                                </a:rPr>
+                                <m:t>≥4 </m:t>
+                              </m:r>
+                              <m:r>
+                                <a:rPr lang="en-US" b="0" i="1" smtClean="0">
+                                  <a:latin typeface="Cambria Math"/>
+                                </a:rPr>
+                                <m:t>𝑜𝑟</m:t>
+                              </m:r>
+                              <m:r>
+                                <a:rPr lang="en-US" b="0" i="1" smtClean="0">
+                                  <a:latin typeface="Cambria Math"/>
+                                </a:rPr>
+                                <m:t> </m:t>
+                              </m:r>
+                              <m:r>
+                                <a:rPr lang="en-US" b="0" i="1" smtClean="0">
+                                  <a:latin typeface="Cambria Math"/>
+                                </a:rPr>
+                                <m:t>𝑉𝑎𝑙𝑢𝑒</m:t>
+                              </m:r>
+                              <m:r>
+                                <a:rPr lang="en-US" b="0" i="1" smtClean="0">
+                                  <a:latin typeface="Cambria Math"/>
+                                </a:rPr>
+                                <m:t>≤3</m:t>
+                              </m:r>
+                            </m:e>
+                          </m:d>
+                        </m:e>
+                      </m:func>
+                      <m:r>
+                        <a:rPr lang="en-US" b="0" i="1" smtClean="0">
+                          <a:latin typeface="Cambria Math"/>
+                        </a:rPr>
+                        <m:t>=</m:t>
+                      </m:r>
+                    </m:oMath>
+                  </m:oMathPara>
+                </a14:m>
+                <a:endParaRPr lang="en-US" b="0" i="1" dirty="0" smtClean="0">
+                  <a:latin typeface="Cambria Math"/>
+                </a:endParaRPr>
+              </a:p>
+              <a:p>
+                <a:pPr marL="0" indent="0" algn="ctr">
+                  <a:buNone/>
+                </a:pPr>
+                <a14:m>
                   <m:oMath xmlns:m="http://schemas.openxmlformats.org/officeDocument/2006/math">
-                    <m:func>
-                      <m:funcPr>
-                        <m:ctrlPr>
-                          <a:rPr lang="en-US" b="0" i="1" smtClean="0">
-                            <a:latin typeface="Cambria Math"/>
-                          </a:rPr>
-                        </m:ctrlPr>
-                      </m:funcPr>
-                      <m:fName>
-                        <m:r>
-                          <m:rPr>
-                            <m:sty m:val="p"/>
-                          </m:rPr>
-                          <a:rPr lang="en-US" b="0" i="0" smtClean="0">
-                            <a:latin typeface="Cambria Math"/>
-                          </a:rPr>
-                          <m:t>Pr</m:t>
-                        </m:r>
-                      </m:fName>
-                      <m:e>
-                        <m:d>
-                          <m:dPr>
-                            <m:begChr m:val="["/>
-                            <m:endChr m:val="]"/>
-                            <m:ctrlPr>
-                              <a:rPr lang="en-US" b="0" i="1" smtClean="0">
-                                <a:latin typeface="Cambria Math"/>
-                              </a:rPr>
-                            </m:ctrlPr>
-                          </m:dPr>
-                          <m:e>
-                            <m:r>
-                              <a:rPr lang="en-US" b="0" i="1" smtClean="0">
-                                <a:latin typeface="Cambria Math"/>
-                              </a:rPr>
-                              <m:t>𝑉𝑎𝑙𝑢𝑒</m:t>
-                            </m:r>
-                            <m:r>
-                              <a:rPr lang="en-US" b="0" i="1" smtClean="0">
-                                <a:latin typeface="Cambria Math"/>
-                              </a:rPr>
-                              <m:t>≥4 </m:t>
-                            </m:r>
-                            <m:r>
-                              <a:rPr lang="en-US" b="0" i="1" smtClean="0">
-                                <a:latin typeface="Cambria Math"/>
-                              </a:rPr>
-                              <m:t>𝑜𝑟</m:t>
-                            </m:r>
-                            <m:r>
-                              <a:rPr lang="en-US" b="0" i="1" smtClean="0">
-                                <a:latin typeface="Cambria Math"/>
-                              </a:rPr>
-                              <m:t> </m:t>
-                            </m:r>
-                            <m:r>
-                              <a:rPr lang="en-US" b="0" i="1" smtClean="0">
-                                <a:latin typeface="Cambria Math"/>
-                              </a:rPr>
-                              <m:t>𝑉𝑎𝑙𝑢𝑒</m:t>
-                            </m:r>
-                            <m:r>
-                              <a:rPr lang="en-US" b="0" i="1" smtClean="0">
-                                <a:latin typeface="Cambria Math"/>
-                              </a:rPr>
-                              <m:t>≤3</m:t>
-                            </m:r>
-                          </m:e>
-                        </m:d>
-                      </m:e>
-                    </m:func>
-                    <m:r>
-                      <a:rPr lang="en-US" b="0" i="1" smtClean="0">
-                        <a:latin typeface="Cambria Math"/>
-                      </a:rPr>
-                      <m:t>=</m:t>
-                    </m:r>
                     <m:r>
                       <a:rPr lang="en-US" b="0" i="1" smtClean="0">
                         <a:latin typeface="Cambria Math"/>
@@ -21656,7 +21627,7 @@
                         <m:endChr m:val="]"/>
                         <m:ctrlPr>
                           <a:rPr lang="en-US" b="0" i="1" smtClean="0">
-                            <a:latin typeface="Cambria Math"/>
+                            <a:latin typeface="Cambria Math" panose="02040503050406030204" pitchFamily="18" charset="0"/>
                           </a:rPr>
                         </m:ctrlPr>
                       </m:dPr>
@@ -21667,7 +21638,7 @@
                             <m:endChr m:val="|"/>
                             <m:ctrlPr>
                               <a:rPr lang="en-US" b="0" i="1" smtClean="0">
-                                <a:latin typeface="Cambria Math"/>
+                                <a:latin typeface="Cambria Math" panose="02040503050406030204" pitchFamily="18" charset="0"/>
                               </a:rPr>
                             </m:ctrlPr>
                           </m:dPr>
@@ -21688,9 +21659,15 @@
                         </m:d>
                         <m:r>
                           <a:rPr lang="en-US" b="0" i="1" smtClean="0">
+                            <a:latin typeface="Cambria Math" panose="02040503050406030204" pitchFamily="18" charset="0"/>
+                          </a:rPr>
+                          <m:t>≥</m:t>
+                        </m:r>
+                        <m:r>
+                          <a:rPr lang="en-US" b="0" i="1" smtClean="0">
                             <a:latin typeface="Cambria Math"/>
                           </a:rPr>
-                          <m:t>&gt;0.5</m:t>
+                          <m:t>0.5</m:t>
                         </m:r>
                       </m:e>
                     </m:d>
@@ -21704,7 +21681,7 @@
                       <m:fPr>
                         <m:ctrlPr>
                           <a:rPr lang="en-US" b="0" i="1" smtClean="0">
-                            <a:latin typeface="Cambria Math"/>
+                            <a:latin typeface="Cambria Math" panose="02040503050406030204" pitchFamily="18" charset="0"/>
                           </a:rPr>
                         </m:ctrlPr>
                       </m:fPr>
@@ -21721,7 +21698,7 @@
                           <m:sSupPr>
                             <m:ctrlPr>
                               <a:rPr lang="en-US" b="0" i="1" smtClean="0">
-                                <a:latin typeface="Cambria Math"/>
+                                <a:latin typeface="Cambria Math" panose="02040503050406030204" pitchFamily="18" charset="0"/>
                               </a:rPr>
                             </m:ctrlPr>
                           </m:sSupPr>
@@ -21790,7 +21767,7 @@
                       <m:funcPr>
                         <m:ctrlPr>
                           <a:rPr lang="en-US" b="0" i="1" smtClean="0">
-                            <a:latin typeface="Cambria Math"/>
+                            <a:latin typeface="Cambria Math" panose="02040503050406030204" pitchFamily="18" charset="0"/>
                           </a:rPr>
                         </m:ctrlPr>
                       </m:funcPr>
@@ -21812,7 +21789,7 @@
                             <m:endChr m:val="]"/>
                             <m:ctrlPr>
                               <a:rPr lang="en-US" b="0" i="1" smtClean="0">
-                                <a:latin typeface="Cambria Math"/>
+                                <a:latin typeface="Cambria Math" panose="02040503050406030204" pitchFamily="18" charset="0"/>
                               </a:rPr>
                             </m:ctrlPr>
                           </m:dPr>
@@ -21867,7 +21844,7 @@
                       <m:fPr>
                         <m:ctrlPr>
                           <a:rPr lang="en-US" b="0" i="1" smtClean="0">
-                            <a:latin typeface="Cambria Math"/>
+                            <a:latin typeface="Cambria Math" panose="02040503050406030204" pitchFamily="18" charset="0"/>
                           </a:rPr>
                         </m:ctrlPr>
                       </m:fPr>
@@ -21884,7 +21861,7 @@
                           <m:sSupPr>
                             <m:ctrlPr>
                               <a:rPr lang="en-US" b="0" i="1" smtClean="0">
-                                <a:latin typeface="Cambria Math"/>
+                                <a:latin typeface="Cambria Math" panose="02040503050406030204" pitchFamily="18" charset="0"/>
                               </a:rPr>
                             </m:ctrlPr>
                           </m:sSupPr>
@@ -21925,7 +21902,7 @@
                       <m:dPr>
                         <m:ctrlPr>
                           <a:rPr lang="en-US" b="0" i="1" dirty="0" smtClean="0">
-                            <a:latin typeface="Cambria Math"/>
+                            <a:latin typeface="Cambria Math" panose="02040503050406030204" pitchFamily="18" charset="0"/>
                           </a:rPr>
                         </m:ctrlPr>
                       </m:dPr>
@@ -21970,7 +21947,7 @@
                       <m:funcPr>
                         <m:ctrlPr>
                           <a:rPr lang="en-US" b="0" i="1" smtClean="0">
-                            <a:latin typeface="Cambria Math"/>
+                            <a:latin typeface="Cambria Math" panose="02040503050406030204" pitchFamily="18" charset="0"/>
                           </a:rPr>
                         </m:ctrlPr>
                       </m:funcPr>
@@ -21992,7 +21969,7 @@
                             <m:endChr m:val="]"/>
                             <m:ctrlPr>
                               <a:rPr lang="en-US" b="0" i="1" smtClean="0">
-                                <a:latin typeface="Cambria Math"/>
+                                <a:latin typeface="Cambria Math" panose="02040503050406030204" pitchFamily="18" charset="0"/>
                               </a:rPr>
                             </m:ctrlPr>
                           </m:dPr>
@@ -22047,7 +22024,7 @@
                       <m:fPr>
                         <m:ctrlPr>
                           <a:rPr lang="en-US" b="0" i="1" smtClean="0">
-                            <a:latin typeface="Cambria Math"/>
+                            <a:latin typeface="Cambria Math" panose="02040503050406030204" pitchFamily="18" charset="0"/>
                           </a:rPr>
                         </m:ctrlPr>
                       </m:fPr>
@@ -22064,7 +22041,7 @@
                           <m:sSupPr>
                             <m:ctrlPr>
                               <a:rPr lang="en-US" b="0" i="1" smtClean="0">
-                                <a:latin typeface="Cambria Math"/>
+                                <a:latin typeface="Cambria Math" panose="02040503050406030204" pitchFamily="18" charset="0"/>
                               </a:rPr>
                             </m:ctrlPr>
                           </m:sSupPr>
@@ -22111,7 +22088,7 @@
                       <m:dPr>
                         <m:ctrlPr>
                           <a:rPr lang="en-US" b="0" i="1" dirty="0" smtClean="0">
-                            <a:latin typeface="Cambria Math"/>
+                            <a:latin typeface="Cambria Math" panose="02040503050406030204" pitchFamily="18" charset="0"/>
                           </a:rPr>
                         </m:ctrlPr>
                       </m:dPr>
@@ -22155,7 +22132,7 @@
             </p:txBody>
           </p:sp>
         </mc:Choice>
-        <mc:Fallback xmlns="">
+        <mc:Fallback>
           <p:sp>
             <p:nvSpPr>
               <p:cNvPr id="3" name="Content Placeholder 2"/>
@@ -22171,7 +22148,7 @@
                 <a:off x="304800" y="1600200"/>
                 <a:ext cx="8839200" cy="5105400"/>
               </a:xfrm>
-              <a:blipFill rotWithShape="1">
+              <a:blipFill>
                 <a:blip r:embed="rId2"/>
                 <a:stretch>
                   <a:fillRect/>
@@ -22486,6 +22463,55 @@
                       </p:childTnLst>
                     </p:cTn>
                   </p:par>
+                  <p:par>
+                    <p:cTn id="23" fill="hold">
+                      <p:stCondLst>
+                        <p:cond delay="indefinite"/>
+                      </p:stCondLst>
+                      <p:childTnLst>
+                        <p:par>
+                          <p:cTn id="24" fill="hold">
+                            <p:stCondLst>
+                              <p:cond delay="0"/>
+                            </p:stCondLst>
+                            <p:childTnLst>
+                              <p:par>
+                                <p:cTn id="25" presetID="1" presetClass="entr" presetSubtype="0" fill="hold" grpId="0" nodeType="clickEffect">
+                                  <p:stCondLst>
+                                    <p:cond delay="0"/>
+                                  </p:stCondLst>
+                                  <p:childTnLst>
+                                    <p:set>
+                                      <p:cBhvr>
+                                        <p:cTn id="26" dur="1" fill="hold">
+                                          <p:stCondLst>
+                                            <p:cond delay="0"/>
+                                          </p:stCondLst>
+                                        </p:cTn>
+                                        <p:tgtEl>
+                                          <p:spTgt spid="3">
+                                            <p:txEl>
+                                              <p:pRg st="6" end="6"/>
+                                            </p:txEl>
+                                          </p:spTgt>
+                                        </p:tgtEl>
+                                        <p:attrNameLst>
+                                          <p:attrName>style.visibility</p:attrName>
+                                        </p:attrNameLst>
+                                      </p:cBhvr>
+                                      <p:to>
+                                        <p:strVal val="visible"/>
+                                      </p:to>
+                                    </p:set>
+                                  </p:childTnLst>
+                                </p:cTn>
+                              </p:par>
+                            </p:childTnLst>
+                          </p:cTn>
+                        </p:par>
+                      </p:childTnLst>
+                    </p:cTn>
+                  </p:par>
                 </p:childTnLst>
               </p:cTn>
               <p:prevCondLst>
@@ -22615,7 +22641,7 @@
                       <m:sSubPr>
                         <m:ctrlPr>
                           <a:rPr lang="en-US" b="0" i="1" smtClean="0">
-                            <a:latin typeface="Cambria Math"/>
+                            <a:latin typeface="Cambria Math" panose="02040503050406030204" pitchFamily="18" charset="0"/>
                           </a:rPr>
                         </m:ctrlPr>
                       </m:sSubPr>
@@ -22657,7 +22683,7 @@
                         <m:funcPr>
                           <m:ctrlPr>
                             <a:rPr lang="en-US" i="1" dirty="0" smtClean="0">
-                              <a:latin typeface="Cambria Math"/>
+                              <a:latin typeface="Cambria Math" panose="02040503050406030204" pitchFamily="18" charset="0"/>
                             </a:rPr>
                           </m:ctrlPr>
                         </m:funcPr>
@@ -22679,7 +22705,7 @@
                               <m:endChr m:val="]"/>
                               <m:ctrlPr>
                                 <a:rPr lang="en-US" i="1" dirty="0" smtClean="0">
-                                  <a:latin typeface="Cambria Math"/>
+                                  <a:latin typeface="Cambria Math" panose="02040503050406030204" pitchFamily="18" charset="0"/>
                                 </a:rPr>
                               </m:ctrlPr>
                             </m:dPr>
@@ -22694,7 +22720,7 @@
                                 <m:sSubPr>
                                   <m:ctrlPr>
                                     <a:rPr lang="en-US" b="0" i="1" dirty="0" smtClean="0">
-                                      <a:latin typeface="Cambria Math"/>
+                                      <a:latin typeface="Cambria Math" panose="02040503050406030204" pitchFamily="18" charset="0"/>
                                     </a:rPr>
                                   </m:ctrlPr>
                                 </m:sSubPr>
@@ -22743,7 +22769,7 @@
                                 <m:sSubPr>
                                   <m:ctrlPr>
                                     <a:rPr lang="en-US" b="0" i="1" dirty="0" smtClean="0">
-                                      <a:latin typeface="Cambria Math"/>
+                                      <a:latin typeface="Cambria Math" panose="02040503050406030204" pitchFamily="18" charset="0"/>
                                     </a:rPr>
                                   </m:ctrlPr>
                                 </m:sSubPr>
@@ -22792,7 +22818,7 @@
                       <m:sSubPr>
                         <m:ctrlPr>
                           <a:rPr lang="en-US" b="0" i="1" smtClean="0">
-                            <a:latin typeface="Cambria Math"/>
+                            <a:latin typeface="Cambria Math" panose="02040503050406030204" pitchFamily="18" charset="0"/>
                           </a:rPr>
                         </m:ctrlPr>
                       </m:sSubPr>
@@ -22845,7 +22871,7 @@
                       <m:fPr>
                         <m:ctrlPr>
                           <a:rPr lang="en-US" i="1" dirty="0" smtClean="0">
-                            <a:latin typeface="Cambria Math"/>
+                            <a:latin typeface="Cambria Math" panose="02040503050406030204" pitchFamily="18" charset="0"/>
                           </a:rPr>
                         </m:ctrlPr>
                       </m:fPr>
@@ -22877,7 +22903,7 @@
                         <m:chr m:val="∑"/>
                         <m:ctrlPr>
                           <a:rPr lang="en-US" b="0" i="1" dirty="0" smtClean="0">
-                            <a:latin typeface="Cambria Math"/>
+                            <a:latin typeface="Cambria Math" panose="02040503050406030204" pitchFamily="18" charset="0"/>
                           </a:rPr>
                         </m:ctrlPr>
                       </m:naryPr>
@@ -22908,7 +22934,7 @@
                           <m:sSubPr>
                             <m:ctrlPr>
                               <a:rPr lang="en-US" b="0" i="1" dirty="0" smtClean="0">
-                                <a:latin typeface="Cambria Math"/>
+                                <a:latin typeface="Cambria Math" panose="02040503050406030204" pitchFamily="18" charset="0"/>
                               </a:rPr>
                             </m:ctrlPr>
                           </m:sSubPr>
@@ -22999,7 +23025,7 @@
                           <m:endChr m:val="]"/>
                           <m:ctrlPr>
                             <a:rPr lang="en-US" b="0" i="1" smtClean="0">
-                              <a:latin typeface="Cambria Math"/>
+                              <a:latin typeface="Cambria Math" panose="02040503050406030204" pitchFamily="18" charset="0"/>
                             </a:rPr>
                           </m:ctrlPr>
                         </m:dPr>
@@ -23030,7 +23056,7 @@
                           <m:endChr m:val="]"/>
                           <m:ctrlPr>
                             <a:rPr lang="en-US" b="0" i="1" smtClean="0">
-                              <a:latin typeface="Cambria Math"/>
+                              <a:latin typeface="Cambria Math" panose="02040503050406030204" pitchFamily="18" charset="0"/>
                             </a:rPr>
                           </m:ctrlPr>
                         </m:dPr>
@@ -23039,7 +23065,7 @@
                             <m:fPr>
                               <m:ctrlPr>
                                 <a:rPr lang="en-US" b="0" i="1" smtClean="0">
-                                  <a:latin typeface="Cambria Math"/>
+                                  <a:latin typeface="Cambria Math" panose="02040503050406030204" pitchFamily="18" charset="0"/>
                                 </a:rPr>
                               </m:ctrlPr>
                             </m:fPr>
@@ -23065,7 +23091,7 @@
                               <m:chr m:val="∑"/>
                               <m:ctrlPr>
                                 <a:rPr lang="en-US" b="0" i="1" smtClean="0">
-                                  <a:latin typeface="Cambria Math"/>
+                                  <a:latin typeface="Cambria Math" panose="02040503050406030204" pitchFamily="18" charset="0"/>
                                 </a:rPr>
                               </m:ctrlPr>
                             </m:naryPr>
@@ -23096,7 +23122,7 @@
                                 <m:sSubPr>
                                   <m:ctrlPr>
                                     <a:rPr lang="en-US" b="0" i="1" smtClean="0">
-                                      <a:latin typeface="Cambria Math"/>
+                                      <a:latin typeface="Cambria Math" panose="02040503050406030204" pitchFamily="18" charset="0"/>
                                     </a:rPr>
                                   </m:ctrlPr>
                                 </m:sSubPr>
@@ -23131,7 +23157,7 @@
                         <m:fPr>
                           <m:ctrlPr>
                             <a:rPr lang="en-US" b="0" i="1" smtClean="0">
-                              <a:latin typeface="Cambria Math"/>
+                              <a:latin typeface="Cambria Math" panose="02040503050406030204" pitchFamily="18" charset="0"/>
                             </a:rPr>
                           </m:ctrlPr>
                         </m:fPr>
@@ -23164,7 +23190,7 @@
                           <m:endChr m:val="]"/>
                           <m:ctrlPr>
                             <a:rPr lang="en-US" b="0" i="1" smtClean="0">
-                              <a:latin typeface="Cambria Math"/>
+                              <a:latin typeface="Cambria Math" panose="02040503050406030204" pitchFamily="18" charset="0"/>
                             </a:rPr>
                           </m:ctrlPr>
                         </m:dPr>
@@ -23174,7 +23200,7 @@
                               <m:chr m:val="∑"/>
                               <m:ctrlPr>
                                 <a:rPr lang="en-US" b="0" i="1" smtClean="0">
-                                  <a:latin typeface="Cambria Math"/>
+                                  <a:latin typeface="Cambria Math" panose="02040503050406030204" pitchFamily="18" charset="0"/>
                                 </a:rPr>
                               </m:ctrlPr>
                             </m:naryPr>
@@ -23205,7 +23231,7 @@
                                 <m:sSubPr>
                                   <m:ctrlPr>
                                     <a:rPr lang="en-US" b="0" i="1" smtClean="0">
-                                      <a:latin typeface="Cambria Math"/>
+                                      <a:latin typeface="Cambria Math" panose="02040503050406030204" pitchFamily="18" charset="0"/>
                                     </a:rPr>
                                   </m:ctrlPr>
                                 </m:sSubPr>
@@ -23246,7 +23272,7 @@
                               <a:solidFill>
                                 <a:schemeClr val="tx1"/>
                               </a:solidFill>
-                              <a:latin typeface="Cambria Math"/>
+                              <a:latin typeface="Cambria Math" panose="02040503050406030204" pitchFamily="18" charset="0"/>
                             </a:rPr>
                           </m:ctrlPr>
                         </m:fPr>
@@ -23278,7 +23304,7 @@
                           <m:chr m:val="∑"/>
                           <m:ctrlPr>
                             <a:rPr lang="en-US" b="0" i="1" smtClean="0">
-                              <a:latin typeface="Cambria Math"/>
+                              <a:latin typeface="Cambria Math" panose="02040503050406030204" pitchFamily="18" charset="0"/>
                             </a:rPr>
                           </m:ctrlPr>
                         </m:naryPr>
@@ -23317,7 +23343,7 @@
                               <m:endChr m:val="]"/>
                               <m:ctrlPr>
                                 <a:rPr lang="en-US" b="0" i="1" smtClean="0">
-                                  <a:latin typeface="Cambria Math"/>
+                                  <a:latin typeface="Cambria Math" panose="02040503050406030204" pitchFamily="18" charset="0"/>
                                 </a:rPr>
                               </m:ctrlPr>
                             </m:dPr>
@@ -23326,7 +23352,7 @@
                                 <m:sSubPr>
                                   <m:ctrlPr>
                                     <a:rPr lang="en-US" b="0" i="1" smtClean="0">
-                                      <a:latin typeface="Cambria Math"/>
+                                      <a:latin typeface="Cambria Math" panose="02040503050406030204" pitchFamily="18" charset="0"/>
                                     </a:rPr>
                                   </m:ctrlPr>
                                 </m:sSubPr>
@@ -23359,7 +23385,7 @@
                             <m:fPr>
                               <m:ctrlPr>
                                 <a:rPr lang="en-US" b="0" i="1" smtClean="0">
-                                  <a:latin typeface="Cambria Math"/>
+                                  <a:latin typeface="Cambria Math" panose="02040503050406030204" pitchFamily="18" charset="0"/>
                                 </a:rPr>
                               </m:ctrlPr>
                             </m:fPr>
@@ -23875,11 +23901,7 @@
           <a:p>
             <a:r>
               <a:rPr lang="en-US" dirty="0" smtClean="0"/>
-              <a:t>No </a:t>
-            </a:r>
-            <a:r>
-              <a:rPr lang="en-US" dirty="0" smtClean="0"/>
-              <a:t>programming!</a:t>
+              <a:t>No programming!</a:t>
             </a:r>
             <a:endParaRPr lang="en-US" dirty="0"/>
           </a:p>
@@ -24150,7 +24172,7 @@
                       <m:sSubPr>
                         <m:ctrlPr>
                           <a:rPr lang="en-US" b="0" i="1" smtClean="0">
-                            <a:latin typeface="Cambria Math"/>
+                            <a:latin typeface="Cambria Math" panose="02040503050406030204" pitchFamily="18" charset="0"/>
                           </a:rPr>
                         </m:ctrlPr>
                       </m:sSubPr>
@@ -24192,7 +24214,7 @@
                         <m:funcPr>
                           <m:ctrlPr>
                             <a:rPr lang="en-US" i="1" dirty="0" smtClean="0">
-                              <a:latin typeface="Cambria Math"/>
+                              <a:latin typeface="Cambria Math" panose="02040503050406030204" pitchFamily="18" charset="0"/>
                             </a:rPr>
                           </m:ctrlPr>
                         </m:funcPr>
@@ -24214,7 +24236,7 @@
                               <m:endChr m:val="]"/>
                               <m:ctrlPr>
                                 <a:rPr lang="en-US" i="1" dirty="0" smtClean="0">
-                                  <a:latin typeface="Cambria Math"/>
+                                  <a:latin typeface="Cambria Math" panose="02040503050406030204" pitchFamily="18" charset="0"/>
                                 </a:rPr>
                               </m:ctrlPr>
                             </m:dPr>
@@ -24229,7 +24251,7 @@
                                 <m:sSubPr>
                                   <m:ctrlPr>
                                     <a:rPr lang="en-US" b="0" i="1" dirty="0" smtClean="0">
-                                      <a:latin typeface="Cambria Math"/>
+                                      <a:latin typeface="Cambria Math" panose="02040503050406030204" pitchFamily="18" charset="0"/>
                                     </a:rPr>
                                   </m:ctrlPr>
                                 </m:sSubPr>
@@ -24278,7 +24300,7 @@
                                 <m:sSubPr>
                                   <m:ctrlPr>
                                     <a:rPr lang="en-US" b="0" i="1" dirty="0" smtClean="0">
-                                      <a:latin typeface="Cambria Math"/>
+                                      <a:latin typeface="Cambria Math" panose="02040503050406030204" pitchFamily="18" charset="0"/>
                                     </a:rPr>
                                   </m:ctrlPr>
                                 </m:sSubPr>
@@ -24335,7 +24357,7 @@
                         <m:endChr m:val="]"/>
                         <m:ctrlPr>
                           <a:rPr lang="en-US" b="0" i="1" smtClean="0">
-                            <a:latin typeface="Cambria Math"/>
+                            <a:latin typeface="Cambria Math" panose="02040503050406030204" pitchFamily="18" charset="0"/>
                           </a:rPr>
                         </m:ctrlPr>
                       </m:dPr>
@@ -24350,7 +24372,7 @@
                           <m:sSubPr>
                             <m:ctrlPr>
                               <a:rPr lang="en-US" b="0" i="1" smtClean="0">
-                                <a:latin typeface="Cambria Math"/>
+                                <a:latin typeface="Cambria Math" panose="02040503050406030204" pitchFamily="18" charset="0"/>
                               </a:rPr>
                             </m:ctrlPr>
                           </m:sSubPr>
@@ -24393,7 +24415,7 @@
                       <m:funcPr>
                         <m:ctrlPr>
                           <a:rPr lang="en-US" i="1" dirty="0" smtClean="0">
-                            <a:latin typeface="Cambria Math"/>
+                            <a:latin typeface="Cambria Math" panose="02040503050406030204" pitchFamily="18" charset="0"/>
                           </a:rPr>
                         </m:ctrlPr>
                       </m:funcPr>
@@ -24415,7 +24437,7 @@
                             <m:endChr m:val="]"/>
                             <m:ctrlPr>
                               <a:rPr lang="en-US" i="1" dirty="0" smtClean="0">
-                                <a:latin typeface="Cambria Math"/>
+                                <a:latin typeface="Cambria Math" panose="02040503050406030204" pitchFamily="18" charset="0"/>
                               </a:rPr>
                             </m:ctrlPr>
                           </m:dPr>
@@ -24430,7 +24452,7 @@
                               <m:sSubPr>
                                 <m:ctrlPr>
                                   <a:rPr lang="en-US" b="0" i="1" dirty="0" smtClean="0">
-                                    <a:latin typeface="Cambria Math"/>
+                                    <a:latin typeface="Cambria Math" panose="02040503050406030204" pitchFamily="18" charset="0"/>
                                   </a:rPr>
                                 </m:ctrlPr>
                               </m:sSubPr>
@@ -24479,7 +24501,7 @@
                               <m:sSubPr>
                                 <m:ctrlPr>
                                   <a:rPr lang="en-US" b="0" i="1" dirty="0" smtClean="0">
-                                    <a:latin typeface="Cambria Math"/>
+                                    <a:latin typeface="Cambria Math" panose="02040503050406030204" pitchFamily="18" charset="0"/>
                                   </a:rPr>
                                 </m:ctrlPr>
                               </m:sSubPr>
@@ -24520,7 +24542,7 @@
                       <m:fPr>
                         <m:ctrlPr>
                           <a:rPr lang="en-US" b="0" i="1" dirty="0" smtClean="0">
-                            <a:latin typeface="Cambria Math"/>
+                            <a:latin typeface="Cambria Math" panose="02040503050406030204" pitchFamily="18" charset="0"/>
                           </a:rPr>
                         </m:ctrlPr>
                       </m:fPr>
@@ -24537,7 +24559,7 @@
                           <m:sSupPr>
                             <m:ctrlPr>
                               <a:rPr lang="en-US" b="0" i="1" dirty="0" smtClean="0">
-                                <a:latin typeface="Cambria Math"/>
+                                <a:latin typeface="Cambria Math" panose="02040503050406030204" pitchFamily="18" charset="0"/>
                               </a:rPr>
                             </m:ctrlPr>
                           </m:sSupPr>
@@ -24579,7 +24601,7 @@
                       <m:funcPr>
                         <m:ctrlPr>
                           <a:rPr lang="en-US" i="1" dirty="0" smtClean="0">
-                            <a:latin typeface="Cambria Math"/>
+                            <a:latin typeface="Cambria Math" panose="02040503050406030204" pitchFamily="18" charset="0"/>
                           </a:rPr>
                         </m:ctrlPr>
                       </m:funcPr>
@@ -24601,7 +24623,7 @@
                             <m:endChr m:val="]"/>
                             <m:ctrlPr>
                               <a:rPr lang="en-US" i="1" dirty="0" smtClean="0">
-                                <a:latin typeface="Cambria Math"/>
+                                <a:latin typeface="Cambria Math" panose="02040503050406030204" pitchFamily="18" charset="0"/>
                               </a:rPr>
                             </m:ctrlPr>
                           </m:dPr>
@@ -24616,7 +24638,7 @@
                               <m:sSubPr>
                                 <m:ctrlPr>
                                   <a:rPr lang="en-US" b="0" i="1" dirty="0" smtClean="0">
-                                    <a:latin typeface="Cambria Math"/>
+                                    <a:latin typeface="Cambria Math" panose="02040503050406030204" pitchFamily="18" charset="0"/>
                                   </a:rPr>
                                 </m:ctrlPr>
                               </m:sSubPr>
@@ -24665,7 +24687,7 @@
                               <m:sSubPr>
                                 <m:ctrlPr>
                                   <a:rPr lang="en-US" b="0" i="1" dirty="0" smtClean="0">
-                                    <a:latin typeface="Cambria Math"/>
+                                    <a:latin typeface="Cambria Math" panose="02040503050406030204" pitchFamily="18" charset="0"/>
                                   </a:rPr>
                                 </m:ctrlPr>
                               </m:sSubPr>
@@ -24706,7 +24728,7 @@
                       <m:fPr>
                         <m:ctrlPr>
                           <a:rPr lang="en-US" b="0" i="1" dirty="0" smtClean="0">
-                            <a:latin typeface="Cambria Math"/>
+                            <a:latin typeface="Cambria Math" panose="02040503050406030204" pitchFamily="18" charset="0"/>
                           </a:rPr>
                         </m:ctrlPr>
                       </m:fPr>
@@ -24723,7 +24745,7 @@
                           <m:sSupPr>
                             <m:ctrlPr>
                               <a:rPr lang="en-US" b="0" i="1" dirty="0" smtClean="0">
-                                <a:latin typeface="Cambria Math"/>
+                                <a:latin typeface="Cambria Math" panose="02040503050406030204" pitchFamily="18" charset="0"/>
                               </a:rPr>
                             </m:ctrlPr>
                           </m:sSupPr>
@@ -24762,7 +24784,7 @@
                       <m:fPr>
                         <m:ctrlPr>
                           <a:rPr lang="en-US" b="0" i="1" dirty="0" smtClean="0">
-                            <a:latin typeface="Cambria Math"/>
+                            <a:latin typeface="Cambria Math" panose="02040503050406030204" pitchFamily="18" charset="0"/>
                           </a:rPr>
                         </m:ctrlPr>
                       </m:fPr>
@@ -25254,8 +25276,8 @@
           </a:p>
         </p:txBody>
       </p:sp>
-      <mc:AlternateContent xmlns:mc="http://schemas.openxmlformats.org/markup-compatibility/2006" xmlns:a14="http://schemas.microsoft.com/office/drawing/2010/main">
-        <mc:Choice Requires="a14">
+      <mc:AlternateContent xmlns:mc="http://schemas.openxmlformats.org/markup-compatibility/2006">
+        <mc:Choice xmlns:a14="http://schemas.microsoft.com/office/drawing/2010/main" Requires="a14">
           <p:sp>
             <p:nvSpPr>
               <p:cNvPr id="3" name="Content Placeholder 2"/>
@@ -25281,7 +25303,7 @@
                       <m:sSubPr>
                         <m:ctrlPr>
                           <a:rPr lang="en-US" b="0" i="1" smtClean="0">
-                            <a:latin typeface="Cambria Math"/>
+                            <a:latin typeface="Cambria Math" panose="02040503050406030204" pitchFamily="18" charset="0"/>
                           </a:rPr>
                         </m:ctrlPr>
                       </m:sSubPr>
@@ -25312,7 +25334,7 @@
                       <m:sSubPr>
                         <m:ctrlPr>
                           <a:rPr lang="en-US" b="0" i="1" smtClean="0">
-                            <a:latin typeface="Cambria Math"/>
+                            <a:latin typeface="Cambria Math" panose="02040503050406030204" pitchFamily="18" charset="0"/>
                           </a:rPr>
                         </m:ctrlPr>
                       </m:sSubPr>
@@ -25326,10 +25348,13 @@
                       </m:e>
                       <m:sub>
                         <m:r>
-                          <a:rPr lang="en-US" b="0" i="1" smtClean="0">
+                          <a:rPr lang="en-US" b="1" i="1" smtClean="0">
+                            <a:solidFill>
+                              <a:srgbClr val="FF0000"/>
+                            </a:solidFill>
                             <a:latin typeface="Cambria Math"/>
                           </a:rPr>
-                          <m:t>𝑡</m:t>
+                          <m:t>𝒕</m:t>
                         </m:r>
                       </m:sub>
                     </m:sSub>
@@ -25385,7 +25410,7 @@
                       <m:fPr>
                         <m:ctrlPr>
                           <a:rPr lang="en-US" b="0" i="1" smtClean="0">
-                            <a:latin typeface="Cambria Math"/>
+                            <a:latin typeface="Cambria Math" panose="02040503050406030204" pitchFamily="18" charset="0"/>
                           </a:rPr>
                         </m:ctrlPr>
                       </m:fPr>
@@ -25412,7 +25437,7 @@
                         <m:supHide m:val="on"/>
                         <m:ctrlPr>
                           <a:rPr lang="en-US" b="0" i="1" smtClean="0">
-                            <a:latin typeface="Cambria Math"/>
+                            <a:latin typeface="Cambria Math" panose="02040503050406030204" pitchFamily="18" charset="0"/>
                           </a:rPr>
                         </m:ctrlPr>
                       </m:naryPr>
@@ -25430,7 +25455,7 @@
                           <m:sSubPr>
                             <m:ctrlPr>
                               <a:rPr lang="en-US" b="0" i="1" smtClean="0">
-                                <a:latin typeface="Cambria Math"/>
+                                <a:latin typeface="Cambria Math" panose="02040503050406030204" pitchFamily="18" charset="0"/>
                               </a:rPr>
                             </m:ctrlPr>
                           </m:sSubPr>
@@ -25497,7 +25522,7 @@
                         <m:funcPr>
                           <m:ctrlPr>
                             <a:rPr lang="en-US" b="0" i="1" smtClean="0">
-                              <a:latin typeface="Cambria Math"/>
+                              <a:latin typeface="Cambria Math" panose="02040503050406030204" pitchFamily="18" charset="0"/>
                             </a:rPr>
                           </m:ctrlPr>
                         </m:funcPr>
@@ -25519,7 +25544,7 @@
                               <m:endChr m:val="]"/>
                               <m:ctrlPr>
                                 <a:rPr lang="en-US" b="0" i="1" smtClean="0">
-                                  <a:latin typeface="Cambria Math"/>
+                                  <a:latin typeface="Cambria Math" panose="02040503050406030204" pitchFamily="18" charset="0"/>
                                 </a:rPr>
                               </m:ctrlPr>
                             </m:dPr>
@@ -25530,7 +25555,7 @@
                                   <m:endChr m:val="|"/>
                                   <m:ctrlPr>
                                     <a:rPr lang="en-US" b="0" i="1" smtClean="0">
-                                      <a:latin typeface="Cambria Math"/>
+                                      <a:latin typeface="Cambria Math" panose="02040503050406030204" pitchFamily="18" charset="0"/>
                                     </a:rPr>
                                   </m:ctrlPr>
                                 </m:dPr>
@@ -25581,7 +25606,7 @@
                         <m:funcPr>
                           <m:ctrlPr>
                             <a:rPr lang="en-US" b="0" i="1" smtClean="0">
-                              <a:latin typeface="Cambria Math"/>
+                              <a:latin typeface="Cambria Math" panose="02040503050406030204" pitchFamily="18" charset="0"/>
                             </a:rPr>
                           </m:ctrlPr>
                         </m:funcPr>
@@ -25601,7 +25626,7 @@
                             <m:dPr>
                               <m:ctrlPr>
                                 <a:rPr lang="en-US" b="0" i="1" smtClean="0">
-                                  <a:latin typeface="Cambria Math"/>
+                                  <a:latin typeface="Cambria Math" panose="02040503050406030204" pitchFamily="18" charset="0"/>
                                 </a:rPr>
                               </m:ctrlPr>
                             </m:dPr>
@@ -25616,7 +25641,7 @@
                                 <m:fPr>
                                   <m:ctrlPr>
                                     <a:rPr lang="en-US" b="0" i="1" smtClean="0">
-                                      <a:latin typeface="Cambria Math"/>
+                                      <a:latin typeface="Cambria Math" panose="02040503050406030204" pitchFamily="18" charset="0"/>
                                     </a:rPr>
                                   </m:ctrlPr>
                                 </m:fPr>
@@ -25628,16 +25653,19 @@
                                     <m:t>𝜇</m:t>
                                   </m:r>
                                   <m:r>
-                                    <a:rPr lang="en-US" b="0" i="1" smtClean="0">
+                                    <a:rPr lang="en-US" b="1" i="1" smtClean="0">
+                                      <a:solidFill>
+                                        <a:srgbClr val="FF0000"/>
+                                      </a:solidFill>
                                       <a:latin typeface="Cambria Math"/>
                                     </a:rPr>
-                                    <m:t>𝑡</m:t>
+                                    <m:t>𝒕</m:t>
                                   </m:r>
                                   <m:sSup>
                                     <m:sSupPr>
                                       <m:ctrlPr>
                                         <a:rPr lang="en-US" b="0" i="1" smtClean="0">
-                                          <a:latin typeface="Cambria Math"/>
+                                          <a:latin typeface="Cambria Math" panose="02040503050406030204" pitchFamily="18" charset="0"/>
                                         </a:rPr>
                                       </m:ctrlPr>
                                     </m:sSupPr>
@@ -25686,7 +25714,7 @@
             </p:txBody>
           </p:sp>
         </mc:Choice>
-        <mc:Fallback xmlns="">
+        <mc:Fallback>
           <p:sp>
             <p:nvSpPr>
               <p:cNvPr id="3" name="Content Placeholder 2"/>
@@ -25698,10 +25726,10 @@
               </p:nvPr>
             </p:nvSpPr>
             <p:spPr>
-              <a:blipFill rotWithShape="1">
+              <a:blipFill>
                 <a:blip r:embed="rId2"/>
                 <a:stretch>
-                  <a:fillRect l="-1630" t="-1617"/>
+                  <a:fillRect l="-1704" t="-1617"/>
                 </a:stretch>
               </a:blipFill>
             </p:spPr>
@@ -25996,7 +26024,7 @@
                       <m:sSubPr>
                         <m:ctrlPr>
                           <a:rPr lang="en-US" b="0" i="1" smtClean="0">
-                            <a:latin typeface="Cambria Math"/>
+                            <a:latin typeface="Cambria Math" panose="02040503050406030204" pitchFamily="18" charset="0"/>
                           </a:rPr>
                         </m:ctrlPr>
                       </m:sSubPr>
@@ -26027,7 +26055,7 @@
                       <m:sSubPr>
                         <m:ctrlPr>
                           <a:rPr lang="en-US" b="0" i="1" smtClean="0">
-                            <a:latin typeface="Cambria Math"/>
+                            <a:latin typeface="Cambria Math" panose="02040503050406030204" pitchFamily="18" charset="0"/>
                           </a:rPr>
                         </m:ctrlPr>
                       </m:sSubPr>
@@ -26112,7 +26140,7 @@
                       <m:fPr>
                         <m:ctrlPr>
                           <a:rPr lang="en-US" b="0" i="1" smtClean="0">
-                            <a:latin typeface="Cambria Math"/>
+                            <a:latin typeface="Cambria Math" panose="02040503050406030204" pitchFamily="18" charset="0"/>
                           </a:rPr>
                         </m:ctrlPr>
                       </m:fPr>
@@ -26139,7 +26167,7 @@
                         <m:supHide m:val="on"/>
                         <m:ctrlPr>
                           <a:rPr lang="en-US" b="0" i="1" smtClean="0">
-                            <a:latin typeface="Cambria Math"/>
+                            <a:latin typeface="Cambria Math" panose="02040503050406030204" pitchFamily="18" charset="0"/>
                           </a:rPr>
                         </m:ctrlPr>
                       </m:naryPr>
@@ -26157,7 +26185,7 @@
                           <m:sSubPr>
                             <m:ctrlPr>
                               <a:rPr lang="en-US" b="0" i="1" smtClean="0">
-                                <a:latin typeface="Cambria Math"/>
+                                <a:latin typeface="Cambria Math" panose="02040503050406030204" pitchFamily="18" charset="0"/>
                               </a:rPr>
                             </m:ctrlPr>
                           </m:sSubPr>
@@ -26224,7 +26252,7 @@
                         <m:funcPr>
                           <m:ctrlPr>
                             <a:rPr lang="en-US" b="0" i="1" smtClean="0">
-                              <a:latin typeface="Cambria Math"/>
+                              <a:latin typeface="Cambria Math" panose="02040503050406030204" pitchFamily="18" charset="0"/>
                             </a:rPr>
                           </m:ctrlPr>
                         </m:funcPr>
@@ -26246,7 +26274,7 @@
                               <m:endChr m:val="]"/>
                               <m:ctrlPr>
                                 <a:rPr lang="en-US" b="0" i="1" smtClean="0">
-                                  <a:latin typeface="Cambria Math"/>
+                                  <a:latin typeface="Cambria Math" panose="02040503050406030204" pitchFamily="18" charset="0"/>
                                 </a:rPr>
                               </m:ctrlPr>
                             </m:dPr>
@@ -26257,7 +26285,7 @@
                                   <m:endChr m:val="|"/>
                                   <m:ctrlPr>
                                     <a:rPr lang="en-US" b="0" i="1" smtClean="0">
-                                      <a:latin typeface="Cambria Math"/>
+                                      <a:latin typeface="Cambria Math" panose="02040503050406030204" pitchFamily="18" charset="0"/>
                                     </a:rPr>
                                   </m:ctrlPr>
                                 </m:dPr>
@@ -26308,7 +26336,7 @@
                         <m:funcPr>
                           <m:ctrlPr>
                             <a:rPr lang="en-US" b="0" i="1" smtClean="0">
-                              <a:latin typeface="Cambria Math"/>
+                              <a:latin typeface="Cambria Math" panose="02040503050406030204" pitchFamily="18" charset="0"/>
                             </a:rPr>
                           </m:ctrlPr>
                         </m:funcPr>
@@ -26328,7 +26356,7 @@
                             <m:dPr>
                               <m:ctrlPr>
                                 <a:rPr lang="en-US" b="0" i="1" smtClean="0">
-                                  <a:latin typeface="Cambria Math"/>
+                                  <a:latin typeface="Cambria Math" panose="02040503050406030204" pitchFamily="18" charset="0"/>
                                 </a:rPr>
                               </m:ctrlPr>
                             </m:dPr>
@@ -26343,7 +26371,7 @@
                                 <m:fPr>
                                   <m:ctrlPr>
                                     <a:rPr lang="en-US" b="0" i="1" smtClean="0">
-                                      <a:latin typeface="Cambria Math"/>
+                                      <a:latin typeface="Cambria Math" panose="02040503050406030204" pitchFamily="18" charset="0"/>
                                     </a:rPr>
                                   </m:ctrlPr>
                                 </m:fPr>
@@ -26364,7 +26392,7 @@
                                     <m:sSupPr>
                                       <m:ctrlPr>
                                         <a:rPr lang="en-US" b="0" i="1" smtClean="0">
-                                          <a:latin typeface="Cambria Math"/>
+                                          <a:latin typeface="Cambria Math" panose="02040503050406030204" pitchFamily="18" charset="0"/>
                                         </a:rPr>
                                       </m:ctrlPr>
                                     </m:sSupPr>
@@ -26735,7 +26763,7 @@
                       <m:funcPr>
                         <m:ctrlPr>
                           <a:rPr lang="en-US" b="0" i="1" smtClean="0">
-                            <a:latin typeface="Cambria Math"/>
+                            <a:latin typeface="Cambria Math" panose="02040503050406030204" pitchFamily="18" charset="0"/>
                           </a:rPr>
                         </m:ctrlPr>
                       </m:funcPr>
@@ -26757,7 +26785,7 @@
                             <m:endChr m:val="]"/>
                             <m:ctrlPr>
                               <a:rPr lang="en-US" b="0" i="1" smtClean="0">
-                                <a:latin typeface="Cambria Math"/>
+                                <a:latin typeface="Cambria Math" panose="02040503050406030204" pitchFamily="18" charset="0"/>
                               </a:rPr>
                             </m:ctrlPr>
                           </m:dPr>
@@ -26768,7 +26796,7 @@
                                 <m:endChr m:val="|"/>
                                 <m:ctrlPr>
                                   <a:rPr lang="en-US" b="0" i="1" smtClean="0">
-                                    <a:latin typeface="Cambria Math"/>
+                                    <a:latin typeface="Cambria Math" panose="02040503050406030204" pitchFamily="18" charset="0"/>
                                   </a:rPr>
                                 </m:ctrlPr>
                               </m:dPr>
@@ -26819,7 +26847,7 @@
                       <m:funcPr>
                         <m:ctrlPr>
                           <a:rPr lang="en-US" b="0" i="1" smtClean="0">
-                            <a:latin typeface="Cambria Math"/>
+                            <a:latin typeface="Cambria Math" panose="02040503050406030204" pitchFamily="18" charset="0"/>
                           </a:rPr>
                         </m:ctrlPr>
                       </m:funcPr>
@@ -26839,7 +26867,7 @@
                           <m:dPr>
                             <m:ctrlPr>
                               <a:rPr lang="en-US" b="0" i="1" smtClean="0">
-                                <a:latin typeface="Cambria Math"/>
+                                <a:latin typeface="Cambria Math" panose="02040503050406030204" pitchFamily="18" charset="0"/>
                               </a:rPr>
                             </m:ctrlPr>
                           </m:dPr>
@@ -26854,7 +26882,7 @@
                               <m:fPr>
                                 <m:ctrlPr>
                                   <a:rPr lang="en-US" b="0" i="1" smtClean="0">
-                                    <a:latin typeface="Cambria Math"/>
+                                    <a:latin typeface="Cambria Math" panose="02040503050406030204" pitchFamily="18" charset="0"/>
                                   </a:rPr>
                                 </m:ctrlPr>
                               </m:fPr>
@@ -26875,7 +26903,7 @@
                                   <m:sSupPr>
                                     <m:ctrlPr>
                                       <a:rPr lang="en-US" b="0" i="1" smtClean="0">
-                                        <a:latin typeface="Cambria Math"/>
+                                        <a:latin typeface="Cambria Math" panose="02040503050406030204" pitchFamily="18" charset="0"/>
                                       </a:rPr>
                                     </m:ctrlPr>
                                   </m:sSupPr>
@@ -26942,7 +26970,7 @@
                       <m:sSubPr>
                         <m:ctrlPr>
                           <a:rPr lang="en-US" b="0" i="1" smtClean="0">
-                            <a:latin typeface="Cambria Math"/>
+                            <a:latin typeface="Cambria Math" panose="02040503050406030204" pitchFamily="18" charset="0"/>
                           </a:rPr>
                         </m:ctrlPr>
                       </m:sSubPr>
@@ -26984,7 +27012,7 @@
                         <m:funcPr>
                           <m:ctrlPr>
                             <a:rPr lang="en-US" i="1" dirty="0" smtClean="0">
-                              <a:latin typeface="Cambria Math"/>
+                              <a:latin typeface="Cambria Math" panose="02040503050406030204" pitchFamily="18" charset="0"/>
                             </a:rPr>
                           </m:ctrlPr>
                         </m:funcPr>
@@ -27006,7 +27034,7 @@
                               <m:endChr m:val="]"/>
                               <m:ctrlPr>
                                 <a:rPr lang="en-US" i="1" dirty="0" smtClean="0">
-                                  <a:latin typeface="Cambria Math"/>
+                                  <a:latin typeface="Cambria Math" panose="02040503050406030204" pitchFamily="18" charset="0"/>
                                 </a:rPr>
                               </m:ctrlPr>
                             </m:dPr>
@@ -27021,7 +27049,7 @@
                                 <m:sSubPr>
                                   <m:ctrlPr>
                                     <a:rPr lang="en-US" b="0" i="1" dirty="0" smtClean="0">
-                                      <a:latin typeface="Cambria Math"/>
+                                      <a:latin typeface="Cambria Math" panose="02040503050406030204" pitchFamily="18" charset="0"/>
                                     </a:rPr>
                                   </m:ctrlPr>
                                 </m:sSubPr>
@@ -27070,7 +27098,7 @@
                                 <m:sSubPr>
                                   <m:ctrlPr>
                                     <a:rPr lang="en-US" b="0" i="1" dirty="0" smtClean="0">
-                                      <a:latin typeface="Cambria Math"/>
+                                      <a:latin typeface="Cambria Math" panose="02040503050406030204" pitchFamily="18" charset="0"/>
                                     </a:rPr>
                                   </m:ctrlPr>
                                 </m:sSubPr>
@@ -27144,7 +27172,7 @@
                       <m:sSubPr>
                         <m:ctrlPr>
                           <a:rPr lang="en-US" i="1" dirty="0" smtClean="0">
-                            <a:latin typeface="Cambria Math"/>
+                            <a:latin typeface="Cambria Math" panose="02040503050406030204" pitchFamily="18" charset="0"/>
                           </a:rPr>
                         </m:ctrlPr>
                       </m:sSubPr>
@@ -27239,7 +27267,7 @@
                         <m:endChr m:val="]"/>
                         <m:ctrlPr>
                           <a:rPr lang="en-US" b="0" i="1" dirty="0" smtClean="0">
-                            <a:latin typeface="Cambria Math"/>
+                            <a:latin typeface="Cambria Math" panose="02040503050406030204" pitchFamily="18" charset="0"/>
                             <a:ea typeface="Cambria Math"/>
                           </a:rPr>
                         </m:ctrlPr>
@@ -27249,7 +27277,7 @@
                           <m:sSubPr>
                             <m:ctrlPr>
                               <a:rPr lang="en-US" b="0" i="1" dirty="0" smtClean="0">
-                                <a:latin typeface="Cambria Math"/>
+                                <a:latin typeface="Cambria Math" panose="02040503050406030204" pitchFamily="18" charset="0"/>
                                 <a:ea typeface="Cambria Math"/>
                               </a:rPr>
                             </m:ctrlPr>
@@ -27309,7 +27337,7 @@
                       <m:fPr>
                         <m:ctrlPr>
                           <a:rPr lang="en-US" b="0" i="1" smtClean="0">
-                            <a:latin typeface="Cambria Math"/>
+                            <a:latin typeface="Cambria Math" panose="02040503050406030204" pitchFamily="18" charset="0"/>
                           </a:rPr>
                         </m:ctrlPr>
                       </m:fPr>
@@ -27340,7 +27368,7 @@
                       <m:fPr>
                         <m:ctrlPr>
                           <a:rPr lang="en-US" b="0" i="1" smtClean="0">
-                            <a:latin typeface="Cambria Math"/>
+                            <a:latin typeface="Cambria Math" panose="02040503050406030204" pitchFamily="18" charset="0"/>
                           </a:rPr>
                         </m:ctrlPr>
                       </m:fPr>
@@ -27372,7 +27400,7 @@
                       <m:funcPr>
                         <m:ctrlPr>
                           <a:rPr lang="en-US" i="1" dirty="0" smtClean="0">
-                            <a:latin typeface="Cambria Math"/>
+                            <a:latin typeface="Cambria Math" panose="02040503050406030204" pitchFamily="18" charset="0"/>
                           </a:rPr>
                         </m:ctrlPr>
                       </m:funcPr>
@@ -27394,7 +27422,7 @@
                             <m:endChr m:val="]"/>
                             <m:ctrlPr>
                               <a:rPr lang="en-US" i="1" dirty="0" smtClean="0">
-                                <a:latin typeface="Cambria Math"/>
+                                <a:latin typeface="Cambria Math" panose="02040503050406030204" pitchFamily="18" charset="0"/>
                               </a:rPr>
                             </m:ctrlPr>
                           </m:dPr>
@@ -27409,7 +27437,7 @@
                               <m:sSubPr>
                                 <m:ctrlPr>
                                   <a:rPr lang="en-US" b="0" i="1" dirty="0" smtClean="0">
-                                    <a:latin typeface="Cambria Math"/>
+                                    <a:latin typeface="Cambria Math" panose="02040503050406030204" pitchFamily="18" charset="0"/>
                                   </a:rPr>
                                 </m:ctrlPr>
                               </m:sSubPr>
@@ -27458,7 +27486,7 @@
                               <m:sSubPr>
                                 <m:ctrlPr>
                                   <a:rPr lang="en-US" b="0" i="1" dirty="0" smtClean="0">
-                                    <a:latin typeface="Cambria Math"/>
+                                    <a:latin typeface="Cambria Math" panose="02040503050406030204" pitchFamily="18" charset="0"/>
                                   </a:rPr>
                                 </m:ctrlPr>
                               </m:sSubPr>
@@ -27499,7 +27527,7 @@
                       <m:funcPr>
                         <m:ctrlPr>
                           <a:rPr lang="en-US" b="0" i="1" dirty="0" smtClean="0">
-                            <a:latin typeface="Cambria Math"/>
+                            <a:latin typeface="Cambria Math" panose="02040503050406030204" pitchFamily="18" charset="0"/>
                           </a:rPr>
                         </m:ctrlPr>
                       </m:funcPr>
@@ -27519,7 +27547,7 @@
                           <m:dPr>
                             <m:ctrlPr>
                               <a:rPr lang="en-US" b="0" i="1" dirty="0" smtClean="0">
-                                <a:latin typeface="Cambria Math"/>
+                                <a:latin typeface="Cambria Math" panose="02040503050406030204" pitchFamily="18" charset="0"/>
                               </a:rPr>
                             </m:ctrlPr>
                           </m:dPr>
@@ -27534,7 +27562,7 @@
                               <m:fPr>
                                 <m:ctrlPr>
                                   <a:rPr lang="en-US" b="0" i="1" dirty="0" smtClean="0">
-                                    <a:latin typeface="Cambria Math"/>
+                                    <a:latin typeface="Cambria Math" panose="02040503050406030204" pitchFamily="18" charset="0"/>
                                   </a:rPr>
                                 </m:ctrlPr>
                               </m:fPr>
@@ -27569,7 +27597,7 @@
                       <m:funcPr>
                         <m:ctrlPr>
                           <a:rPr lang="en-US" b="0" i="1" dirty="0" smtClean="0">
-                            <a:latin typeface="Cambria Math"/>
+                            <a:latin typeface="Cambria Math" panose="02040503050406030204" pitchFamily="18" charset="0"/>
                           </a:rPr>
                         </m:ctrlPr>
                       </m:funcPr>
@@ -27589,7 +27617,7 @@
                           <m:dPr>
                             <m:ctrlPr>
                               <a:rPr lang="en-US" b="0" i="1" dirty="0" smtClean="0">
-                                <a:latin typeface="Cambria Math"/>
+                                <a:latin typeface="Cambria Math" panose="02040503050406030204" pitchFamily="18" charset="0"/>
                               </a:rPr>
                             </m:ctrlPr>
                           </m:dPr>
@@ -27604,7 +27632,7 @@
                               <m:fPr>
                                 <m:ctrlPr>
                                   <a:rPr lang="en-US" b="0" i="1" dirty="0" smtClean="0">
-                                    <a:latin typeface="Cambria Math"/>
+                                    <a:latin typeface="Cambria Math" panose="02040503050406030204" pitchFamily="18" charset="0"/>
                                   </a:rPr>
                                 </m:ctrlPr>
                               </m:fPr>
@@ -28199,7 +28227,7 @@
                       <m:funcPr>
                         <m:ctrlPr>
                           <a:rPr lang="en-US" b="0" i="1" smtClean="0">
-                            <a:latin typeface="Cambria Math"/>
+                            <a:latin typeface="Cambria Math" panose="02040503050406030204" pitchFamily="18" charset="0"/>
                           </a:rPr>
                         </m:ctrlPr>
                       </m:funcPr>
@@ -28221,7 +28249,7 @@
                             <m:endChr m:val="]"/>
                             <m:ctrlPr>
                               <a:rPr lang="en-US" b="0" i="1" smtClean="0">
-                                <a:latin typeface="Cambria Math"/>
+                                <a:latin typeface="Cambria Math" panose="02040503050406030204" pitchFamily="18" charset="0"/>
                               </a:rPr>
                             </m:ctrlPr>
                           </m:dPr>
@@ -28232,7 +28260,7 @@
                                 <m:endChr m:val="|"/>
                                 <m:ctrlPr>
                                   <a:rPr lang="en-US" b="0" i="1" smtClean="0">
-                                    <a:latin typeface="Cambria Math"/>
+                                    <a:latin typeface="Cambria Math" panose="02040503050406030204" pitchFamily="18" charset="0"/>
                                   </a:rPr>
                                 </m:ctrlPr>
                               </m:dPr>
@@ -28283,7 +28311,7 @@
                       <m:funcPr>
                         <m:ctrlPr>
                           <a:rPr lang="en-US" b="0" i="1" smtClean="0">
-                            <a:latin typeface="Cambria Math"/>
+                            <a:latin typeface="Cambria Math" panose="02040503050406030204" pitchFamily="18" charset="0"/>
                           </a:rPr>
                         </m:ctrlPr>
                       </m:funcPr>
@@ -28303,7 +28331,7 @@
                           <m:dPr>
                             <m:ctrlPr>
                               <a:rPr lang="en-US" b="0" i="1" smtClean="0">
-                                <a:latin typeface="Cambria Math"/>
+                                <a:latin typeface="Cambria Math" panose="02040503050406030204" pitchFamily="18" charset="0"/>
                               </a:rPr>
                             </m:ctrlPr>
                           </m:dPr>
@@ -28318,7 +28346,7 @@
                               <m:fPr>
                                 <m:ctrlPr>
                                   <a:rPr lang="en-US" b="0" i="1" smtClean="0">
-                                    <a:latin typeface="Cambria Math"/>
+                                    <a:latin typeface="Cambria Math" panose="02040503050406030204" pitchFamily="18" charset="0"/>
                                   </a:rPr>
                                 </m:ctrlPr>
                               </m:fPr>
@@ -28339,7 +28367,7 @@
                                   <m:sSupPr>
                                     <m:ctrlPr>
                                       <a:rPr lang="en-US" b="0" i="1" smtClean="0">
-                                        <a:latin typeface="Cambria Math"/>
+                                        <a:latin typeface="Cambria Math" panose="02040503050406030204" pitchFamily="18" charset="0"/>
                                       </a:rPr>
                                     </m:ctrlPr>
                                   </m:sSupPr>
@@ -28406,7 +28434,7 @@
                       <m:sSubPr>
                         <m:ctrlPr>
                           <a:rPr lang="en-US" b="0" i="1" smtClean="0">
-                            <a:latin typeface="Cambria Math"/>
+                            <a:latin typeface="Cambria Math" panose="02040503050406030204" pitchFamily="18" charset="0"/>
                           </a:rPr>
                         </m:ctrlPr>
                       </m:sSubPr>
@@ -28448,7 +28476,7 @@
                         <m:funcPr>
                           <m:ctrlPr>
                             <a:rPr lang="en-US" i="1" dirty="0" smtClean="0">
-                              <a:latin typeface="Cambria Math"/>
+                              <a:latin typeface="Cambria Math" panose="02040503050406030204" pitchFamily="18" charset="0"/>
                             </a:rPr>
                           </m:ctrlPr>
                         </m:funcPr>
@@ -28470,7 +28498,7 @@
                               <m:endChr m:val="]"/>
                               <m:ctrlPr>
                                 <a:rPr lang="en-US" i="1" dirty="0" smtClean="0">
-                                  <a:latin typeface="Cambria Math"/>
+                                  <a:latin typeface="Cambria Math" panose="02040503050406030204" pitchFamily="18" charset="0"/>
                                 </a:rPr>
                               </m:ctrlPr>
                             </m:dPr>
@@ -28485,7 +28513,7 @@
                                 <m:sSubPr>
                                   <m:ctrlPr>
                                     <a:rPr lang="en-US" b="0" i="1" dirty="0" smtClean="0">
-                                      <a:latin typeface="Cambria Math"/>
+                                      <a:latin typeface="Cambria Math" panose="02040503050406030204" pitchFamily="18" charset="0"/>
                                     </a:rPr>
                                   </m:ctrlPr>
                                 </m:sSubPr>
@@ -28534,7 +28562,7 @@
                                 <m:sSubPr>
                                   <m:ctrlPr>
                                     <a:rPr lang="en-US" b="0" i="1" dirty="0" smtClean="0">
-                                      <a:latin typeface="Cambria Math"/>
+                                      <a:latin typeface="Cambria Math" panose="02040503050406030204" pitchFamily="18" charset="0"/>
                                     </a:rPr>
                                   </m:ctrlPr>
                                 </m:sSubPr>
@@ -28608,7 +28636,7 @@
                       <m:sSubPr>
                         <m:ctrlPr>
                           <a:rPr lang="en-US" i="1" dirty="0" smtClean="0">
-                            <a:latin typeface="Cambria Math"/>
+                            <a:latin typeface="Cambria Math" panose="02040503050406030204" pitchFamily="18" charset="0"/>
                           </a:rPr>
                         </m:ctrlPr>
                       </m:sSubPr>
@@ -28709,7 +28737,7 @@
                         <m:endChr m:val="]"/>
                         <m:ctrlPr>
                           <a:rPr lang="en-US" b="0" i="1" dirty="0" smtClean="0">
-                            <a:latin typeface="Cambria Math"/>
+                            <a:latin typeface="Cambria Math" panose="02040503050406030204" pitchFamily="18" charset="0"/>
                             <a:ea typeface="Cambria Math"/>
                           </a:rPr>
                         </m:ctrlPr>
@@ -28719,7 +28747,7 @@
                           <m:sSubPr>
                             <m:ctrlPr>
                               <a:rPr lang="en-US" b="0" i="1" dirty="0" smtClean="0">
-                                <a:latin typeface="Cambria Math"/>
+                                <a:latin typeface="Cambria Math" panose="02040503050406030204" pitchFamily="18" charset="0"/>
                                 <a:ea typeface="Cambria Math"/>
                               </a:rPr>
                             </m:ctrlPr>
@@ -28779,7 +28807,7 @@
                       <m:fPr>
                         <m:ctrlPr>
                           <a:rPr lang="en-US" b="0" i="1" smtClean="0">
-                            <a:latin typeface="Cambria Math"/>
+                            <a:latin typeface="Cambria Math" panose="02040503050406030204" pitchFamily="18" charset="0"/>
                           </a:rPr>
                         </m:ctrlPr>
                       </m:fPr>
@@ -28810,7 +28838,7 @@
                       <m:fPr>
                         <m:ctrlPr>
                           <a:rPr lang="en-US" b="0" i="1" smtClean="0">
-                            <a:latin typeface="Cambria Math"/>
+                            <a:latin typeface="Cambria Math" panose="02040503050406030204" pitchFamily="18" charset="0"/>
                           </a:rPr>
                         </m:ctrlPr>
                       </m:fPr>
@@ -28842,7 +28870,7 @@
                       <m:funcPr>
                         <m:ctrlPr>
                           <a:rPr lang="en-US" i="1" dirty="0" smtClean="0">
-                            <a:latin typeface="Cambria Math"/>
+                            <a:latin typeface="Cambria Math" panose="02040503050406030204" pitchFamily="18" charset="0"/>
                           </a:rPr>
                         </m:ctrlPr>
                       </m:funcPr>
@@ -28864,7 +28892,7 @@
                             <m:endChr m:val="]"/>
                             <m:ctrlPr>
                               <a:rPr lang="en-US" i="1" dirty="0" smtClean="0">
-                                <a:latin typeface="Cambria Math"/>
+                                <a:latin typeface="Cambria Math" panose="02040503050406030204" pitchFamily="18" charset="0"/>
                               </a:rPr>
                             </m:ctrlPr>
                           </m:dPr>
@@ -28879,7 +28907,7 @@
                               <m:sSubPr>
                                 <m:ctrlPr>
                                   <a:rPr lang="en-US" b="0" i="1" dirty="0" smtClean="0">
-                                    <a:latin typeface="Cambria Math"/>
+                                    <a:latin typeface="Cambria Math" panose="02040503050406030204" pitchFamily="18" charset="0"/>
                                   </a:rPr>
                                 </m:ctrlPr>
                               </m:sSubPr>
@@ -28928,7 +28956,7 @@
                               <m:sSubPr>
                                 <m:ctrlPr>
                                   <a:rPr lang="en-US" b="0" i="1" dirty="0" smtClean="0">
-                                    <a:latin typeface="Cambria Math"/>
+                                    <a:latin typeface="Cambria Math" panose="02040503050406030204" pitchFamily="18" charset="0"/>
                                   </a:rPr>
                                 </m:ctrlPr>
                               </m:sSubPr>
@@ -28969,7 +28997,7 @@
                       <m:funcPr>
                         <m:ctrlPr>
                           <a:rPr lang="en-US" b="0" i="1" dirty="0" smtClean="0">
-                            <a:latin typeface="Cambria Math"/>
+                            <a:latin typeface="Cambria Math" panose="02040503050406030204" pitchFamily="18" charset="0"/>
                           </a:rPr>
                         </m:ctrlPr>
                       </m:funcPr>
@@ -28989,7 +29017,7 @@
                           <m:dPr>
                             <m:ctrlPr>
                               <a:rPr lang="en-US" b="0" i="1" dirty="0" smtClean="0">
-                                <a:latin typeface="Cambria Math"/>
+                                <a:latin typeface="Cambria Math" panose="02040503050406030204" pitchFamily="18" charset="0"/>
                               </a:rPr>
                             </m:ctrlPr>
                           </m:dPr>
@@ -29004,7 +29032,7 @@
                               <m:fPr>
                                 <m:ctrlPr>
                                   <a:rPr lang="en-US" b="0" i="1" dirty="0" smtClean="0">
-                                    <a:latin typeface="Cambria Math"/>
+                                    <a:latin typeface="Cambria Math" panose="02040503050406030204" pitchFamily="18" charset="0"/>
                                   </a:rPr>
                                 </m:ctrlPr>
                               </m:fPr>
@@ -29039,7 +29067,7 @@
                       <m:funcPr>
                         <m:ctrlPr>
                           <a:rPr lang="en-US" b="0" i="1" dirty="0" smtClean="0">
-                            <a:latin typeface="Cambria Math"/>
+                            <a:latin typeface="Cambria Math" panose="02040503050406030204" pitchFamily="18" charset="0"/>
                           </a:rPr>
                         </m:ctrlPr>
                       </m:funcPr>
@@ -29059,7 +29087,7 @@
                           <m:dPr>
                             <m:ctrlPr>
                               <a:rPr lang="en-US" b="0" i="1" dirty="0" smtClean="0">
-                                <a:latin typeface="Cambria Math"/>
+                                <a:latin typeface="Cambria Math" panose="02040503050406030204" pitchFamily="18" charset="0"/>
                               </a:rPr>
                             </m:ctrlPr>
                           </m:dPr>
@@ -29074,7 +29102,7 @@
                               <m:fPr>
                                 <m:ctrlPr>
                                   <a:rPr lang="en-US" b="0" i="1" dirty="0" smtClean="0">
-                                    <a:latin typeface="Cambria Math"/>
+                                    <a:latin typeface="Cambria Math" panose="02040503050406030204" pitchFamily="18" charset="0"/>
                                   </a:rPr>
                                 </m:ctrlPr>
                               </m:fPr>
@@ -29109,7 +29137,7 @@
                       <m:funcPr>
                         <m:ctrlPr>
                           <a:rPr lang="en-US" b="0" i="1" dirty="0" smtClean="0">
-                            <a:latin typeface="Cambria Math"/>
+                            <a:latin typeface="Cambria Math" panose="02040503050406030204" pitchFamily="18" charset="0"/>
                           </a:rPr>
                         </m:ctrlPr>
                       </m:funcPr>
@@ -29129,7 +29157,7 @@
                           <m:dPr>
                             <m:ctrlPr>
                               <a:rPr lang="en-US" b="0" i="1" dirty="0" smtClean="0">
-                                <a:latin typeface="Cambria Math"/>
+                                <a:latin typeface="Cambria Math" panose="02040503050406030204" pitchFamily="18" charset="0"/>
                               </a:rPr>
                             </m:ctrlPr>
                           </m:dPr>
@@ -29716,8 +29744,8 @@
           </a:p>
         </p:txBody>
       </p:sp>
-      <mc:AlternateContent xmlns:mc="http://schemas.openxmlformats.org/markup-compatibility/2006" xmlns:a14="http://schemas.microsoft.com/office/drawing/2010/main">
-        <mc:Choice Requires="a14">
+      <mc:AlternateContent xmlns:mc="http://schemas.openxmlformats.org/markup-compatibility/2006">
+        <mc:Choice xmlns:a14="http://schemas.microsoft.com/office/drawing/2010/main" Requires="a14">
           <p:sp>
             <p:nvSpPr>
               <p:cNvPr id="3" name="Content Placeholder 2"/>
@@ -29779,7 +29807,7 @@
                       <m:sSubPr>
                         <m:ctrlPr>
                           <a:rPr lang="en-US" b="0" i="1" smtClean="0">
-                            <a:latin typeface="Cambria Math"/>
+                            <a:latin typeface="Cambria Math" panose="02040503050406030204" pitchFamily="18" charset="0"/>
                           </a:rPr>
                         </m:ctrlPr>
                       </m:sSubPr>
@@ -29833,7 +29861,7 @@
                       <m:funcPr>
                         <m:ctrlPr>
                           <a:rPr lang="en-US" b="0" i="1" smtClean="0">
-                            <a:latin typeface="Cambria Math"/>
+                            <a:latin typeface="Cambria Math" panose="02040503050406030204" pitchFamily="18" charset="0"/>
                           </a:rPr>
                         </m:ctrlPr>
                       </m:funcPr>
@@ -29855,7 +29883,7 @@
                             <m:endChr m:val="]"/>
                             <m:ctrlPr>
                               <a:rPr lang="en-US" b="0" i="1" smtClean="0">
-                                <a:latin typeface="Cambria Math"/>
+                                <a:latin typeface="Cambria Math" panose="02040503050406030204" pitchFamily="18" charset="0"/>
                               </a:rPr>
                             </m:ctrlPr>
                           </m:dPr>
@@ -29866,7 +29894,7 @@
                                 <m:endChr m:val="|"/>
                                 <m:ctrlPr>
                                   <a:rPr lang="en-US" b="0" i="1" smtClean="0">
-                                    <a:latin typeface="Cambria Math"/>
+                                    <a:latin typeface="Cambria Math" panose="02040503050406030204" pitchFamily="18" charset="0"/>
                                   </a:rPr>
                                 </m:ctrlPr>
                               </m:dPr>
@@ -29926,7 +29954,7 @@
                       <m:fPr>
                         <m:ctrlPr>
                           <a:rPr lang="en-US" b="0" i="1" smtClean="0">
-                            <a:latin typeface="Cambria Math"/>
+                            <a:latin typeface="Cambria Math" panose="02040503050406030204" pitchFamily="18" charset="0"/>
                           </a:rPr>
                         </m:ctrlPr>
                       </m:fPr>
@@ -29944,7 +29972,7 @@
                             <m:endChr m:val="]"/>
                             <m:ctrlPr>
                               <a:rPr lang="en-US" b="0" i="1" smtClean="0">
-                                <a:latin typeface="Cambria Math"/>
+                                <a:latin typeface="Cambria Math" panose="02040503050406030204" pitchFamily="18" charset="0"/>
                                 <a:ea typeface="Cambria Math"/>
                               </a:rPr>
                             </m:ctrlPr>
@@ -29965,7 +29993,7 @@
                           <m:sSupPr>
                             <m:ctrlPr>
                               <a:rPr lang="en-US" b="0" i="1" smtClean="0">
-                                <a:latin typeface="Cambria Math"/>
+                                <a:latin typeface="Cambria Math" panose="02040503050406030204" pitchFamily="18" charset="0"/>
                               </a:rPr>
                             </m:ctrlPr>
                           </m:sSupPr>
@@ -29998,7 +30026,7 @@
                       <m:fPr>
                         <m:ctrlPr>
                           <a:rPr lang="en-US" b="0" i="1" smtClean="0">
-                            <a:latin typeface="Cambria Math"/>
+                            <a:latin typeface="Cambria Math" panose="02040503050406030204" pitchFamily="18" charset="0"/>
                           </a:rPr>
                         </m:ctrlPr>
                       </m:fPr>
@@ -30014,37 +30042,46 @@
                         <m:sSup>
                           <m:sSupPr>
                             <m:ctrlPr>
-                              <a:rPr lang="en-US" b="0" i="1" smtClean="0">
-                                <a:latin typeface="Cambria Math"/>
+                              <a:rPr lang="en-US" b="1" i="1" smtClean="0">
+                                <a:latin typeface="Cambria Math" panose="02040503050406030204" pitchFamily="18" charset="0"/>
                               </a:rPr>
                             </m:ctrlPr>
                           </m:sSupPr>
                           <m:e>
                             <m:r>
-                              <a:rPr lang="en-US" b="0" i="1" smtClean="0">
+                              <a:rPr lang="en-US" b="1" i="1" smtClean="0">
+                                <a:solidFill>
+                                  <a:srgbClr val="FF0000"/>
+                                </a:solidFill>
                                 <a:latin typeface="Cambria Math"/>
                               </a:rPr>
-                              <m:t>𝑡</m:t>
+                              <m:t>𝒕</m:t>
                             </m:r>
                             <m:r>
-                              <a:rPr lang="en-US" b="0" i="1" smtClean="0">
+                              <a:rPr lang="en-US" b="1" i="1" smtClean="0">
                                 <a:latin typeface="Cambria Math"/>
                               </a:rPr>
                               <m:t> </m:t>
                             </m:r>
                             <m:r>
-                              <a:rPr lang="en-US" b="0" i="1" smtClean="0">
+                              <a:rPr lang="en-US" b="1" i="1" smtClean="0">
                                 <a:latin typeface="Cambria Math"/>
                               </a:rPr>
-                              <m:t>𝑐</m:t>
+                              <m:t>𝒄</m:t>
                             </m:r>
                           </m:e>
                           <m:sup>
                             <m:r>
-                              <a:rPr lang="en-US" b="0" i="1" smtClean="0">
+                              <a:rPr lang="en-US" b="1" i="1" smtClean="0">
                                 <a:latin typeface="Cambria Math"/>
                               </a:rPr>
-                              <m:t>′2</m:t>
+                              <m:t>′</m:t>
+                            </m:r>
+                            <m:r>
+                              <a:rPr lang="en-US" b="1" i="1" smtClean="0">
+                                <a:latin typeface="Cambria Math"/>
+                              </a:rPr>
+                              <m:t>𝟐</m:t>
                             </m:r>
                           </m:sup>
                         </m:sSup>
@@ -30069,7 +30106,7 @@
                       <m:funcPr>
                         <m:ctrlPr>
                           <a:rPr lang="en-US" b="0" i="1" smtClean="0">
-                            <a:latin typeface="Cambria Math"/>
+                            <a:latin typeface="Cambria Math" panose="02040503050406030204" pitchFamily="18" charset="0"/>
                           </a:rPr>
                         </m:ctrlPr>
                       </m:funcPr>
@@ -30091,7 +30128,7 @@
                             <m:endChr m:val="]"/>
                             <m:ctrlPr>
                               <a:rPr lang="en-US" b="0" i="1" smtClean="0">
-                                <a:latin typeface="Cambria Math"/>
+                                <a:latin typeface="Cambria Math" panose="02040503050406030204" pitchFamily="18" charset="0"/>
                               </a:rPr>
                             </m:ctrlPr>
                           </m:dPr>
@@ -30102,7 +30139,7 @@
                                 <m:endChr m:val="|"/>
                                 <m:ctrlPr>
                                   <a:rPr lang="en-US" b="0" i="1" smtClean="0">
-                                    <a:latin typeface="Cambria Math"/>
+                                    <a:latin typeface="Cambria Math" panose="02040503050406030204" pitchFamily="18" charset="0"/>
                                   </a:rPr>
                                 </m:ctrlPr>
                               </m:dPr>
@@ -30153,7 +30190,7 @@
                       <m:funcPr>
                         <m:ctrlPr>
                           <a:rPr lang="en-US" b="0" i="1" smtClean="0">
-                            <a:latin typeface="Cambria Math"/>
+                            <a:latin typeface="Cambria Math" panose="02040503050406030204" pitchFamily="18" charset="0"/>
                           </a:rPr>
                         </m:ctrlPr>
                       </m:funcPr>
@@ -30173,7 +30210,7 @@
                           <m:dPr>
                             <m:ctrlPr>
                               <a:rPr lang="en-US" b="0" i="1" smtClean="0">
-                                <a:latin typeface="Cambria Math"/>
+                                <a:latin typeface="Cambria Math" panose="02040503050406030204" pitchFamily="18" charset="0"/>
                               </a:rPr>
                             </m:ctrlPr>
                           </m:dPr>
@@ -30188,7 +30225,7 @@
                               <m:fPr>
                                 <m:ctrlPr>
                                   <a:rPr lang="en-US" b="0" i="1" smtClean="0">
-                                    <a:latin typeface="Cambria Math"/>
+                                    <a:latin typeface="Cambria Math" panose="02040503050406030204" pitchFamily="18" charset="0"/>
                                   </a:rPr>
                                 </m:ctrlPr>
                               </m:fPr>
@@ -30200,16 +30237,19 @@
                                   <m:t>𝜇</m:t>
                                 </m:r>
                                 <m:r>
-                                  <a:rPr lang="en-US" b="0" i="1" smtClean="0">
+                                  <a:rPr lang="en-US" b="1" i="1" smtClean="0">
+                                    <a:solidFill>
+                                      <a:srgbClr val="FF0000"/>
+                                    </a:solidFill>
                                     <a:latin typeface="Cambria Math"/>
                                   </a:rPr>
-                                  <m:t>𝑡</m:t>
+                                  <m:t>𝒕</m:t>
                                 </m:r>
                                 <m:sSup>
                                   <m:sSupPr>
                                     <m:ctrlPr>
                                       <a:rPr lang="en-US" b="0" i="1" smtClean="0">
-                                        <a:latin typeface="Cambria Math"/>
+                                        <a:latin typeface="Cambria Math" panose="02040503050406030204" pitchFamily="18" charset="0"/>
                                       </a:rPr>
                                     </m:ctrlPr>
                                   </m:sSupPr>
@@ -30265,10 +30305,13 @@
                 <a14:m>
                   <m:oMath xmlns:m="http://schemas.openxmlformats.org/officeDocument/2006/math">
                     <m:r>
-                      <a:rPr lang="en-US" b="0" i="1" smtClean="0">
+                      <a:rPr lang="en-US" b="1" i="1" smtClean="0">
+                        <a:solidFill>
+                          <a:srgbClr val="FF0000"/>
+                        </a:solidFill>
                         <a:latin typeface="Cambria Math"/>
                       </a:rPr>
-                      <m:t>𝑡</m:t>
+                      <m:t>𝒕</m:t>
                     </m:r>
                   </m:oMath>
                 </a14:m>
@@ -30367,7 +30410,7 @@
                       <m:funcPr>
                         <m:ctrlPr>
                           <a:rPr lang="en-US" b="0" i="1" smtClean="0">
-                            <a:latin typeface="Cambria Math"/>
+                            <a:latin typeface="Cambria Math" panose="02040503050406030204" pitchFamily="18" charset="0"/>
                           </a:rPr>
                         </m:ctrlPr>
                       </m:funcPr>
@@ -30389,7 +30432,7 @@
                             <m:endChr m:val="]"/>
                             <m:ctrlPr>
                               <a:rPr lang="en-US" b="0" i="1" smtClean="0">
-                                <a:latin typeface="Cambria Math"/>
+                                <a:latin typeface="Cambria Math" panose="02040503050406030204" pitchFamily="18" charset="0"/>
                               </a:rPr>
                             </m:ctrlPr>
                           </m:dPr>
@@ -30400,7 +30443,7 @@
                                 <m:endChr m:val="|"/>
                                 <m:ctrlPr>
                                   <a:rPr lang="en-US" b="0" i="1" smtClean="0">
-                                    <a:latin typeface="Cambria Math"/>
+                                    <a:latin typeface="Cambria Math" panose="02040503050406030204" pitchFamily="18" charset="0"/>
                                   </a:rPr>
                                 </m:ctrlPr>
                               </m:dPr>
@@ -30459,7 +30502,7 @@
                           <m:dPr>
                             <m:ctrlPr>
                               <a:rPr lang="en-US" b="0" i="1" smtClean="0">
-                                <a:latin typeface="Cambria Math"/>
+                                <a:latin typeface="Cambria Math" panose="02040503050406030204" pitchFamily="18" charset="0"/>
                                 <a:ea typeface="Cambria Math"/>
                               </a:rPr>
                             </m:ctrlPr>
@@ -30469,7 +30512,7 @@
                               <m:fPr>
                                 <m:ctrlPr>
                                   <a:rPr lang="en-US" b="0" i="1" smtClean="0">
-                                    <a:latin typeface="Cambria Math"/>
+                                    <a:latin typeface="Cambria Math" panose="02040503050406030204" pitchFamily="18" charset="0"/>
                                     <a:ea typeface="Cambria Math"/>
                                   </a:rPr>
                                 </m:ctrlPr>
@@ -30485,11 +30528,14 @@
                               </m:num>
                               <m:den>
                                 <m:r>
-                                  <a:rPr lang="en-US" b="0" i="1" smtClean="0">
+                                  <a:rPr lang="en-US" b="1" i="1" smtClean="0">
+                                    <a:solidFill>
+                                      <a:srgbClr val="FF0000"/>
+                                    </a:solidFill>
                                     <a:latin typeface="Cambria Math"/>
                                     <a:ea typeface="Cambria Math"/>
                                   </a:rPr>
-                                  <m:t>𝑡</m:t>
+                                  <m:t>𝒕</m:t>
                                 </m:r>
                               </m:den>
                             </m:f>
@@ -30517,7 +30563,7 @@
                       <m:funcPr>
                         <m:ctrlPr>
                           <a:rPr lang="en-US" b="0" i="1" smtClean="0">
-                            <a:latin typeface="Cambria Math"/>
+                            <a:latin typeface="Cambria Math" panose="02040503050406030204" pitchFamily="18" charset="0"/>
                           </a:rPr>
                         </m:ctrlPr>
                       </m:funcPr>
@@ -30539,7 +30585,7 @@
                             <m:endChr m:val="]"/>
                             <m:ctrlPr>
                               <a:rPr lang="en-US" b="0" i="1" smtClean="0">
-                                <a:latin typeface="Cambria Math"/>
+                                <a:latin typeface="Cambria Math" panose="02040503050406030204" pitchFamily="18" charset="0"/>
                               </a:rPr>
                             </m:ctrlPr>
                           </m:dPr>
@@ -30550,7 +30596,7 @@
                                 <m:endChr m:val="|"/>
                                 <m:ctrlPr>
                                   <a:rPr lang="en-US" b="0" i="1" smtClean="0">
-                                    <a:latin typeface="Cambria Math"/>
+                                    <a:latin typeface="Cambria Math" panose="02040503050406030204" pitchFamily="18" charset="0"/>
                                   </a:rPr>
                                 </m:ctrlPr>
                               </m:dPr>
@@ -30602,7 +30648,7 @@
                           <m:sSupPr>
                             <m:ctrlPr>
                               <a:rPr lang="en-US" b="0" i="1" smtClean="0">
-                                <a:latin typeface="Cambria Math"/>
+                                <a:latin typeface="Cambria Math" panose="02040503050406030204" pitchFamily="18" charset="0"/>
                                 <a:ea typeface="Cambria Math"/>
                               </a:rPr>
                             </m:ctrlPr>
@@ -30642,11 +30688,14 @@
                               <m:t>(</m:t>
                             </m:r>
                             <m:r>
-                              <a:rPr lang="en-US" b="0" i="1" smtClean="0">
+                              <a:rPr lang="en-US" b="1" i="1" smtClean="0">
+                                <a:solidFill>
+                                  <a:srgbClr val="FF0000"/>
+                                </a:solidFill>
                                 <a:latin typeface="Cambria Math"/>
                                 <a:ea typeface="Cambria Math"/>
                               </a:rPr>
-                              <m:t>𝑡</m:t>
+                              <m:t>𝒕</m:t>
                             </m:r>
                             <m:r>
                               <a:rPr lang="en-US" b="0" i="1" smtClean="0">
@@ -30672,7 +30721,7 @@
             </p:txBody>
           </p:sp>
         </mc:Choice>
-        <mc:Fallback xmlns="">
+        <mc:Fallback>
           <p:sp>
             <p:nvSpPr>
               <p:cNvPr id="3" name="Content Placeholder 2"/>
@@ -30688,7 +30737,7 @@
                 <a:off x="457200" y="1600200"/>
                 <a:ext cx="8686800" cy="5257800"/>
               </a:xfrm>
-              <a:blipFill rotWithShape="1">
+              <a:blipFill>
                 <a:blip r:embed="rId2"/>
                 <a:stretch>
                   <a:fillRect l="-1754" t="-1508"/>
@@ -31228,7 +31277,7 @@
                       <m:funcPr>
                         <m:ctrlPr>
                           <a:rPr lang="en-US" b="0" i="1" smtClean="0">
-                            <a:latin typeface="Cambria Math"/>
+                            <a:latin typeface="Cambria Math" panose="02040503050406030204" pitchFamily="18" charset="0"/>
                           </a:rPr>
                         </m:ctrlPr>
                       </m:funcPr>
@@ -31250,7 +31299,7 @@
                             <m:endChr m:val="]"/>
                             <m:ctrlPr>
                               <a:rPr lang="en-US" b="0" i="1" smtClean="0">
-                                <a:latin typeface="Cambria Math"/>
+                                <a:latin typeface="Cambria Math" panose="02040503050406030204" pitchFamily="18" charset="0"/>
                               </a:rPr>
                             </m:ctrlPr>
                           </m:dPr>
@@ -31261,7 +31310,7 @@
                                 <m:endChr m:val="|"/>
                                 <m:ctrlPr>
                                   <a:rPr lang="en-US" b="0" i="1" smtClean="0">
-                                    <a:latin typeface="Cambria Math"/>
+                                    <a:latin typeface="Cambria Math" panose="02040503050406030204" pitchFamily="18" charset="0"/>
                                   </a:rPr>
                                 </m:ctrlPr>
                               </m:dPr>
@@ -31320,7 +31369,7 @@
                           <m:dPr>
                             <m:ctrlPr>
                               <a:rPr lang="en-US" b="0" i="1" smtClean="0">
-                                <a:latin typeface="Cambria Math"/>
+                                <a:latin typeface="Cambria Math" panose="02040503050406030204" pitchFamily="18" charset="0"/>
                                 <a:ea typeface="Cambria Math"/>
                               </a:rPr>
                             </m:ctrlPr>
@@ -31330,7 +31379,7 @@
                               <m:fPr>
                                 <m:ctrlPr>
                                   <a:rPr lang="en-US" b="0" i="1" smtClean="0">
-                                    <a:latin typeface="Cambria Math"/>
+                                    <a:latin typeface="Cambria Math" panose="02040503050406030204" pitchFamily="18" charset="0"/>
                                     <a:ea typeface="Cambria Math"/>
                                   </a:rPr>
                                 </m:ctrlPr>
@@ -31379,7 +31428,7 @@
                       <m:funcPr>
                         <m:ctrlPr>
                           <a:rPr lang="en-US" b="0" i="1" smtClean="0">
-                            <a:latin typeface="Cambria Math"/>
+                            <a:latin typeface="Cambria Math" panose="02040503050406030204" pitchFamily="18" charset="0"/>
                           </a:rPr>
                         </m:ctrlPr>
                       </m:funcPr>
@@ -31401,7 +31450,7 @@
                             <m:endChr m:val="]"/>
                             <m:ctrlPr>
                               <a:rPr lang="en-US" b="0" i="1" smtClean="0">
-                                <a:latin typeface="Cambria Math"/>
+                                <a:latin typeface="Cambria Math" panose="02040503050406030204" pitchFamily="18" charset="0"/>
                               </a:rPr>
                             </m:ctrlPr>
                           </m:dPr>
@@ -31412,7 +31461,7 @@
                                 <m:endChr m:val="|"/>
                                 <m:ctrlPr>
                                   <a:rPr lang="en-US" b="0" i="1" smtClean="0">
-                                    <a:latin typeface="Cambria Math"/>
+                                    <a:latin typeface="Cambria Math" panose="02040503050406030204" pitchFamily="18" charset="0"/>
                                   </a:rPr>
                                 </m:ctrlPr>
                               </m:dPr>
@@ -31464,7 +31513,7 @@
                           <m:sSupPr>
                             <m:ctrlPr>
                               <a:rPr lang="en-US" b="0" i="1" smtClean="0">
-                                <a:latin typeface="Cambria Math"/>
+                                <a:latin typeface="Cambria Math" panose="02040503050406030204" pitchFamily="18" charset="0"/>
                                 <a:ea typeface="Cambria Math"/>
                               </a:rPr>
                             </m:ctrlPr>
@@ -32142,17 +32191,8 @@
           <a:p>
             <a:r>
               <a:rPr lang="en-US" dirty="0" smtClean="0"/>
-              <a:t>MW 16:00 </a:t>
+              <a:t>MW 16:00 – 17:15, Ballantine 310</a:t>
             </a:r>
-            <a:r>
-              <a:rPr lang="en-US" dirty="0" smtClean="0"/>
-              <a:t>– </a:t>
-            </a:r>
-            <a:r>
-              <a:rPr lang="en-US" dirty="0" smtClean="0"/>
-              <a:t>17:15, Ballantine 310</a:t>
-            </a:r>
-            <a:endParaRPr lang="en-US" dirty="0" smtClean="0"/>
           </a:p>
           <a:p>
             <a:r>
@@ -32171,19 +32211,7 @@
             <a:pPr lvl="1"/>
             <a:r>
               <a:rPr lang="en-US" dirty="0" smtClean="0"/>
-              <a:t>Homework </a:t>
-            </a:r>
-            <a:r>
-              <a:rPr lang="en-US" dirty="0" smtClean="0"/>
-              <a:t>assignments </a:t>
-            </a:r>
-            <a:r>
-              <a:rPr lang="en-US" dirty="0" smtClean="0"/>
-              <a:t>(40</a:t>
-            </a:r>
-            <a:r>
-              <a:rPr lang="en-US" dirty="0" smtClean="0"/>
-              <a:t>%)</a:t>
+              <a:t>Homework assignments (40%)</a:t>
             </a:r>
           </a:p>
           <a:p>
@@ -32219,17 +32247,12 @@
               <a:rPr lang="en-US" dirty="0" smtClean="0"/>
               <a:t>No handwritten homework accepted</a:t>
             </a:r>
-            <a:endParaRPr lang="en-US" dirty="0" smtClean="0"/>
           </a:p>
           <a:p>
             <a:pPr lvl="1"/>
             <a:r>
               <a:rPr lang="en-US" dirty="0" smtClean="0"/>
-              <a:t>Project (40</a:t>
-            </a:r>
-            <a:r>
-              <a:rPr lang="en-US" dirty="0" smtClean="0"/>
-              <a:t>%)</a:t>
+              <a:t>Project (40%)</a:t>
             </a:r>
           </a:p>
           <a:p>
@@ -32270,14 +32293,12 @@
               <a:rPr lang="en-US" dirty="0" smtClean="0"/>
               <a:t>06/09/16 version</a:t>
             </a:r>
-            <a:endParaRPr lang="en-US" dirty="0" smtClean="0"/>
           </a:p>
           <a:p>
             <a:r>
               <a:rPr lang="en-US" dirty="0" smtClean="0"/>
               <a:t>Office hours announced later</a:t>
             </a:r>
-            <a:endParaRPr lang="en-US" dirty="0" smtClean="0"/>
           </a:p>
           <a:p>
             <a:r>
@@ -33092,8 +33113,8 @@
           </a:p>
         </p:txBody>
       </p:sp>
-      <mc:AlternateContent xmlns:mc="http://schemas.openxmlformats.org/markup-compatibility/2006">
-        <mc:Choice xmlns:a14="http://schemas.microsoft.com/office/drawing/2010/main" Requires="a14">
+      <mc:AlternateContent xmlns:mc="http://schemas.openxmlformats.org/markup-compatibility/2006" xmlns:a14="http://schemas.microsoft.com/office/drawing/2010/main">
+        <mc:Choice Requires="a14">
           <p:sp>
             <p:nvSpPr>
               <p:cNvPr id="3" name="Content Placeholder 2"/>
@@ -33139,7 +33160,7 @@
                       <m:sSubPr>
                         <m:ctrlPr>
                           <a:rPr lang="en-US" b="0" i="1" smtClean="0">
-                            <a:latin typeface="Cambria Math"/>
+                            <a:latin typeface="Cambria Math" panose="02040503050406030204" pitchFamily="18" charset="0"/>
                           </a:rPr>
                         </m:ctrlPr>
                       </m:sSubPr>
@@ -33170,7 +33191,7 @@
                       <m:sSubPr>
                         <m:ctrlPr>
                           <a:rPr lang="en-US" b="0" i="1" smtClean="0">
-                            <a:latin typeface="Cambria Math"/>
+                            <a:latin typeface="Cambria Math" panose="02040503050406030204" pitchFamily="18" charset="0"/>
                           </a:rPr>
                         </m:ctrlPr>
                       </m:sSubPr>
@@ -33225,13 +33246,8 @@
                 </a:r>
                 <a:r>
                   <a:rPr lang="en-US" b="1" dirty="0" smtClean="0"/>
-                  <a:t>all sums repla</a:t>
+                  <a:t>all sums replaced with integrals</a:t>
                 </a:r>
-                <a:r>
-                  <a:rPr lang="en-US" b="1" dirty="0" smtClean="0"/>
-                  <a:t>ced with integrals</a:t>
-                </a:r>
-                <a:endParaRPr lang="en-US" b="1" dirty="0" smtClean="0"/>
               </a:p>
               <a:p>
                 <a:r>
@@ -33253,7 +33269,7 @@
                         <m:endChr m:val="]"/>
                         <m:ctrlPr>
                           <a:rPr lang="en-US" i="1" dirty="0" smtClean="0">
-                            <a:latin typeface="Cambria Math"/>
+                            <a:latin typeface="Cambria Math" panose="02040503050406030204" pitchFamily="18" charset="0"/>
                             <a:ea typeface="Cambria Math"/>
                           </a:rPr>
                         </m:ctrlPr>
@@ -33304,7 +33320,7 @@
                           <m:endChr m:val="]"/>
                           <m:ctrlPr>
                             <a:rPr lang="en-US" i="1" dirty="0" smtClean="0">
-                              <a:latin typeface="Cambria Math"/>
+                              <a:latin typeface="Cambria Math" panose="02040503050406030204" pitchFamily="18" charset="0"/>
                               <a:ea typeface="Cambria Math"/>
                             </a:rPr>
                           </m:ctrlPr>
@@ -33331,7 +33347,7 @@
                           <m:chr m:val="∑"/>
                           <m:ctrlPr>
                             <a:rPr lang="en-US" b="0" i="1" dirty="0" smtClean="0">
-                              <a:latin typeface="Cambria Math"/>
+                              <a:latin typeface="Cambria Math" panose="02040503050406030204" pitchFamily="18" charset="0"/>
                               <a:ea typeface="Cambria Math"/>
                             </a:rPr>
                           </m:ctrlPr>
@@ -33366,7 +33382,7 @@
                             <m:sSubPr>
                               <m:ctrlPr>
                                 <a:rPr lang="en-US" b="0" i="1" dirty="0" smtClean="0">
-                                  <a:latin typeface="Cambria Math"/>
+                                  <a:latin typeface="Cambria Math" panose="02040503050406030204" pitchFamily="18" charset="0"/>
                                   <a:ea typeface="Cambria Math"/>
                                 </a:rPr>
                               </m:ctrlPr>
@@ -33445,7 +33461,7 @@
                             <m:sSubPr>
                               <m:ctrlPr>
                                 <a:rPr lang="en-US" b="0" i="1" dirty="0" smtClean="0">
-                                  <a:latin typeface="Cambria Math"/>
+                                  <a:latin typeface="Cambria Math" panose="02040503050406030204" pitchFamily="18" charset="0"/>
                                   <a:ea typeface="Cambria Math"/>
                                 </a:rPr>
                               </m:ctrlPr>
@@ -33515,7 +33531,7 @@
                           <m:endChr m:val="]"/>
                           <m:ctrlPr>
                             <a:rPr lang="en-US" i="1" dirty="0" smtClean="0">
-                              <a:latin typeface="Cambria Math"/>
+                              <a:latin typeface="Cambria Math" panose="02040503050406030204" pitchFamily="18" charset="0"/>
                               <a:ea typeface="Cambria Math"/>
                             </a:rPr>
                           </m:ctrlPr>
@@ -33567,7 +33583,7 @@
                           <m:endChr m:val="]"/>
                           <m:ctrlPr>
                             <a:rPr lang="en-US" i="1" dirty="0" smtClean="0">
-                              <a:latin typeface="Cambria Math"/>
+                              <a:latin typeface="Cambria Math" panose="02040503050406030204" pitchFamily="18" charset="0"/>
                               <a:ea typeface="Cambria Math"/>
                             </a:rPr>
                           </m:ctrlPr>
@@ -33615,7 +33631,7 @@
                           <m:endChr m:val="]"/>
                           <m:ctrlPr>
                             <a:rPr lang="en-US" i="1" dirty="0" smtClean="0">
-                              <a:latin typeface="Cambria Math"/>
+                              <a:latin typeface="Cambria Math" panose="02040503050406030204" pitchFamily="18" charset="0"/>
                               <a:ea typeface="Cambria Math"/>
                             </a:rPr>
                           </m:ctrlPr>
@@ -33667,7 +33683,7 @@
                           <m:endChr m:val="]"/>
                           <m:ctrlPr>
                             <a:rPr lang="en-US" i="1" dirty="0" smtClean="0">
-                              <a:latin typeface="Cambria Math"/>
+                              <a:latin typeface="Cambria Math" panose="02040503050406030204" pitchFamily="18" charset="0"/>
                               <a:ea typeface="Cambria Math"/>
                             </a:rPr>
                           </m:ctrlPr>
@@ -33729,7 +33745,7 @@
                       <m:sSubPr>
                         <m:ctrlPr>
                           <a:rPr lang="en-US" b="0" i="1" smtClean="0">
-                            <a:latin typeface="Cambria Math"/>
+                            <a:latin typeface="Cambria Math" panose="02040503050406030204" pitchFamily="18" charset="0"/>
                           </a:rPr>
                         </m:ctrlPr>
                       </m:sSubPr>
@@ -33782,7 +33798,7 @@
                         <m:endChr m:val="]"/>
                         <m:ctrlPr>
                           <a:rPr lang="en-US" i="1" dirty="0" smtClean="0">
-                            <a:latin typeface="Cambria Math"/>
+                            <a:latin typeface="Cambria Math" panose="02040503050406030204" pitchFamily="18" charset="0"/>
                             <a:ea typeface="Cambria Math"/>
                           </a:rPr>
                         </m:ctrlPr>
@@ -33809,7 +33825,7 @@
                         <m:chr m:val="∑"/>
                         <m:ctrlPr>
                           <a:rPr lang="en-US" b="0" i="1" dirty="0" smtClean="0">
-                            <a:latin typeface="Cambria Math"/>
+                            <a:latin typeface="Cambria Math" panose="02040503050406030204" pitchFamily="18" charset="0"/>
                             <a:ea typeface="Cambria Math"/>
                           </a:rPr>
                         </m:ctrlPr>
@@ -33904,7 +33920,7 @@
             </p:txBody>
           </p:sp>
         </mc:Choice>
-        <mc:Fallback>
+        <mc:Fallback xmlns="">
           <p:sp>
             <p:nvSpPr>
               <p:cNvPr id="3" name="Content Placeholder 2"/>
@@ -34571,7 +34587,7 @@
                           <m:chr m:val="∑"/>
                           <m:ctrlPr>
                             <a:rPr lang="en-US" b="0" i="1" smtClean="0">
-                              <a:latin typeface="Cambria Math"/>
+                              <a:latin typeface="Cambria Math" panose="02040503050406030204" pitchFamily="18" charset="0"/>
                             </a:rPr>
                           </m:ctrlPr>
                         </m:naryPr>
@@ -34681,7 +34697,7 @@
                         <m:fPr>
                           <m:ctrlPr>
                             <a:rPr lang="en-US" b="0" i="1" smtClean="0">
-                              <a:latin typeface="Cambria Math"/>
+                              <a:latin typeface="Cambria Math" panose="02040503050406030204" pitchFamily="18" charset="0"/>
                             </a:rPr>
                           </m:ctrlPr>
                         </m:fPr>
@@ -34707,7 +34723,7 @@
                           <m:chr m:val="∑"/>
                           <m:ctrlPr>
                             <a:rPr lang="en-US" b="0" i="1" smtClean="0">
-                              <a:latin typeface="Cambria Math"/>
+                              <a:latin typeface="Cambria Math" panose="02040503050406030204" pitchFamily="18" charset="0"/>
                             </a:rPr>
                           </m:ctrlPr>
                         </m:naryPr>
@@ -34752,7 +34768,7 @@
                         <m:fPr>
                           <m:ctrlPr>
                             <a:rPr lang="en-US" b="0" i="1" smtClean="0">
-                              <a:latin typeface="Cambria Math"/>
+                              <a:latin typeface="Cambria Math" panose="02040503050406030204" pitchFamily="18" charset="0"/>
                             </a:rPr>
                           </m:ctrlPr>
                         </m:fPr>
@@ -35179,7 +35195,7 @@
                       <m:sSupPr>
                         <m:ctrlPr>
                           <a:rPr lang="en-US" b="0" i="1" dirty="0" smtClean="0">
-                            <a:latin typeface="Cambria Math"/>
+                            <a:latin typeface="Cambria Math" panose="02040503050406030204" pitchFamily="18" charset="0"/>
                             <a:ea typeface="Cambria Math"/>
                           </a:rPr>
                         </m:ctrlPr>
@@ -35197,7 +35213,7 @@
                             <m:endChr m:val="]"/>
                             <m:ctrlPr>
                               <a:rPr lang="en-US" b="0" i="1" smtClean="0">
-                                <a:latin typeface="Cambria Math"/>
+                                <a:latin typeface="Cambria Math" panose="02040503050406030204" pitchFamily="18" charset="0"/>
                               </a:rPr>
                             </m:ctrlPr>
                           </m:dPr>
@@ -35344,7 +35360,7 @@
                         <m:sSupPr>
                           <m:ctrlPr>
                             <a:rPr lang="en-US" b="0" i="1" dirty="0" smtClean="0">
-                              <a:latin typeface="Cambria Math"/>
+                              <a:latin typeface="Cambria Math" panose="02040503050406030204" pitchFamily="18" charset="0"/>
                               <a:ea typeface="Cambria Math"/>
                             </a:rPr>
                           </m:ctrlPr>
@@ -35362,7 +35378,7 @@
                               <m:endChr m:val="]"/>
                               <m:ctrlPr>
                                 <a:rPr lang="en-US" b="0" i="1" smtClean="0">
-                                  <a:latin typeface="Cambria Math"/>
+                                  <a:latin typeface="Cambria Math" panose="02040503050406030204" pitchFamily="18" charset="0"/>
                                 </a:rPr>
                               </m:ctrlPr>
                             </m:dPr>
@@ -35522,7 +35538,7 @@
                           <m:endChr m:val="]"/>
                           <m:ctrlPr>
                             <a:rPr lang="en-US" b="0" i="1" dirty="0" smtClean="0">
-                              <a:latin typeface="Cambria Math"/>
+                              <a:latin typeface="Cambria Math" panose="02040503050406030204" pitchFamily="18" charset="0"/>
                               <a:ea typeface="Cambria Math"/>
                             </a:rPr>
                           </m:ctrlPr>
@@ -35532,7 +35548,7 @@
                             <m:sSupPr>
                               <m:ctrlPr>
                                 <a:rPr lang="en-US" b="0" i="1" dirty="0" smtClean="0">
-                                  <a:latin typeface="Cambria Math"/>
+                                  <a:latin typeface="Cambria Math" panose="02040503050406030204" pitchFamily="18" charset="0"/>
                                   <a:ea typeface="Cambria Math"/>
                                 </a:rPr>
                               </m:ctrlPr>
@@ -35628,7 +35644,7 @@
                             <m:sSupPr>
                               <m:ctrlPr>
                                 <a:rPr lang="en-US" b="0" i="1" dirty="0" smtClean="0">
-                                  <a:latin typeface="Cambria Math"/>
+                                  <a:latin typeface="Cambria Math" panose="02040503050406030204" pitchFamily="18" charset="0"/>
                                   <a:ea typeface="Cambria Math"/>
                                 </a:rPr>
                               </m:ctrlPr>
@@ -35718,7 +35734,7 @@
                               <a:solidFill>
                                 <a:srgbClr val="00B050"/>
                               </a:solidFill>
-                              <a:latin typeface="Cambria Math"/>
+                              <a:latin typeface="Cambria Math" panose="02040503050406030204" pitchFamily="18" charset="0"/>
                               <a:ea typeface="Cambria Math"/>
                             </a:rPr>
                           </m:ctrlPr>
@@ -35748,7 +35764,7 @@
                             <m:sSupPr>
                               <m:ctrlPr>
                                 <a:rPr lang="en-US" b="0" i="1" dirty="0" smtClean="0">
-                                  <a:latin typeface="Cambria Math"/>
+                                  <a:latin typeface="Cambria Math" panose="02040503050406030204" pitchFamily="18" charset="0"/>
                                   <a:ea typeface="Cambria Math"/>
                                 </a:rPr>
                               </m:ctrlPr>
@@ -36318,7 +36334,7 @@
                             <a:solidFill>
                               <a:srgbClr val="0070C0"/>
                             </a:solidFill>
-                            <a:latin typeface="Cambria Math"/>
+                            <a:latin typeface="Cambria Math" panose="02040503050406030204" pitchFamily="18" charset="0"/>
                           </a:rPr>
                         </m:ctrlPr>
                       </m:sSupPr>
@@ -36399,7 +36415,7 @@
                             <a:solidFill>
                               <a:srgbClr val="00B050"/>
                             </a:solidFill>
-                            <a:latin typeface="Cambria Math"/>
+                            <a:latin typeface="Cambria Math" panose="02040503050406030204" pitchFamily="18" charset="0"/>
                             <a:ea typeface="Cambria Math"/>
                           </a:rPr>
                         </m:ctrlPr>
@@ -36524,7 +36540,7 @@
                             <a:solidFill>
                               <a:srgbClr val="00B050"/>
                             </a:solidFill>
-                            <a:latin typeface="Cambria Math"/>
+                            <a:latin typeface="Cambria Math" panose="02040503050406030204" pitchFamily="18" charset="0"/>
                             <a:ea typeface="Cambria Math"/>
                           </a:rPr>
                         </m:ctrlPr>
@@ -36625,7 +36641,7 @@
                         <m:endChr m:val="]"/>
                         <m:ctrlPr>
                           <a:rPr lang="en-US" b="0" i="1" smtClean="0">
-                            <a:latin typeface="Cambria Math"/>
+                            <a:latin typeface="Cambria Math" panose="02040503050406030204" pitchFamily="18" charset="0"/>
                           </a:rPr>
                         </m:ctrlPr>
                       </m:dPr>
@@ -36668,7 +36684,7 @@
                       <m:sSupPr>
                         <m:ctrlPr>
                           <a:rPr lang="en-US" b="0" i="1" dirty="0" smtClean="0">
-                            <a:latin typeface="Cambria Math"/>
+                            <a:latin typeface="Cambria Math" panose="02040503050406030204" pitchFamily="18" charset="0"/>
                             <a:ea typeface="Cambria Math"/>
                           </a:rPr>
                         </m:ctrlPr>
@@ -36716,7 +36732,7 @@
                             <a:solidFill>
                               <a:srgbClr val="0070C0"/>
                             </a:solidFill>
-                            <a:latin typeface="Cambria Math"/>
+                            <a:latin typeface="Cambria Math" panose="02040503050406030204" pitchFamily="18" charset="0"/>
                           </a:rPr>
                         </m:ctrlPr>
                       </m:sSupPr>
@@ -36765,7 +36781,7 @@
                             <a:solidFill>
                               <a:srgbClr val="0070C0"/>
                             </a:solidFill>
-                            <a:latin typeface="Cambria Math"/>
+                            <a:latin typeface="Cambria Math" panose="02040503050406030204" pitchFamily="18" charset="0"/>
                           </a:rPr>
                         </m:ctrlPr>
                       </m:dPr>
@@ -36794,7 +36810,7 @@
                             <a:solidFill>
                               <a:srgbClr val="00B050"/>
                             </a:solidFill>
-                            <a:latin typeface="Cambria Math"/>
+                            <a:latin typeface="Cambria Math" panose="02040503050406030204" pitchFamily="18" charset="0"/>
                             <a:ea typeface="Cambria Math"/>
                           </a:rPr>
                         </m:ctrlPr>
@@ -36919,7 +36935,7 @@
                             <a:solidFill>
                               <a:srgbClr val="FF0000"/>
                             </a:solidFill>
-                            <a:latin typeface="Cambria Math"/>
+                            <a:latin typeface="Cambria Math" panose="02040503050406030204" pitchFamily="18" charset="0"/>
                             <a:ea typeface="Cambria Math"/>
                           </a:rPr>
                         </m:ctrlPr>
@@ -36966,7 +36982,7 @@
                             <a:solidFill>
                               <a:srgbClr val="FF0000"/>
                             </a:solidFill>
-                            <a:latin typeface="Cambria Math"/>
+                            <a:latin typeface="Cambria Math" panose="02040503050406030204" pitchFamily="18" charset="0"/>
                             <a:ea typeface="Cambria Math"/>
                           </a:rPr>
                         </m:ctrlPr>
@@ -37093,7 +37109,7 @@
                       <m:sSupPr>
                         <m:ctrlPr>
                           <a:rPr lang="en-US" i="1" dirty="0" smtClean="0">
-                            <a:latin typeface="Cambria Math"/>
+                            <a:latin typeface="Cambria Math" panose="02040503050406030204" pitchFamily="18" charset="0"/>
                           </a:rPr>
                         </m:ctrlPr>
                       </m:sSupPr>
@@ -37816,7 +37832,7 @@
                         <m:endChr m:val="]"/>
                         <m:ctrlPr>
                           <a:rPr lang="en-US" b="0" i="1" smtClean="0">
-                            <a:latin typeface="Cambria Math"/>
+                            <a:latin typeface="Cambria Math" panose="02040503050406030204" pitchFamily="18" charset="0"/>
                           </a:rPr>
                         </m:ctrlPr>
                       </m:dPr>
@@ -37857,7 +37873,7 @@
                       <m:sSupPr>
                         <m:ctrlPr>
                           <a:rPr lang="en-US" b="0" i="1" dirty="0" smtClean="0">
-                            <a:latin typeface="Cambria Math"/>
+                            <a:latin typeface="Cambria Math" panose="02040503050406030204" pitchFamily="18" charset="0"/>
                           </a:rPr>
                         </m:ctrlPr>
                       </m:sSupPr>
@@ -37866,7 +37882,7 @@
                           <m:dPr>
                             <m:ctrlPr>
                               <a:rPr lang="en-US" b="0" i="1" dirty="0" smtClean="0">
-                                <a:latin typeface="Cambria Math"/>
+                                <a:latin typeface="Cambria Math" panose="02040503050406030204" pitchFamily="18" charset="0"/>
                               </a:rPr>
                             </m:ctrlPr>
                           </m:dPr>
@@ -37899,7 +37915,7 @@
                                 <m:endChr m:val="]"/>
                                 <m:ctrlPr>
                                   <a:rPr lang="en-US" i="1" dirty="0" smtClean="0">
-                                    <a:latin typeface="Cambria Math"/>
+                                    <a:latin typeface="Cambria Math" panose="02040503050406030204" pitchFamily="18" charset="0"/>
                                     <a:ea typeface="Cambria Math"/>
                                   </a:rPr>
                                 </m:ctrlPr>
@@ -37971,7 +37987,7 @@
                       <m:sSupPr>
                         <m:ctrlPr>
                           <a:rPr lang="en-US" b="0" i="1" dirty="0" smtClean="0">
-                            <a:latin typeface="Cambria Math"/>
+                            <a:latin typeface="Cambria Math" panose="02040503050406030204" pitchFamily="18" charset="0"/>
                           </a:rPr>
                         </m:ctrlPr>
                       </m:sSupPr>
@@ -37980,7 +37996,7 @@
                           <m:dPr>
                             <m:ctrlPr>
                               <a:rPr lang="en-US" b="0" i="1" dirty="0" smtClean="0">
-                                <a:latin typeface="Cambria Math"/>
+                                <a:latin typeface="Cambria Math" panose="02040503050406030204" pitchFamily="18" charset="0"/>
                               </a:rPr>
                             </m:ctrlPr>
                           </m:dPr>
@@ -38038,7 +38054,7 @@
                         <m:chr m:val="∑"/>
                         <m:ctrlPr>
                           <a:rPr lang="en-US" b="0" i="1" dirty="0" smtClean="0">
-                            <a:latin typeface="Cambria Math"/>
+                            <a:latin typeface="Cambria Math" panose="02040503050406030204" pitchFamily="18" charset="0"/>
                           </a:rPr>
                         </m:ctrlPr>
                       </m:naryPr>
@@ -38069,7 +38085,7 @@
                           <m:sSupPr>
                             <m:ctrlPr>
                               <a:rPr lang="en-US" b="0" i="1" dirty="0" smtClean="0">
-                                <a:latin typeface="Cambria Math"/>
+                                <a:latin typeface="Cambria Math" panose="02040503050406030204" pitchFamily="18" charset="0"/>
                               </a:rPr>
                             </m:ctrlPr>
                           </m:sSupPr>
@@ -38078,7 +38094,7 @@
                               <m:dPr>
                                 <m:ctrlPr>
                                   <a:rPr lang="en-US" b="0" i="1" dirty="0" smtClean="0">
-                                    <a:latin typeface="Cambria Math"/>
+                                    <a:latin typeface="Cambria Math" panose="02040503050406030204" pitchFamily="18" charset="0"/>
                                   </a:rPr>
                                 </m:ctrlPr>
                               </m:dPr>
@@ -38127,7 +38143,7 @@
                         <m:endChr m:val="]"/>
                         <m:ctrlPr>
                           <a:rPr lang="en-US" b="0" i="1" dirty="0" smtClean="0">
-                            <a:latin typeface="Cambria Math"/>
+                            <a:latin typeface="Cambria Math" panose="02040503050406030204" pitchFamily="18" charset="0"/>
                           </a:rPr>
                         </m:ctrlPr>
                       </m:dPr>
@@ -38183,7 +38199,7 @@
                       <m:fPr>
                         <m:ctrlPr>
                           <a:rPr lang="en-US" b="0" i="1" dirty="0" smtClean="0">
-                            <a:latin typeface="Cambria Math"/>
+                            <a:latin typeface="Cambria Math" panose="02040503050406030204" pitchFamily="18" charset="0"/>
                           </a:rPr>
                         </m:ctrlPr>
                       </m:fPr>
@@ -38209,7 +38225,7 @@
                         <m:chr m:val="∑"/>
                         <m:ctrlPr>
                           <a:rPr lang="en-US" b="0" i="1" dirty="0" smtClean="0">
-                            <a:latin typeface="Cambria Math"/>
+                            <a:latin typeface="Cambria Math" panose="02040503050406030204" pitchFamily="18" charset="0"/>
                           </a:rPr>
                         </m:ctrlPr>
                       </m:naryPr>
@@ -38240,7 +38256,7 @@
                           <m:sSupPr>
                             <m:ctrlPr>
                               <a:rPr lang="en-US" b="0" i="1" dirty="0" smtClean="0">
-                                <a:latin typeface="Cambria Math"/>
+                                <a:latin typeface="Cambria Math" panose="02040503050406030204" pitchFamily="18" charset="0"/>
                               </a:rPr>
                             </m:ctrlPr>
                           </m:sSupPr>
@@ -38249,7 +38265,7 @@
                               <m:dPr>
                                 <m:ctrlPr>
                                   <a:rPr lang="en-US" b="0" i="1" dirty="0" smtClean="0">
-                                    <a:latin typeface="Cambria Math"/>
+                                    <a:latin typeface="Cambria Math" panose="02040503050406030204" pitchFamily="18" charset="0"/>
                                   </a:rPr>
                                 </m:ctrlPr>
                               </m:dPr>
@@ -38302,7 +38318,7 @@
                       <m:fPr>
                         <m:ctrlPr>
                           <a:rPr lang="en-US" b="0" i="1" dirty="0" smtClean="0">
-                            <a:latin typeface="Cambria Math"/>
+                            <a:latin typeface="Cambria Math" panose="02040503050406030204" pitchFamily="18" charset="0"/>
                           </a:rPr>
                         </m:ctrlPr>
                       </m:fPr>
@@ -38335,7 +38351,7 @@
                       <m:sSupPr>
                         <m:ctrlPr>
                           <a:rPr lang="en-US" i="1" dirty="0" smtClean="0">
-                            <a:latin typeface="Cambria Math"/>
+                            <a:latin typeface="Cambria Math" panose="02040503050406030204" pitchFamily="18" charset="0"/>
                           </a:rPr>
                         </m:ctrlPr>
                       </m:sSupPr>
@@ -38350,7 +38366,7 @@
                           <m:dPr>
                             <m:ctrlPr>
                               <a:rPr lang="en-US" i="1" dirty="0" smtClean="0">
-                                <a:latin typeface="Cambria Math"/>
+                                <a:latin typeface="Cambria Math" panose="02040503050406030204" pitchFamily="18" charset="0"/>
                               </a:rPr>
                             </m:ctrlPr>
                           </m:dPr>
@@ -38385,7 +38401,7 @@
                       <m:sSupPr>
                         <m:ctrlPr>
                           <a:rPr lang="en-US" i="1" dirty="0" smtClean="0">
-                            <a:latin typeface="Cambria Math"/>
+                            <a:latin typeface="Cambria Math" panose="02040503050406030204" pitchFamily="18" charset="0"/>
                           </a:rPr>
                         </m:ctrlPr>
                       </m:sSupPr>
@@ -38394,7 +38410,7 @@
                           <m:dPr>
                             <m:ctrlPr>
                               <a:rPr lang="en-US" i="1" dirty="0" smtClean="0">
-                                <a:latin typeface="Cambria Math"/>
+                                <a:latin typeface="Cambria Math" panose="02040503050406030204" pitchFamily="18" charset="0"/>
                               </a:rPr>
                             </m:ctrlPr>
                           </m:dPr>
@@ -38433,7 +38449,7 @@
                       <m:sSupPr>
                         <m:ctrlPr>
                           <a:rPr lang="en-US" i="1" dirty="0" smtClean="0">
-                            <a:latin typeface="Cambria Math"/>
+                            <a:latin typeface="Cambria Math" panose="02040503050406030204" pitchFamily="18" charset="0"/>
                           </a:rPr>
                         </m:ctrlPr>
                       </m:sSupPr>
@@ -38442,7 +38458,7 @@
                           <m:dPr>
                             <m:ctrlPr>
                               <a:rPr lang="en-US" i="1" dirty="0" smtClean="0">
-                                <a:latin typeface="Cambria Math"/>
+                                <a:latin typeface="Cambria Math" panose="02040503050406030204" pitchFamily="18" charset="0"/>
                               </a:rPr>
                             </m:ctrlPr>
                           </m:dPr>
@@ -38497,7 +38513,7 @@
                         <m:sSupPr>
                           <m:ctrlPr>
                             <a:rPr lang="en-US" i="1" dirty="0" smtClean="0">
-                              <a:latin typeface="Cambria Math"/>
+                              <a:latin typeface="Cambria Math" panose="02040503050406030204" pitchFamily="18" charset="0"/>
                             </a:rPr>
                           </m:ctrlPr>
                         </m:sSupPr>
@@ -38506,7 +38522,7 @@
                             <m:dPr>
                               <m:ctrlPr>
                                 <a:rPr lang="en-US" i="1" dirty="0" smtClean="0">
-                                  <a:latin typeface="Cambria Math"/>
+                                  <a:latin typeface="Cambria Math" panose="02040503050406030204" pitchFamily="18" charset="0"/>
                                 </a:rPr>
                               </m:ctrlPr>
                             </m:dPr>
@@ -38546,7 +38562,7 @@
                         <m:sSupPr>
                           <m:ctrlPr>
                             <a:rPr lang="en-US" i="1" dirty="0" smtClean="0">
-                              <a:latin typeface="Cambria Math"/>
+                              <a:latin typeface="Cambria Math" panose="02040503050406030204" pitchFamily="18" charset="0"/>
                             </a:rPr>
                           </m:ctrlPr>
                         </m:sSupPr>
@@ -38555,7 +38571,7 @@
                             <m:dPr>
                               <m:ctrlPr>
                                 <a:rPr lang="en-US" i="1" dirty="0" smtClean="0">
-                                  <a:latin typeface="Cambria Math"/>
+                                  <a:latin typeface="Cambria Math" panose="02040503050406030204" pitchFamily="18" charset="0"/>
                                 </a:rPr>
                               </m:ctrlPr>
                             </m:dPr>
@@ -38594,7 +38610,7 @@
                         <m:sSupPr>
                           <m:ctrlPr>
                             <a:rPr lang="en-US" i="1" dirty="0" smtClean="0">
-                              <a:latin typeface="Cambria Math"/>
+                              <a:latin typeface="Cambria Math" panose="02040503050406030204" pitchFamily="18" charset="0"/>
                             </a:rPr>
                           </m:ctrlPr>
                         </m:sSupPr>
@@ -38603,7 +38619,7 @@
                             <m:dPr>
                               <m:ctrlPr>
                                 <a:rPr lang="en-US" i="1" dirty="0" smtClean="0">
-                                  <a:latin typeface="Cambria Math"/>
+                                  <a:latin typeface="Cambria Math" panose="02040503050406030204" pitchFamily="18" charset="0"/>
                                 </a:rPr>
                               </m:ctrlPr>
                             </m:dPr>
@@ -38667,7 +38683,7 @@
                       <m:fPr>
                         <m:ctrlPr>
                           <a:rPr lang="en-US" b="0" i="1" dirty="0" smtClean="0">
-                            <a:latin typeface="Cambria Math"/>
+                            <a:latin typeface="Cambria Math" panose="02040503050406030204" pitchFamily="18" charset="0"/>
                           </a:rPr>
                         </m:ctrlPr>
                       </m:fPr>
@@ -38694,7 +38710,7 @@
                         <m:endChr m:val="]"/>
                         <m:ctrlPr>
                           <a:rPr lang="en-US" b="0" i="1" dirty="0" smtClean="0">
-                            <a:latin typeface="Cambria Math"/>
+                            <a:latin typeface="Cambria Math" panose="02040503050406030204" pitchFamily="18" charset="0"/>
                           </a:rPr>
                         </m:ctrlPr>
                       </m:dPr>
@@ -38735,7 +38751,7 @@
                       <m:fPr>
                         <m:ctrlPr>
                           <a:rPr lang="en-US" i="1" dirty="0" smtClean="0">
-                            <a:latin typeface="Cambria Math"/>
+                            <a:latin typeface="Cambria Math" panose="02040503050406030204" pitchFamily="18" charset="0"/>
                           </a:rPr>
                         </m:ctrlPr>
                       </m:fPr>
